--- a/PROJECT2.pptx
+++ b/PROJECT2.pptx
@@ -5,10 +5,10 @@
     <p:sldMasterId id="2147483940" r:id="rId1"/>
   </p:sldMasterIdLst>
   <p:notesMasterIdLst>
-    <p:notesMasterId r:id="rId17"/>
+    <p:notesMasterId r:id="rId21"/>
   </p:notesMasterIdLst>
   <p:handoutMasterIdLst>
-    <p:handoutMasterId r:id="rId18"/>
+    <p:handoutMasterId r:id="rId22"/>
   </p:handoutMasterIdLst>
   <p:sldIdLst>
     <p:sldId id="3072" r:id="rId2"/>
@@ -17,20 +17,24 @@
     <p:sldId id="3085" r:id="rId5"/>
     <p:sldId id="3094" r:id="rId6"/>
     <p:sldId id="3098" r:id="rId7"/>
-    <p:sldId id="3104" r:id="rId8"/>
-    <p:sldId id="3082" r:id="rId9"/>
-    <p:sldId id="3097" r:id="rId10"/>
-    <p:sldId id="3079" r:id="rId11"/>
-    <p:sldId id="3105" r:id="rId12"/>
-    <p:sldId id="3087" r:id="rId13"/>
-    <p:sldId id="3108" r:id="rId14"/>
-    <p:sldId id="3078" r:id="rId15"/>
-    <p:sldId id="3107" r:id="rId16"/>
+    <p:sldId id="3109" r:id="rId8"/>
+    <p:sldId id="3104" r:id="rId9"/>
+    <p:sldId id="3082" r:id="rId10"/>
+    <p:sldId id="3097" r:id="rId11"/>
+    <p:sldId id="3110" r:id="rId12"/>
+    <p:sldId id="3111" r:id="rId13"/>
+    <p:sldId id="3079" r:id="rId14"/>
+    <p:sldId id="3105" r:id="rId15"/>
+    <p:sldId id="3087" r:id="rId16"/>
+    <p:sldId id="3108" r:id="rId17"/>
+    <p:sldId id="3078" r:id="rId18"/>
+    <p:sldId id="3112" r:id="rId19"/>
+    <p:sldId id="3107" r:id="rId20"/>
   </p:sldIdLst>
   <p:sldSz cx="12858750" cy="7232650"/>
   <p:notesSz cx="6858000" cy="9144000"/>
   <p:custDataLst>
-    <p:tags r:id="rId19"/>
+    <p:tags r:id="rId23"/>
   </p:custDataLst>
   <p:defaultTextStyle>
     <a:defPPr>
@@ -202,6 +206,3091 @@
     </p:ext>
   </p:extLst>
 </p:presentation>
+</file>
+
+<file path=ppt/revisionInfo.xml><?xml version="1.0" encoding="utf-8"?>
+<p1510:revInfo xmlns:a="http://schemas.openxmlformats.org/drawingml/2006/main" xmlns:r="http://schemas.openxmlformats.org/officeDocument/2006/relationships" xmlns:p1510="http://schemas.microsoft.com/office/powerpoint/2015/10/main"/>
+</file>
+
+<file path=ppt/diagrams/colors1.xml><?xml version="1.0" encoding="utf-8"?>
+<dgm:colorsDef xmlns:dgm="http://schemas.openxmlformats.org/drawingml/2006/diagram" xmlns:a="http://schemas.openxmlformats.org/drawingml/2006/main" uniqueId="urn:microsoft.com/office/officeart/2005/8/colors/accent1_2">
+  <dgm:title val=""/>
+  <dgm:desc val=""/>
+  <dgm:catLst>
+    <dgm:cat type="accent1" pri="11200"/>
+  </dgm:catLst>
+  <dgm:styleLbl name="node0">
+    <dgm:fillClrLst meth="repeat">
+      <a:schemeClr val="accent1"/>
+    </dgm:fillClrLst>
+    <dgm:linClrLst meth="repeat">
+      <a:schemeClr val="lt1"/>
+    </dgm:linClrLst>
+    <dgm:effectClrLst/>
+    <dgm:txLinClrLst/>
+    <dgm:txFillClrLst/>
+    <dgm:txEffectClrLst/>
+  </dgm:styleLbl>
+  <dgm:styleLbl name="alignNode1">
+    <dgm:fillClrLst meth="repeat">
+      <a:schemeClr val="accent1"/>
+    </dgm:fillClrLst>
+    <dgm:linClrLst meth="repeat">
+      <a:schemeClr val="accent1"/>
+    </dgm:linClrLst>
+    <dgm:effectClrLst/>
+    <dgm:txLinClrLst/>
+    <dgm:txFillClrLst/>
+    <dgm:txEffectClrLst/>
+  </dgm:styleLbl>
+  <dgm:styleLbl name="node1">
+    <dgm:fillClrLst meth="repeat">
+      <a:schemeClr val="accent1"/>
+    </dgm:fillClrLst>
+    <dgm:linClrLst meth="repeat">
+      <a:schemeClr val="lt1"/>
+    </dgm:linClrLst>
+    <dgm:effectClrLst/>
+    <dgm:txLinClrLst/>
+    <dgm:txFillClrLst/>
+    <dgm:txEffectClrLst/>
+  </dgm:styleLbl>
+  <dgm:styleLbl name="lnNode1">
+    <dgm:fillClrLst meth="repeat">
+      <a:schemeClr val="accent1"/>
+    </dgm:fillClrLst>
+    <dgm:linClrLst meth="repeat">
+      <a:schemeClr val="lt1"/>
+    </dgm:linClrLst>
+    <dgm:effectClrLst/>
+    <dgm:txLinClrLst/>
+    <dgm:txFillClrLst/>
+    <dgm:txEffectClrLst/>
+  </dgm:styleLbl>
+  <dgm:styleLbl name="vennNode1">
+    <dgm:fillClrLst meth="repeat">
+      <a:schemeClr val="accent1">
+        <a:alpha val="50000"/>
+      </a:schemeClr>
+    </dgm:fillClrLst>
+    <dgm:linClrLst meth="repeat">
+      <a:schemeClr val="lt1"/>
+    </dgm:linClrLst>
+    <dgm:effectClrLst/>
+    <dgm:txLinClrLst/>
+    <dgm:txFillClrLst/>
+    <dgm:txEffectClrLst/>
+  </dgm:styleLbl>
+  <dgm:styleLbl name="node2">
+    <dgm:fillClrLst meth="repeat">
+      <a:schemeClr val="accent1"/>
+    </dgm:fillClrLst>
+    <dgm:linClrLst meth="repeat">
+      <a:schemeClr val="lt1"/>
+    </dgm:linClrLst>
+    <dgm:effectClrLst/>
+    <dgm:txLinClrLst/>
+    <dgm:txFillClrLst/>
+    <dgm:txEffectClrLst/>
+  </dgm:styleLbl>
+  <dgm:styleLbl name="node3">
+    <dgm:fillClrLst meth="repeat">
+      <a:schemeClr val="accent1"/>
+    </dgm:fillClrLst>
+    <dgm:linClrLst meth="repeat">
+      <a:schemeClr val="lt1"/>
+    </dgm:linClrLst>
+    <dgm:effectClrLst/>
+    <dgm:txLinClrLst/>
+    <dgm:txFillClrLst/>
+    <dgm:txEffectClrLst/>
+  </dgm:styleLbl>
+  <dgm:styleLbl name="node4">
+    <dgm:fillClrLst meth="repeat">
+      <a:schemeClr val="accent1"/>
+    </dgm:fillClrLst>
+    <dgm:linClrLst meth="repeat">
+      <a:schemeClr val="lt1"/>
+    </dgm:linClrLst>
+    <dgm:effectClrLst/>
+    <dgm:txLinClrLst/>
+    <dgm:txFillClrLst/>
+    <dgm:txEffectClrLst/>
+  </dgm:styleLbl>
+  <dgm:styleLbl name="fgImgPlace1">
+    <dgm:fillClrLst meth="repeat">
+      <a:schemeClr val="accent1">
+        <a:tint val="50000"/>
+      </a:schemeClr>
+    </dgm:fillClrLst>
+    <dgm:linClrLst meth="repeat">
+      <a:schemeClr val="lt1"/>
+    </dgm:linClrLst>
+    <dgm:effectClrLst/>
+    <dgm:txLinClrLst/>
+    <dgm:txFillClrLst meth="repeat">
+      <a:schemeClr val="lt1"/>
+    </dgm:txFillClrLst>
+    <dgm:txEffectClrLst/>
+  </dgm:styleLbl>
+  <dgm:styleLbl name="alignImgPlace1">
+    <dgm:fillClrLst meth="repeat">
+      <a:schemeClr val="accent1">
+        <a:tint val="50000"/>
+      </a:schemeClr>
+    </dgm:fillClrLst>
+    <dgm:linClrLst meth="repeat">
+      <a:schemeClr val="lt1"/>
+    </dgm:linClrLst>
+    <dgm:effectClrLst/>
+    <dgm:txLinClrLst/>
+    <dgm:txFillClrLst meth="repeat">
+      <a:schemeClr val="lt1"/>
+    </dgm:txFillClrLst>
+    <dgm:txEffectClrLst/>
+  </dgm:styleLbl>
+  <dgm:styleLbl name="bgImgPlace1">
+    <dgm:fillClrLst meth="repeat">
+      <a:schemeClr val="accent1">
+        <a:tint val="50000"/>
+      </a:schemeClr>
+    </dgm:fillClrLst>
+    <dgm:linClrLst meth="repeat">
+      <a:schemeClr val="lt1"/>
+    </dgm:linClrLst>
+    <dgm:effectClrLst/>
+    <dgm:txLinClrLst/>
+    <dgm:txFillClrLst meth="repeat">
+      <a:schemeClr val="lt1"/>
+    </dgm:txFillClrLst>
+    <dgm:txEffectClrLst/>
+  </dgm:styleLbl>
+  <dgm:styleLbl name="sibTrans2D1">
+    <dgm:fillClrLst meth="repeat">
+      <a:schemeClr val="accent1">
+        <a:tint val="60000"/>
+      </a:schemeClr>
+    </dgm:fillClrLst>
+    <dgm:linClrLst meth="repeat">
+      <a:schemeClr val="accent1">
+        <a:tint val="60000"/>
+      </a:schemeClr>
+    </dgm:linClrLst>
+    <dgm:effectClrLst/>
+    <dgm:txLinClrLst/>
+    <dgm:txFillClrLst/>
+    <dgm:txEffectClrLst/>
+  </dgm:styleLbl>
+  <dgm:styleLbl name="fgSibTrans2D1">
+    <dgm:fillClrLst meth="repeat">
+      <a:schemeClr val="accent1">
+        <a:tint val="60000"/>
+      </a:schemeClr>
+    </dgm:fillClrLst>
+    <dgm:linClrLst meth="repeat">
+      <a:schemeClr val="accent1">
+        <a:tint val="60000"/>
+      </a:schemeClr>
+    </dgm:linClrLst>
+    <dgm:effectClrLst/>
+    <dgm:txLinClrLst/>
+    <dgm:txFillClrLst/>
+    <dgm:txEffectClrLst/>
+  </dgm:styleLbl>
+  <dgm:styleLbl name="bgSibTrans2D1">
+    <dgm:fillClrLst meth="repeat">
+      <a:schemeClr val="accent1">
+        <a:tint val="60000"/>
+      </a:schemeClr>
+    </dgm:fillClrLst>
+    <dgm:linClrLst meth="repeat">
+      <a:schemeClr val="accent1">
+        <a:tint val="60000"/>
+      </a:schemeClr>
+    </dgm:linClrLst>
+    <dgm:effectClrLst/>
+    <dgm:txLinClrLst/>
+    <dgm:txFillClrLst/>
+    <dgm:txEffectClrLst/>
+  </dgm:styleLbl>
+  <dgm:styleLbl name="sibTrans1D1">
+    <dgm:fillClrLst meth="repeat">
+      <a:schemeClr val="accent1"/>
+    </dgm:fillClrLst>
+    <dgm:linClrLst meth="repeat">
+      <a:schemeClr val="accent1"/>
+    </dgm:linClrLst>
+    <dgm:effectClrLst/>
+    <dgm:txLinClrLst/>
+    <dgm:txFillClrLst meth="repeat">
+      <a:schemeClr val="tx1"/>
+    </dgm:txFillClrLst>
+    <dgm:txEffectClrLst/>
+  </dgm:styleLbl>
+  <dgm:styleLbl name="callout">
+    <dgm:fillClrLst meth="repeat">
+      <a:schemeClr val="accent1"/>
+    </dgm:fillClrLst>
+    <dgm:linClrLst meth="repeat">
+      <a:schemeClr val="accent1">
+        <a:tint val="50000"/>
+      </a:schemeClr>
+    </dgm:linClrLst>
+    <dgm:effectClrLst/>
+    <dgm:txLinClrLst/>
+    <dgm:txFillClrLst meth="repeat">
+      <a:schemeClr val="tx1"/>
+    </dgm:txFillClrLst>
+    <dgm:txEffectClrLst/>
+  </dgm:styleLbl>
+  <dgm:styleLbl name="asst0">
+    <dgm:fillClrLst meth="repeat">
+      <a:schemeClr val="accent1"/>
+    </dgm:fillClrLst>
+    <dgm:linClrLst meth="repeat">
+      <a:schemeClr val="lt1"/>
+    </dgm:linClrLst>
+    <dgm:effectClrLst/>
+    <dgm:txLinClrLst/>
+    <dgm:txFillClrLst/>
+    <dgm:txEffectClrLst/>
+  </dgm:styleLbl>
+  <dgm:styleLbl name="asst1">
+    <dgm:fillClrLst meth="repeat">
+      <a:schemeClr val="accent1"/>
+    </dgm:fillClrLst>
+    <dgm:linClrLst meth="repeat">
+      <a:schemeClr val="lt1"/>
+    </dgm:linClrLst>
+    <dgm:effectClrLst/>
+    <dgm:txLinClrLst/>
+    <dgm:txFillClrLst/>
+    <dgm:txEffectClrLst/>
+  </dgm:styleLbl>
+  <dgm:styleLbl name="asst2">
+    <dgm:fillClrLst meth="repeat">
+      <a:schemeClr val="accent1"/>
+    </dgm:fillClrLst>
+    <dgm:linClrLst meth="repeat">
+      <a:schemeClr val="lt1"/>
+    </dgm:linClrLst>
+    <dgm:effectClrLst/>
+    <dgm:txLinClrLst/>
+    <dgm:txFillClrLst/>
+    <dgm:txEffectClrLst/>
+  </dgm:styleLbl>
+  <dgm:styleLbl name="asst3">
+    <dgm:fillClrLst meth="repeat">
+      <a:schemeClr val="accent1"/>
+    </dgm:fillClrLst>
+    <dgm:linClrLst meth="repeat">
+      <a:schemeClr val="lt1"/>
+    </dgm:linClrLst>
+    <dgm:effectClrLst/>
+    <dgm:txLinClrLst/>
+    <dgm:txFillClrLst/>
+    <dgm:txEffectClrLst/>
+  </dgm:styleLbl>
+  <dgm:styleLbl name="asst4">
+    <dgm:fillClrLst meth="repeat">
+      <a:schemeClr val="accent1"/>
+    </dgm:fillClrLst>
+    <dgm:linClrLst meth="repeat">
+      <a:schemeClr val="lt1"/>
+    </dgm:linClrLst>
+    <dgm:effectClrLst/>
+    <dgm:txLinClrLst/>
+    <dgm:txFillClrLst/>
+    <dgm:txEffectClrLst/>
+  </dgm:styleLbl>
+  <dgm:styleLbl name="parChTrans2D1">
+    <dgm:fillClrLst meth="repeat">
+      <a:schemeClr val="accent1">
+        <a:tint val="60000"/>
+      </a:schemeClr>
+    </dgm:fillClrLst>
+    <dgm:linClrLst meth="repeat">
+      <a:schemeClr val="accent1">
+        <a:tint val="60000"/>
+      </a:schemeClr>
+    </dgm:linClrLst>
+    <dgm:effectClrLst/>
+    <dgm:txLinClrLst/>
+    <dgm:txFillClrLst meth="repeat">
+      <a:schemeClr val="lt1"/>
+    </dgm:txFillClrLst>
+    <dgm:txEffectClrLst/>
+  </dgm:styleLbl>
+  <dgm:styleLbl name="parChTrans2D2">
+    <dgm:fillClrLst meth="repeat">
+      <a:schemeClr val="accent1"/>
+    </dgm:fillClrLst>
+    <dgm:linClrLst meth="repeat">
+      <a:schemeClr val="accent1"/>
+    </dgm:linClrLst>
+    <dgm:effectClrLst/>
+    <dgm:txLinClrLst/>
+    <dgm:txFillClrLst meth="repeat">
+      <a:schemeClr val="lt1"/>
+    </dgm:txFillClrLst>
+    <dgm:txEffectClrLst/>
+  </dgm:styleLbl>
+  <dgm:styleLbl name="parChTrans2D3">
+    <dgm:fillClrLst meth="repeat">
+      <a:schemeClr val="accent1"/>
+    </dgm:fillClrLst>
+    <dgm:linClrLst meth="repeat">
+      <a:schemeClr val="accent1"/>
+    </dgm:linClrLst>
+    <dgm:effectClrLst/>
+    <dgm:txLinClrLst/>
+    <dgm:txFillClrLst meth="repeat">
+      <a:schemeClr val="lt1"/>
+    </dgm:txFillClrLst>
+    <dgm:txEffectClrLst/>
+  </dgm:styleLbl>
+  <dgm:styleLbl name="parChTrans2D4">
+    <dgm:fillClrLst meth="repeat">
+      <a:schemeClr val="accent1"/>
+    </dgm:fillClrLst>
+    <dgm:linClrLst meth="repeat">
+      <a:schemeClr val="accent1"/>
+    </dgm:linClrLst>
+    <dgm:effectClrLst/>
+    <dgm:txLinClrLst/>
+    <dgm:txFillClrLst meth="repeat">
+      <a:schemeClr val="lt1"/>
+    </dgm:txFillClrLst>
+    <dgm:txEffectClrLst/>
+  </dgm:styleLbl>
+  <dgm:styleLbl name="parChTrans1D1">
+    <dgm:fillClrLst meth="repeat">
+      <a:schemeClr val="accent1"/>
+    </dgm:fillClrLst>
+    <dgm:linClrLst meth="repeat">
+      <a:schemeClr val="accent1">
+        <a:shade val="60000"/>
+      </a:schemeClr>
+    </dgm:linClrLst>
+    <dgm:effectClrLst/>
+    <dgm:txLinClrLst/>
+    <dgm:txFillClrLst meth="repeat">
+      <a:schemeClr val="tx1"/>
+    </dgm:txFillClrLst>
+    <dgm:txEffectClrLst/>
+  </dgm:styleLbl>
+  <dgm:styleLbl name="parChTrans1D2">
+    <dgm:fillClrLst meth="repeat">
+      <a:schemeClr val="accent1"/>
+    </dgm:fillClrLst>
+    <dgm:linClrLst meth="repeat">
+      <a:schemeClr val="accent1">
+        <a:shade val="60000"/>
+      </a:schemeClr>
+    </dgm:linClrLst>
+    <dgm:effectClrLst/>
+    <dgm:txLinClrLst/>
+    <dgm:txFillClrLst meth="repeat">
+      <a:schemeClr val="tx1"/>
+    </dgm:txFillClrLst>
+    <dgm:txEffectClrLst/>
+  </dgm:styleLbl>
+  <dgm:styleLbl name="parChTrans1D3">
+    <dgm:fillClrLst meth="repeat">
+      <a:schemeClr val="accent1"/>
+    </dgm:fillClrLst>
+    <dgm:linClrLst meth="repeat">
+      <a:schemeClr val="accent1">
+        <a:shade val="80000"/>
+      </a:schemeClr>
+    </dgm:linClrLst>
+    <dgm:effectClrLst/>
+    <dgm:txLinClrLst/>
+    <dgm:txFillClrLst meth="repeat">
+      <a:schemeClr val="tx1"/>
+    </dgm:txFillClrLst>
+    <dgm:txEffectClrLst/>
+  </dgm:styleLbl>
+  <dgm:styleLbl name="parChTrans1D4">
+    <dgm:fillClrLst meth="repeat">
+      <a:schemeClr val="accent1"/>
+    </dgm:fillClrLst>
+    <dgm:linClrLst meth="repeat">
+      <a:schemeClr val="accent1">
+        <a:shade val="80000"/>
+      </a:schemeClr>
+    </dgm:linClrLst>
+    <dgm:effectClrLst/>
+    <dgm:txLinClrLst/>
+    <dgm:txFillClrLst meth="repeat">
+      <a:schemeClr val="tx1"/>
+    </dgm:txFillClrLst>
+    <dgm:txEffectClrLst/>
+  </dgm:styleLbl>
+  <dgm:styleLbl name="fgAcc1">
+    <dgm:fillClrLst meth="repeat">
+      <a:schemeClr val="lt1">
+        <a:alpha val="90000"/>
+      </a:schemeClr>
+    </dgm:fillClrLst>
+    <dgm:linClrLst meth="repeat">
+      <a:schemeClr val="accent1"/>
+    </dgm:linClrLst>
+    <dgm:effectClrLst/>
+    <dgm:txLinClrLst/>
+    <dgm:txFillClrLst meth="repeat">
+      <a:schemeClr val="dk1"/>
+    </dgm:txFillClrLst>
+    <dgm:txEffectClrLst/>
+  </dgm:styleLbl>
+  <dgm:styleLbl name="conFgAcc1">
+    <dgm:fillClrLst meth="repeat">
+      <a:schemeClr val="lt1">
+        <a:alpha val="90000"/>
+      </a:schemeClr>
+    </dgm:fillClrLst>
+    <dgm:linClrLst meth="repeat">
+      <a:schemeClr val="accent1"/>
+    </dgm:linClrLst>
+    <dgm:effectClrLst/>
+    <dgm:txLinClrLst/>
+    <dgm:txFillClrLst meth="repeat">
+      <a:schemeClr val="dk1"/>
+    </dgm:txFillClrLst>
+    <dgm:txEffectClrLst/>
+  </dgm:styleLbl>
+  <dgm:styleLbl name="alignAcc1">
+    <dgm:fillClrLst meth="repeat">
+      <a:schemeClr val="lt1">
+        <a:alpha val="90000"/>
+      </a:schemeClr>
+    </dgm:fillClrLst>
+    <dgm:linClrLst meth="repeat">
+      <a:schemeClr val="accent1"/>
+    </dgm:linClrLst>
+    <dgm:effectClrLst/>
+    <dgm:txLinClrLst/>
+    <dgm:txFillClrLst meth="repeat">
+      <a:schemeClr val="dk1"/>
+    </dgm:txFillClrLst>
+    <dgm:txEffectClrLst/>
+  </dgm:styleLbl>
+  <dgm:styleLbl name="trAlignAcc1">
+    <dgm:fillClrLst meth="repeat">
+      <a:schemeClr val="lt1">
+        <a:alpha val="40000"/>
+      </a:schemeClr>
+    </dgm:fillClrLst>
+    <dgm:linClrLst meth="repeat">
+      <a:schemeClr val="accent1"/>
+    </dgm:linClrLst>
+    <dgm:effectClrLst/>
+    <dgm:txLinClrLst/>
+    <dgm:txFillClrLst meth="repeat">
+      <a:schemeClr val="dk1"/>
+    </dgm:txFillClrLst>
+    <dgm:txEffectClrLst/>
+  </dgm:styleLbl>
+  <dgm:styleLbl name="bgAcc1">
+    <dgm:fillClrLst meth="repeat">
+      <a:schemeClr val="lt1">
+        <a:alpha val="90000"/>
+      </a:schemeClr>
+    </dgm:fillClrLst>
+    <dgm:linClrLst meth="repeat">
+      <a:schemeClr val="accent1"/>
+    </dgm:linClrLst>
+    <dgm:effectClrLst/>
+    <dgm:txLinClrLst/>
+    <dgm:txFillClrLst meth="repeat">
+      <a:schemeClr val="dk1"/>
+    </dgm:txFillClrLst>
+    <dgm:txEffectClrLst/>
+  </dgm:styleLbl>
+  <dgm:styleLbl name="solidFgAcc1">
+    <dgm:fillClrLst meth="repeat">
+      <a:schemeClr val="lt1"/>
+    </dgm:fillClrLst>
+    <dgm:linClrLst meth="repeat">
+      <a:schemeClr val="accent1"/>
+    </dgm:linClrLst>
+    <dgm:effectClrLst/>
+    <dgm:txLinClrLst/>
+    <dgm:txFillClrLst meth="repeat">
+      <a:schemeClr val="dk1"/>
+    </dgm:txFillClrLst>
+    <dgm:txEffectClrLst/>
+  </dgm:styleLbl>
+  <dgm:styleLbl name="solidAlignAcc1">
+    <dgm:fillClrLst meth="repeat">
+      <a:schemeClr val="lt1"/>
+    </dgm:fillClrLst>
+    <dgm:linClrLst meth="repeat">
+      <a:schemeClr val="accent1"/>
+    </dgm:linClrLst>
+    <dgm:effectClrLst/>
+    <dgm:txLinClrLst/>
+    <dgm:txFillClrLst meth="repeat">
+      <a:schemeClr val="dk1"/>
+    </dgm:txFillClrLst>
+    <dgm:txEffectClrLst/>
+  </dgm:styleLbl>
+  <dgm:styleLbl name="solidBgAcc1">
+    <dgm:fillClrLst meth="repeat">
+      <a:schemeClr val="lt1"/>
+    </dgm:fillClrLst>
+    <dgm:linClrLst meth="repeat">
+      <a:schemeClr val="accent1"/>
+    </dgm:linClrLst>
+    <dgm:effectClrLst/>
+    <dgm:txLinClrLst/>
+    <dgm:txFillClrLst meth="repeat">
+      <a:schemeClr val="dk1"/>
+    </dgm:txFillClrLst>
+    <dgm:txEffectClrLst/>
+  </dgm:styleLbl>
+  <dgm:styleLbl name="fgAccFollowNode1">
+    <dgm:fillClrLst meth="repeat">
+      <a:schemeClr val="accent1">
+        <a:alpha val="90000"/>
+        <a:tint val="40000"/>
+      </a:schemeClr>
+    </dgm:fillClrLst>
+    <dgm:linClrLst meth="repeat">
+      <a:schemeClr val="accent1">
+        <a:alpha val="90000"/>
+        <a:tint val="40000"/>
+      </a:schemeClr>
+    </dgm:linClrLst>
+    <dgm:effectClrLst/>
+    <dgm:txLinClrLst/>
+    <dgm:txFillClrLst meth="repeat">
+      <a:schemeClr val="dk1"/>
+    </dgm:txFillClrLst>
+    <dgm:txEffectClrLst/>
+  </dgm:styleLbl>
+  <dgm:styleLbl name="alignAccFollowNode1">
+    <dgm:fillClrLst meth="repeat">
+      <a:schemeClr val="accent1">
+        <a:alpha val="90000"/>
+        <a:tint val="40000"/>
+      </a:schemeClr>
+    </dgm:fillClrLst>
+    <dgm:linClrLst meth="repeat">
+      <a:schemeClr val="accent1">
+        <a:alpha val="90000"/>
+        <a:tint val="40000"/>
+      </a:schemeClr>
+    </dgm:linClrLst>
+    <dgm:effectClrLst/>
+    <dgm:txLinClrLst/>
+    <dgm:txFillClrLst meth="repeat">
+      <a:schemeClr val="dk1"/>
+    </dgm:txFillClrLst>
+    <dgm:txEffectClrLst/>
+  </dgm:styleLbl>
+  <dgm:styleLbl name="bgAccFollowNode1">
+    <dgm:fillClrLst meth="repeat">
+      <a:schemeClr val="accent1">
+        <a:alpha val="90000"/>
+        <a:tint val="40000"/>
+      </a:schemeClr>
+    </dgm:fillClrLst>
+    <dgm:linClrLst meth="repeat">
+      <a:schemeClr val="accent1">
+        <a:alpha val="90000"/>
+        <a:tint val="40000"/>
+      </a:schemeClr>
+    </dgm:linClrLst>
+    <dgm:effectClrLst/>
+    <dgm:txLinClrLst/>
+    <dgm:txFillClrLst meth="repeat">
+      <a:schemeClr val="dk1"/>
+    </dgm:txFillClrLst>
+    <dgm:txEffectClrLst/>
+  </dgm:styleLbl>
+  <dgm:styleLbl name="fgAcc0">
+    <dgm:fillClrLst meth="repeat">
+      <a:schemeClr val="lt1">
+        <a:alpha val="90000"/>
+      </a:schemeClr>
+    </dgm:fillClrLst>
+    <dgm:linClrLst meth="repeat">
+      <a:schemeClr val="accent1"/>
+    </dgm:linClrLst>
+    <dgm:effectClrLst/>
+    <dgm:txLinClrLst/>
+    <dgm:txFillClrLst meth="repeat">
+      <a:schemeClr val="dk1"/>
+    </dgm:txFillClrLst>
+    <dgm:txEffectClrLst/>
+  </dgm:styleLbl>
+  <dgm:styleLbl name="fgAcc2">
+    <dgm:fillClrLst meth="repeat">
+      <a:schemeClr val="lt1">
+        <a:alpha val="90000"/>
+      </a:schemeClr>
+    </dgm:fillClrLst>
+    <dgm:linClrLst meth="repeat">
+      <a:schemeClr val="accent1"/>
+    </dgm:linClrLst>
+    <dgm:effectClrLst/>
+    <dgm:txLinClrLst/>
+    <dgm:txFillClrLst meth="repeat">
+      <a:schemeClr val="dk1"/>
+    </dgm:txFillClrLst>
+    <dgm:txEffectClrLst/>
+  </dgm:styleLbl>
+  <dgm:styleLbl name="fgAcc3">
+    <dgm:fillClrLst meth="repeat">
+      <a:schemeClr val="lt1">
+        <a:alpha val="90000"/>
+      </a:schemeClr>
+    </dgm:fillClrLst>
+    <dgm:linClrLst meth="repeat">
+      <a:schemeClr val="accent1"/>
+    </dgm:linClrLst>
+    <dgm:effectClrLst/>
+    <dgm:txLinClrLst/>
+    <dgm:txFillClrLst meth="repeat">
+      <a:schemeClr val="dk1"/>
+    </dgm:txFillClrLst>
+    <dgm:txEffectClrLst/>
+  </dgm:styleLbl>
+  <dgm:styleLbl name="fgAcc4">
+    <dgm:fillClrLst meth="repeat">
+      <a:schemeClr val="lt1">
+        <a:alpha val="90000"/>
+      </a:schemeClr>
+    </dgm:fillClrLst>
+    <dgm:linClrLst meth="repeat">
+      <a:schemeClr val="accent1"/>
+    </dgm:linClrLst>
+    <dgm:effectClrLst/>
+    <dgm:txLinClrLst/>
+    <dgm:txFillClrLst meth="repeat">
+      <a:schemeClr val="dk1"/>
+    </dgm:txFillClrLst>
+    <dgm:txEffectClrLst/>
+  </dgm:styleLbl>
+  <dgm:styleLbl name="bgShp">
+    <dgm:fillClrLst meth="repeat">
+      <a:schemeClr val="accent1">
+        <a:tint val="40000"/>
+      </a:schemeClr>
+    </dgm:fillClrLst>
+    <dgm:linClrLst meth="repeat">
+      <a:schemeClr val="accent1"/>
+    </dgm:linClrLst>
+    <dgm:effectClrLst/>
+    <dgm:txLinClrLst/>
+    <dgm:txFillClrLst meth="repeat">
+      <a:schemeClr val="dk1"/>
+    </dgm:txFillClrLst>
+    <dgm:txEffectClrLst/>
+  </dgm:styleLbl>
+  <dgm:styleLbl name="dkBgShp">
+    <dgm:fillClrLst meth="repeat">
+      <a:schemeClr val="accent1">
+        <a:shade val="80000"/>
+      </a:schemeClr>
+    </dgm:fillClrLst>
+    <dgm:linClrLst meth="repeat">
+      <a:schemeClr val="accent1"/>
+    </dgm:linClrLst>
+    <dgm:effectClrLst/>
+    <dgm:txLinClrLst/>
+    <dgm:txFillClrLst meth="repeat">
+      <a:schemeClr val="lt1"/>
+    </dgm:txFillClrLst>
+    <dgm:txEffectClrLst/>
+  </dgm:styleLbl>
+  <dgm:styleLbl name="trBgShp">
+    <dgm:fillClrLst meth="repeat">
+      <a:schemeClr val="accent1">
+        <a:tint val="50000"/>
+        <a:alpha val="40000"/>
+      </a:schemeClr>
+    </dgm:fillClrLst>
+    <dgm:linClrLst meth="repeat">
+      <a:schemeClr val="accent1"/>
+    </dgm:linClrLst>
+    <dgm:effectClrLst/>
+    <dgm:txLinClrLst/>
+    <dgm:txFillClrLst meth="repeat">
+      <a:schemeClr val="lt1"/>
+    </dgm:txFillClrLst>
+    <dgm:txEffectClrLst/>
+  </dgm:styleLbl>
+  <dgm:styleLbl name="fgShp">
+    <dgm:fillClrLst meth="repeat">
+      <a:schemeClr val="accent1">
+        <a:tint val="60000"/>
+      </a:schemeClr>
+    </dgm:fillClrLst>
+    <dgm:linClrLst meth="repeat">
+      <a:schemeClr val="lt1"/>
+    </dgm:linClrLst>
+    <dgm:effectClrLst/>
+    <dgm:txLinClrLst/>
+    <dgm:txFillClrLst meth="repeat">
+      <a:schemeClr val="dk1"/>
+    </dgm:txFillClrLst>
+    <dgm:txEffectClrLst/>
+  </dgm:styleLbl>
+  <dgm:styleLbl name="revTx">
+    <dgm:fillClrLst meth="repeat">
+      <a:schemeClr val="lt1">
+        <a:alpha val="0"/>
+      </a:schemeClr>
+    </dgm:fillClrLst>
+    <dgm:linClrLst meth="repeat">
+      <a:schemeClr val="dk1">
+        <a:alpha val="0"/>
+      </a:schemeClr>
+    </dgm:linClrLst>
+    <dgm:effectClrLst/>
+    <dgm:txLinClrLst/>
+    <dgm:txFillClrLst meth="repeat">
+      <a:schemeClr val="tx1"/>
+    </dgm:txFillClrLst>
+    <dgm:txEffectClrLst/>
+  </dgm:styleLbl>
+</dgm:colorsDef>
+</file>
+
+<file path=ppt/diagrams/data1.xml><?xml version="1.0" encoding="utf-8"?>
+<dgm:dataModel xmlns:dgm="http://schemas.openxmlformats.org/drawingml/2006/diagram" xmlns:a="http://schemas.openxmlformats.org/drawingml/2006/main">
+  <dgm:ptLst>
+    <dgm:pt modelId="{E5CF2E9A-9B90-4D84-8288-8FE799B04433}" type="doc">
+      <dgm:prSet loTypeId="urn:microsoft.com/office/officeart/2005/8/layout/hProcess11" loCatId="process" qsTypeId="urn:microsoft.com/office/officeart/2005/8/quickstyle/simple1" qsCatId="simple" csTypeId="urn:microsoft.com/office/officeart/2005/8/colors/accent1_2" csCatId="accent1" phldr="1"/>
+      <dgm:spPr/>
+    </dgm:pt>
+    <dgm:pt modelId="{18EFECC0-617F-48C6-BEF3-76D6985667FD}">
+      <dgm:prSet phldrT="[文本]"/>
+      <dgm:spPr/>
+      <dgm:t>
+        <a:bodyPr/>
+        <a:lstStyle/>
+        <a:p>
+          <a:r>
+            <a:rPr lang="zh-CN" altLang="en-US" dirty="0">
+              <a:solidFill>
+                <a:schemeClr val="bg1">
+                  <a:lumMod val="50000"/>
+                </a:schemeClr>
+              </a:solidFill>
+              <a:latin typeface="微软雅黑" panose="020B0503020204020204" pitchFamily="34" charset="-122"/>
+              <a:ea typeface="微软雅黑" panose="020B0503020204020204" pitchFamily="34" charset="-122"/>
+            </a:rPr>
+            <a:t>确定主题</a:t>
+          </a:r>
+          <a:endParaRPr lang="en-US" altLang="zh-CN" dirty="0">
+            <a:solidFill>
+              <a:schemeClr val="bg1">
+                <a:lumMod val="50000"/>
+              </a:schemeClr>
+            </a:solidFill>
+            <a:latin typeface="微软雅黑" panose="020B0503020204020204" pitchFamily="34" charset="-122"/>
+            <a:ea typeface="微软雅黑" panose="020B0503020204020204" pitchFamily="34" charset="-122"/>
+          </a:endParaRPr>
+        </a:p>
+        <a:p>
+          <a:r>
+            <a:rPr lang="zh-CN" altLang="en-US" dirty="0">
+              <a:solidFill>
+                <a:schemeClr val="bg1">
+                  <a:lumMod val="50000"/>
+                </a:schemeClr>
+              </a:solidFill>
+              <a:latin typeface="微软雅黑" panose="020B0503020204020204" pitchFamily="34" charset="-122"/>
+              <a:ea typeface="微软雅黑" panose="020B0503020204020204" pitchFamily="34" charset="-122"/>
+            </a:rPr>
+            <a:t>（</a:t>
+          </a:r>
+          <a:r>
+            <a:rPr lang="en-US" altLang="zh-CN" dirty="0">
+              <a:solidFill>
+                <a:schemeClr val="bg1">
+                  <a:lumMod val="50000"/>
+                </a:schemeClr>
+              </a:solidFill>
+              <a:latin typeface="微软雅黑" panose="020B0503020204020204" pitchFamily="34" charset="-122"/>
+              <a:ea typeface="微软雅黑" panose="020B0503020204020204" pitchFamily="34" charset="-122"/>
+            </a:rPr>
+            <a:t>12.5-12.15</a:t>
+          </a:r>
+          <a:r>
+            <a:rPr lang="zh-CN" altLang="en-US" dirty="0">
+              <a:solidFill>
+                <a:schemeClr val="bg1">
+                  <a:lumMod val="50000"/>
+                </a:schemeClr>
+              </a:solidFill>
+              <a:latin typeface="微软雅黑" panose="020B0503020204020204" pitchFamily="34" charset="-122"/>
+              <a:ea typeface="微软雅黑" panose="020B0503020204020204" pitchFamily="34" charset="-122"/>
+            </a:rPr>
+            <a:t>）</a:t>
+          </a:r>
+        </a:p>
+      </dgm:t>
+    </dgm:pt>
+    <dgm:pt modelId="{91D960C1-56D3-42BB-9ABB-1B9C2669F042}" type="parTrans" cxnId="{76ECB879-2B4B-437F-B3A9-41B9ED8CF0AD}">
+      <dgm:prSet/>
+      <dgm:spPr/>
+      <dgm:t>
+        <a:bodyPr/>
+        <a:lstStyle/>
+        <a:p>
+          <a:endParaRPr lang="zh-CN" altLang="en-US"/>
+        </a:p>
+      </dgm:t>
+    </dgm:pt>
+    <dgm:pt modelId="{D0EA8766-FB0A-4004-A3A4-23C93E0F5D62}" type="sibTrans" cxnId="{76ECB879-2B4B-437F-B3A9-41B9ED8CF0AD}">
+      <dgm:prSet/>
+      <dgm:spPr/>
+      <dgm:t>
+        <a:bodyPr/>
+        <a:lstStyle/>
+        <a:p>
+          <a:endParaRPr lang="zh-CN" altLang="en-US"/>
+        </a:p>
+      </dgm:t>
+    </dgm:pt>
+    <dgm:pt modelId="{FCF3D049-E43F-43C9-8149-497D5E82377A}">
+      <dgm:prSet phldrT="[文本]" custT="1"/>
+      <dgm:spPr/>
+      <dgm:t>
+        <a:bodyPr/>
+        <a:lstStyle/>
+        <a:p>
+          <a:r>
+            <a:rPr lang="zh-CN" altLang="en-US" sz="1900" kern="1200" dirty="0">
+              <a:solidFill>
+                <a:prstClr val="white">
+                  <a:lumMod val="50000"/>
+                </a:prstClr>
+              </a:solidFill>
+              <a:latin typeface="微软雅黑" panose="020B0503020204020204" pitchFamily="34" charset="-122"/>
+              <a:ea typeface="微软雅黑" panose="020B0503020204020204" pitchFamily="34" charset="-122"/>
+              <a:cs typeface="+mn-cs"/>
+            </a:rPr>
+            <a:t>完成各个组件功能</a:t>
+          </a:r>
+          <a:endParaRPr lang="en-US" altLang="zh-CN" sz="1900" kern="1200" dirty="0">
+            <a:solidFill>
+              <a:prstClr val="white">
+                <a:lumMod val="50000"/>
+              </a:prstClr>
+            </a:solidFill>
+            <a:latin typeface="微软雅黑" panose="020B0503020204020204" pitchFamily="34" charset="-122"/>
+            <a:ea typeface="微软雅黑" panose="020B0503020204020204" pitchFamily="34" charset="-122"/>
+            <a:cs typeface="+mn-cs"/>
+          </a:endParaRPr>
+        </a:p>
+        <a:p>
+          <a:r>
+            <a:rPr lang="zh-CN" altLang="en-US" sz="1900" kern="1200" dirty="0">
+              <a:solidFill>
+                <a:prstClr val="white">
+                  <a:lumMod val="50000"/>
+                </a:prstClr>
+              </a:solidFill>
+              <a:latin typeface="微软雅黑" panose="020B0503020204020204" pitchFamily="34" charset="-122"/>
+              <a:ea typeface="微软雅黑" panose="020B0503020204020204" pitchFamily="34" charset="-122"/>
+              <a:cs typeface="+mn-cs"/>
+            </a:rPr>
+            <a:t>（</a:t>
+          </a:r>
+          <a:r>
+            <a:rPr lang="en-US" altLang="zh-CN" sz="1900" kern="1200" dirty="0">
+              <a:solidFill>
+                <a:prstClr val="white">
+                  <a:lumMod val="50000"/>
+                </a:prstClr>
+              </a:solidFill>
+              <a:latin typeface="微软雅黑" panose="020B0503020204020204" pitchFamily="34" charset="-122"/>
+              <a:ea typeface="微软雅黑" panose="020B0503020204020204" pitchFamily="34" charset="-122"/>
+              <a:cs typeface="+mn-cs"/>
+            </a:rPr>
+            <a:t>12.16-12.22</a:t>
+          </a:r>
+          <a:r>
+            <a:rPr lang="zh-CN" altLang="en-US" sz="1900" kern="1200" dirty="0">
+              <a:solidFill>
+                <a:prstClr val="white">
+                  <a:lumMod val="50000"/>
+                </a:prstClr>
+              </a:solidFill>
+              <a:latin typeface="微软雅黑" panose="020B0503020204020204" pitchFamily="34" charset="-122"/>
+              <a:ea typeface="微软雅黑" panose="020B0503020204020204" pitchFamily="34" charset="-122"/>
+              <a:cs typeface="+mn-cs"/>
+            </a:rPr>
+            <a:t>）</a:t>
+          </a:r>
+        </a:p>
+      </dgm:t>
+    </dgm:pt>
+    <dgm:pt modelId="{11D7141A-7C66-4D82-9B4F-17CD64206E67}" type="parTrans" cxnId="{3568619E-79EF-474B-8782-955794F28227}">
+      <dgm:prSet/>
+      <dgm:spPr/>
+      <dgm:t>
+        <a:bodyPr/>
+        <a:lstStyle/>
+        <a:p>
+          <a:endParaRPr lang="zh-CN" altLang="en-US"/>
+        </a:p>
+      </dgm:t>
+    </dgm:pt>
+    <dgm:pt modelId="{8EA989DE-B689-419C-937A-FB8EA337C857}" type="sibTrans" cxnId="{3568619E-79EF-474B-8782-955794F28227}">
+      <dgm:prSet/>
+      <dgm:spPr/>
+      <dgm:t>
+        <a:bodyPr/>
+        <a:lstStyle/>
+        <a:p>
+          <a:endParaRPr lang="zh-CN" altLang="en-US"/>
+        </a:p>
+      </dgm:t>
+    </dgm:pt>
+    <dgm:pt modelId="{ED5A2B5A-EF10-471D-9182-4009415AE31F}">
+      <dgm:prSet phldrT="[文本]" custT="1"/>
+      <dgm:spPr/>
+      <dgm:t>
+        <a:bodyPr/>
+        <a:lstStyle/>
+        <a:p>
+          <a:pPr marL="0" lvl="0" algn="ctr" defTabSz="844550">
+            <a:lnSpc>
+              <a:spcPct val="90000"/>
+            </a:lnSpc>
+            <a:spcBef>
+              <a:spcPct val="0"/>
+            </a:spcBef>
+            <a:spcAft>
+              <a:spcPct val="35000"/>
+            </a:spcAft>
+            <a:buNone/>
+          </a:pPr>
+          <a:r>
+            <a:rPr lang="zh-CN" altLang="en-US" sz="1900" kern="1200" dirty="0">
+              <a:solidFill>
+                <a:prstClr val="white">
+                  <a:lumMod val="50000"/>
+                </a:prstClr>
+              </a:solidFill>
+              <a:latin typeface="微软雅黑" panose="020B0503020204020204" pitchFamily="34" charset="-122"/>
+              <a:ea typeface="微软雅黑" panose="020B0503020204020204" pitchFamily="34" charset="-122"/>
+              <a:cs typeface="+mn-cs"/>
+            </a:rPr>
+            <a:t>单元测试、美化样式、文档编写</a:t>
+          </a:r>
+          <a:endParaRPr lang="en-US" altLang="zh-CN" sz="1900" kern="1200" dirty="0">
+            <a:solidFill>
+              <a:prstClr val="white">
+                <a:lumMod val="50000"/>
+              </a:prstClr>
+            </a:solidFill>
+            <a:latin typeface="微软雅黑" panose="020B0503020204020204" pitchFamily="34" charset="-122"/>
+            <a:ea typeface="微软雅黑" panose="020B0503020204020204" pitchFamily="34" charset="-122"/>
+            <a:cs typeface="+mn-cs"/>
+          </a:endParaRPr>
+        </a:p>
+        <a:p>
+          <a:pPr marL="0" lvl="0" algn="ctr" defTabSz="844550">
+            <a:lnSpc>
+              <a:spcPct val="90000"/>
+            </a:lnSpc>
+            <a:spcBef>
+              <a:spcPct val="0"/>
+            </a:spcBef>
+            <a:spcAft>
+              <a:spcPct val="35000"/>
+            </a:spcAft>
+            <a:buNone/>
+          </a:pPr>
+          <a:r>
+            <a:rPr lang="zh-CN" altLang="en-US" sz="1900" kern="1200" dirty="0">
+              <a:solidFill>
+                <a:prstClr val="white">
+                  <a:lumMod val="50000"/>
+                </a:prstClr>
+              </a:solidFill>
+              <a:latin typeface="微软雅黑" panose="020B0503020204020204" pitchFamily="34" charset="-122"/>
+              <a:ea typeface="微软雅黑" panose="020B0503020204020204" pitchFamily="34" charset="-122"/>
+              <a:cs typeface="+mn-cs"/>
+            </a:rPr>
+            <a:t>（</a:t>
+          </a:r>
+          <a:r>
+            <a:rPr lang="en-US" altLang="zh-CN" sz="1900" kern="1200" dirty="0">
+              <a:solidFill>
+                <a:prstClr val="white">
+                  <a:lumMod val="50000"/>
+                </a:prstClr>
+              </a:solidFill>
+              <a:latin typeface="微软雅黑" panose="020B0503020204020204" pitchFamily="34" charset="-122"/>
+              <a:ea typeface="微软雅黑" panose="020B0503020204020204" pitchFamily="34" charset="-122"/>
+              <a:cs typeface="+mn-cs"/>
+            </a:rPr>
+            <a:t>12.23-12.24</a:t>
+          </a:r>
+          <a:r>
+            <a:rPr lang="zh-CN" altLang="en-US" sz="1900" kern="1200" dirty="0">
+              <a:solidFill>
+                <a:prstClr val="white">
+                  <a:lumMod val="50000"/>
+                </a:prstClr>
+              </a:solidFill>
+              <a:latin typeface="微软雅黑" panose="020B0503020204020204" pitchFamily="34" charset="-122"/>
+              <a:ea typeface="微软雅黑" panose="020B0503020204020204" pitchFamily="34" charset="-122"/>
+              <a:cs typeface="+mn-cs"/>
+            </a:rPr>
+            <a:t>）</a:t>
+          </a:r>
+        </a:p>
+      </dgm:t>
+    </dgm:pt>
+    <dgm:pt modelId="{EC2A3210-F0F3-41E0-BDAC-9157F2247942}" type="parTrans" cxnId="{F5E81612-E1F1-4A77-8418-C0D51B12E443}">
+      <dgm:prSet/>
+      <dgm:spPr/>
+      <dgm:t>
+        <a:bodyPr/>
+        <a:lstStyle/>
+        <a:p>
+          <a:endParaRPr lang="zh-CN" altLang="en-US"/>
+        </a:p>
+      </dgm:t>
+    </dgm:pt>
+    <dgm:pt modelId="{0C41BEC7-9DFE-489B-8777-7990FAD2C3C7}" type="sibTrans" cxnId="{F5E81612-E1F1-4A77-8418-C0D51B12E443}">
+      <dgm:prSet/>
+      <dgm:spPr/>
+      <dgm:t>
+        <a:bodyPr/>
+        <a:lstStyle/>
+        <a:p>
+          <a:endParaRPr lang="zh-CN" altLang="en-US"/>
+        </a:p>
+      </dgm:t>
+    </dgm:pt>
+    <dgm:pt modelId="{E8050273-4590-4681-B183-25CF24428EC6}" type="pres">
+      <dgm:prSet presAssocID="{E5CF2E9A-9B90-4D84-8288-8FE799B04433}" presName="Name0" presStyleCnt="0">
+        <dgm:presLayoutVars>
+          <dgm:dir/>
+          <dgm:resizeHandles val="exact"/>
+        </dgm:presLayoutVars>
+      </dgm:prSet>
+      <dgm:spPr/>
+    </dgm:pt>
+    <dgm:pt modelId="{814AC0A7-E540-4E48-BAED-C29A8063AC93}" type="pres">
+      <dgm:prSet presAssocID="{E5CF2E9A-9B90-4D84-8288-8FE799B04433}" presName="arrow" presStyleLbl="bgShp" presStyleIdx="0" presStyleCnt="1"/>
+      <dgm:spPr/>
+    </dgm:pt>
+    <dgm:pt modelId="{77051837-40BE-4BE4-A0C0-7289857D7CE1}" type="pres">
+      <dgm:prSet presAssocID="{E5CF2E9A-9B90-4D84-8288-8FE799B04433}" presName="points" presStyleCnt="0"/>
+      <dgm:spPr/>
+    </dgm:pt>
+    <dgm:pt modelId="{5664BA53-FC3C-4BFC-B1BC-BC280E324FA8}" type="pres">
+      <dgm:prSet presAssocID="{18EFECC0-617F-48C6-BEF3-76D6985667FD}" presName="compositeA" presStyleCnt="0"/>
+      <dgm:spPr/>
+    </dgm:pt>
+    <dgm:pt modelId="{77AC4D83-0ABC-421A-AB0F-4D417A473CE0}" type="pres">
+      <dgm:prSet presAssocID="{18EFECC0-617F-48C6-BEF3-76D6985667FD}" presName="textA" presStyleLbl="revTx" presStyleIdx="0" presStyleCnt="3">
+        <dgm:presLayoutVars>
+          <dgm:bulletEnabled val="1"/>
+        </dgm:presLayoutVars>
+      </dgm:prSet>
+      <dgm:spPr/>
+    </dgm:pt>
+    <dgm:pt modelId="{23C16B6E-F338-4C98-B5EA-9860E999C65C}" type="pres">
+      <dgm:prSet presAssocID="{18EFECC0-617F-48C6-BEF3-76D6985667FD}" presName="circleA" presStyleLbl="node1" presStyleIdx="0" presStyleCnt="3"/>
+      <dgm:spPr/>
+    </dgm:pt>
+    <dgm:pt modelId="{FC80D3C5-47A8-4CB1-BA32-D14BC02BC087}" type="pres">
+      <dgm:prSet presAssocID="{18EFECC0-617F-48C6-BEF3-76D6985667FD}" presName="spaceA" presStyleCnt="0"/>
+      <dgm:spPr/>
+    </dgm:pt>
+    <dgm:pt modelId="{56B63DE7-1DF5-4EA8-9E91-430544BA8922}" type="pres">
+      <dgm:prSet presAssocID="{D0EA8766-FB0A-4004-A3A4-23C93E0F5D62}" presName="space" presStyleCnt="0"/>
+      <dgm:spPr/>
+    </dgm:pt>
+    <dgm:pt modelId="{B5908FFC-622C-4095-ACF5-000AF4B848A8}" type="pres">
+      <dgm:prSet presAssocID="{FCF3D049-E43F-43C9-8149-497D5E82377A}" presName="compositeB" presStyleCnt="0"/>
+      <dgm:spPr/>
+    </dgm:pt>
+    <dgm:pt modelId="{A2AE24C5-BD28-40A9-B769-41F5AE4F228E}" type="pres">
+      <dgm:prSet presAssocID="{FCF3D049-E43F-43C9-8149-497D5E82377A}" presName="textB" presStyleLbl="revTx" presStyleIdx="1" presStyleCnt="3">
+        <dgm:presLayoutVars>
+          <dgm:bulletEnabled val="1"/>
+        </dgm:presLayoutVars>
+      </dgm:prSet>
+      <dgm:spPr/>
+    </dgm:pt>
+    <dgm:pt modelId="{D173B033-B81D-4E35-BEEA-14B1E3AFCF00}" type="pres">
+      <dgm:prSet presAssocID="{FCF3D049-E43F-43C9-8149-497D5E82377A}" presName="circleB" presStyleLbl="node1" presStyleIdx="1" presStyleCnt="3"/>
+      <dgm:spPr/>
+    </dgm:pt>
+    <dgm:pt modelId="{FDBA118C-1C81-4D57-BAC6-BA6A27BBE579}" type="pres">
+      <dgm:prSet presAssocID="{FCF3D049-E43F-43C9-8149-497D5E82377A}" presName="spaceB" presStyleCnt="0"/>
+      <dgm:spPr/>
+    </dgm:pt>
+    <dgm:pt modelId="{7F65A946-59B0-4903-9604-7D5FDBD749FE}" type="pres">
+      <dgm:prSet presAssocID="{8EA989DE-B689-419C-937A-FB8EA337C857}" presName="space" presStyleCnt="0"/>
+      <dgm:spPr/>
+    </dgm:pt>
+    <dgm:pt modelId="{65607514-4ADE-45B8-99CF-208B6FCED3EC}" type="pres">
+      <dgm:prSet presAssocID="{ED5A2B5A-EF10-471D-9182-4009415AE31F}" presName="compositeA" presStyleCnt="0"/>
+      <dgm:spPr/>
+    </dgm:pt>
+    <dgm:pt modelId="{04D85944-4935-4849-86E8-4E1BC3BE940A}" type="pres">
+      <dgm:prSet presAssocID="{ED5A2B5A-EF10-471D-9182-4009415AE31F}" presName="textA" presStyleLbl="revTx" presStyleIdx="2" presStyleCnt="3" custScaleX="213382">
+        <dgm:presLayoutVars>
+          <dgm:bulletEnabled val="1"/>
+        </dgm:presLayoutVars>
+      </dgm:prSet>
+      <dgm:spPr/>
+    </dgm:pt>
+    <dgm:pt modelId="{599C3357-84C9-416D-957F-9A08167F2EE5}" type="pres">
+      <dgm:prSet presAssocID="{ED5A2B5A-EF10-471D-9182-4009415AE31F}" presName="circleA" presStyleLbl="node1" presStyleIdx="2" presStyleCnt="3"/>
+      <dgm:spPr/>
+    </dgm:pt>
+    <dgm:pt modelId="{72398764-DF89-4072-8FB3-605933C6B45B}" type="pres">
+      <dgm:prSet presAssocID="{ED5A2B5A-EF10-471D-9182-4009415AE31F}" presName="spaceA" presStyleCnt="0"/>
+      <dgm:spPr/>
+    </dgm:pt>
+  </dgm:ptLst>
+  <dgm:cxnLst>
+    <dgm:cxn modelId="{01240900-279E-4286-92EB-06C596E4F874}" type="presOf" srcId="{E5CF2E9A-9B90-4D84-8288-8FE799B04433}" destId="{E8050273-4590-4681-B183-25CF24428EC6}" srcOrd="0" destOrd="0" presId="urn:microsoft.com/office/officeart/2005/8/layout/hProcess11"/>
+    <dgm:cxn modelId="{F5E81612-E1F1-4A77-8418-C0D51B12E443}" srcId="{E5CF2E9A-9B90-4D84-8288-8FE799B04433}" destId="{ED5A2B5A-EF10-471D-9182-4009415AE31F}" srcOrd="2" destOrd="0" parTransId="{EC2A3210-F0F3-41E0-BDAC-9157F2247942}" sibTransId="{0C41BEC7-9DFE-489B-8777-7990FAD2C3C7}"/>
+    <dgm:cxn modelId="{76ECB879-2B4B-437F-B3A9-41B9ED8CF0AD}" srcId="{E5CF2E9A-9B90-4D84-8288-8FE799B04433}" destId="{18EFECC0-617F-48C6-BEF3-76D6985667FD}" srcOrd="0" destOrd="0" parTransId="{91D960C1-56D3-42BB-9ABB-1B9C2669F042}" sibTransId="{D0EA8766-FB0A-4004-A3A4-23C93E0F5D62}"/>
+    <dgm:cxn modelId="{3568619E-79EF-474B-8782-955794F28227}" srcId="{E5CF2E9A-9B90-4D84-8288-8FE799B04433}" destId="{FCF3D049-E43F-43C9-8149-497D5E82377A}" srcOrd="1" destOrd="0" parTransId="{11D7141A-7C66-4D82-9B4F-17CD64206E67}" sibTransId="{8EA989DE-B689-419C-937A-FB8EA337C857}"/>
+    <dgm:cxn modelId="{EE0AD3B1-94EC-4CCF-87D1-6F6DC23CDA64}" type="presOf" srcId="{ED5A2B5A-EF10-471D-9182-4009415AE31F}" destId="{04D85944-4935-4849-86E8-4E1BC3BE940A}" srcOrd="0" destOrd="0" presId="urn:microsoft.com/office/officeart/2005/8/layout/hProcess11"/>
+    <dgm:cxn modelId="{E6F4DEBD-C517-4927-AE3D-50DC52BE699F}" type="presOf" srcId="{FCF3D049-E43F-43C9-8149-497D5E82377A}" destId="{A2AE24C5-BD28-40A9-B769-41F5AE4F228E}" srcOrd="0" destOrd="0" presId="urn:microsoft.com/office/officeart/2005/8/layout/hProcess11"/>
+    <dgm:cxn modelId="{B40715F5-3A49-466C-AEF7-F795E4A7BD94}" type="presOf" srcId="{18EFECC0-617F-48C6-BEF3-76D6985667FD}" destId="{77AC4D83-0ABC-421A-AB0F-4D417A473CE0}" srcOrd="0" destOrd="0" presId="urn:microsoft.com/office/officeart/2005/8/layout/hProcess11"/>
+    <dgm:cxn modelId="{4DF9997D-EF02-447C-971C-DF558887EAE2}" type="presParOf" srcId="{E8050273-4590-4681-B183-25CF24428EC6}" destId="{814AC0A7-E540-4E48-BAED-C29A8063AC93}" srcOrd="0" destOrd="0" presId="urn:microsoft.com/office/officeart/2005/8/layout/hProcess11"/>
+    <dgm:cxn modelId="{3E297B30-5F65-4A41-AB28-8E8CEAE500FA}" type="presParOf" srcId="{E8050273-4590-4681-B183-25CF24428EC6}" destId="{77051837-40BE-4BE4-A0C0-7289857D7CE1}" srcOrd="1" destOrd="0" presId="urn:microsoft.com/office/officeart/2005/8/layout/hProcess11"/>
+    <dgm:cxn modelId="{7B2EDAE2-6095-4C1B-BBBB-48BEFD0F484C}" type="presParOf" srcId="{77051837-40BE-4BE4-A0C0-7289857D7CE1}" destId="{5664BA53-FC3C-4BFC-B1BC-BC280E324FA8}" srcOrd="0" destOrd="0" presId="urn:microsoft.com/office/officeart/2005/8/layout/hProcess11"/>
+    <dgm:cxn modelId="{AA70B793-E1BD-4145-ABAF-58083933E97C}" type="presParOf" srcId="{5664BA53-FC3C-4BFC-B1BC-BC280E324FA8}" destId="{77AC4D83-0ABC-421A-AB0F-4D417A473CE0}" srcOrd="0" destOrd="0" presId="urn:microsoft.com/office/officeart/2005/8/layout/hProcess11"/>
+    <dgm:cxn modelId="{5C9E5E3E-B24C-4EB5-847B-773FD895F5B4}" type="presParOf" srcId="{5664BA53-FC3C-4BFC-B1BC-BC280E324FA8}" destId="{23C16B6E-F338-4C98-B5EA-9860E999C65C}" srcOrd="1" destOrd="0" presId="urn:microsoft.com/office/officeart/2005/8/layout/hProcess11"/>
+    <dgm:cxn modelId="{B206E1F8-186F-4934-BAE5-27563BE5458E}" type="presParOf" srcId="{5664BA53-FC3C-4BFC-B1BC-BC280E324FA8}" destId="{FC80D3C5-47A8-4CB1-BA32-D14BC02BC087}" srcOrd="2" destOrd="0" presId="urn:microsoft.com/office/officeart/2005/8/layout/hProcess11"/>
+    <dgm:cxn modelId="{051E0F67-67F7-47EF-9098-F36897512252}" type="presParOf" srcId="{77051837-40BE-4BE4-A0C0-7289857D7CE1}" destId="{56B63DE7-1DF5-4EA8-9E91-430544BA8922}" srcOrd="1" destOrd="0" presId="urn:microsoft.com/office/officeart/2005/8/layout/hProcess11"/>
+    <dgm:cxn modelId="{466DB302-88AE-490E-A0DC-24217F361F50}" type="presParOf" srcId="{77051837-40BE-4BE4-A0C0-7289857D7CE1}" destId="{B5908FFC-622C-4095-ACF5-000AF4B848A8}" srcOrd="2" destOrd="0" presId="urn:microsoft.com/office/officeart/2005/8/layout/hProcess11"/>
+    <dgm:cxn modelId="{E096C4D8-C76D-45FF-90AD-CB0C71F34C9B}" type="presParOf" srcId="{B5908FFC-622C-4095-ACF5-000AF4B848A8}" destId="{A2AE24C5-BD28-40A9-B769-41F5AE4F228E}" srcOrd="0" destOrd="0" presId="urn:microsoft.com/office/officeart/2005/8/layout/hProcess11"/>
+    <dgm:cxn modelId="{BE7C0E52-4EF0-48C8-A90F-2C4824F0A43A}" type="presParOf" srcId="{B5908FFC-622C-4095-ACF5-000AF4B848A8}" destId="{D173B033-B81D-4E35-BEEA-14B1E3AFCF00}" srcOrd="1" destOrd="0" presId="urn:microsoft.com/office/officeart/2005/8/layout/hProcess11"/>
+    <dgm:cxn modelId="{CA6804A8-06FD-49E3-BBF6-3338E9DEAF67}" type="presParOf" srcId="{B5908FFC-622C-4095-ACF5-000AF4B848A8}" destId="{FDBA118C-1C81-4D57-BAC6-BA6A27BBE579}" srcOrd="2" destOrd="0" presId="urn:microsoft.com/office/officeart/2005/8/layout/hProcess11"/>
+    <dgm:cxn modelId="{5C5A3C8B-CE3D-4A9C-83A7-AE8B746C8533}" type="presParOf" srcId="{77051837-40BE-4BE4-A0C0-7289857D7CE1}" destId="{7F65A946-59B0-4903-9604-7D5FDBD749FE}" srcOrd="3" destOrd="0" presId="urn:microsoft.com/office/officeart/2005/8/layout/hProcess11"/>
+    <dgm:cxn modelId="{622F4048-0889-410E-B00B-960B2FB4014C}" type="presParOf" srcId="{77051837-40BE-4BE4-A0C0-7289857D7CE1}" destId="{65607514-4ADE-45B8-99CF-208B6FCED3EC}" srcOrd="4" destOrd="0" presId="urn:microsoft.com/office/officeart/2005/8/layout/hProcess11"/>
+    <dgm:cxn modelId="{35F747F1-2DDC-4C71-BEDB-9E5268DF268C}" type="presParOf" srcId="{65607514-4ADE-45B8-99CF-208B6FCED3EC}" destId="{04D85944-4935-4849-86E8-4E1BC3BE940A}" srcOrd="0" destOrd="0" presId="urn:microsoft.com/office/officeart/2005/8/layout/hProcess11"/>
+    <dgm:cxn modelId="{FD1BEB4D-1C53-4010-A6B1-F8FF054D3765}" type="presParOf" srcId="{65607514-4ADE-45B8-99CF-208B6FCED3EC}" destId="{599C3357-84C9-416D-957F-9A08167F2EE5}" srcOrd="1" destOrd="0" presId="urn:microsoft.com/office/officeart/2005/8/layout/hProcess11"/>
+    <dgm:cxn modelId="{891FAA59-B7B9-4ABA-9A55-DCB32FAC9902}" type="presParOf" srcId="{65607514-4ADE-45B8-99CF-208B6FCED3EC}" destId="{72398764-DF89-4072-8FB3-605933C6B45B}" srcOrd="2" destOrd="0" presId="urn:microsoft.com/office/officeart/2005/8/layout/hProcess11"/>
+  </dgm:cxnLst>
+  <dgm:bg/>
+  <dgm:whole/>
+  <dgm:extLst>
+    <a:ext uri="http://schemas.microsoft.com/office/drawing/2008/diagram">
+      <dsp:dataModelExt xmlns:dsp="http://schemas.microsoft.com/office/drawing/2008/diagram" relId="rId7" minVer="http://schemas.openxmlformats.org/drawingml/2006/diagram"/>
+    </a:ext>
+  </dgm:extLst>
+</dgm:dataModel>
+</file>
+
+<file path=ppt/diagrams/drawing1.xml><?xml version="1.0" encoding="utf-8"?>
+<dsp:drawing xmlns:dgm="http://schemas.openxmlformats.org/drawingml/2006/diagram" xmlns:dsp="http://schemas.microsoft.com/office/drawing/2008/diagram" xmlns:a="http://schemas.openxmlformats.org/drawingml/2006/main">
+  <dsp:spTree>
+    <dsp:nvGrpSpPr>
+      <dsp:cNvPr id="0" name=""/>
+      <dsp:cNvGrpSpPr/>
+    </dsp:nvGrpSpPr>
+    <dsp:grpSpPr/>
+    <dsp:sp modelId="{814AC0A7-E540-4E48-BAED-C29A8063AC93}">
+      <dsp:nvSpPr>
+        <dsp:cNvPr id="0" name=""/>
+        <dsp:cNvSpPr/>
+      </dsp:nvSpPr>
+      <dsp:spPr>
+        <a:xfrm>
+          <a:off x="0" y="943659"/>
+          <a:ext cx="9686850" cy="1258212"/>
+        </a:xfrm>
+        <a:prstGeom prst="notchedRightArrow">
+          <a:avLst/>
+        </a:prstGeom>
+        <a:solidFill>
+          <a:schemeClr val="accent1">
+            <a:tint val="40000"/>
+            <a:hueOff val="0"/>
+            <a:satOff val="0"/>
+            <a:lumOff val="0"/>
+            <a:alphaOff val="0"/>
+          </a:schemeClr>
+        </a:solidFill>
+        <a:ln>
+          <a:noFill/>
+        </a:ln>
+        <a:effectLst/>
+      </dsp:spPr>
+      <dsp:style>
+        <a:lnRef idx="0">
+          <a:scrgbClr r="0" g="0" b="0"/>
+        </a:lnRef>
+        <a:fillRef idx="1">
+          <a:scrgbClr r="0" g="0" b="0"/>
+        </a:fillRef>
+        <a:effectRef idx="0">
+          <a:scrgbClr r="0" g="0" b="0"/>
+        </a:effectRef>
+        <a:fontRef idx="minor"/>
+      </dsp:style>
+    </dsp:sp>
+    <dsp:sp modelId="{77AC4D83-0ABC-421A-AB0F-4D417A473CE0}">
+      <dsp:nvSpPr>
+        <dsp:cNvPr id="0" name=""/>
+        <dsp:cNvSpPr/>
+      </dsp:nvSpPr>
+      <dsp:spPr>
+        <a:xfrm>
+          <a:off x="2017" y="0"/>
+          <a:ext cx="2058219" cy="1258212"/>
+        </a:xfrm>
+        <a:prstGeom prst="rect">
+          <a:avLst/>
+        </a:prstGeom>
+        <a:noFill/>
+        <a:ln>
+          <a:noFill/>
+        </a:ln>
+        <a:effectLst/>
+      </dsp:spPr>
+      <dsp:style>
+        <a:lnRef idx="0">
+          <a:scrgbClr r="0" g="0" b="0"/>
+        </a:lnRef>
+        <a:fillRef idx="0">
+          <a:scrgbClr r="0" g="0" b="0"/>
+        </a:fillRef>
+        <a:effectRef idx="0">
+          <a:scrgbClr r="0" g="0" b="0"/>
+        </a:effectRef>
+        <a:fontRef idx="minor"/>
+      </dsp:style>
+      <dsp:txBody>
+        <a:bodyPr spcFirstLastPara="0" vert="horz" wrap="square" lIns="142240" tIns="142240" rIns="142240" bIns="142240" numCol="1" spcCol="1270" anchor="b" anchorCtr="0">
+          <a:noAutofit/>
+        </a:bodyPr>
+        <a:lstStyle/>
+        <a:p>
+          <a:pPr marL="0" lvl="0" indent="0" algn="ctr" defTabSz="889000">
+            <a:lnSpc>
+              <a:spcPct val="90000"/>
+            </a:lnSpc>
+            <a:spcBef>
+              <a:spcPct val="0"/>
+            </a:spcBef>
+            <a:spcAft>
+              <a:spcPct val="35000"/>
+            </a:spcAft>
+            <a:buNone/>
+          </a:pPr>
+          <a:r>
+            <a:rPr lang="zh-CN" altLang="en-US" sz="2000" kern="1200" dirty="0">
+              <a:solidFill>
+                <a:schemeClr val="bg1">
+                  <a:lumMod val="50000"/>
+                </a:schemeClr>
+              </a:solidFill>
+              <a:latin typeface="微软雅黑" panose="020B0503020204020204" pitchFamily="34" charset="-122"/>
+              <a:ea typeface="微软雅黑" panose="020B0503020204020204" pitchFamily="34" charset="-122"/>
+            </a:rPr>
+            <a:t>确定主题</a:t>
+          </a:r>
+          <a:endParaRPr lang="en-US" altLang="zh-CN" sz="2000" kern="1200" dirty="0">
+            <a:solidFill>
+              <a:schemeClr val="bg1">
+                <a:lumMod val="50000"/>
+              </a:schemeClr>
+            </a:solidFill>
+            <a:latin typeface="微软雅黑" panose="020B0503020204020204" pitchFamily="34" charset="-122"/>
+            <a:ea typeface="微软雅黑" panose="020B0503020204020204" pitchFamily="34" charset="-122"/>
+          </a:endParaRPr>
+        </a:p>
+        <a:p>
+          <a:pPr marL="0" lvl="0" indent="0" algn="ctr" defTabSz="889000">
+            <a:lnSpc>
+              <a:spcPct val="90000"/>
+            </a:lnSpc>
+            <a:spcBef>
+              <a:spcPct val="0"/>
+            </a:spcBef>
+            <a:spcAft>
+              <a:spcPct val="35000"/>
+            </a:spcAft>
+            <a:buNone/>
+          </a:pPr>
+          <a:r>
+            <a:rPr lang="zh-CN" altLang="en-US" sz="2000" kern="1200" dirty="0">
+              <a:solidFill>
+                <a:schemeClr val="bg1">
+                  <a:lumMod val="50000"/>
+                </a:schemeClr>
+              </a:solidFill>
+              <a:latin typeface="微软雅黑" panose="020B0503020204020204" pitchFamily="34" charset="-122"/>
+              <a:ea typeface="微软雅黑" panose="020B0503020204020204" pitchFamily="34" charset="-122"/>
+            </a:rPr>
+            <a:t>（</a:t>
+          </a:r>
+          <a:r>
+            <a:rPr lang="en-US" altLang="zh-CN" sz="2000" kern="1200" dirty="0">
+              <a:solidFill>
+                <a:schemeClr val="bg1">
+                  <a:lumMod val="50000"/>
+                </a:schemeClr>
+              </a:solidFill>
+              <a:latin typeface="微软雅黑" panose="020B0503020204020204" pitchFamily="34" charset="-122"/>
+              <a:ea typeface="微软雅黑" panose="020B0503020204020204" pitchFamily="34" charset="-122"/>
+            </a:rPr>
+            <a:t>12.5-12.15</a:t>
+          </a:r>
+          <a:r>
+            <a:rPr lang="zh-CN" altLang="en-US" sz="2000" kern="1200" dirty="0">
+              <a:solidFill>
+                <a:schemeClr val="bg1">
+                  <a:lumMod val="50000"/>
+                </a:schemeClr>
+              </a:solidFill>
+              <a:latin typeface="微软雅黑" panose="020B0503020204020204" pitchFamily="34" charset="-122"/>
+              <a:ea typeface="微软雅黑" panose="020B0503020204020204" pitchFamily="34" charset="-122"/>
+            </a:rPr>
+            <a:t>）</a:t>
+          </a:r>
+        </a:p>
+      </dsp:txBody>
+      <dsp:txXfrm>
+        <a:off x="2017" y="0"/>
+        <a:ext cx="2058219" cy="1258212"/>
+      </dsp:txXfrm>
+    </dsp:sp>
+    <dsp:sp modelId="{23C16B6E-F338-4C98-B5EA-9860E999C65C}">
+      <dsp:nvSpPr>
+        <dsp:cNvPr id="0" name=""/>
+        <dsp:cNvSpPr/>
+      </dsp:nvSpPr>
+      <dsp:spPr>
+        <a:xfrm>
+          <a:off x="873850" y="1415489"/>
+          <a:ext cx="314553" cy="314553"/>
+        </a:xfrm>
+        <a:prstGeom prst="ellipse">
+          <a:avLst/>
+        </a:prstGeom>
+        <a:solidFill>
+          <a:schemeClr val="accent1">
+            <a:hueOff val="0"/>
+            <a:satOff val="0"/>
+            <a:lumOff val="0"/>
+            <a:alphaOff val="0"/>
+          </a:schemeClr>
+        </a:solidFill>
+        <a:ln w="12700" cap="flat" cmpd="sng" algn="ctr">
+          <a:solidFill>
+            <a:schemeClr val="lt1">
+              <a:hueOff val="0"/>
+              <a:satOff val="0"/>
+              <a:lumOff val="0"/>
+              <a:alphaOff val="0"/>
+            </a:schemeClr>
+          </a:solidFill>
+          <a:prstDash val="solid"/>
+          <a:miter lim="800000"/>
+        </a:ln>
+        <a:effectLst/>
+      </dsp:spPr>
+      <dsp:style>
+        <a:lnRef idx="2">
+          <a:scrgbClr r="0" g="0" b="0"/>
+        </a:lnRef>
+        <a:fillRef idx="1">
+          <a:scrgbClr r="0" g="0" b="0"/>
+        </a:fillRef>
+        <a:effectRef idx="0">
+          <a:scrgbClr r="0" g="0" b="0"/>
+        </a:effectRef>
+        <a:fontRef idx="minor">
+          <a:schemeClr val="lt1"/>
+        </a:fontRef>
+      </dsp:style>
+    </dsp:sp>
+    <dsp:sp modelId="{A2AE24C5-BD28-40A9-B769-41F5AE4F228E}">
+      <dsp:nvSpPr>
+        <dsp:cNvPr id="0" name=""/>
+        <dsp:cNvSpPr/>
+      </dsp:nvSpPr>
+      <dsp:spPr>
+        <a:xfrm>
+          <a:off x="2163147" y="1887319"/>
+          <a:ext cx="2058219" cy="1258212"/>
+        </a:xfrm>
+        <a:prstGeom prst="rect">
+          <a:avLst/>
+        </a:prstGeom>
+        <a:noFill/>
+        <a:ln>
+          <a:noFill/>
+        </a:ln>
+        <a:effectLst/>
+      </dsp:spPr>
+      <dsp:style>
+        <a:lnRef idx="0">
+          <a:scrgbClr r="0" g="0" b="0"/>
+        </a:lnRef>
+        <a:fillRef idx="0">
+          <a:scrgbClr r="0" g="0" b="0"/>
+        </a:fillRef>
+        <a:effectRef idx="0">
+          <a:scrgbClr r="0" g="0" b="0"/>
+        </a:effectRef>
+        <a:fontRef idx="minor"/>
+      </dsp:style>
+      <dsp:txBody>
+        <a:bodyPr spcFirstLastPara="0" vert="horz" wrap="square" lIns="135128" tIns="135128" rIns="135128" bIns="135128" numCol="1" spcCol="1270" anchor="t" anchorCtr="0">
+          <a:noAutofit/>
+        </a:bodyPr>
+        <a:lstStyle/>
+        <a:p>
+          <a:pPr marL="0" lvl="0" indent="0" algn="ctr" defTabSz="844550">
+            <a:lnSpc>
+              <a:spcPct val="90000"/>
+            </a:lnSpc>
+            <a:spcBef>
+              <a:spcPct val="0"/>
+            </a:spcBef>
+            <a:spcAft>
+              <a:spcPct val="35000"/>
+            </a:spcAft>
+            <a:buNone/>
+          </a:pPr>
+          <a:r>
+            <a:rPr lang="zh-CN" altLang="en-US" sz="1900" kern="1200" dirty="0">
+              <a:solidFill>
+                <a:prstClr val="white">
+                  <a:lumMod val="50000"/>
+                </a:prstClr>
+              </a:solidFill>
+              <a:latin typeface="微软雅黑" panose="020B0503020204020204" pitchFamily="34" charset="-122"/>
+              <a:ea typeface="微软雅黑" panose="020B0503020204020204" pitchFamily="34" charset="-122"/>
+              <a:cs typeface="+mn-cs"/>
+            </a:rPr>
+            <a:t>完成各个组件功能</a:t>
+          </a:r>
+          <a:endParaRPr lang="en-US" altLang="zh-CN" sz="1900" kern="1200" dirty="0">
+            <a:solidFill>
+              <a:prstClr val="white">
+                <a:lumMod val="50000"/>
+              </a:prstClr>
+            </a:solidFill>
+            <a:latin typeface="微软雅黑" panose="020B0503020204020204" pitchFamily="34" charset="-122"/>
+            <a:ea typeface="微软雅黑" panose="020B0503020204020204" pitchFamily="34" charset="-122"/>
+            <a:cs typeface="+mn-cs"/>
+          </a:endParaRPr>
+        </a:p>
+        <a:p>
+          <a:pPr marL="0" lvl="0" indent="0" algn="ctr" defTabSz="844550">
+            <a:lnSpc>
+              <a:spcPct val="90000"/>
+            </a:lnSpc>
+            <a:spcBef>
+              <a:spcPct val="0"/>
+            </a:spcBef>
+            <a:spcAft>
+              <a:spcPct val="35000"/>
+            </a:spcAft>
+            <a:buNone/>
+          </a:pPr>
+          <a:r>
+            <a:rPr lang="zh-CN" altLang="en-US" sz="1900" kern="1200" dirty="0">
+              <a:solidFill>
+                <a:prstClr val="white">
+                  <a:lumMod val="50000"/>
+                </a:prstClr>
+              </a:solidFill>
+              <a:latin typeface="微软雅黑" panose="020B0503020204020204" pitchFamily="34" charset="-122"/>
+              <a:ea typeface="微软雅黑" panose="020B0503020204020204" pitchFamily="34" charset="-122"/>
+              <a:cs typeface="+mn-cs"/>
+            </a:rPr>
+            <a:t>（</a:t>
+          </a:r>
+          <a:r>
+            <a:rPr lang="en-US" altLang="zh-CN" sz="1900" kern="1200" dirty="0">
+              <a:solidFill>
+                <a:prstClr val="white">
+                  <a:lumMod val="50000"/>
+                </a:prstClr>
+              </a:solidFill>
+              <a:latin typeface="微软雅黑" panose="020B0503020204020204" pitchFamily="34" charset="-122"/>
+              <a:ea typeface="微软雅黑" panose="020B0503020204020204" pitchFamily="34" charset="-122"/>
+              <a:cs typeface="+mn-cs"/>
+            </a:rPr>
+            <a:t>12.16-12.22</a:t>
+          </a:r>
+          <a:r>
+            <a:rPr lang="zh-CN" altLang="en-US" sz="1900" kern="1200" dirty="0">
+              <a:solidFill>
+                <a:prstClr val="white">
+                  <a:lumMod val="50000"/>
+                </a:prstClr>
+              </a:solidFill>
+              <a:latin typeface="微软雅黑" panose="020B0503020204020204" pitchFamily="34" charset="-122"/>
+              <a:ea typeface="微软雅黑" panose="020B0503020204020204" pitchFamily="34" charset="-122"/>
+              <a:cs typeface="+mn-cs"/>
+            </a:rPr>
+            <a:t>）</a:t>
+          </a:r>
+        </a:p>
+      </dsp:txBody>
+      <dsp:txXfrm>
+        <a:off x="2163147" y="1887319"/>
+        <a:ext cx="2058219" cy="1258212"/>
+      </dsp:txXfrm>
+    </dsp:sp>
+    <dsp:sp modelId="{D173B033-B81D-4E35-BEEA-14B1E3AFCF00}">
+      <dsp:nvSpPr>
+        <dsp:cNvPr id="0" name=""/>
+        <dsp:cNvSpPr/>
+      </dsp:nvSpPr>
+      <dsp:spPr>
+        <a:xfrm>
+          <a:off x="3034980" y="1415489"/>
+          <a:ext cx="314553" cy="314553"/>
+        </a:xfrm>
+        <a:prstGeom prst="ellipse">
+          <a:avLst/>
+        </a:prstGeom>
+        <a:solidFill>
+          <a:schemeClr val="accent1">
+            <a:hueOff val="0"/>
+            <a:satOff val="0"/>
+            <a:lumOff val="0"/>
+            <a:alphaOff val="0"/>
+          </a:schemeClr>
+        </a:solidFill>
+        <a:ln w="12700" cap="flat" cmpd="sng" algn="ctr">
+          <a:solidFill>
+            <a:schemeClr val="lt1">
+              <a:hueOff val="0"/>
+              <a:satOff val="0"/>
+              <a:lumOff val="0"/>
+              <a:alphaOff val="0"/>
+            </a:schemeClr>
+          </a:solidFill>
+          <a:prstDash val="solid"/>
+          <a:miter lim="800000"/>
+        </a:ln>
+        <a:effectLst/>
+      </dsp:spPr>
+      <dsp:style>
+        <a:lnRef idx="2">
+          <a:scrgbClr r="0" g="0" b="0"/>
+        </a:lnRef>
+        <a:fillRef idx="1">
+          <a:scrgbClr r="0" g="0" b="0"/>
+        </a:fillRef>
+        <a:effectRef idx="0">
+          <a:scrgbClr r="0" g="0" b="0"/>
+        </a:effectRef>
+        <a:fontRef idx="minor">
+          <a:schemeClr val="lt1"/>
+        </a:fontRef>
+      </dsp:style>
+    </dsp:sp>
+    <dsp:sp modelId="{04D85944-4935-4849-86E8-4E1BC3BE940A}">
+      <dsp:nvSpPr>
+        <dsp:cNvPr id="0" name=""/>
+        <dsp:cNvSpPr/>
+      </dsp:nvSpPr>
+      <dsp:spPr>
+        <a:xfrm>
+          <a:off x="4324278" y="0"/>
+          <a:ext cx="4391869" cy="1258212"/>
+        </a:xfrm>
+        <a:prstGeom prst="rect">
+          <a:avLst/>
+        </a:prstGeom>
+        <a:noFill/>
+        <a:ln>
+          <a:noFill/>
+        </a:ln>
+        <a:effectLst/>
+      </dsp:spPr>
+      <dsp:style>
+        <a:lnRef idx="0">
+          <a:scrgbClr r="0" g="0" b="0"/>
+        </a:lnRef>
+        <a:fillRef idx="0">
+          <a:scrgbClr r="0" g="0" b="0"/>
+        </a:fillRef>
+        <a:effectRef idx="0">
+          <a:scrgbClr r="0" g="0" b="0"/>
+        </a:effectRef>
+        <a:fontRef idx="minor"/>
+      </dsp:style>
+      <dsp:txBody>
+        <a:bodyPr spcFirstLastPara="0" vert="horz" wrap="square" lIns="135128" tIns="135128" rIns="135128" bIns="135128" numCol="1" spcCol="1270" anchor="b" anchorCtr="0">
+          <a:noAutofit/>
+        </a:bodyPr>
+        <a:lstStyle/>
+        <a:p>
+          <a:pPr marL="0" lvl="0" indent="0" algn="ctr" defTabSz="844550">
+            <a:lnSpc>
+              <a:spcPct val="90000"/>
+            </a:lnSpc>
+            <a:spcBef>
+              <a:spcPct val="0"/>
+            </a:spcBef>
+            <a:spcAft>
+              <a:spcPct val="35000"/>
+            </a:spcAft>
+            <a:buNone/>
+          </a:pPr>
+          <a:r>
+            <a:rPr lang="zh-CN" altLang="en-US" sz="1900" kern="1200" dirty="0">
+              <a:solidFill>
+                <a:prstClr val="white">
+                  <a:lumMod val="50000"/>
+                </a:prstClr>
+              </a:solidFill>
+              <a:latin typeface="微软雅黑" panose="020B0503020204020204" pitchFamily="34" charset="-122"/>
+              <a:ea typeface="微软雅黑" panose="020B0503020204020204" pitchFamily="34" charset="-122"/>
+              <a:cs typeface="+mn-cs"/>
+            </a:rPr>
+            <a:t>单元测试、美化样式、文档编写</a:t>
+          </a:r>
+          <a:endParaRPr lang="en-US" altLang="zh-CN" sz="1900" kern="1200" dirty="0">
+            <a:solidFill>
+              <a:prstClr val="white">
+                <a:lumMod val="50000"/>
+              </a:prstClr>
+            </a:solidFill>
+            <a:latin typeface="微软雅黑" panose="020B0503020204020204" pitchFamily="34" charset="-122"/>
+            <a:ea typeface="微软雅黑" panose="020B0503020204020204" pitchFamily="34" charset="-122"/>
+            <a:cs typeface="+mn-cs"/>
+          </a:endParaRPr>
+        </a:p>
+        <a:p>
+          <a:pPr marL="0" lvl="0" indent="0" algn="ctr" defTabSz="844550">
+            <a:lnSpc>
+              <a:spcPct val="90000"/>
+            </a:lnSpc>
+            <a:spcBef>
+              <a:spcPct val="0"/>
+            </a:spcBef>
+            <a:spcAft>
+              <a:spcPct val="35000"/>
+            </a:spcAft>
+            <a:buNone/>
+          </a:pPr>
+          <a:r>
+            <a:rPr lang="zh-CN" altLang="en-US" sz="1900" kern="1200" dirty="0">
+              <a:solidFill>
+                <a:prstClr val="white">
+                  <a:lumMod val="50000"/>
+                </a:prstClr>
+              </a:solidFill>
+              <a:latin typeface="微软雅黑" panose="020B0503020204020204" pitchFamily="34" charset="-122"/>
+              <a:ea typeface="微软雅黑" panose="020B0503020204020204" pitchFamily="34" charset="-122"/>
+              <a:cs typeface="+mn-cs"/>
+            </a:rPr>
+            <a:t>（</a:t>
+          </a:r>
+          <a:r>
+            <a:rPr lang="en-US" altLang="zh-CN" sz="1900" kern="1200" dirty="0">
+              <a:solidFill>
+                <a:prstClr val="white">
+                  <a:lumMod val="50000"/>
+                </a:prstClr>
+              </a:solidFill>
+              <a:latin typeface="微软雅黑" panose="020B0503020204020204" pitchFamily="34" charset="-122"/>
+              <a:ea typeface="微软雅黑" panose="020B0503020204020204" pitchFamily="34" charset="-122"/>
+              <a:cs typeface="+mn-cs"/>
+            </a:rPr>
+            <a:t>12.23-12.24</a:t>
+          </a:r>
+          <a:r>
+            <a:rPr lang="zh-CN" altLang="en-US" sz="1900" kern="1200" dirty="0">
+              <a:solidFill>
+                <a:prstClr val="white">
+                  <a:lumMod val="50000"/>
+                </a:prstClr>
+              </a:solidFill>
+              <a:latin typeface="微软雅黑" panose="020B0503020204020204" pitchFamily="34" charset="-122"/>
+              <a:ea typeface="微软雅黑" panose="020B0503020204020204" pitchFamily="34" charset="-122"/>
+              <a:cs typeface="+mn-cs"/>
+            </a:rPr>
+            <a:t>）</a:t>
+          </a:r>
+        </a:p>
+      </dsp:txBody>
+      <dsp:txXfrm>
+        <a:off x="4324278" y="0"/>
+        <a:ext cx="4391869" cy="1258212"/>
+      </dsp:txXfrm>
+    </dsp:sp>
+    <dsp:sp modelId="{599C3357-84C9-416D-957F-9A08167F2EE5}">
+      <dsp:nvSpPr>
+        <dsp:cNvPr id="0" name=""/>
+        <dsp:cNvSpPr/>
+      </dsp:nvSpPr>
+      <dsp:spPr>
+        <a:xfrm>
+          <a:off x="6362935" y="1415489"/>
+          <a:ext cx="314553" cy="314553"/>
+        </a:xfrm>
+        <a:prstGeom prst="ellipse">
+          <a:avLst/>
+        </a:prstGeom>
+        <a:solidFill>
+          <a:schemeClr val="accent1">
+            <a:hueOff val="0"/>
+            <a:satOff val="0"/>
+            <a:lumOff val="0"/>
+            <a:alphaOff val="0"/>
+          </a:schemeClr>
+        </a:solidFill>
+        <a:ln w="12700" cap="flat" cmpd="sng" algn="ctr">
+          <a:solidFill>
+            <a:schemeClr val="lt1">
+              <a:hueOff val="0"/>
+              <a:satOff val="0"/>
+              <a:lumOff val="0"/>
+              <a:alphaOff val="0"/>
+            </a:schemeClr>
+          </a:solidFill>
+          <a:prstDash val="solid"/>
+          <a:miter lim="800000"/>
+        </a:ln>
+        <a:effectLst/>
+      </dsp:spPr>
+      <dsp:style>
+        <a:lnRef idx="2">
+          <a:scrgbClr r="0" g="0" b="0"/>
+        </a:lnRef>
+        <a:fillRef idx="1">
+          <a:scrgbClr r="0" g="0" b="0"/>
+        </a:fillRef>
+        <a:effectRef idx="0">
+          <a:scrgbClr r="0" g="0" b="0"/>
+        </a:effectRef>
+        <a:fontRef idx="minor">
+          <a:schemeClr val="lt1"/>
+        </a:fontRef>
+      </dsp:style>
+    </dsp:sp>
+  </dsp:spTree>
+</dsp:drawing>
+</file>
+
+<file path=ppt/diagrams/layout1.xml><?xml version="1.0" encoding="utf-8"?>
+<dgm:layoutDef xmlns:dgm="http://schemas.openxmlformats.org/drawingml/2006/diagram" xmlns:a="http://schemas.openxmlformats.org/drawingml/2006/main" uniqueId="urn:microsoft.com/office/officeart/2005/8/layout/hProcess11">
+  <dgm:title val=""/>
+  <dgm:desc val=""/>
+  <dgm:catLst>
+    <dgm:cat type="process" pri="8000"/>
+    <dgm:cat type="convert" pri="14000"/>
+  </dgm:catLst>
+  <dgm:sampData useDef="1">
+    <dgm:dataModel>
+      <dgm:ptLst/>
+      <dgm:bg/>
+      <dgm:whole/>
+    </dgm:dataModel>
+  </dgm:sampData>
+  <dgm:styleData>
+    <dgm:dataModel>
+      <dgm:ptLst>
+        <dgm:pt modelId="0" type="doc"/>
+        <dgm:pt modelId="1"/>
+        <dgm:pt modelId="2"/>
+      </dgm:ptLst>
+      <dgm:cxnLst>
+        <dgm:cxn modelId="4" srcId="0" destId="1" srcOrd="0" destOrd="0"/>
+        <dgm:cxn modelId="5" srcId="0" destId="2" srcOrd="1" destOrd="0"/>
+      </dgm:cxnLst>
+      <dgm:bg/>
+      <dgm:whole/>
+    </dgm:dataModel>
+  </dgm:styleData>
+  <dgm:clrData>
+    <dgm:dataModel>
+      <dgm:ptLst>
+        <dgm:pt modelId="0" type="doc"/>
+        <dgm:pt modelId="1"/>
+        <dgm:pt modelId="2"/>
+        <dgm:pt modelId="3"/>
+        <dgm:pt modelId="4"/>
+      </dgm:ptLst>
+      <dgm:cxnLst>
+        <dgm:cxn modelId="5" srcId="0" destId="1" srcOrd="0" destOrd="0"/>
+        <dgm:cxn modelId="6" srcId="0" destId="2" srcOrd="1" destOrd="0"/>
+        <dgm:cxn modelId="7" srcId="0" destId="3" srcOrd="2" destOrd="0"/>
+        <dgm:cxn modelId="8" srcId="0" destId="4" srcOrd="3" destOrd="0"/>
+      </dgm:cxnLst>
+      <dgm:bg/>
+      <dgm:whole/>
+    </dgm:dataModel>
+  </dgm:clrData>
+  <dgm:layoutNode name="Name0">
+    <dgm:varLst>
+      <dgm:dir/>
+      <dgm:resizeHandles val="exact"/>
+    </dgm:varLst>
+    <dgm:alg type="composite"/>
+    <dgm:shape xmlns:r="http://schemas.openxmlformats.org/officeDocument/2006/relationships" r:blip="">
+      <dgm:adjLst/>
+    </dgm:shape>
+    <dgm:presOf/>
+    <dgm:choose name="Name1">
+      <dgm:if name="Name2" func="var" arg="dir" op="equ" val="norm">
+        <dgm:constrLst>
+          <dgm:constr type="w" for="ch" forName="arrow" refType="w"/>
+          <dgm:constr type="h" for="ch" forName="arrow" refType="h" fact="0.4"/>
+          <dgm:constr type="ctrY" for="ch" forName="arrow" refType="h" fact="0.5"/>
+          <dgm:constr type="l" for="ch" forName="arrow"/>
+          <dgm:constr type="w" for="ch" forName="points" refType="w" fact="0.9"/>
+          <dgm:constr type="h" for="ch" forName="points" refType="h"/>
+          <dgm:constr type="t" for="ch" forName="points"/>
+          <dgm:constr type="l" for="ch" forName="points"/>
+        </dgm:constrLst>
+      </dgm:if>
+      <dgm:else name="Name3">
+        <dgm:constrLst>
+          <dgm:constr type="w" for="ch" forName="arrow" refType="w"/>
+          <dgm:constr type="h" for="ch" forName="arrow" refType="h" fact="0.4"/>
+          <dgm:constr type="ctrY" for="ch" forName="arrow" refType="h" fact="0.5"/>
+          <dgm:constr type="r" for="ch" forName="arrow" refType="w"/>
+          <dgm:constr type="w" for="ch" forName="points" refType="w" fact="0.9"/>
+          <dgm:constr type="h" for="ch" forName="points" refType="h"/>
+          <dgm:constr type="t" for="ch" forName="points"/>
+          <dgm:constr type="r" for="ch" forName="points" refType="w"/>
+        </dgm:constrLst>
+      </dgm:else>
+    </dgm:choose>
+    <dgm:ruleLst/>
+    <dgm:layoutNode name="arrow" styleLbl="bgShp">
+      <dgm:alg type="sp"/>
+      <dgm:choose name="Name4">
+        <dgm:if name="Name5" func="var" arg="dir" op="equ" val="norm">
+          <dgm:shape xmlns:r="http://schemas.openxmlformats.org/officeDocument/2006/relationships" type="notchedRightArrow" r:blip="">
+            <dgm:adjLst/>
+          </dgm:shape>
+        </dgm:if>
+        <dgm:else name="Name6">
+          <dgm:shape xmlns:r="http://schemas.openxmlformats.org/officeDocument/2006/relationships" rot="180" type="notchedRightArrow" r:blip="">
+            <dgm:adjLst/>
+          </dgm:shape>
+        </dgm:else>
+      </dgm:choose>
+      <dgm:presOf/>
+      <dgm:constrLst/>
+      <dgm:ruleLst/>
+    </dgm:layoutNode>
+    <dgm:layoutNode name="points">
+      <dgm:choose name="Name7">
+        <dgm:if name="Name8" func="var" arg="dir" op="equ" val="norm">
+          <dgm:alg type="lin">
+            <dgm:param type="linDir" val="fromL"/>
+          </dgm:alg>
+        </dgm:if>
+        <dgm:else name="Name9">
+          <dgm:alg type="lin">
+            <dgm:param type="linDir" val="fromR"/>
+          </dgm:alg>
+        </dgm:else>
+      </dgm:choose>
+      <dgm:shape xmlns:r="http://schemas.openxmlformats.org/officeDocument/2006/relationships" r:blip="">
+        <dgm:adjLst/>
+      </dgm:shape>
+      <dgm:presOf/>
+      <dgm:constrLst>
+        <dgm:constr type="w" for="ch" forName="compositeA" refType="w"/>
+        <dgm:constr type="h" for="ch" forName="compositeA" refType="h"/>
+        <dgm:constr type="w" for="ch" forName="compositeB" refType="w" refFor="ch" refForName="compositeA" op="equ"/>
+        <dgm:constr type="h" for="ch" forName="compositeB" refType="h" refFor="ch" refForName="compositeA" op="equ"/>
+        <dgm:constr type="primFontSz" for="des" ptType="node" op="equ" val="65"/>
+        <dgm:constr type="w" for="ch" forName="space" refType="w" refFor="ch" refForName="compositeA" op="equ" fact="0.05"/>
+      </dgm:constrLst>
+      <dgm:ruleLst/>
+      <dgm:forEach name="Name10" axis="ch" ptType="node">
+        <dgm:choose name="Name11">
+          <dgm:if name="Name12" axis="self" ptType="node" func="posOdd" op="equ" val="1">
+            <dgm:layoutNode name="compositeA">
+              <dgm:alg type="composite"/>
+              <dgm:shape xmlns:r="http://schemas.openxmlformats.org/officeDocument/2006/relationships" r:blip="">
+                <dgm:adjLst/>
+              </dgm:shape>
+              <dgm:presOf/>
+              <dgm:constrLst>
+                <dgm:constr type="w" for="ch" forName="textA" refType="w"/>
+                <dgm:constr type="h" for="ch" forName="textA" refType="h" fact="0.4"/>
+                <dgm:constr type="t" for="ch" forName="textA"/>
+                <dgm:constr type="l" for="ch" forName="textA"/>
+                <dgm:constr type="h" for="ch" forName="circleA" refType="h" fact="0.1"/>
+                <dgm:constr type="h" for="ch" forName="circleA" refType="w" op="lte"/>
+                <dgm:constr type="w" for="ch" forName="circleA" refType="h" refFor="ch" refForName="circleA" op="equ"/>
+                <dgm:constr type="ctrY" for="ch" forName="circleA" refType="h" fact="0.5"/>
+                <dgm:constr type="ctrX" for="ch" forName="circleA" refType="w" refFor="ch" refForName="textA" fact="0.5"/>
+                <dgm:constr type="w" for="ch" forName="spaceA" refType="w"/>
+                <dgm:constr type="h" for="ch" forName="spaceA" refType="h" fact="0.4"/>
+                <dgm:constr type="b" for="ch" forName="spaceA" refType="h"/>
+                <dgm:constr type="l" for="ch" forName="spaceA"/>
+              </dgm:constrLst>
+              <dgm:ruleLst/>
+              <dgm:layoutNode name="textA" styleLbl="revTx">
+                <dgm:varLst>
+                  <dgm:bulletEnabled val="1"/>
+                </dgm:varLst>
+                <dgm:alg type="tx">
+                  <dgm:param type="txAnchorVert" val="b"/>
+                  <dgm:param type="txAnchorVertCh" val="b"/>
+                  <dgm:param type="txAnchorHorzCh" val="ctr"/>
+                </dgm:alg>
+                <dgm:shape xmlns:r="http://schemas.openxmlformats.org/officeDocument/2006/relationships" type="rect" r:blip="">
+                  <dgm:adjLst/>
+                </dgm:shape>
+                <dgm:presOf axis="desOrSelf" ptType="node"/>
+                <dgm:constrLst/>
+                <dgm:ruleLst>
+                  <dgm:rule type="primFontSz" val="5" fact="NaN" max="NaN"/>
+                </dgm:ruleLst>
+              </dgm:layoutNode>
+              <dgm:layoutNode name="circleA">
+                <dgm:alg type="sp"/>
+                <dgm:shape xmlns:r="http://schemas.openxmlformats.org/officeDocument/2006/relationships" type="ellipse" r:blip="">
+                  <dgm:adjLst/>
+                </dgm:shape>
+                <dgm:presOf/>
+                <dgm:constrLst/>
+                <dgm:ruleLst/>
+              </dgm:layoutNode>
+              <dgm:layoutNode name="spaceA">
+                <dgm:alg type="sp"/>
+                <dgm:shape xmlns:r="http://schemas.openxmlformats.org/officeDocument/2006/relationships" r:blip="">
+                  <dgm:adjLst/>
+                </dgm:shape>
+                <dgm:presOf/>
+                <dgm:constrLst/>
+                <dgm:ruleLst/>
+              </dgm:layoutNode>
+            </dgm:layoutNode>
+          </dgm:if>
+          <dgm:else name="Name13">
+            <dgm:layoutNode name="compositeB">
+              <dgm:alg type="composite"/>
+              <dgm:shape xmlns:r="http://schemas.openxmlformats.org/officeDocument/2006/relationships" r:blip="">
+                <dgm:adjLst/>
+              </dgm:shape>
+              <dgm:presOf/>
+              <dgm:constrLst>
+                <dgm:constr type="w" for="ch" forName="textB" refType="w"/>
+                <dgm:constr type="h" for="ch" forName="textB" refType="h" fact="0.4"/>
+                <dgm:constr type="b" for="ch" forName="textB" refType="h"/>
+                <dgm:constr type="l" for="ch" forName="textB"/>
+                <dgm:constr type="h" for="ch" forName="circleB" refType="h" fact="0.1"/>
+                <dgm:constr type="w" for="ch" forName="circleB" refType="h" refFor="ch" refForName="circleB" op="equ"/>
+                <dgm:constr type="h" for="ch" forName="circleB" refType="w" op="lte"/>
+                <dgm:constr type="ctrY" for="ch" forName="circleB" refType="h" fact="0.5"/>
+                <dgm:constr type="ctrX" for="ch" forName="circleB" refType="w" refFor="ch" refForName="textB" fact="0.5"/>
+                <dgm:constr type="w" for="ch" forName="spaceB" refType="w"/>
+                <dgm:constr type="h" for="ch" forName="spaceB" refType="h" fact="0.4"/>
+                <dgm:constr type="t" for="ch" forName="spaceB"/>
+                <dgm:constr type="l" for="ch" forName="spaceB"/>
+              </dgm:constrLst>
+              <dgm:ruleLst/>
+              <dgm:layoutNode name="textB" styleLbl="revTx">
+                <dgm:varLst>
+                  <dgm:bulletEnabled val="1"/>
+                </dgm:varLst>
+                <dgm:alg type="tx">
+                  <dgm:param type="txAnchorVert" val="t"/>
+                  <dgm:param type="txAnchorVertCh" val="t"/>
+                  <dgm:param type="txAnchorHorzCh" val="ctr"/>
+                </dgm:alg>
+                <dgm:shape xmlns:r="http://schemas.openxmlformats.org/officeDocument/2006/relationships" type="rect" r:blip="">
+                  <dgm:adjLst/>
+                </dgm:shape>
+                <dgm:presOf axis="desOrSelf" ptType="node"/>
+                <dgm:constrLst/>
+                <dgm:ruleLst>
+                  <dgm:rule type="primFontSz" val="5" fact="NaN" max="NaN"/>
+                </dgm:ruleLst>
+              </dgm:layoutNode>
+              <dgm:layoutNode name="circleB">
+                <dgm:alg type="sp"/>
+                <dgm:shape xmlns:r="http://schemas.openxmlformats.org/officeDocument/2006/relationships" type="ellipse" r:blip="">
+                  <dgm:adjLst/>
+                </dgm:shape>
+                <dgm:presOf/>
+                <dgm:constrLst/>
+                <dgm:ruleLst/>
+              </dgm:layoutNode>
+              <dgm:layoutNode name="spaceB">
+                <dgm:alg type="sp"/>
+                <dgm:shape xmlns:r="http://schemas.openxmlformats.org/officeDocument/2006/relationships" r:blip="">
+                  <dgm:adjLst/>
+                </dgm:shape>
+                <dgm:presOf/>
+                <dgm:constrLst/>
+                <dgm:ruleLst/>
+              </dgm:layoutNode>
+            </dgm:layoutNode>
+          </dgm:else>
+        </dgm:choose>
+        <dgm:forEach name="Name14" axis="followSib" ptType="sibTrans" cnt="1">
+          <dgm:layoutNode name="space">
+            <dgm:alg type="sp"/>
+            <dgm:shape xmlns:r="http://schemas.openxmlformats.org/officeDocument/2006/relationships" r:blip="">
+              <dgm:adjLst/>
+            </dgm:shape>
+            <dgm:presOf/>
+            <dgm:constrLst/>
+            <dgm:ruleLst/>
+          </dgm:layoutNode>
+        </dgm:forEach>
+      </dgm:forEach>
+    </dgm:layoutNode>
+  </dgm:layoutNode>
+</dgm:layoutDef>
+</file>
+
+<file path=ppt/diagrams/quickStyle1.xml><?xml version="1.0" encoding="utf-8"?>
+<dgm:styleDef xmlns:dgm="http://schemas.openxmlformats.org/drawingml/2006/diagram" xmlns:a="http://schemas.openxmlformats.org/drawingml/2006/main" uniqueId="urn:microsoft.com/office/officeart/2005/8/quickstyle/simple1">
+  <dgm:title val=""/>
+  <dgm:desc val=""/>
+  <dgm:catLst>
+    <dgm:cat type="simple" pri="10100"/>
+  </dgm:catLst>
+  <dgm:scene3d>
+    <a:camera prst="orthographicFront"/>
+    <a:lightRig rig="threePt" dir="t"/>
+  </dgm:scene3d>
+  <dgm:styleLbl name="node0">
+    <dgm:scene3d>
+      <a:camera prst="orthographicFront"/>
+      <a:lightRig rig="threePt" dir="t"/>
+    </dgm:scene3d>
+    <dgm:sp3d/>
+    <dgm:txPr/>
+    <dgm:style>
+      <a:lnRef idx="2">
+        <a:scrgbClr r="0" g="0" b="0"/>
+      </a:lnRef>
+      <a:fillRef idx="1">
+        <a:scrgbClr r="0" g="0" b="0"/>
+      </a:fillRef>
+      <a:effectRef idx="0">
+        <a:scrgbClr r="0" g="0" b="0"/>
+      </a:effectRef>
+      <a:fontRef idx="minor">
+        <a:schemeClr val="lt1"/>
+      </a:fontRef>
+    </dgm:style>
+  </dgm:styleLbl>
+  <dgm:styleLbl name="lnNode1">
+    <dgm:scene3d>
+      <a:camera prst="orthographicFront"/>
+      <a:lightRig rig="threePt" dir="t"/>
+    </dgm:scene3d>
+    <dgm:sp3d/>
+    <dgm:txPr/>
+    <dgm:style>
+      <a:lnRef idx="2">
+        <a:scrgbClr r="0" g="0" b="0"/>
+      </a:lnRef>
+      <a:fillRef idx="1">
+        <a:scrgbClr r="0" g="0" b="0"/>
+      </a:fillRef>
+      <a:effectRef idx="0">
+        <a:scrgbClr r="0" g="0" b="0"/>
+      </a:effectRef>
+      <a:fontRef idx="minor">
+        <a:schemeClr val="lt1"/>
+      </a:fontRef>
+    </dgm:style>
+  </dgm:styleLbl>
+  <dgm:styleLbl name="vennNode1">
+    <dgm:scene3d>
+      <a:camera prst="orthographicFront"/>
+      <a:lightRig rig="threePt" dir="t"/>
+    </dgm:scene3d>
+    <dgm:sp3d/>
+    <dgm:txPr/>
+    <dgm:style>
+      <a:lnRef idx="2">
+        <a:scrgbClr r="0" g="0" b="0"/>
+      </a:lnRef>
+      <a:fillRef idx="1">
+        <a:scrgbClr r="0" g="0" b="0"/>
+      </a:fillRef>
+      <a:effectRef idx="0">
+        <a:scrgbClr r="0" g="0" b="0"/>
+      </a:effectRef>
+      <a:fontRef idx="minor">
+        <a:schemeClr val="tx1"/>
+      </a:fontRef>
+    </dgm:style>
+  </dgm:styleLbl>
+  <dgm:styleLbl name="alignNode1">
+    <dgm:scene3d>
+      <a:camera prst="orthographicFront"/>
+      <a:lightRig rig="threePt" dir="t"/>
+    </dgm:scene3d>
+    <dgm:sp3d/>
+    <dgm:txPr/>
+    <dgm:style>
+      <a:lnRef idx="2">
+        <a:scrgbClr r="0" g="0" b="0"/>
+      </a:lnRef>
+      <a:fillRef idx="1">
+        <a:scrgbClr r="0" g="0" b="0"/>
+      </a:fillRef>
+      <a:effectRef idx="0">
+        <a:scrgbClr r="0" g="0" b="0"/>
+      </a:effectRef>
+      <a:fontRef idx="minor">
+        <a:schemeClr val="lt1"/>
+      </a:fontRef>
+    </dgm:style>
+  </dgm:styleLbl>
+  <dgm:styleLbl name="node1">
+    <dgm:scene3d>
+      <a:camera prst="orthographicFront"/>
+      <a:lightRig rig="threePt" dir="t"/>
+    </dgm:scene3d>
+    <dgm:sp3d/>
+    <dgm:txPr/>
+    <dgm:style>
+      <a:lnRef idx="2">
+        <a:scrgbClr r="0" g="0" b="0"/>
+      </a:lnRef>
+      <a:fillRef idx="1">
+        <a:scrgbClr r="0" g="0" b="0"/>
+      </a:fillRef>
+      <a:effectRef idx="0">
+        <a:scrgbClr r="0" g="0" b="0"/>
+      </a:effectRef>
+      <a:fontRef idx="minor">
+        <a:schemeClr val="lt1"/>
+      </a:fontRef>
+    </dgm:style>
+  </dgm:styleLbl>
+  <dgm:styleLbl name="node2">
+    <dgm:scene3d>
+      <a:camera prst="orthographicFront"/>
+      <a:lightRig rig="threePt" dir="t"/>
+    </dgm:scene3d>
+    <dgm:sp3d/>
+    <dgm:txPr/>
+    <dgm:style>
+      <a:lnRef idx="2">
+        <a:scrgbClr r="0" g="0" b="0"/>
+      </a:lnRef>
+      <a:fillRef idx="1">
+        <a:scrgbClr r="0" g="0" b="0"/>
+      </a:fillRef>
+      <a:effectRef idx="0">
+        <a:scrgbClr r="0" g="0" b="0"/>
+      </a:effectRef>
+      <a:fontRef idx="minor">
+        <a:schemeClr val="lt1"/>
+      </a:fontRef>
+    </dgm:style>
+  </dgm:styleLbl>
+  <dgm:styleLbl name="node3">
+    <dgm:scene3d>
+      <a:camera prst="orthographicFront"/>
+      <a:lightRig rig="threePt" dir="t"/>
+    </dgm:scene3d>
+    <dgm:sp3d/>
+    <dgm:txPr/>
+    <dgm:style>
+      <a:lnRef idx="2">
+        <a:scrgbClr r="0" g="0" b="0"/>
+      </a:lnRef>
+      <a:fillRef idx="1">
+        <a:scrgbClr r="0" g="0" b="0"/>
+      </a:fillRef>
+      <a:effectRef idx="0">
+        <a:scrgbClr r="0" g="0" b="0"/>
+      </a:effectRef>
+      <a:fontRef idx="minor">
+        <a:schemeClr val="lt1"/>
+      </a:fontRef>
+    </dgm:style>
+  </dgm:styleLbl>
+  <dgm:styleLbl name="node4">
+    <dgm:scene3d>
+      <a:camera prst="orthographicFront"/>
+      <a:lightRig rig="threePt" dir="t"/>
+    </dgm:scene3d>
+    <dgm:sp3d/>
+    <dgm:txPr/>
+    <dgm:style>
+      <a:lnRef idx="2">
+        <a:scrgbClr r="0" g="0" b="0"/>
+      </a:lnRef>
+      <a:fillRef idx="1">
+        <a:scrgbClr r="0" g="0" b="0"/>
+      </a:fillRef>
+      <a:effectRef idx="0">
+        <a:scrgbClr r="0" g="0" b="0"/>
+      </a:effectRef>
+      <a:fontRef idx="minor">
+        <a:schemeClr val="lt1"/>
+      </a:fontRef>
+    </dgm:style>
+  </dgm:styleLbl>
+  <dgm:styleLbl name="fgImgPlace1">
+    <dgm:scene3d>
+      <a:camera prst="orthographicFront"/>
+      <a:lightRig rig="threePt" dir="t"/>
+    </dgm:scene3d>
+    <dgm:sp3d/>
+    <dgm:txPr/>
+    <dgm:style>
+      <a:lnRef idx="2">
+        <a:scrgbClr r="0" g="0" b="0"/>
+      </a:lnRef>
+      <a:fillRef idx="1">
+        <a:scrgbClr r="0" g="0" b="0"/>
+      </a:fillRef>
+      <a:effectRef idx="0">
+        <a:scrgbClr r="0" g="0" b="0"/>
+      </a:effectRef>
+      <a:fontRef idx="minor"/>
+    </dgm:style>
+  </dgm:styleLbl>
+  <dgm:styleLbl name="alignImgPlace1">
+    <dgm:scene3d>
+      <a:camera prst="orthographicFront"/>
+      <a:lightRig rig="threePt" dir="t"/>
+    </dgm:scene3d>
+    <dgm:sp3d/>
+    <dgm:txPr/>
+    <dgm:style>
+      <a:lnRef idx="2">
+        <a:scrgbClr r="0" g="0" b="0"/>
+      </a:lnRef>
+      <a:fillRef idx="1">
+        <a:scrgbClr r="0" g="0" b="0"/>
+      </a:fillRef>
+      <a:effectRef idx="0">
+        <a:scrgbClr r="0" g="0" b="0"/>
+      </a:effectRef>
+      <a:fontRef idx="minor"/>
+    </dgm:style>
+  </dgm:styleLbl>
+  <dgm:styleLbl name="bgImgPlace1">
+    <dgm:scene3d>
+      <a:camera prst="orthographicFront"/>
+      <a:lightRig rig="threePt" dir="t"/>
+    </dgm:scene3d>
+    <dgm:sp3d/>
+    <dgm:txPr/>
+    <dgm:style>
+      <a:lnRef idx="2">
+        <a:scrgbClr r="0" g="0" b="0"/>
+      </a:lnRef>
+      <a:fillRef idx="1">
+        <a:scrgbClr r="0" g="0" b="0"/>
+      </a:fillRef>
+      <a:effectRef idx="0">
+        <a:scrgbClr r="0" g="0" b="0"/>
+      </a:effectRef>
+      <a:fontRef idx="minor"/>
+    </dgm:style>
+  </dgm:styleLbl>
+  <dgm:styleLbl name="sibTrans2D1">
+    <dgm:scene3d>
+      <a:camera prst="orthographicFront"/>
+      <a:lightRig rig="threePt" dir="t"/>
+    </dgm:scene3d>
+    <dgm:sp3d/>
+    <dgm:txPr/>
+    <dgm:style>
+      <a:lnRef idx="0">
+        <a:scrgbClr r="0" g="0" b="0"/>
+      </a:lnRef>
+      <a:fillRef idx="1">
+        <a:scrgbClr r="0" g="0" b="0"/>
+      </a:fillRef>
+      <a:effectRef idx="0">
+        <a:scrgbClr r="0" g="0" b="0"/>
+      </a:effectRef>
+      <a:fontRef idx="minor">
+        <a:schemeClr val="lt1"/>
+      </a:fontRef>
+    </dgm:style>
+  </dgm:styleLbl>
+  <dgm:styleLbl name="fgSibTrans2D1">
+    <dgm:scene3d>
+      <a:camera prst="orthographicFront"/>
+      <a:lightRig rig="threePt" dir="t"/>
+    </dgm:scene3d>
+    <dgm:sp3d/>
+    <dgm:txPr/>
+    <dgm:style>
+      <a:lnRef idx="0">
+        <a:scrgbClr r="0" g="0" b="0"/>
+      </a:lnRef>
+      <a:fillRef idx="1">
+        <a:scrgbClr r="0" g="0" b="0"/>
+      </a:fillRef>
+      <a:effectRef idx="0">
+        <a:scrgbClr r="0" g="0" b="0"/>
+      </a:effectRef>
+      <a:fontRef idx="minor">
+        <a:schemeClr val="lt1"/>
+      </a:fontRef>
+    </dgm:style>
+  </dgm:styleLbl>
+  <dgm:styleLbl name="bgSibTrans2D1">
+    <dgm:scene3d>
+      <a:camera prst="orthographicFront"/>
+      <a:lightRig rig="threePt" dir="t"/>
+    </dgm:scene3d>
+    <dgm:sp3d/>
+    <dgm:txPr/>
+    <dgm:style>
+      <a:lnRef idx="0">
+        <a:scrgbClr r="0" g="0" b="0"/>
+      </a:lnRef>
+      <a:fillRef idx="1">
+        <a:scrgbClr r="0" g="0" b="0"/>
+      </a:fillRef>
+      <a:effectRef idx="0">
+        <a:scrgbClr r="0" g="0" b="0"/>
+      </a:effectRef>
+      <a:fontRef idx="minor">
+        <a:schemeClr val="lt1"/>
+      </a:fontRef>
+    </dgm:style>
+  </dgm:styleLbl>
+  <dgm:styleLbl name="sibTrans1D1">
+    <dgm:scene3d>
+      <a:camera prst="orthographicFront"/>
+      <a:lightRig rig="threePt" dir="t"/>
+    </dgm:scene3d>
+    <dgm:sp3d/>
+    <dgm:txPr/>
+    <dgm:style>
+      <a:lnRef idx="1">
+        <a:scrgbClr r="0" g="0" b="0"/>
+      </a:lnRef>
+      <a:fillRef idx="0">
+        <a:scrgbClr r="0" g="0" b="0"/>
+      </a:fillRef>
+      <a:effectRef idx="0">
+        <a:scrgbClr r="0" g="0" b="0"/>
+      </a:effectRef>
+      <a:fontRef idx="minor"/>
+    </dgm:style>
+  </dgm:styleLbl>
+  <dgm:styleLbl name="callout">
+    <dgm:scene3d>
+      <a:camera prst="orthographicFront"/>
+      <a:lightRig rig="threePt" dir="t"/>
+    </dgm:scene3d>
+    <dgm:sp3d/>
+    <dgm:txPr/>
+    <dgm:style>
+      <a:lnRef idx="2">
+        <a:scrgbClr r="0" g="0" b="0"/>
+      </a:lnRef>
+      <a:fillRef idx="1">
+        <a:scrgbClr r="0" g="0" b="0"/>
+      </a:fillRef>
+      <a:effectRef idx="0">
+        <a:scrgbClr r="0" g="0" b="0"/>
+      </a:effectRef>
+      <a:fontRef idx="minor"/>
+    </dgm:style>
+  </dgm:styleLbl>
+  <dgm:styleLbl name="asst0">
+    <dgm:scene3d>
+      <a:camera prst="orthographicFront"/>
+      <a:lightRig rig="threePt" dir="t"/>
+    </dgm:scene3d>
+    <dgm:sp3d/>
+    <dgm:txPr/>
+    <dgm:style>
+      <a:lnRef idx="2">
+        <a:scrgbClr r="0" g="0" b="0"/>
+      </a:lnRef>
+      <a:fillRef idx="1">
+        <a:scrgbClr r="0" g="0" b="0"/>
+      </a:fillRef>
+      <a:effectRef idx="0">
+        <a:scrgbClr r="0" g="0" b="0"/>
+      </a:effectRef>
+      <a:fontRef idx="minor">
+        <a:schemeClr val="lt1"/>
+      </a:fontRef>
+    </dgm:style>
+  </dgm:styleLbl>
+  <dgm:styleLbl name="asst1">
+    <dgm:scene3d>
+      <a:camera prst="orthographicFront"/>
+      <a:lightRig rig="threePt" dir="t"/>
+    </dgm:scene3d>
+    <dgm:sp3d/>
+    <dgm:txPr/>
+    <dgm:style>
+      <a:lnRef idx="2">
+        <a:scrgbClr r="0" g="0" b="0"/>
+      </a:lnRef>
+      <a:fillRef idx="1">
+        <a:scrgbClr r="0" g="0" b="0"/>
+      </a:fillRef>
+      <a:effectRef idx="0">
+        <a:scrgbClr r="0" g="0" b="0"/>
+      </a:effectRef>
+      <a:fontRef idx="minor">
+        <a:schemeClr val="lt1"/>
+      </a:fontRef>
+    </dgm:style>
+  </dgm:styleLbl>
+  <dgm:styleLbl name="asst2">
+    <dgm:scene3d>
+      <a:camera prst="orthographicFront"/>
+      <a:lightRig rig="threePt" dir="t"/>
+    </dgm:scene3d>
+    <dgm:sp3d/>
+    <dgm:txPr/>
+    <dgm:style>
+      <a:lnRef idx="2">
+        <a:scrgbClr r="0" g="0" b="0"/>
+      </a:lnRef>
+      <a:fillRef idx="1">
+        <a:scrgbClr r="0" g="0" b="0"/>
+      </a:fillRef>
+      <a:effectRef idx="0">
+        <a:scrgbClr r="0" g="0" b="0"/>
+      </a:effectRef>
+      <a:fontRef idx="minor">
+        <a:schemeClr val="lt1"/>
+      </a:fontRef>
+    </dgm:style>
+  </dgm:styleLbl>
+  <dgm:styleLbl name="asst3">
+    <dgm:scene3d>
+      <a:camera prst="orthographicFront"/>
+      <a:lightRig rig="threePt" dir="t"/>
+    </dgm:scene3d>
+    <dgm:sp3d/>
+    <dgm:txPr/>
+    <dgm:style>
+      <a:lnRef idx="2">
+        <a:scrgbClr r="0" g="0" b="0"/>
+      </a:lnRef>
+      <a:fillRef idx="1">
+        <a:scrgbClr r="0" g="0" b="0"/>
+      </a:fillRef>
+      <a:effectRef idx="0">
+        <a:scrgbClr r="0" g="0" b="0"/>
+      </a:effectRef>
+      <a:fontRef idx="minor">
+        <a:schemeClr val="lt1"/>
+      </a:fontRef>
+    </dgm:style>
+  </dgm:styleLbl>
+  <dgm:styleLbl name="asst4">
+    <dgm:scene3d>
+      <a:camera prst="orthographicFront"/>
+      <a:lightRig rig="threePt" dir="t"/>
+    </dgm:scene3d>
+    <dgm:sp3d/>
+    <dgm:txPr/>
+    <dgm:style>
+      <a:lnRef idx="2">
+        <a:scrgbClr r="0" g="0" b="0"/>
+      </a:lnRef>
+      <a:fillRef idx="1">
+        <a:scrgbClr r="0" g="0" b="0"/>
+      </a:fillRef>
+      <a:effectRef idx="0">
+        <a:scrgbClr r="0" g="0" b="0"/>
+      </a:effectRef>
+      <a:fontRef idx="minor">
+        <a:schemeClr val="lt1"/>
+      </a:fontRef>
+    </dgm:style>
+  </dgm:styleLbl>
+  <dgm:styleLbl name="parChTrans2D1">
+    <dgm:scene3d>
+      <a:camera prst="orthographicFront"/>
+      <a:lightRig rig="threePt" dir="t"/>
+    </dgm:scene3d>
+    <dgm:sp3d/>
+    <dgm:txPr/>
+    <dgm:style>
+      <a:lnRef idx="2">
+        <a:scrgbClr r="0" g="0" b="0"/>
+      </a:lnRef>
+      <a:fillRef idx="1">
+        <a:scrgbClr r="0" g="0" b="0"/>
+      </a:fillRef>
+      <a:effectRef idx="0">
+        <a:scrgbClr r="0" g="0" b="0"/>
+      </a:effectRef>
+      <a:fontRef idx="minor">
+        <a:schemeClr val="lt1"/>
+      </a:fontRef>
+    </dgm:style>
+  </dgm:styleLbl>
+  <dgm:styleLbl name="parChTrans2D2">
+    <dgm:scene3d>
+      <a:camera prst="orthographicFront"/>
+      <a:lightRig rig="threePt" dir="t"/>
+    </dgm:scene3d>
+    <dgm:sp3d/>
+    <dgm:txPr/>
+    <dgm:style>
+      <a:lnRef idx="2">
+        <a:scrgbClr r="0" g="0" b="0"/>
+      </a:lnRef>
+      <a:fillRef idx="1">
+        <a:scrgbClr r="0" g="0" b="0"/>
+      </a:fillRef>
+      <a:effectRef idx="0">
+        <a:scrgbClr r="0" g="0" b="0"/>
+      </a:effectRef>
+      <a:fontRef idx="minor">
+        <a:schemeClr val="lt1"/>
+      </a:fontRef>
+    </dgm:style>
+  </dgm:styleLbl>
+  <dgm:styleLbl name="parChTrans2D3">
+    <dgm:scene3d>
+      <a:camera prst="orthographicFront"/>
+      <a:lightRig rig="threePt" dir="t"/>
+    </dgm:scene3d>
+    <dgm:sp3d/>
+    <dgm:txPr/>
+    <dgm:style>
+      <a:lnRef idx="2">
+        <a:scrgbClr r="0" g="0" b="0"/>
+      </a:lnRef>
+      <a:fillRef idx="1">
+        <a:scrgbClr r="0" g="0" b="0"/>
+      </a:fillRef>
+      <a:effectRef idx="0">
+        <a:scrgbClr r="0" g="0" b="0"/>
+      </a:effectRef>
+      <a:fontRef idx="minor">
+        <a:schemeClr val="lt1"/>
+      </a:fontRef>
+    </dgm:style>
+  </dgm:styleLbl>
+  <dgm:styleLbl name="parChTrans2D4">
+    <dgm:scene3d>
+      <a:camera prst="orthographicFront"/>
+      <a:lightRig rig="threePt" dir="t"/>
+    </dgm:scene3d>
+    <dgm:sp3d/>
+    <dgm:txPr/>
+    <dgm:style>
+      <a:lnRef idx="2">
+        <a:scrgbClr r="0" g="0" b="0"/>
+      </a:lnRef>
+      <a:fillRef idx="1">
+        <a:scrgbClr r="0" g="0" b="0"/>
+      </a:fillRef>
+      <a:effectRef idx="0">
+        <a:scrgbClr r="0" g="0" b="0"/>
+      </a:effectRef>
+      <a:fontRef idx="minor">
+        <a:schemeClr val="lt1"/>
+      </a:fontRef>
+    </dgm:style>
+  </dgm:styleLbl>
+  <dgm:styleLbl name="parChTrans1D1">
+    <dgm:scene3d>
+      <a:camera prst="orthographicFront"/>
+      <a:lightRig rig="threePt" dir="t"/>
+    </dgm:scene3d>
+    <dgm:sp3d/>
+    <dgm:txPr/>
+    <dgm:style>
+      <a:lnRef idx="2">
+        <a:scrgbClr r="0" g="0" b="0"/>
+      </a:lnRef>
+      <a:fillRef idx="0">
+        <a:scrgbClr r="0" g="0" b="0"/>
+      </a:fillRef>
+      <a:effectRef idx="0">
+        <a:scrgbClr r="0" g="0" b="0"/>
+      </a:effectRef>
+      <a:fontRef idx="minor"/>
+    </dgm:style>
+  </dgm:styleLbl>
+  <dgm:styleLbl name="parChTrans1D2">
+    <dgm:scene3d>
+      <a:camera prst="orthographicFront"/>
+      <a:lightRig rig="threePt" dir="t"/>
+    </dgm:scene3d>
+    <dgm:sp3d/>
+    <dgm:txPr/>
+    <dgm:style>
+      <a:lnRef idx="2">
+        <a:scrgbClr r="0" g="0" b="0"/>
+      </a:lnRef>
+      <a:fillRef idx="0">
+        <a:scrgbClr r="0" g="0" b="0"/>
+      </a:fillRef>
+      <a:effectRef idx="0">
+        <a:scrgbClr r="0" g="0" b="0"/>
+      </a:effectRef>
+      <a:fontRef idx="minor"/>
+    </dgm:style>
+  </dgm:styleLbl>
+  <dgm:styleLbl name="parChTrans1D3">
+    <dgm:scene3d>
+      <a:camera prst="orthographicFront"/>
+      <a:lightRig rig="threePt" dir="t"/>
+    </dgm:scene3d>
+    <dgm:sp3d/>
+    <dgm:txPr/>
+    <dgm:style>
+      <a:lnRef idx="2">
+        <a:scrgbClr r="0" g="0" b="0"/>
+      </a:lnRef>
+      <a:fillRef idx="0">
+        <a:scrgbClr r="0" g="0" b="0"/>
+      </a:fillRef>
+      <a:effectRef idx="0">
+        <a:scrgbClr r="0" g="0" b="0"/>
+      </a:effectRef>
+      <a:fontRef idx="minor"/>
+    </dgm:style>
+  </dgm:styleLbl>
+  <dgm:styleLbl name="parChTrans1D4">
+    <dgm:scene3d>
+      <a:camera prst="orthographicFront"/>
+      <a:lightRig rig="threePt" dir="t"/>
+    </dgm:scene3d>
+    <dgm:sp3d/>
+    <dgm:txPr/>
+    <dgm:style>
+      <a:lnRef idx="2">
+        <a:scrgbClr r="0" g="0" b="0"/>
+      </a:lnRef>
+      <a:fillRef idx="0">
+        <a:scrgbClr r="0" g="0" b="0"/>
+      </a:fillRef>
+      <a:effectRef idx="0">
+        <a:scrgbClr r="0" g="0" b="0"/>
+      </a:effectRef>
+      <a:fontRef idx="minor"/>
+    </dgm:style>
+  </dgm:styleLbl>
+  <dgm:styleLbl name="fgAcc1">
+    <dgm:scene3d>
+      <a:camera prst="orthographicFront"/>
+      <a:lightRig rig="threePt" dir="t"/>
+    </dgm:scene3d>
+    <dgm:sp3d/>
+    <dgm:txPr/>
+    <dgm:style>
+      <a:lnRef idx="2">
+        <a:scrgbClr r="0" g="0" b="0"/>
+      </a:lnRef>
+      <a:fillRef idx="1">
+        <a:scrgbClr r="0" g="0" b="0"/>
+      </a:fillRef>
+      <a:effectRef idx="0">
+        <a:scrgbClr r="0" g="0" b="0"/>
+      </a:effectRef>
+      <a:fontRef idx="minor"/>
+    </dgm:style>
+  </dgm:styleLbl>
+  <dgm:styleLbl name="conFgAcc1">
+    <dgm:scene3d>
+      <a:camera prst="orthographicFront"/>
+      <a:lightRig rig="threePt" dir="t"/>
+    </dgm:scene3d>
+    <dgm:sp3d/>
+    <dgm:txPr/>
+    <dgm:style>
+      <a:lnRef idx="2">
+        <a:scrgbClr r="0" g="0" b="0"/>
+      </a:lnRef>
+      <a:fillRef idx="1">
+        <a:scrgbClr r="0" g="0" b="0"/>
+      </a:fillRef>
+      <a:effectRef idx="0">
+        <a:scrgbClr r="0" g="0" b="0"/>
+      </a:effectRef>
+      <a:fontRef idx="minor"/>
+    </dgm:style>
+  </dgm:styleLbl>
+  <dgm:styleLbl name="alignAcc1">
+    <dgm:scene3d>
+      <a:camera prst="orthographicFront"/>
+      <a:lightRig rig="threePt" dir="t"/>
+    </dgm:scene3d>
+    <dgm:sp3d/>
+    <dgm:txPr/>
+    <dgm:style>
+      <a:lnRef idx="2">
+        <a:scrgbClr r="0" g="0" b="0"/>
+      </a:lnRef>
+      <a:fillRef idx="1">
+        <a:scrgbClr r="0" g="0" b="0"/>
+      </a:fillRef>
+      <a:effectRef idx="0">
+        <a:scrgbClr r="0" g="0" b="0"/>
+      </a:effectRef>
+      <a:fontRef idx="minor"/>
+    </dgm:style>
+  </dgm:styleLbl>
+  <dgm:styleLbl name="trAlignAcc1">
+    <dgm:scene3d>
+      <a:camera prst="orthographicFront"/>
+      <a:lightRig rig="threePt" dir="t"/>
+    </dgm:scene3d>
+    <dgm:sp3d/>
+    <dgm:txPr/>
+    <dgm:style>
+      <a:lnRef idx="1">
+        <a:scrgbClr r="0" g="0" b="0"/>
+      </a:lnRef>
+      <a:fillRef idx="1">
+        <a:scrgbClr r="0" g="0" b="0"/>
+      </a:fillRef>
+      <a:effectRef idx="0">
+        <a:scrgbClr r="0" g="0" b="0"/>
+      </a:effectRef>
+      <a:fontRef idx="minor"/>
+    </dgm:style>
+  </dgm:styleLbl>
+  <dgm:styleLbl name="bgAcc1">
+    <dgm:scene3d>
+      <a:camera prst="orthographicFront"/>
+      <a:lightRig rig="threePt" dir="t"/>
+    </dgm:scene3d>
+    <dgm:sp3d/>
+    <dgm:txPr/>
+    <dgm:style>
+      <a:lnRef idx="2">
+        <a:scrgbClr r="0" g="0" b="0"/>
+      </a:lnRef>
+      <a:fillRef idx="1">
+        <a:scrgbClr r="0" g="0" b="0"/>
+      </a:fillRef>
+      <a:effectRef idx="0">
+        <a:scrgbClr r="0" g="0" b="0"/>
+      </a:effectRef>
+      <a:fontRef idx="minor"/>
+    </dgm:style>
+  </dgm:styleLbl>
+  <dgm:styleLbl name="solidFgAcc1">
+    <dgm:scene3d>
+      <a:camera prst="orthographicFront"/>
+      <a:lightRig rig="threePt" dir="t"/>
+    </dgm:scene3d>
+    <dgm:sp3d/>
+    <dgm:txPr/>
+    <dgm:style>
+      <a:lnRef idx="2">
+        <a:scrgbClr r="0" g="0" b="0"/>
+      </a:lnRef>
+      <a:fillRef idx="1">
+        <a:scrgbClr r="0" g="0" b="0"/>
+      </a:fillRef>
+      <a:effectRef idx="0">
+        <a:scrgbClr r="0" g="0" b="0"/>
+      </a:effectRef>
+      <a:fontRef idx="minor"/>
+    </dgm:style>
+  </dgm:styleLbl>
+  <dgm:styleLbl name="solidAlignAcc1">
+    <dgm:scene3d>
+      <a:camera prst="orthographicFront"/>
+      <a:lightRig rig="threePt" dir="t"/>
+    </dgm:scene3d>
+    <dgm:sp3d/>
+    <dgm:txPr/>
+    <dgm:style>
+      <a:lnRef idx="2">
+        <a:scrgbClr r="0" g="0" b="0"/>
+      </a:lnRef>
+      <a:fillRef idx="1">
+        <a:scrgbClr r="0" g="0" b="0"/>
+      </a:fillRef>
+      <a:effectRef idx="0">
+        <a:scrgbClr r="0" g="0" b="0"/>
+      </a:effectRef>
+      <a:fontRef idx="minor"/>
+    </dgm:style>
+  </dgm:styleLbl>
+  <dgm:styleLbl name="solidBgAcc1">
+    <dgm:scene3d>
+      <a:camera prst="orthographicFront"/>
+      <a:lightRig rig="threePt" dir="t"/>
+    </dgm:scene3d>
+    <dgm:sp3d/>
+    <dgm:txPr/>
+    <dgm:style>
+      <a:lnRef idx="2">
+        <a:scrgbClr r="0" g="0" b="0"/>
+      </a:lnRef>
+      <a:fillRef idx="1">
+        <a:scrgbClr r="0" g="0" b="0"/>
+      </a:fillRef>
+      <a:effectRef idx="0">
+        <a:scrgbClr r="0" g="0" b="0"/>
+      </a:effectRef>
+      <a:fontRef idx="minor"/>
+    </dgm:style>
+  </dgm:styleLbl>
+  <dgm:styleLbl name="fgAccFollowNode1">
+    <dgm:scene3d>
+      <a:camera prst="orthographicFront"/>
+      <a:lightRig rig="threePt" dir="t"/>
+    </dgm:scene3d>
+    <dgm:sp3d/>
+    <dgm:txPr/>
+    <dgm:style>
+      <a:lnRef idx="2">
+        <a:scrgbClr r="0" g="0" b="0"/>
+      </a:lnRef>
+      <a:fillRef idx="1">
+        <a:scrgbClr r="0" g="0" b="0"/>
+      </a:fillRef>
+      <a:effectRef idx="0">
+        <a:scrgbClr r="0" g="0" b="0"/>
+      </a:effectRef>
+      <a:fontRef idx="minor"/>
+    </dgm:style>
+  </dgm:styleLbl>
+  <dgm:styleLbl name="alignAccFollowNode1">
+    <dgm:scene3d>
+      <a:camera prst="orthographicFront"/>
+      <a:lightRig rig="threePt" dir="t"/>
+    </dgm:scene3d>
+    <dgm:sp3d/>
+    <dgm:txPr/>
+    <dgm:style>
+      <a:lnRef idx="2">
+        <a:scrgbClr r="0" g="0" b="0"/>
+      </a:lnRef>
+      <a:fillRef idx="1">
+        <a:scrgbClr r="0" g="0" b="0"/>
+      </a:fillRef>
+      <a:effectRef idx="0">
+        <a:scrgbClr r="0" g="0" b="0"/>
+      </a:effectRef>
+      <a:fontRef idx="minor"/>
+    </dgm:style>
+  </dgm:styleLbl>
+  <dgm:styleLbl name="bgAccFollowNode1">
+    <dgm:scene3d>
+      <a:camera prst="orthographicFront"/>
+      <a:lightRig rig="threePt" dir="t"/>
+    </dgm:scene3d>
+    <dgm:sp3d/>
+    <dgm:txPr/>
+    <dgm:style>
+      <a:lnRef idx="2">
+        <a:scrgbClr r="0" g="0" b="0"/>
+      </a:lnRef>
+      <a:fillRef idx="1">
+        <a:scrgbClr r="0" g="0" b="0"/>
+      </a:fillRef>
+      <a:effectRef idx="0">
+        <a:scrgbClr r="0" g="0" b="0"/>
+      </a:effectRef>
+      <a:fontRef idx="minor"/>
+    </dgm:style>
+  </dgm:styleLbl>
+  <dgm:styleLbl name="fgAcc0">
+    <dgm:scene3d>
+      <a:camera prst="orthographicFront"/>
+      <a:lightRig rig="threePt" dir="t"/>
+    </dgm:scene3d>
+    <dgm:sp3d/>
+    <dgm:txPr/>
+    <dgm:style>
+      <a:lnRef idx="2">
+        <a:scrgbClr r="0" g="0" b="0"/>
+      </a:lnRef>
+      <a:fillRef idx="1">
+        <a:scrgbClr r="0" g="0" b="0"/>
+      </a:fillRef>
+      <a:effectRef idx="0">
+        <a:scrgbClr r="0" g="0" b="0"/>
+      </a:effectRef>
+      <a:fontRef idx="minor"/>
+    </dgm:style>
+  </dgm:styleLbl>
+  <dgm:styleLbl name="fgAcc2">
+    <dgm:scene3d>
+      <a:camera prst="orthographicFront"/>
+      <a:lightRig rig="threePt" dir="t"/>
+    </dgm:scene3d>
+    <dgm:sp3d/>
+    <dgm:txPr/>
+    <dgm:style>
+      <a:lnRef idx="2">
+        <a:scrgbClr r="0" g="0" b="0"/>
+      </a:lnRef>
+      <a:fillRef idx="1">
+        <a:scrgbClr r="0" g="0" b="0"/>
+      </a:fillRef>
+      <a:effectRef idx="0">
+        <a:scrgbClr r="0" g="0" b="0"/>
+      </a:effectRef>
+      <a:fontRef idx="minor"/>
+    </dgm:style>
+  </dgm:styleLbl>
+  <dgm:styleLbl name="fgAcc3">
+    <dgm:scene3d>
+      <a:camera prst="orthographicFront"/>
+      <a:lightRig rig="threePt" dir="t"/>
+    </dgm:scene3d>
+    <dgm:sp3d/>
+    <dgm:txPr/>
+    <dgm:style>
+      <a:lnRef idx="2">
+        <a:scrgbClr r="0" g="0" b="0"/>
+      </a:lnRef>
+      <a:fillRef idx="1">
+        <a:scrgbClr r="0" g="0" b="0"/>
+      </a:fillRef>
+      <a:effectRef idx="0">
+        <a:scrgbClr r="0" g="0" b="0"/>
+      </a:effectRef>
+      <a:fontRef idx="minor"/>
+    </dgm:style>
+  </dgm:styleLbl>
+  <dgm:styleLbl name="fgAcc4">
+    <dgm:scene3d>
+      <a:camera prst="orthographicFront"/>
+      <a:lightRig rig="threePt" dir="t"/>
+    </dgm:scene3d>
+    <dgm:sp3d/>
+    <dgm:txPr/>
+    <dgm:style>
+      <a:lnRef idx="2">
+        <a:scrgbClr r="0" g="0" b="0"/>
+      </a:lnRef>
+      <a:fillRef idx="1">
+        <a:scrgbClr r="0" g="0" b="0"/>
+      </a:fillRef>
+      <a:effectRef idx="0">
+        <a:scrgbClr r="0" g="0" b="0"/>
+      </a:effectRef>
+      <a:fontRef idx="minor"/>
+    </dgm:style>
+  </dgm:styleLbl>
+  <dgm:styleLbl name="bgShp">
+    <dgm:scene3d>
+      <a:camera prst="orthographicFront"/>
+      <a:lightRig rig="threePt" dir="t"/>
+    </dgm:scene3d>
+    <dgm:sp3d/>
+    <dgm:txPr/>
+    <dgm:style>
+      <a:lnRef idx="0">
+        <a:scrgbClr r="0" g="0" b="0"/>
+      </a:lnRef>
+      <a:fillRef idx="1">
+        <a:scrgbClr r="0" g="0" b="0"/>
+      </a:fillRef>
+      <a:effectRef idx="0">
+        <a:scrgbClr r="0" g="0" b="0"/>
+      </a:effectRef>
+      <a:fontRef idx="minor"/>
+    </dgm:style>
+  </dgm:styleLbl>
+  <dgm:styleLbl name="dkBgShp">
+    <dgm:scene3d>
+      <a:camera prst="orthographicFront"/>
+      <a:lightRig rig="threePt" dir="t"/>
+    </dgm:scene3d>
+    <dgm:sp3d/>
+    <dgm:txPr/>
+    <dgm:style>
+      <a:lnRef idx="0">
+        <a:scrgbClr r="0" g="0" b="0"/>
+      </a:lnRef>
+      <a:fillRef idx="1">
+        <a:scrgbClr r="0" g="0" b="0"/>
+      </a:fillRef>
+      <a:effectRef idx="0">
+        <a:scrgbClr r="0" g="0" b="0"/>
+      </a:effectRef>
+      <a:fontRef idx="minor"/>
+    </dgm:style>
+  </dgm:styleLbl>
+  <dgm:styleLbl name="trBgShp">
+    <dgm:scene3d>
+      <a:camera prst="orthographicFront"/>
+      <a:lightRig rig="threePt" dir="t"/>
+    </dgm:scene3d>
+    <dgm:sp3d/>
+    <dgm:txPr/>
+    <dgm:style>
+      <a:lnRef idx="0">
+        <a:scrgbClr r="0" g="0" b="0"/>
+      </a:lnRef>
+      <a:fillRef idx="1">
+        <a:scrgbClr r="0" g="0" b="0"/>
+      </a:fillRef>
+      <a:effectRef idx="0">
+        <a:scrgbClr r="0" g="0" b="0"/>
+      </a:effectRef>
+      <a:fontRef idx="minor"/>
+    </dgm:style>
+  </dgm:styleLbl>
+  <dgm:styleLbl name="fgShp">
+    <dgm:scene3d>
+      <a:camera prst="orthographicFront"/>
+      <a:lightRig rig="threePt" dir="t"/>
+    </dgm:scene3d>
+    <dgm:sp3d/>
+    <dgm:txPr/>
+    <dgm:style>
+      <a:lnRef idx="2">
+        <a:scrgbClr r="0" g="0" b="0"/>
+      </a:lnRef>
+      <a:fillRef idx="1">
+        <a:scrgbClr r="0" g="0" b="0"/>
+      </a:fillRef>
+      <a:effectRef idx="0">
+        <a:scrgbClr r="0" g="0" b="0"/>
+      </a:effectRef>
+      <a:fontRef idx="minor"/>
+    </dgm:style>
+  </dgm:styleLbl>
+  <dgm:styleLbl name="revTx">
+    <dgm:scene3d>
+      <a:camera prst="orthographicFront"/>
+      <a:lightRig rig="threePt" dir="t"/>
+    </dgm:scene3d>
+    <dgm:sp3d/>
+    <dgm:txPr/>
+    <dgm:style>
+      <a:lnRef idx="0">
+        <a:scrgbClr r="0" g="0" b="0"/>
+      </a:lnRef>
+      <a:fillRef idx="0">
+        <a:scrgbClr r="0" g="0" b="0"/>
+      </a:fillRef>
+      <a:effectRef idx="0">
+        <a:scrgbClr r="0" g="0" b="0"/>
+      </a:effectRef>
+      <a:fontRef idx="minor"/>
+    </dgm:style>
+  </dgm:styleLbl>
+</dgm:styleDef>
 </file>
 
 <file path=ppt/handoutMasters/handoutMaster1.xml><?xml version="1.0" encoding="utf-8"?>
@@ -496,7 +3585,7 @@
           <a:lstStyle/>
           <a:p>
             <a:pPr lvl="0"/>
-            <a:endParaRPr lang="zh-CN" altLang="en-US" noProof="0" smtClean="0"/>
+            <a:endParaRPr lang="zh-CN" altLang="en-US" noProof="0"/>
           </a:p>
         </p:txBody>
       </p:sp>
@@ -525,35 +3614,35 @@
           <a:p>
             <a:pPr lvl="0"/>
             <a:r>
-              <a:rPr lang="zh-CN" altLang="en-US" noProof="0" smtClean="0"/>
+              <a:rPr lang="zh-CN" altLang="en-US" noProof="0"/>
               <a:t>单击此处编辑母版文本样式</a:t>
             </a:r>
           </a:p>
           <a:p>
             <a:pPr lvl="1"/>
             <a:r>
-              <a:rPr lang="zh-CN" altLang="en-US" noProof="0" smtClean="0"/>
+              <a:rPr lang="zh-CN" altLang="en-US" noProof="0"/>
               <a:t>第二级</a:t>
             </a:r>
           </a:p>
           <a:p>
             <a:pPr lvl="2"/>
             <a:r>
-              <a:rPr lang="zh-CN" altLang="en-US" noProof="0" smtClean="0"/>
+              <a:rPr lang="zh-CN" altLang="en-US" noProof="0"/>
               <a:t>第三级</a:t>
             </a:r>
           </a:p>
           <a:p>
             <a:pPr lvl="3"/>
             <a:r>
-              <a:rPr lang="zh-CN" altLang="en-US" noProof="0" smtClean="0"/>
+              <a:rPr lang="zh-CN" altLang="en-US" noProof="0"/>
               <a:t>第四级</a:t>
             </a:r>
           </a:p>
           <a:p>
             <a:pPr lvl="4"/>
             <a:r>
-              <a:rPr lang="zh-CN" altLang="en-US" noProof="0" smtClean="0"/>
+              <a:rPr lang="zh-CN" altLang="en-US" noProof="0"/>
               <a:t>第五级</a:t>
             </a:r>
           </a:p>
@@ -914,18 +4003,19 @@
           <a:bodyPr/>
           <a:lstStyle/>
           <a:p>
-            <a:fld id="{A26B02EC-97C0-4E19-AA45-E904FCC1D11E}" type="slidenum">
-              <a:rPr lang="en-GB" smtClean="0"/>
+            <a:fld id="{418F03C3-53C1-4F10-8DAF-D1F318E96C6E}" type="slidenum">
+              <a:rPr lang="zh-CN" altLang="en-US" smtClean="0"/>
+              <a:pPr/>
               <a:t>10</a:t>
             </a:fld>
-            <a:endParaRPr lang="en-GB"/>
+            <a:endParaRPr lang="zh-CN" altLang="en-US"/>
           </a:p>
         </p:txBody>
       </p:sp>
     </p:spTree>
     <p:extLst>
       <p:ext uri="{BB962C8B-B14F-4D97-AF65-F5344CB8AC3E}">
-        <p14:creationId xmlns:p14="http://schemas.microsoft.com/office/powerpoint/2010/main" val="533832337"/>
+        <p14:creationId xmlns:p14="http://schemas.microsoft.com/office/powerpoint/2010/main" val="96436853"/>
       </p:ext>
     </p:extLst>
   </p:cSld>
@@ -998,19 +4088,19 @@
           <a:bodyPr/>
           <a:lstStyle/>
           <a:p>
-            <a:fld id="{A11FC198-2D83-4DFC-8CDD-7D23AF44D411}" type="slidenum">
+            <a:fld id="{418F03C3-53C1-4F10-8DAF-D1F318E96C6E}" type="slidenum">
               <a:rPr lang="zh-CN" altLang="en-US" smtClean="0"/>
               <a:pPr/>
               <a:t>11</a:t>
             </a:fld>
-            <a:endParaRPr lang="zh-CN" altLang="en-US" dirty="0"/>
+            <a:endParaRPr lang="zh-CN" altLang="en-US"/>
           </a:p>
         </p:txBody>
       </p:sp>
     </p:spTree>
     <p:extLst>
       <p:ext uri="{BB962C8B-B14F-4D97-AF65-F5344CB8AC3E}">
-        <p14:creationId xmlns:p14="http://schemas.microsoft.com/office/powerpoint/2010/main" val="650531042"/>
+        <p14:creationId xmlns:p14="http://schemas.microsoft.com/office/powerpoint/2010/main" val="2488449653"/>
       </p:ext>
     </p:extLst>
   </p:cSld>
@@ -1095,7 +4185,7 @@
     </p:spTree>
     <p:extLst>
       <p:ext uri="{BB962C8B-B14F-4D97-AF65-F5344CB8AC3E}">
-        <p14:creationId xmlns:p14="http://schemas.microsoft.com/office/powerpoint/2010/main" val="1169120068"/>
+        <p14:creationId xmlns:p14="http://schemas.microsoft.com/office/powerpoint/2010/main" val="3873685298"/>
       </p:ext>
     </p:extLst>
   </p:cSld>
@@ -1168,19 +4258,18 @@
           <a:bodyPr/>
           <a:lstStyle/>
           <a:p>
-            <a:fld id="{418F03C3-53C1-4F10-8DAF-D1F318E96C6E}" type="slidenum">
-              <a:rPr lang="zh-CN" altLang="en-US" smtClean="0"/>
-              <a:pPr/>
+            <a:fld id="{A26B02EC-97C0-4E19-AA45-E904FCC1D11E}" type="slidenum">
+              <a:rPr lang="en-GB" smtClean="0"/>
               <a:t>13</a:t>
             </a:fld>
-            <a:endParaRPr lang="zh-CN" altLang="en-US"/>
+            <a:endParaRPr lang="en-GB"/>
           </a:p>
         </p:txBody>
       </p:sp>
     </p:spTree>
     <p:extLst>
       <p:ext uri="{BB962C8B-B14F-4D97-AF65-F5344CB8AC3E}">
-        <p14:creationId xmlns:p14="http://schemas.microsoft.com/office/powerpoint/2010/main" val="121899918"/>
+        <p14:creationId xmlns:p14="http://schemas.microsoft.com/office/powerpoint/2010/main" val="533832337"/>
       </p:ext>
     </p:extLst>
   </p:cSld>
@@ -1253,18 +4342,19 @@
           <a:bodyPr/>
           <a:lstStyle/>
           <a:p>
-            <a:fld id="{7392B679-AE23-4750-8FB0-6513430B8953}" type="slidenum">
+            <a:fld id="{A11FC198-2D83-4DFC-8CDD-7D23AF44D411}" type="slidenum">
               <a:rPr lang="zh-CN" altLang="en-US" smtClean="0"/>
+              <a:pPr/>
               <a:t>14</a:t>
             </a:fld>
-            <a:endParaRPr lang="zh-CN" altLang="en-US"/>
+            <a:endParaRPr lang="zh-CN" altLang="en-US" dirty="0"/>
           </a:p>
         </p:txBody>
       </p:sp>
     </p:spTree>
     <p:extLst>
       <p:ext uri="{BB962C8B-B14F-4D97-AF65-F5344CB8AC3E}">
-        <p14:creationId xmlns:p14="http://schemas.microsoft.com/office/powerpoint/2010/main" val="975144842"/>
+        <p14:creationId xmlns:p14="http://schemas.microsoft.com/office/powerpoint/2010/main" val="650531042"/>
       </p:ext>
     </p:extLst>
   </p:cSld>
@@ -1341,6 +4431,344 @@
               <a:rPr lang="zh-CN" altLang="en-US" smtClean="0"/>
               <a:pPr/>
               <a:t>15</a:t>
+            </a:fld>
+            <a:endParaRPr lang="zh-CN" altLang="en-US"/>
+          </a:p>
+        </p:txBody>
+      </p:sp>
+    </p:spTree>
+    <p:extLst>
+      <p:ext uri="{BB962C8B-B14F-4D97-AF65-F5344CB8AC3E}">
+        <p14:creationId xmlns:p14="http://schemas.microsoft.com/office/powerpoint/2010/main" val="1169120068"/>
+      </p:ext>
+    </p:extLst>
+  </p:cSld>
+  <p:clrMapOvr>
+    <a:masterClrMapping/>
+  </p:clrMapOvr>
+</p:notes>
+</file>
+
+<file path=ppt/notesSlides/notesSlide16.xml><?xml version="1.0" encoding="utf-8"?>
+<p:notes xmlns:a="http://schemas.openxmlformats.org/drawingml/2006/main" xmlns:r="http://schemas.openxmlformats.org/officeDocument/2006/relationships" xmlns:p="http://schemas.openxmlformats.org/presentationml/2006/main">
+  <p:cSld>
+    <p:spTree>
+      <p:nvGrpSpPr>
+        <p:cNvPr id="1" name=""/>
+        <p:cNvGrpSpPr/>
+        <p:nvPr/>
+      </p:nvGrpSpPr>
+      <p:grpSpPr>
+        <a:xfrm>
+          <a:off x="0" y="0"/>
+          <a:ext cx="0" cy="0"/>
+          <a:chOff x="0" y="0"/>
+          <a:chExt cx="0" cy="0"/>
+        </a:xfrm>
+      </p:grpSpPr>
+      <p:sp>
+        <p:nvSpPr>
+          <p:cNvPr id="2" name="幻灯片图像占位符 1"/>
+          <p:cNvSpPr>
+            <a:spLocks noGrp="1" noRot="1" noChangeAspect="1"/>
+          </p:cNvSpPr>
+          <p:nvPr>
+            <p:ph type="sldImg"/>
+          </p:nvPr>
+        </p:nvSpPr>
+        <p:spPr/>
+      </p:sp>
+      <p:sp>
+        <p:nvSpPr>
+          <p:cNvPr id="3" name="备注占位符 2"/>
+          <p:cNvSpPr>
+            <a:spLocks noGrp="1"/>
+          </p:cNvSpPr>
+          <p:nvPr>
+            <p:ph type="body" idx="1"/>
+          </p:nvPr>
+        </p:nvSpPr>
+        <p:spPr/>
+        <p:txBody>
+          <a:bodyPr/>
+          <a:lstStyle/>
+          <a:p>
+            <a:endParaRPr lang="zh-CN" altLang="en-US"/>
+          </a:p>
+        </p:txBody>
+      </p:sp>
+      <p:sp>
+        <p:nvSpPr>
+          <p:cNvPr id="4" name="灯片编号占位符 3"/>
+          <p:cNvSpPr>
+            <a:spLocks noGrp="1"/>
+          </p:cNvSpPr>
+          <p:nvPr>
+            <p:ph type="sldNum" sz="quarter" idx="10"/>
+          </p:nvPr>
+        </p:nvSpPr>
+        <p:spPr/>
+        <p:txBody>
+          <a:bodyPr/>
+          <a:lstStyle/>
+          <a:p>
+            <a:fld id="{418F03C3-53C1-4F10-8DAF-D1F318E96C6E}" type="slidenum">
+              <a:rPr lang="zh-CN" altLang="en-US" smtClean="0"/>
+              <a:pPr/>
+              <a:t>16</a:t>
+            </a:fld>
+            <a:endParaRPr lang="zh-CN" altLang="en-US"/>
+          </a:p>
+        </p:txBody>
+      </p:sp>
+    </p:spTree>
+    <p:extLst>
+      <p:ext uri="{BB962C8B-B14F-4D97-AF65-F5344CB8AC3E}">
+        <p14:creationId xmlns:p14="http://schemas.microsoft.com/office/powerpoint/2010/main" val="121899918"/>
+      </p:ext>
+    </p:extLst>
+  </p:cSld>
+  <p:clrMapOvr>
+    <a:masterClrMapping/>
+  </p:clrMapOvr>
+</p:notes>
+</file>
+
+<file path=ppt/notesSlides/notesSlide17.xml><?xml version="1.0" encoding="utf-8"?>
+<p:notes xmlns:a="http://schemas.openxmlformats.org/drawingml/2006/main" xmlns:r="http://schemas.openxmlformats.org/officeDocument/2006/relationships" xmlns:p="http://schemas.openxmlformats.org/presentationml/2006/main">
+  <p:cSld>
+    <p:spTree>
+      <p:nvGrpSpPr>
+        <p:cNvPr id="1" name=""/>
+        <p:cNvGrpSpPr/>
+        <p:nvPr/>
+      </p:nvGrpSpPr>
+      <p:grpSpPr>
+        <a:xfrm>
+          <a:off x="0" y="0"/>
+          <a:ext cx="0" cy="0"/>
+          <a:chOff x="0" y="0"/>
+          <a:chExt cx="0" cy="0"/>
+        </a:xfrm>
+      </p:grpSpPr>
+      <p:sp>
+        <p:nvSpPr>
+          <p:cNvPr id="2" name="幻灯片图像占位符 1"/>
+          <p:cNvSpPr>
+            <a:spLocks noGrp="1" noRot="1" noChangeAspect="1"/>
+          </p:cNvSpPr>
+          <p:nvPr>
+            <p:ph type="sldImg"/>
+          </p:nvPr>
+        </p:nvSpPr>
+        <p:spPr/>
+      </p:sp>
+      <p:sp>
+        <p:nvSpPr>
+          <p:cNvPr id="3" name="备注占位符 2"/>
+          <p:cNvSpPr>
+            <a:spLocks noGrp="1"/>
+          </p:cNvSpPr>
+          <p:nvPr>
+            <p:ph type="body" idx="1"/>
+          </p:nvPr>
+        </p:nvSpPr>
+        <p:spPr/>
+        <p:txBody>
+          <a:bodyPr/>
+          <a:lstStyle/>
+          <a:p>
+            <a:endParaRPr lang="zh-CN" altLang="en-US"/>
+          </a:p>
+        </p:txBody>
+      </p:sp>
+      <p:sp>
+        <p:nvSpPr>
+          <p:cNvPr id="4" name="灯片编号占位符 3"/>
+          <p:cNvSpPr>
+            <a:spLocks noGrp="1"/>
+          </p:cNvSpPr>
+          <p:nvPr>
+            <p:ph type="sldNum" sz="quarter" idx="10"/>
+          </p:nvPr>
+        </p:nvSpPr>
+        <p:spPr/>
+        <p:txBody>
+          <a:bodyPr/>
+          <a:lstStyle/>
+          <a:p>
+            <a:fld id="{7392B679-AE23-4750-8FB0-6513430B8953}" type="slidenum">
+              <a:rPr lang="zh-CN" altLang="en-US" smtClean="0"/>
+              <a:t>17</a:t>
+            </a:fld>
+            <a:endParaRPr lang="zh-CN" altLang="en-US"/>
+          </a:p>
+        </p:txBody>
+      </p:sp>
+    </p:spTree>
+    <p:extLst>
+      <p:ext uri="{BB962C8B-B14F-4D97-AF65-F5344CB8AC3E}">
+        <p14:creationId xmlns:p14="http://schemas.microsoft.com/office/powerpoint/2010/main" val="975144842"/>
+      </p:ext>
+    </p:extLst>
+  </p:cSld>
+  <p:clrMapOvr>
+    <a:masterClrMapping/>
+  </p:clrMapOvr>
+</p:notes>
+</file>
+
+<file path=ppt/notesSlides/notesSlide18.xml><?xml version="1.0" encoding="utf-8"?>
+<p:notes xmlns:a="http://schemas.openxmlformats.org/drawingml/2006/main" xmlns:r="http://schemas.openxmlformats.org/officeDocument/2006/relationships" xmlns:p="http://schemas.openxmlformats.org/presentationml/2006/main">
+  <p:cSld>
+    <p:spTree>
+      <p:nvGrpSpPr>
+        <p:cNvPr id="1" name=""/>
+        <p:cNvGrpSpPr/>
+        <p:nvPr/>
+      </p:nvGrpSpPr>
+      <p:grpSpPr>
+        <a:xfrm>
+          <a:off x="0" y="0"/>
+          <a:ext cx="0" cy="0"/>
+          <a:chOff x="0" y="0"/>
+          <a:chExt cx="0" cy="0"/>
+        </a:xfrm>
+      </p:grpSpPr>
+      <p:sp>
+        <p:nvSpPr>
+          <p:cNvPr id="2" name="幻灯片图像占位符 1"/>
+          <p:cNvSpPr>
+            <a:spLocks noGrp="1" noRot="1" noChangeAspect="1"/>
+          </p:cNvSpPr>
+          <p:nvPr>
+            <p:ph type="sldImg"/>
+          </p:nvPr>
+        </p:nvSpPr>
+        <p:spPr/>
+      </p:sp>
+      <p:sp>
+        <p:nvSpPr>
+          <p:cNvPr id="3" name="备注占位符 2"/>
+          <p:cNvSpPr>
+            <a:spLocks noGrp="1"/>
+          </p:cNvSpPr>
+          <p:nvPr>
+            <p:ph type="body" idx="1"/>
+          </p:nvPr>
+        </p:nvSpPr>
+        <p:spPr/>
+        <p:txBody>
+          <a:bodyPr/>
+          <a:lstStyle/>
+          <a:p>
+            <a:endParaRPr lang="zh-CN" altLang="en-US"/>
+          </a:p>
+        </p:txBody>
+      </p:sp>
+      <p:sp>
+        <p:nvSpPr>
+          <p:cNvPr id="4" name="灯片编号占位符 3"/>
+          <p:cNvSpPr>
+            <a:spLocks noGrp="1"/>
+          </p:cNvSpPr>
+          <p:nvPr>
+            <p:ph type="sldNum" sz="quarter" idx="10"/>
+          </p:nvPr>
+        </p:nvSpPr>
+        <p:spPr/>
+        <p:txBody>
+          <a:bodyPr/>
+          <a:lstStyle/>
+          <a:p>
+            <a:fld id="{7392B679-AE23-4750-8FB0-6513430B8953}" type="slidenum">
+              <a:rPr lang="zh-CN" altLang="en-US" smtClean="0"/>
+              <a:t>18</a:t>
+            </a:fld>
+            <a:endParaRPr lang="zh-CN" altLang="en-US"/>
+          </a:p>
+        </p:txBody>
+      </p:sp>
+    </p:spTree>
+    <p:extLst>
+      <p:ext uri="{BB962C8B-B14F-4D97-AF65-F5344CB8AC3E}">
+        <p14:creationId xmlns:p14="http://schemas.microsoft.com/office/powerpoint/2010/main" val="1122283015"/>
+      </p:ext>
+    </p:extLst>
+  </p:cSld>
+  <p:clrMapOvr>
+    <a:masterClrMapping/>
+  </p:clrMapOvr>
+</p:notes>
+</file>
+
+<file path=ppt/notesSlides/notesSlide19.xml><?xml version="1.0" encoding="utf-8"?>
+<p:notes xmlns:a="http://schemas.openxmlformats.org/drawingml/2006/main" xmlns:r="http://schemas.openxmlformats.org/officeDocument/2006/relationships" xmlns:p="http://schemas.openxmlformats.org/presentationml/2006/main">
+  <p:cSld>
+    <p:spTree>
+      <p:nvGrpSpPr>
+        <p:cNvPr id="1" name=""/>
+        <p:cNvGrpSpPr/>
+        <p:nvPr/>
+      </p:nvGrpSpPr>
+      <p:grpSpPr>
+        <a:xfrm>
+          <a:off x="0" y="0"/>
+          <a:ext cx="0" cy="0"/>
+          <a:chOff x="0" y="0"/>
+          <a:chExt cx="0" cy="0"/>
+        </a:xfrm>
+      </p:grpSpPr>
+      <p:sp>
+        <p:nvSpPr>
+          <p:cNvPr id="2" name="幻灯片图像占位符 1"/>
+          <p:cNvSpPr>
+            <a:spLocks noGrp="1" noRot="1" noChangeAspect="1"/>
+          </p:cNvSpPr>
+          <p:nvPr>
+            <p:ph type="sldImg"/>
+          </p:nvPr>
+        </p:nvSpPr>
+        <p:spPr/>
+      </p:sp>
+      <p:sp>
+        <p:nvSpPr>
+          <p:cNvPr id="3" name="备注占位符 2"/>
+          <p:cNvSpPr>
+            <a:spLocks noGrp="1"/>
+          </p:cNvSpPr>
+          <p:nvPr>
+            <p:ph type="body" idx="1"/>
+          </p:nvPr>
+        </p:nvSpPr>
+        <p:spPr/>
+        <p:txBody>
+          <a:bodyPr/>
+          <a:lstStyle/>
+          <a:p>
+            <a:endParaRPr lang="zh-CN" altLang="en-US"/>
+          </a:p>
+        </p:txBody>
+      </p:sp>
+      <p:sp>
+        <p:nvSpPr>
+          <p:cNvPr id="4" name="灯片编号占位符 3"/>
+          <p:cNvSpPr>
+            <a:spLocks noGrp="1"/>
+          </p:cNvSpPr>
+          <p:nvPr>
+            <p:ph type="sldNum" sz="quarter" idx="10"/>
+          </p:nvPr>
+        </p:nvSpPr>
+        <p:spPr/>
+        <p:txBody>
+          <a:bodyPr/>
+          <a:lstStyle/>
+          <a:p>
+            <a:fld id="{418F03C3-53C1-4F10-8DAF-D1F318E96C6E}" type="slidenum">
+              <a:rPr lang="zh-CN" altLang="en-US" smtClean="0"/>
+              <a:pPr/>
+              <a:t>19</a:t>
             </a:fld>
             <a:endParaRPr lang="zh-CN" altLang="en-US"/>
           </a:p>
@@ -1851,19 +5279,19 @@
           <a:bodyPr/>
           <a:lstStyle/>
           <a:p>
-            <a:fld id="{A11FC198-2D83-4DFC-8CDD-7D23AF44D411}" type="slidenum">
+            <a:fld id="{418F03C3-53C1-4F10-8DAF-D1F318E96C6E}" type="slidenum">
               <a:rPr lang="zh-CN" altLang="en-US" smtClean="0"/>
               <a:pPr/>
               <a:t>7</a:t>
             </a:fld>
-            <a:endParaRPr lang="zh-CN" altLang="en-US" dirty="0"/>
+            <a:endParaRPr lang="zh-CN" altLang="en-US"/>
           </a:p>
         </p:txBody>
       </p:sp>
     </p:spTree>
     <p:extLst>
       <p:ext uri="{BB962C8B-B14F-4D97-AF65-F5344CB8AC3E}">
-        <p14:creationId xmlns:p14="http://schemas.microsoft.com/office/powerpoint/2010/main" val="1452329387"/>
+        <p14:creationId xmlns:p14="http://schemas.microsoft.com/office/powerpoint/2010/main" val="1311787756"/>
       </p:ext>
     </p:extLst>
   </p:cSld>
@@ -1936,19 +5364,19 @@
           <a:bodyPr/>
           <a:lstStyle/>
           <a:p>
-            <a:fld id="{418F03C3-53C1-4F10-8DAF-D1F318E96C6E}" type="slidenum">
+            <a:fld id="{A11FC198-2D83-4DFC-8CDD-7D23AF44D411}" type="slidenum">
               <a:rPr lang="zh-CN" altLang="en-US" smtClean="0"/>
               <a:pPr/>
               <a:t>8</a:t>
             </a:fld>
-            <a:endParaRPr lang="zh-CN" altLang="en-US"/>
+            <a:endParaRPr lang="zh-CN" altLang="en-US" dirty="0"/>
           </a:p>
         </p:txBody>
       </p:sp>
     </p:spTree>
     <p:extLst>
       <p:ext uri="{BB962C8B-B14F-4D97-AF65-F5344CB8AC3E}">
-        <p14:creationId xmlns:p14="http://schemas.microsoft.com/office/powerpoint/2010/main" val="1649579028"/>
+        <p14:creationId xmlns:p14="http://schemas.microsoft.com/office/powerpoint/2010/main" val="1452329387"/>
       </p:ext>
     </p:extLst>
   </p:cSld>
@@ -2033,7 +5461,7 @@
     </p:spTree>
     <p:extLst>
       <p:ext uri="{BB962C8B-B14F-4D97-AF65-F5344CB8AC3E}">
-        <p14:creationId xmlns:p14="http://schemas.microsoft.com/office/powerpoint/2010/main" val="96436853"/>
+        <p14:creationId xmlns:p14="http://schemas.microsoft.com/office/powerpoint/2010/main" val="1649579028"/>
       </p:ext>
     </p:extLst>
   </p:cSld>
@@ -2100,13 +5528,6 @@
   <p:clrMapOvr>
     <a:masterClrMapping/>
   </p:clrMapOvr>
-  <p:timing>
-    <p:tnLst>
-      <p:par>
-        <p:cTn id="1" dur="indefinite" restart="never" nodeType="tmRoot"/>
-      </p:par>
-    </p:tnLst>
-  </p:timing>
 </p:sldLayout>
 </file>
 
@@ -2137,13 +5558,6 @@
   <p:clrMapOvr>
     <a:masterClrMapping/>
   </p:clrMapOvr>
-  <p:timing>
-    <p:tnLst>
-      <p:par>
-        <p:cTn id="1" dur="indefinite" restart="never" nodeType="tmRoot"/>
-      </p:par>
-    </p:tnLst>
-  </p:timing>
 </p:sldLayout>
 </file>
 
@@ -2195,10 +5609,9 @@
           <a:lstStyle/>
           <a:p>
             <a:r>
-              <a:rPr lang="zh-CN" altLang="en-US" smtClean="0"/>
+              <a:rPr lang="zh-CN" altLang="en-US"/>
               <a:t>单击此处编辑母版标题样式</a:t>
             </a:r>
-            <a:endParaRPr lang="zh-CN" altLang="en-US"/>
           </a:p>
         </p:txBody>
       </p:sp>
@@ -2229,38 +5642,37 @@
           <a:p>
             <a:pPr lvl="0"/>
             <a:r>
-              <a:rPr lang="zh-CN" altLang="en-US" smtClean="0"/>
+              <a:rPr lang="zh-CN" altLang="en-US"/>
               <a:t>单击此处编辑母版文本样式</a:t>
             </a:r>
           </a:p>
           <a:p>
             <a:pPr lvl="1"/>
             <a:r>
-              <a:rPr lang="zh-CN" altLang="en-US" smtClean="0"/>
+              <a:rPr lang="zh-CN" altLang="en-US"/>
               <a:t>第二级</a:t>
             </a:r>
           </a:p>
           <a:p>
             <a:pPr lvl="2"/>
             <a:r>
-              <a:rPr lang="zh-CN" altLang="en-US" smtClean="0"/>
+              <a:rPr lang="zh-CN" altLang="en-US"/>
               <a:t>第三级</a:t>
             </a:r>
           </a:p>
           <a:p>
             <a:pPr lvl="3"/>
             <a:r>
-              <a:rPr lang="zh-CN" altLang="en-US" smtClean="0"/>
+              <a:rPr lang="zh-CN" altLang="en-US"/>
               <a:t>第四级</a:t>
             </a:r>
           </a:p>
           <a:p>
             <a:pPr lvl="4"/>
             <a:r>
-              <a:rPr lang="zh-CN" altLang="en-US" smtClean="0"/>
+              <a:rPr lang="zh-CN" altLang="en-US"/>
               <a:t>第五级</a:t>
             </a:r>
-            <a:endParaRPr lang="zh-CN" altLang="en-US"/>
           </a:p>
         </p:txBody>
       </p:sp>
@@ -2820,21 +6232,10 @@
                 <a:ea typeface="微软雅黑" panose="020B0503020204020204" pitchFamily="34" charset="-122"/>
                 <a:cs typeface="Arial" panose="020B0604020202020204" pitchFamily="34" charset="0"/>
               </a:rPr>
-              <a:t>第二</a:t>
+              <a:t>第二组</a:t>
             </a:r>
             <a:r>
-              <a:rPr lang="zh-CN" altLang="en-US" sz="5400" dirty="0" smtClean="0">
-                <a:solidFill>
-                  <a:srgbClr val="006AB6"/>
-                </a:solidFill>
-                <a:latin typeface="微软雅黑" panose="020B0503020204020204" pitchFamily="34" charset="-122"/>
-                <a:ea typeface="微软雅黑" panose="020B0503020204020204" pitchFamily="34" charset="-122"/>
-                <a:cs typeface="Arial" panose="020B0604020202020204" pitchFamily="34" charset="0"/>
-              </a:rPr>
-              <a:t>组</a:t>
-            </a:r>
-            <a:r>
-              <a:rPr lang="en-US" altLang="zh-CN" sz="5400" dirty="0" smtClean="0">
+              <a:rPr lang="en-US" altLang="zh-CN" sz="5400" dirty="0">
                 <a:solidFill>
                   <a:srgbClr val="006AB6"/>
                 </a:solidFill>
@@ -2845,7 +6246,7 @@
               <a:t>PROJECT2</a:t>
             </a:r>
             <a:r>
-              <a:rPr lang="zh-CN" altLang="en-US" sz="5400" dirty="0" smtClean="0">
+              <a:rPr lang="zh-CN" altLang="en-US" sz="5400" dirty="0">
                 <a:solidFill>
                   <a:srgbClr val="006AB6"/>
                 </a:solidFill>
@@ -2855,14 +6256,6 @@
               </a:rPr>
               <a:t>总结</a:t>
             </a:r>
-            <a:endParaRPr lang="zh-CN" altLang="en-US" sz="5400" dirty="0">
-              <a:solidFill>
-                <a:srgbClr val="006AB6"/>
-              </a:solidFill>
-              <a:latin typeface="微软雅黑" panose="020B0503020204020204" pitchFamily="34" charset="-122"/>
-              <a:ea typeface="微软雅黑" panose="020B0503020204020204" pitchFamily="34" charset="-122"/>
-              <a:cs typeface="Arial" panose="020B0604020202020204" pitchFamily="34" charset="0"/>
-            </a:endParaRPr>
           </a:p>
         </p:txBody>
       </p:sp>
@@ -2889,7 +6282,7 @@
           <a:p>
             <a:pPr algn="just"/>
             <a:r>
-              <a:rPr lang="en-US" altLang="zh-CN" sz="900" dirty="0" smtClean="0">
+              <a:rPr lang="en-US" altLang="zh-CN" sz="900" dirty="0">
                 <a:solidFill>
                   <a:schemeClr val="bg1"/>
                 </a:solidFill>
@@ -2899,14 +6292,6 @@
               </a:rPr>
               <a:t>FESPI-GROUP2 PROJECT REPORT.</a:t>
             </a:r>
-            <a:endParaRPr lang="en-US" altLang="zh-CN" sz="900" dirty="0">
-              <a:solidFill>
-                <a:schemeClr val="bg1"/>
-              </a:solidFill>
-              <a:latin typeface="+mj-lt"/>
-              <a:ea typeface="Source Han Sans ExtraLight" panose="020B0200000000000000" pitchFamily="34" charset="-122"/>
-              <a:cs typeface="Arial" panose="020B0604020202020204" pitchFamily="34" charset="0"/>
-            </a:endParaRPr>
           </a:p>
         </p:txBody>
       </p:sp>
@@ -3122,42 +6507,6 @@
                 <a:buNone/>
               </a:pPr>
               <a:r>
-                <a:rPr lang="zh-CN" altLang="en-US" sz="1400" b="1" cap="all" dirty="0" smtClean="0">
-                  <a:solidFill>
-                    <a:schemeClr val="bg1">
-                      <a:lumMod val="50000"/>
-                    </a:schemeClr>
-                  </a:solidFill>
-                  <a:latin typeface="Arial" panose="020B0604020202020204" pitchFamily="34" charset="0"/>
-                  <a:cs typeface="Arial" panose="020B0604020202020204" pitchFamily="34" charset="0"/>
-                </a:rPr>
-                <a:t>汇报</a:t>
-              </a:r>
-              <a:r>
-                <a:rPr lang="zh-CN" altLang="en-US" sz="1400" b="1" cap="all" dirty="0" smtClean="0">
-                  <a:solidFill>
-                    <a:schemeClr val="bg1">
-                      <a:lumMod val="50000"/>
-                    </a:schemeClr>
-                  </a:solidFill>
-                  <a:latin typeface="Arial" panose="020B0604020202020204" pitchFamily="34" charset="0"/>
-                  <a:cs typeface="Arial" panose="020B0604020202020204" pitchFamily="34" charset="0"/>
-                </a:rPr>
-                <a:t>组</a:t>
-              </a:r>
-              <a:r>
-                <a:rPr lang="zh-CN" altLang="en-US" sz="1400" b="1" cap="all" dirty="0" smtClean="0">
-                  <a:solidFill>
-                    <a:schemeClr val="bg1">
-                      <a:lumMod val="50000"/>
-                    </a:schemeClr>
-                  </a:solidFill>
-                  <a:latin typeface="Arial" panose="020B0604020202020204" pitchFamily="34" charset="0"/>
-                  <a:cs typeface="Arial" panose="020B0604020202020204" pitchFamily="34" charset="0"/>
-                </a:rPr>
-                <a:t>：</a:t>
-              </a:r>
-              <a:r>
                 <a:rPr lang="zh-CN" altLang="en-US" sz="1400" b="1" cap="all" dirty="0">
                   <a:solidFill>
                     <a:schemeClr val="bg1">
@@ -3167,7 +6516,7 @@
                   <a:latin typeface="Arial" panose="020B0604020202020204" pitchFamily="34" charset="0"/>
                   <a:cs typeface="Arial" panose="020B0604020202020204" pitchFamily="34" charset="0"/>
                 </a:rPr>
-                <a:t>第二组</a:t>
+                <a:t>汇报组：第二组</a:t>
               </a:r>
               <a:endParaRPr lang="zh-CN" altLang="en-US" sz="1400" cap="all" dirty="0">
                 <a:solidFill>
@@ -3413,16 +6762,8 @@
   <p:clrMapOvr>
     <a:masterClrMapping/>
   </p:clrMapOvr>
-  <mc:AlternateContent xmlns:mc="http://schemas.openxmlformats.org/markup-compatibility/2006">
-    <mc:Choice xmlns:p14="http://schemas.microsoft.com/office/powerpoint/2010/main" Requires="p14">
-      <p:transition spd="slow" p14:dur="2000"/>
-    </mc:Choice>
-    <mc:Fallback>
-      <p:transition spd="slow"/>
-    </mc:Fallback>
-  </mc:AlternateContent>
-  <mc:AlternateContent xmlns:mc="http://schemas.openxmlformats.org/markup-compatibility/2006">
-    <mc:Choice xmlns:p14="http://schemas.microsoft.com/office/powerpoint/2010/main" Requires="p14">
+  <mc:AlternateContent xmlns:mc="http://schemas.openxmlformats.org/markup-compatibility/2006" xmlns:p14="http://schemas.microsoft.com/office/powerpoint/2010/main">
+    <mc:Choice Requires="p14">
       <p:timing>
         <p:tnLst>
           <p:par>
@@ -3953,7 +7294,7 @@
         </p:bldLst>
       </p:timing>
     </mc:Choice>
-    <mc:Fallback>
+    <mc:Fallback xmlns="">
       <p:timing>
         <p:tnLst>
           <p:par>
@@ -4507,6 +7848,1505 @@
       </p:grpSpPr>
       <p:sp>
         <p:nvSpPr>
+          <p:cNvPr id="16" name="任意多边形 15"/>
+          <p:cNvSpPr/>
+          <p:nvPr/>
+        </p:nvSpPr>
+        <p:spPr>
+          <a:xfrm rot="16200000">
+            <a:off x="1592646" y="-1093803"/>
+            <a:ext cx="479931" cy="2926080"/>
+          </a:xfrm>
+          <a:custGeom>
+            <a:avLst/>
+            <a:gdLst>
+              <a:gd name="connsiteX0" fmla="*/ 0 w 3252551"/>
+              <a:gd name="connsiteY0" fmla="*/ 0 h 3677057"/>
+              <a:gd name="connsiteX1" fmla="*/ 3252551 w 3252551"/>
+              <a:gd name="connsiteY1" fmla="*/ 0 h 3677057"/>
+              <a:gd name="connsiteX2" fmla="*/ 3252551 w 3252551"/>
+              <a:gd name="connsiteY2" fmla="*/ 2142517 h 3677057"/>
+              <a:gd name="connsiteX3" fmla="*/ 3244497 w 3252551"/>
+              <a:gd name="connsiteY3" fmla="*/ 2142517 h 3677057"/>
+              <a:gd name="connsiteX4" fmla="*/ 3240653 w 3252551"/>
+              <a:gd name="connsiteY4" fmla="*/ 2218635 h 3677057"/>
+              <a:gd name="connsiteX5" fmla="*/ 1624520 w 3252551"/>
+              <a:gd name="connsiteY5" fmla="*/ 3677057 h 3677057"/>
+              <a:gd name="connsiteX6" fmla="*/ 8387 w 3252551"/>
+              <a:gd name="connsiteY6" fmla="*/ 2218635 h 3677057"/>
+              <a:gd name="connsiteX7" fmla="*/ 4544 w 3252551"/>
+              <a:gd name="connsiteY7" fmla="*/ 2142517 h 3677057"/>
+              <a:gd name="connsiteX8" fmla="*/ 0 w 3252551"/>
+              <a:gd name="connsiteY8" fmla="*/ 2142517 h 3677057"/>
+              <a:gd name="connsiteX9" fmla="*/ 0 w 3252551"/>
+              <a:gd name="connsiteY9" fmla="*/ 2052537 h 3677057"/>
+              <a:gd name="connsiteX0" fmla="*/ 21025 w 3252551"/>
+              <a:gd name="connsiteY0" fmla="*/ 0 h 6202391"/>
+              <a:gd name="connsiteX1" fmla="*/ 3252551 w 3252551"/>
+              <a:gd name="connsiteY1" fmla="*/ 2525334 h 6202391"/>
+              <a:gd name="connsiteX2" fmla="*/ 3252551 w 3252551"/>
+              <a:gd name="connsiteY2" fmla="*/ 4667851 h 6202391"/>
+              <a:gd name="connsiteX3" fmla="*/ 3244497 w 3252551"/>
+              <a:gd name="connsiteY3" fmla="*/ 4667851 h 6202391"/>
+              <a:gd name="connsiteX4" fmla="*/ 3240653 w 3252551"/>
+              <a:gd name="connsiteY4" fmla="*/ 4743969 h 6202391"/>
+              <a:gd name="connsiteX5" fmla="*/ 1624520 w 3252551"/>
+              <a:gd name="connsiteY5" fmla="*/ 6202391 h 6202391"/>
+              <a:gd name="connsiteX6" fmla="*/ 8387 w 3252551"/>
+              <a:gd name="connsiteY6" fmla="*/ 4743969 h 6202391"/>
+              <a:gd name="connsiteX7" fmla="*/ 4544 w 3252551"/>
+              <a:gd name="connsiteY7" fmla="*/ 4667851 h 6202391"/>
+              <a:gd name="connsiteX8" fmla="*/ 0 w 3252551"/>
+              <a:gd name="connsiteY8" fmla="*/ 4667851 h 6202391"/>
+              <a:gd name="connsiteX9" fmla="*/ 0 w 3252551"/>
+              <a:gd name="connsiteY9" fmla="*/ 4577871 h 6202391"/>
+              <a:gd name="connsiteX10" fmla="*/ 21025 w 3252551"/>
+              <a:gd name="connsiteY10" fmla="*/ 0 h 6202391"/>
+              <a:gd name="connsiteX0" fmla="*/ 0 w 3252551"/>
+              <a:gd name="connsiteY0" fmla="*/ 0 h 6202391"/>
+              <a:gd name="connsiteX1" fmla="*/ 3252551 w 3252551"/>
+              <a:gd name="connsiteY1" fmla="*/ 2525334 h 6202391"/>
+              <a:gd name="connsiteX2" fmla="*/ 3252551 w 3252551"/>
+              <a:gd name="connsiteY2" fmla="*/ 4667851 h 6202391"/>
+              <a:gd name="connsiteX3" fmla="*/ 3244497 w 3252551"/>
+              <a:gd name="connsiteY3" fmla="*/ 4667851 h 6202391"/>
+              <a:gd name="connsiteX4" fmla="*/ 3240653 w 3252551"/>
+              <a:gd name="connsiteY4" fmla="*/ 4743969 h 6202391"/>
+              <a:gd name="connsiteX5" fmla="*/ 1624520 w 3252551"/>
+              <a:gd name="connsiteY5" fmla="*/ 6202391 h 6202391"/>
+              <a:gd name="connsiteX6" fmla="*/ 8387 w 3252551"/>
+              <a:gd name="connsiteY6" fmla="*/ 4743969 h 6202391"/>
+              <a:gd name="connsiteX7" fmla="*/ 4544 w 3252551"/>
+              <a:gd name="connsiteY7" fmla="*/ 4667851 h 6202391"/>
+              <a:gd name="connsiteX8" fmla="*/ 0 w 3252551"/>
+              <a:gd name="connsiteY8" fmla="*/ 4667851 h 6202391"/>
+              <a:gd name="connsiteX9" fmla="*/ 0 w 3252551"/>
+              <a:gd name="connsiteY9" fmla="*/ 4577871 h 6202391"/>
+              <a:gd name="connsiteX10" fmla="*/ 0 w 3252551"/>
+              <a:gd name="connsiteY10" fmla="*/ 0 h 6202391"/>
+              <a:gd name="connsiteX0" fmla="*/ 0 w 3252551"/>
+              <a:gd name="connsiteY0" fmla="*/ 0 h 6202391"/>
+              <a:gd name="connsiteX1" fmla="*/ 3231524 w 3252551"/>
+              <a:gd name="connsiteY1" fmla="*/ 22548 h 6202391"/>
+              <a:gd name="connsiteX2" fmla="*/ 3252551 w 3252551"/>
+              <a:gd name="connsiteY2" fmla="*/ 4667851 h 6202391"/>
+              <a:gd name="connsiteX3" fmla="*/ 3244497 w 3252551"/>
+              <a:gd name="connsiteY3" fmla="*/ 4667851 h 6202391"/>
+              <a:gd name="connsiteX4" fmla="*/ 3240653 w 3252551"/>
+              <a:gd name="connsiteY4" fmla="*/ 4743969 h 6202391"/>
+              <a:gd name="connsiteX5" fmla="*/ 1624520 w 3252551"/>
+              <a:gd name="connsiteY5" fmla="*/ 6202391 h 6202391"/>
+              <a:gd name="connsiteX6" fmla="*/ 8387 w 3252551"/>
+              <a:gd name="connsiteY6" fmla="*/ 4743969 h 6202391"/>
+              <a:gd name="connsiteX7" fmla="*/ 4544 w 3252551"/>
+              <a:gd name="connsiteY7" fmla="*/ 4667851 h 6202391"/>
+              <a:gd name="connsiteX8" fmla="*/ 0 w 3252551"/>
+              <a:gd name="connsiteY8" fmla="*/ 4667851 h 6202391"/>
+              <a:gd name="connsiteX9" fmla="*/ 0 w 3252551"/>
+              <a:gd name="connsiteY9" fmla="*/ 4577871 h 6202391"/>
+              <a:gd name="connsiteX10" fmla="*/ 0 w 3252551"/>
+              <a:gd name="connsiteY10" fmla="*/ 0 h 6202391"/>
+              <a:gd name="connsiteX0" fmla="*/ 0 w 3252551"/>
+              <a:gd name="connsiteY0" fmla="*/ 15040398 h 21242789"/>
+              <a:gd name="connsiteX1" fmla="*/ 3231518 w 3252551"/>
+              <a:gd name="connsiteY1" fmla="*/ 3 h 21242789"/>
+              <a:gd name="connsiteX2" fmla="*/ 3252551 w 3252551"/>
+              <a:gd name="connsiteY2" fmla="*/ 19708249 h 21242789"/>
+              <a:gd name="connsiteX3" fmla="*/ 3244497 w 3252551"/>
+              <a:gd name="connsiteY3" fmla="*/ 19708249 h 21242789"/>
+              <a:gd name="connsiteX4" fmla="*/ 3240653 w 3252551"/>
+              <a:gd name="connsiteY4" fmla="*/ 19784367 h 21242789"/>
+              <a:gd name="connsiteX5" fmla="*/ 1624520 w 3252551"/>
+              <a:gd name="connsiteY5" fmla="*/ 21242789 h 21242789"/>
+              <a:gd name="connsiteX6" fmla="*/ 8387 w 3252551"/>
+              <a:gd name="connsiteY6" fmla="*/ 19784367 h 21242789"/>
+              <a:gd name="connsiteX7" fmla="*/ 4544 w 3252551"/>
+              <a:gd name="connsiteY7" fmla="*/ 19708249 h 21242789"/>
+              <a:gd name="connsiteX8" fmla="*/ 0 w 3252551"/>
+              <a:gd name="connsiteY8" fmla="*/ 19708249 h 21242789"/>
+              <a:gd name="connsiteX9" fmla="*/ 0 w 3252551"/>
+              <a:gd name="connsiteY9" fmla="*/ 19618269 h 21242789"/>
+              <a:gd name="connsiteX10" fmla="*/ 0 w 3252551"/>
+              <a:gd name="connsiteY10" fmla="*/ 15040398 h 21242789"/>
+              <a:gd name="connsiteX0" fmla="*/ 0 w 3252551"/>
+              <a:gd name="connsiteY0" fmla="*/ 0 h 21265340"/>
+              <a:gd name="connsiteX1" fmla="*/ 3231518 w 3252551"/>
+              <a:gd name="connsiteY1" fmla="*/ 22554 h 21265340"/>
+              <a:gd name="connsiteX2" fmla="*/ 3252551 w 3252551"/>
+              <a:gd name="connsiteY2" fmla="*/ 19730800 h 21265340"/>
+              <a:gd name="connsiteX3" fmla="*/ 3244497 w 3252551"/>
+              <a:gd name="connsiteY3" fmla="*/ 19730800 h 21265340"/>
+              <a:gd name="connsiteX4" fmla="*/ 3240653 w 3252551"/>
+              <a:gd name="connsiteY4" fmla="*/ 19806918 h 21265340"/>
+              <a:gd name="connsiteX5" fmla="*/ 1624520 w 3252551"/>
+              <a:gd name="connsiteY5" fmla="*/ 21265340 h 21265340"/>
+              <a:gd name="connsiteX6" fmla="*/ 8387 w 3252551"/>
+              <a:gd name="connsiteY6" fmla="*/ 19806918 h 21265340"/>
+              <a:gd name="connsiteX7" fmla="*/ 4544 w 3252551"/>
+              <a:gd name="connsiteY7" fmla="*/ 19730800 h 21265340"/>
+              <a:gd name="connsiteX8" fmla="*/ 0 w 3252551"/>
+              <a:gd name="connsiteY8" fmla="*/ 19730800 h 21265340"/>
+              <a:gd name="connsiteX9" fmla="*/ 0 w 3252551"/>
+              <a:gd name="connsiteY9" fmla="*/ 19640820 h 21265340"/>
+              <a:gd name="connsiteX10" fmla="*/ 0 w 3252551"/>
+              <a:gd name="connsiteY10" fmla="*/ 0 h 21265340"/>
+            </a:gdLst>
+            <a:ahLst/>
+            <a:cxnLst>
+              <a:cxn ang="0">
+                <a:pos x="connsiteX0" y="connsiteY0"/>
+              </a:cxn>
+              <a:cxn ang="0">
+                <a:pos x="connsiteX1" y="connsiteY1"/>
+              </a:cxn>
+              <a:cxn ang="0">
+                <a:pos x="connsiteX2" y="connsiteY2"/>
+              </a:cxn>
+              <a:cxn ang="0">
+                <a:pos x="connsiteX3" y="connsiteY3"/>
+              </a:cxn>
+              <a:cxn ang="0">
+                <a:pos x="connsiteX4" y="connsiteY4"/>
+              </a:cxn>
+              <a:cxn ang="0">
+                <a:pos x="connsiteX5" y="connsiteY5"/>
+              </a:cxn>
+              <a:cxn ang="0">
+                <a:pos x="connsiteX6" y="connsiteY6"/>
+              </a:cxn>
+              <a:cxn ang="0">
+                <a:pos x="connsiteX7" y="connsiteY7"/>
+              </a:cxn>
+              <a:cxn ang="0">
+                <a:pos x="connsiteX8" y="connsiteY8"/>
+              </a:cxn>
+              <a:cxn ang="0">
+                <a:pos x="connsiteX9" y="connsiteY9"/>
+              </a:cxn>
+              <a:cxn ang="0">
+                <a:pos x="connsiteX10" y="connsiteY10"/>
+              </a:cxn>
+            </a:cxnLst>
+            <a:rect l="l" t="t" r="r" b="b"/>
+            <a:pathLst>
+              <a:path w="3252551" h="21265340">
+                <a:moveTo>
+                  <a:pt x="0" y="0"/>
+                </a:moveTo>
+                <a:lnTo>
+                  <a:pt x="3231518" y="22554"/>
+                </a:lnTo>
+                <a:lnTo>
+                  <a:pt x="3252551" y="19730800"/>
+                </a:lnTo>
+                <a:lnTo>
+                  <a:pt x="3244497" y="19730800"/>
+                </a:lnTo>
+                <a:lnTo>
+                  <a:pt x="3240653" y="19806918"/>
+                </a:lnTo>
+                <a:cubicBezTo>
+                  <a:pt x="3157461" y="20626092"/>
+                  <a:pt x="2465643" y="21265340"/>
+                  <a:pt x="1624520" y="21265340"/>
+                </a:cubicBezTo>
+                <a:cubicBezTo>
+                  <a:pt x="783397" y="21265340"/>
+                  <a:pt x="91579" y="20626092"/>
+                  <a:pt x="8387" y="19806918"/>
+                </a:cubicBezTo>
+                <a:lnTo>
+                  <a:pt x="4544" y="19730800"/>
+                </a:lnTo>
+                <a:lnTo>
+                  <a:pt x="0" y="19730800"/>
+                </a:lnTo>
+                <a:lnTo>
+                  <a:pt x="0" y="19640820"/>
+                </a:lnTo>
+                <a:lnTo>
+                  <a:pt x="0" y="0"/>
+                </a:lnTo>
+                <a:close/>
+              </a:path>
+            </a:pathLst>
+          </a:custGeom>
+          <a:solidFill>
+            <a:schemeClr val="bg1">
+              <a:lumMod val="75000"/>
+              <a:alpha val="80000"/>
+            </a:schemeClr>
+          </a:solidFill>
+          <a:ln>
+            <a:noFill/>
+          </a:ln>
+        </p:spPr>
+        <p:style>
+          <a:lnRef idx="2">
+            <a:schemeClr val="accent1">
+              <a:shade val="50000"/>
+            </a:schemeClr>
+          </a:lnRef>
+          <a:fillRef idx="1">
+            <a:schemeClr val="accent1"/>
+          </a:fillRef>
+          <a:effectRef idx="0">
+            <a:schemeClr val="accent1"/>
+          </a:effectRef>
+          <a:fontRef idx="minor">
+            <a:schemeClr val="lt1"/>
+          </a:fontRef>
+        </p:style>
+        <p:txBody>
+          <a:bodyPr lIns="68562" tIns="34281" rIns="68562" bIns="34281" rtlCol="0" anchor="ctr"/>
+          <a:lstStyle/>
+          <a:p>
+            <a:pPr algn="ctr"/>
+            <a:endParaRPr lang="zh-CN" altLang="en-US">
+              <a:latin typeface="微软雅黑" panose="020B0503020204020204" pitchFamily="34" charset="-122"/>
+              <a:ea typeface="微软雅黑" panose="020B0503020204020204" pitchFamily="34" charset="-122"/>
+            </a:endParaRPr>
+          </a:p>
+        </p:txBody>
+      </p:sp>
+      <p:sp>
+        <p:nvSpPr>
+          <p:cNvPr id="17" name="矩形 16"/>
+          <p:cNvSpPr/>
+          <p:nvPr/>
+        </p:nvSpPr>
+        <p:spPr bwMode="auto">
+          <a:xfrm>
+            <a:off x="189992" y="129272"/>
+            <a:ext cx="143256" cy="479932"/>
+          </a:xfrm>
+          <a:prstGeom prst="rect">
+            <a:avLst/>
+          </a:prstGeom>
+          <a:solidFill>
+            <a:schemeClr val="bg1">
+              <a:lumMod val="75000"/>
+              <a:alpha val="80000"/>
+            </a:schemeClr>
+          </a:solidFill>
+          <a:ln>
+            <a:noFill/>
+          </a:ln>
+          <a:extLst/>
+        </p:spPr>
+        <p:style>
+          <a:lnRef idx="2">
+            <a:schemeClr val="accent1">
+              <a:shade val="50000"/>
+            </a:schemeClr>
+          </a:lnRef>
+          <a:fillRef idx="1">
+            <a:schemeClr val="accent1"/>
+          </a:fillRef>
+          <a:effectRef idx="0">
+            <a:schemeClr val="accent1"/>
+          </a:effectRef>
+          <a:fontRef idx="minor">
+            <a:schemeClr val="lt1"/>
+          </a:fontRef>
+        </p:style>
+        <p:txBody>
+          <a:bodyPr lIns="68562" tIns="34281" rIns="68562" bIns="34281" rtlCol="0" anchor="ctr"/>
+          <a:lstStyle/>
+          <a:p>
+            <a:pPr algn="ctr"/>
+            <a:endParaRPr lang="zh-CN" altLang="en-US">
+              <a:solidFill>
+                <a:schemeClr val="lt1"/>
+              </a:solidFill>
+              <a:latin typeface="微软雅黑" panose="020B0503020204020204" pitchFamily="34" charset="-122"/>
+              <a:ea typeface="微软雅黑" panose="020B0503020204020204" pitchFamily="34" charset="-122"/>
+            </a:endParaRPr>
+          </a:p>
+        </p:txBody>
+      </p:sp>
+      <p:sp>
+        <p:nvSpPr>
+          <p:cNvPr id="18" name="文本框 28"/>
+          <p:cNvSpPr>
+            <a:spLocks noChangeArrowheads="1"/>
+          </p:cNvSpPr>
+          <p:nvPr/>
+        </p:nvSpPr>
+        <p:spPr bwMode="auto">
+          <a:xfrm>
+            <a:off x="497968" y="165848"/>
+            <a:ext cx="2847975" cy="406778"/>
+          </a:xfrm>
+          <a:prstGeom prst="rect">
+            <a:avLst/>
+          </a:prstGeom>
+          <a:noFill/>
+          <a:ln>
+            <a:noFill/>
+          </a:ln>
+          <a:extLst>
+            <a:ext uri="{909E8E84-426E-40DD-AFC4-6F175D3DCCD1}">
+              <a14:hiddenFill xmlns:a14="http://schemas.microsoft.com/office/drawing/2010/main">
+                <a:solidFill>
+                  <a:srgbClr val="FFFFFF"/>
+                </a:solidFill>
+              </a14:hiddenFill>
+            </a:ext>
+            <a:ext uri="{91240B29-F687-4F45-9708-019B960494DF}">
+              <a14:hiddenLine xmlns:a14="http://schemas.microsoft.com/office/drawing/2010/main" w="9525">
+                <a:solidFill>
+                  <a:srgbClr val="000000"/>
+                </a:solidFill>
+                <a:miter lim="800000"/>
+                <a:headEnd/>
+                <a:tailEnd/>
+              </a14:hiddenLine>
+            </a:ext>
+          </a:extLst>
+        </p:spPr>
+        <p:txBody>
+          <a:bodyPr lIns="68580" tIns="34290" rIns="68580" bIns="34290">
+            <a:spAutoFit/>
+          </a:bodyPr>
+          <a:lstStyle/>
+          <a:p>
+            <a:pPr>
+              <a:lnSpc>
+                <a:spcPct val="120000"/>
+              </a:lnSpc>
+            </a:pPr>
+            <a:r>
+              <a:rPr lang="zh-CN" altLang="en-US" sz="2000" dirty="0">
+                <a:solidFill>
+                  <a:srgbClr val="006AB6"/>
+                </a:solidFill>
+                <a:latin typeface="Arial" panose="020B0604020202020204" pitchFamily="34" charset="0"/>
+                <a:ea typeface="微软雅黑" panose="020B0503020204020204" pitchFamily="34" charset="-122"/>
+                <a:sym typeface="Arial" panose="020B0604020202020204" pitchFamily="34" charset="0"/>
+              </a:rPr>
+              <a:t>界面设计</a:t>
+            </a:r>
+            <a:endParaRPr lang="en-US" altLang="zh-CN" sz="2000" dirty="0">
+              <a:solidFill>
+                <a:srgbClr val="006AB6"/>
+              </a:solidFill>
+              <a:latin typeface="Arial" panose="020B0604020202020204" pitchFamily="34" charset="0"/>
+              <a:ea typeface="微软雅黑" panose="020B0503020204020204" pitchFamily="34" charset="-122"/>
+              <a:sym typeface="Arial" panose="020B0604020202020204" pitchFamily="34" charset="0"/>
+            </a:endParaRPr>
+          </a:p>
+        </p:txBody>
+      </p:sp>
+      <p:sp>
+        <p:nvSpPr>
+          <p:cNvPr id="3" name="矩形 2"/>
+          <p:cNvSpPr/>
+          <p:nvPr/>
+        </p:nvSpPr>
+        <p:spPr>
+          <a:xfrm>
+            <a:off x="1171416" y="784139"/>
+            <a:ext cx="10442535" cy="576064"/>
+          </a:xfrm>
+          <a:prstGeom prst="rect">
+            <a:avLst/>
+          </a:prstGeom>
+          <a:solidFill>
+            <a:schemeClr val="bg1"/>
+          </a:solidFill>
+        </p:spPr>
+        <p:style>
+          <a:lnRef idx="2">
+            <a:schemeClr val="accent1">
+              <a:shade val="50000"/>
+            </a:schemeClr>
+          </a:lnRef>
+          <a:fillRef idx="1">
+            <a:schemeClr val="accent1"/>
+          </a:fillRef>
+          <a:effectRef idx="0">
+            <a:schemeClr val="accent1"/>
+          </a:effectRef>
+          <a:fontRef idx="minor">
+            <a:schemeClr val="lt1"/>
+          </a:fontRef>
+        </p:style>
+        <p:txBody>
+          <a:bodyPr rtlCol="0" anchor="ctr"/>
+          <a:lstStyle/>
+          <a:p>
+            <a:pPr algn="ctr"/>
+            <a:endParaRPr lang="zh-CN" altLang="en-US" dirty="0"/>
+          </a:p>
+        </p:txBody>
+      </p:sp>
+      <p:sp>
+        <p:nvSpPr>
+          <p:cNvPr id="4" name="矩形 3"/>
+          <p:cNvSpPr/>
+          <p:nvPr/>
+        </p:nvSpPr>
+        <p:spPr>
+          <a:xfrm>
+            <a:off x="1171416" y="1528093"/>
+            <a:ext cx="3241735" cy="4680520"/>
+          </a:xfrm>
+          <a:prstGeom prst="rect">
+            <a:avLst/>
+          </a:prstGeom>
+          <a:solidFill>
+            <a:schemeClr val="accent2">
+              <a:lumMod val="60000"/>
+              <a:lumOff val="40000"/>
+            </a:schemeClr>
+          </a:solidFill>
+        </p:spPr>
+        <p:style>
+          <a:lnRef idx="2">
+            <a:schemeClr val="accent1">
+              <a:shade val="50000"/>
+            </a:schemeClr>
+          </a:lnRef>
+          <a:fillRef idx="1">
+            <a:schemeClr val="accent1"/>
+          </a:fillRef>
+          <a:effectRef idx="0">
+            <a:schemeClr val="accent1"/>
+          </a:effectRef>
+          <a:fontRef idx="minor">
+            <a:schemeClr val="lt1"/>
+          </a:fontRef>
+        </p:style>
+        <p:txBody>
+          <a:bodyPr rtlCol="0" anchor="ctr"/>
+          <a:lstStyle/>
+          <a:p>
+            <a:pPr algn="ctr"/>
+            <a:endParaRPr lang="zh-CN" altLang="en-US"/>
+          </a:p>
+        </p:txBody>
+      </p:sp>
+      <p:sp>
+        <p:nvSpPr>
+          <p:cNvPr id="5" name="矩形 4"/>
+          <p:cNvSpPr/>
+          <p:nvPr/>
+        </p:nvSpPr>
+        <p:spPr>
+          <a:xfrm>
+            <a:off x="4773191" y="1528093"/>
+            <a:ext cx="6840760" cy="4680520"/>
+          </a:xfrm>
+          <a:prstGeom prst="rect">
+            <a:avLst/>
+          </a:prstGeom>
+          <a:solidFill>
+            <a:srgbClr val="F8FB73"/>
+          </a:solidFill>
+        </p:spPr>
+        <p:style>
+          <a:lnRef idx="2">
+            <a:schemeClr val="accent1">
+              <a:shade val="50000"/>
+            </a:schemeClr>
+          </a:lnRef>
+          <a:fillRef idx="1">
+            <a:schemeClr val="accent1"/>
+          </a:fillRef>
+          <a:effectRef idx="0">
+            <a:schemeClr val="accent1"/>
+          </a:effectRef>
+          <a:fontRef idx="minor">
+            <a:schemeClr val="lt1"/>
+          </a:fontRef>
+        </p:style>
+        <p:txBody>
+          <a:bodyPr rtlCol="0" anchor="ctr"/>
+          <a:lstStyle/>
+          <a:p>
+            <a:pPr algn="ctr"/>
+            <a:endParaRPr lang="zh-CN" altLang="en-US" dirty="0"/>
+          </a:p>
+        </p:txBody>
+      </p:sp>
+      <p:sp>
+        <p:nvSpPr>
+          <p:cNvPr id="6" name="矩形 5"/>
+          <p:cNvSpPr/>
+          <p:nvPr/>
+        </p:nvSpPr>
+        <p:spPr>
+          <a:xfrm>
+            <a:off x="1327532" y="2011338"/>
+            <a:ext cx="2808312" cy="576064"/>
+          </a:xfrm>
+          <a:prstGeom prst="rect">
+            <a:avLst/>
+          </a:prstGeom>
+          <a:solidFill>
+            <a:schemeClr val="accent2">
+              <a:lumMod val="75000"/>
+            </a:schemeClr>
+          </a:solidFill>
+        </p:spPr>
+        <p:style>
+          <a:lnRef idx="2">
+            <a:schemeClr val="accent1">
+              <a:shade val="50000"/>
+            </a:schemeClr>
+          </a:lnRef>
+          <a:fillRef idx="1">
+            <a:schemeClr val="accent1"/>
+          </a:fillRef>
+          <a:effectRef idx="0">
+            <a:schemeClr val="accent1"/>
+          </a:effectRef>
+          <a:fontRef idx="minor">
+            <a:schemeClr val="lt1"/>
+          </a:fontRef>
+        </p:style>
+        <p:txBody>
+          <a:bodyPr rtlCol="0" anchor="ctr"/>
+          <a:lstStyle/>
+          <a:p>
+            <a:pPr algn="ctr"/>
+            <a:r>
+              <a:rPr lang="en-US" altLang="zh-CN" dirty="0"/>
+              <a:t>Item information</a:t>
+            </a:r>
+            <a:endParaRPr lang="zh-CN" altLang="en-US" dirty="0"/>
+          </a:p>
+        </p:txBody>
+      </p:sp>
+      <p:sp>
+        <p:nvSpPr>
+          <p:cNvPr id="19" name="矩形 18"/>
+          <p:cNvSpPr/>
+          <p:nvPr/>
+        </p:nvSpPr>
+        <p:spPr>
+          <a:xfrm>
+            <a:off x="1323246" y="3048408"/>
+            <a:ext cx="2808312" cy="576064"/>
+          </a:xfrm>
+          <a:prstGeom prst="rect">
+            <a:avLst/>
+          </a:prstGeom>
+          <a:solidFill>
+            <a:schemeClr val="accent2">
+              <a:lumMod val="75000"/>
+            </a:schemeClr>
+          </a:solidFill>
+        </p:spPr>
+        <p:style>
+          <a:lnRef idx="2">
+            <a:schemeClr val="accent1">
+              <a:shade val="50000"/>
+            </a:schemeClr>
+          </a:lnRef>
+          <a:fillRef idx="1">
+            <a:schemeClr val="accent1"/>
+          </a:fillRef>
+          <a:effectRef idx="0">
+            <a:schemeClr val="accent1"/>
+          </a:effectRef>
+          <a:fontRef idx="minor">
+            <a:schemeClr val="lt1"/>
+          </a:fontRef>
+        </p:style>
+        <p:txBody>
+          <a:bodyPr rtlCol="0" anchor="ctr"/>
+          <a:lstStyle/>
+          <a:p>
+            <a:pPr algn="ctr"/>
+            <a:r>
+              <a:rPr lang="en-US" altLang="zh-CN" dirty="0"/>
+              <a:t>Item information</a:t>
+            </a:r>
+            <a:endParaRPr lang="zh-CN" altLang="en-US" dirty="0"/>
+          </a:p>
+        </p:txBody>
+      </p:sp>
+      <p:sp>
+        <p:nvSpPr>
+          <p:cNvPr id="20" name="矩形 19"/>
+          <p:cNvSpPr/>
+          <p:nvPr/>
+        </p:nvSpPr>
+        <p:spPr>
+          <a:xfrm>
+            <a:off x="1316807" y="4085478"/>
+            <a:ext cx="2808312" cy="576064"/>
+          </a:xfrm>
+          <a:prstGeom prst="rect">
+            <a:avLst/>
+          </a:prstGeom>
+          <a:solidFill>
+            <a:schemeClr val="accent2">
+              <a:lumMod val="75000"/>
+            </a:schemeClr>
+          </a:solidFill>
+        </p:spPr>
+        <p:style>
+          <a:lnRef idx="2">
+            <a:schemeClr val="accent1">
+              <a:shade val="50000"/>
+            </a:schemeClr>
+          </a:lnRef>
+          <a:fillRef idx="1">
+            <a:schemeClr val="accent1"/>
+          </a:fillRef>
+          <a:effectRef idx="0">
+            <a:schemeClr val="accent1"/>
+          </a:effectRef>
+          <a:fontRef idx="minor">
+            <a:schemeClr val="lt1"/>
+          </a:fontRef>
+        </p:style>
+        <p:txBody>
+          <a:bodyPr rtlCol="0" anchor="ctr"/>
+          <a:lstStyle/>
+          <a:p>
+            <a:pPr algn="ctr"/>
+            <a:r>
+              <a:rPr lang="en-US" altLang="zh-CN" dirty="0"/>
+              <a:t>Item information</a:t>
+            </a:r>
+            <a:endParaRPr lang="zh-CN" altLang="en-US" dirty="0"/>
+          </a:p>
+        </p:txBody>
+      </p:sp>
+      <p:sp>
+        <p:nvSpPr>
+          <p:cNvPr id="21" name="矩形 20"/>
+          <p:cNvSpPr/>
+          <p:nvPr/>
+        </p:nvSpPr>
+        <p:spPr>
+          <a:xfrm>
+            <a:off x="1316807" y="5122548"/>
+            <a:ext cx="2808312" cy="576064"/>
+          </a:xfrm>
+          <a:prstGeom prst="rect">
+            <a:avLst/>
+          </a:prstGeom>
+          <a:solidFill>
+            <a:schemeClr val="accent2">
+              <a:lumMod val="75000"/>
+            </a:schemeClr>
+          </a:solidFill>
+        </p:spPr>
+        <p:style>
+          <a:lnRef idx="2">
+            <a:schemeClr val="accent1">
+              <a:shade val="50000"/>
+            </a:schemeClr>
+          </a:lnRef>
+          <a:fillRef idx="1">
+            <a:schemeClr val="accent1"/>
+          </a:fillRef>
+          <a:effectRef idx="0">
+            <a:schemeClr val="accent1"/>
+          </a:effectRef>
+          <a:fontRef idx="minor">
+            <a:schemeClr val="lt1"/>
+          </a:fontRef>
+        </p:style>
+        <p:txBody>
+          <a:bodyPr rtlCol="0" anchor="ctr"/>
+          <a:lstStyle/>
+          <a:p>
+            <a:pPr algn="ctr"/>
+            <a:r>
+              <a:rPr lang="en-US" altLang="zh-CN" dirty="0"/>
+              <a:t>Item information</a:t>
+            </a:r>
+            <a:endParaRPr lang="zh-CN" altLang="en-US" dirty="0"/>
+          </a:p>
+        </p:txBody>
+      </p:sp>
+      <p:sp>
+        <p:nvSpPr>
+          <p:cNvPr id="8" name="文本框 7"/>
+          <p:cNvSpPr txBox="1"/>
+          <p:nvPr/>
+        </p:nvSpPr>
+        <p:spPr>
+          <a:xfrm>
+            <a:off x="3873091" y="887505"/>
+            <a:ext cx="4608512" cy="369332"/>
+          </a:xfrm>
+          <a:prstGeom prst="rect">
+            <a:avLst/>
+          </a:prstGeom>
+          <a:noFill/>
+        </p:spPr>
+        <p:txBody>
+          <a:bodyPr wrap="square" rtlCol="0">
+            <a:spAutoFit/>
+          </a:bodyPr>
+          <a:lstStyle/>
+          <a:p>
+            <a:pPr algn="ctr"/>
+            <a:r>
+              <a:rPr lang="en-US" altLang="zh-CN" dirty="0"/>
+              <a:t>Search Box</a:t>
+            </a:r>
+            <a:endParaRPr lang="zh-CN" altLang="en-US" dirty="0"/>
+          </a:p>
+        </p:txBody>
+      </p:sp>
+      <p:sp>
+        <p:nvSpPr>
+          <p:cNvPr id="9" name="文本框 8"/>
+          <p:cNvSpPr txBox="1"/>
+          <p:nvPr/>
+        </p:nvSpPr>
+        <p:spPr>
+          <a:xfrm>
+            <a:off x="7041443" y="3439147"/>
+            <a:ext cx="2304256" cy="646331"/>
+          </a:xfrm>
+          <a:prstGeom prst="rect">
+            <a:avLst/>
+          </a:prstGeom>
+          <a:noFill/>
+        </p:spPr>
+        <p:txBody>
+          <a:bodyPr wrap="square" rtlCol="0">
+            <a:spAutoFit/>
+          </a:bodyPr>
+          <a:lstStyle/>
+          <a:p>
+            <a:r>
+              <a:rPr lang="en-US" altLang="zh-CN" sz="3600" dirty="0"/>
+              <a:t>Item detail</a:t>
+            </a:r>
+            <a:endParaRPr lang="zh-CN" altLang="en-US" sz="3600" dirty="0"/>
+          </a:p>
+        </p:txBody>
+      </p:sp>
+      <p:sp>
+        <p:nvSpPr>
+          <p:cNvPr id="14" name="矩形 13">
+            <a:extLst>
+              <a:ext uri="{FF2B5EF4-FFF2-40B4-BE49-F238E27FC236}">
+                <a16:creationId xmlns:a16="http://schemas.microsoft.com/office/drawing/2014/main" id="{2525470F-C98D-47B4-985D-E3633CD00FFD}"/>
+              </a:ext>
+            </a:extLst>
+          </p:cNvPr>
+          <p:cNvSpPr/>
+          <p:nvPr/>
+        </p:nvSpPr>
+        <p:spPr>
+          <a:xfrm>
+            <a:off x="1171416" y="6333266"/>
+            <a:ext cx="10442535" cy="576064"/>
+          </a:xfrm>
+          <a:prstGeom prst="rect">
+            <a:avLst/>
+          </a:prstGeom>
+          <a:solidFill>
+            <a:schemeClr val="bg1"/>
+          </a:solidFill>
+        </p:spPr>
+        <p:style>
+          <a:lnRef idx="2">
+            <a:schemeClr val="accent1">
+              <a:shade val="50000"/>
+            </a:schemeClr>
+          </a:lnRef>
+          <a:fillRef idx="1">
+            <a:schemeClr val="accent1"/>
+          </a:fillRef>
+          <a:effectRef idx="0">
+            <a:schemeClr val="accent1"/>
+          </a:effectRef>
+          <a:fontRef idx="minor">
+            <a:schemeClr val="lt1"/>
+          </a:fontRef>
+        </p:style>
+        <p:txBody>
+          <a:bodyPr rtlCol="0" anchor="ctr"/>
+          <a:lstStyle/>
+          <a:p>
+            <a:pPr algn="ctr"/>
+            <a:endParaRPr lang="zh-CN" altLang="en-US" dirty="0"/>
+          </a:p>
+        </p:txBody>
+      </p:sp>
+      <p:sp>
+        <p:nvSpPr>
+          <p:cNvPr id="15" name="文本框 14">
+            <a:extLst>
+              <a:ext uri="{FF2B5EF4-FFF2-40B4-BE49-F238E27FC236}">
+                <a16:creationId xmlns:a16="http://schemas.microsoft.com/office/drawing/2014/main" id="{03A8AAC5-D324-4BA3-93DE-2443BFB153C6}"/>
+              </a:ext>
+            </a:extLst>
+          </p:cNvPr>
+          <p:cNvSpPr txBox="1"/>
+          <p:nvPr/>
+        </p:nvSpPr>
+        <p:spPr>
+          <a:xfrm>
+            <a:off x="3859523" y="6403653"/>
+            <a:ext cx="4608512" cy="369332"/>
+          </a:xfrm>
+          <a:prstGeom prst="rect">
+            <a:avLst/>
+          </a:prstGeom>
+          <a:noFill/>
+        </p:spPr>
+        <p:txBody>
+          <a:bodyPr wrap="square" rtlCol="0">
+            <a:spAutoFit/>
+          </a:bodyPr>
+          <a:lstStyle/>
+          <a:p>
+            <a:pPr algn="ctr"/>
+            <a:r>
+              <a:rPr lang="en-US" altLang="zh-CN" dirty="0"/>
+              <a:t>Footer</a:t>
+            </a:r>
+            <a:endParaRPr lang="zh-CN" altLang="en-US" dirty="0"/>
+          </a:p>
+        </p:txBody>
+      </p:sp>
+    </p:spTree>
+    <p:extLst>
+      <p:ext uri="{BB962C8B-B14F-4D97-AF65-F5344CB8AC3E}">
+        <p14:creationId xmlns:p14="http://schemas.microsoft.com/office/powerpoint/2010/main" val="4035331477"/>
+      </p:ext>
+    </p:extLst>
+  </p:cSld>
+  <p:clrMapOvr>
+    <a:masterClrMapping/>
+  </p:clrMapOvr>
+  <mc:AlternateContent xmlns:mc="http://schemas.openxmlformats.org/markup-compatibility/2006" xmlns:p14="http://schemas.microsoft.com/office/powerpoint/2010/main">
+    <mc:Choice Requires="p14">
+      <p:transition spd="slow" p14:dur="1200">
+        <p14:prism/>
+      </p:transition>
+    </mc:Choice>
+    <mc:Fallback xmlns="">
+      <p:transition spd="slow">
+        <p:fade/>
+      </p:transition>
+    </mc:Fallback>
+  </mc:AlternateContent>
+</p:sld>
+</file>
+
+<file path=ppt/slides/slide11.xml><?xml version="1.0" encoding="utf-8"?>
+<p:sld xmlns:a="http://schemas.openxmlformats.org/drawingml/2006/main" xmlns:r="http://schemas.openxmlformats.org/officeDocument/2006/relationships" xmlns:p="http://schemas.openxmlformats.org/presentationml/2006/main">
+  <p:cSld>
+    <p:spTree>
+      <p:nvGrpSpPr>
+        <p:cNvPr id="1" name=""/>
+        <p:cNvGrpSpPr/>
+        <p:nvPr/>
+      </p:nvGrpSpPr>
+      <p:grpSpPr>
+        <a:xfrm>
+          <a:off x="0" y="0"/>
+          <a:ext cx="0" cy="0"/>
+          <a:chOff x="0" y="0"/>
+          <a:chExt cx="0" cy="0"/>
+        </a:xfrm>
+      </p:grpSpPr>
+      <p:pic>
+        <p:nvPicPr>
+          <p:cNvPr id="2" name="图片 1">
+            <a:extLst>
+              <a:ext uri="{FF2B5EF4-FFF2-40B4-BE49-F238E27FC236}">
+                <a16:creationId xmlns:a16="http://schemas.microsoft.com/office/drawing/2014/main" id="{A11308A6-4421-43B9-B61B-F95E8051FA56}"/>
+              </a:ext>
+            </a:extLst>
+          </p:cNvPr>
+          <p:cNvPicPr>
+            <a:picLocks noChangeAspect="1"/>
+          </p:cNvPicPr>
+          <p:nvPr/>
+        </p:nvPicPr>
+        <p:blipFill>
+          <a:blip r:embed="rId3"/>
+          <a:stretch>
+            <a:fillRect/>
+          </a:stretch>
+        </p:blipFill>
+        <p:spPr>
+          <a:xfrm>
+            <a:off x="1580671" y="0"/>
+            <a:ext cx="9697408" cy="7232650"/>
+          </a:xfrm>
+          <a:prstGeom prst="rect">
+            <a:avLst/>
+          </a:prstGeom>
+        </p:spPr>
+      </p:pic>
+    </p:spTree>
+    <p:extLst>
+      <p:ext uri="{BB962C8B-B14F-4D97-AF65-F5344CB8AC3E}">
+        <p14:creationId xmlns:p14="http://schemas.microsoft.com/office/powerpoint/2010/main" val="4022345812"/>
+      </p:ext>
+    </p:extLst>
+  </p:cSld>
+  <p:clrMapOvr>
+    <a:masterClrMapping/>
+  </p:clrMapOvr>
+  <mc:AlternateContent xmlns:mc="http://schemas.openxmlformats.org/markup-compatibility/2006" xmlns:p14="http://schemas.microsoft.com/office/powerpoint/2010/main">
+    <mc:Choice Requires="p14">
+      <p:transition spd="slow" p14:dur="1200">
+        <p14:prism/>
+      </p:transition>
+    </mc:Choice>
+    <mc:Fallback xmlns="">
+      <p:transition spd="slow">
+        <p:fade/>
+      </p:transition>
+    </mc:Fallback>
+  </mc:AlternateContent>
+</p:sld>
+</file>
+
+<file path=ppt/slides/slide12.xml><?xml version="1.0" encoding="utf-8"?>
+<p:sld xmlns:a="http://schemas.openxmlformats.org/drawingml/2006/main" xmlns:r="http://schemas.openxmlformats.org/officeDocument/2006/relationships" xmlns:p="http://schemas.openxmlformats.org/presentationml/2006/main">
+  <p:cSld>
+    <p:spTree>
+      <p:nvGrpSpPr>
+        <p:cNvPr id="1" name=""/>
+        <p:cNvGrpSpPr/>
+        <p:nvPr/>
+      </p:nvGrpSpPr>
+      <p:grpSpPr>
+        <a:xfrm>
+          <a:off x="0" y="0"/>
+          <a:ext cx="0" cy="0"/>
+          <a:chOff x="0" y="0"/>
+          <a:chExt cx="0" cy="0"/>
+        </a:xfrm>
+      </p:grpSpPr>
+      <p:sp>
+        <p:nvSpPr>
+          <p:cNvPr id="16" name="任意多边形 15"/>
+          <p:cNvSpPr/>
+          <p:nvPr/>
+        </p:nvSpPr>
+        <p:spPr>
+          <a:xfrm rot="16200000">
+            <a:off x="1592646" y="-1093803"/>
+            <a:ext cx="479931" cy="2926080"/>
+          </a:xfrm>
+          <a:custGeom>
+            <a:avLst/>
+            <a:gdLst>
+              <a:gd name="connsiteX0" fmla="*/ 0 w 3252551"/>
+              <a:gd name="connsiteY0" fmla="*/ 0 h 3677057"/>
+              <a:gd name="connsiteX1" fmla="*/ 3252551 w 3252551"/>
+              <a:gd name="connsiteY1" fmla="*/ 0 h 3677057"/>
+              <a:gd name="connsiteX2" fmla="*/ 3252551 w 3252551"/>
+              <a:gd name="connsiteY2" fmla="*/ 2142517 h 3677057"/>
+              <a:gd name="connsiteX3" fmla="*/ 3244497 w 3252551"/>
+              <a:gd name="connsiteY3" fmla="*/ 2142517 h 3677057"/>
+              <a:gd name="connsiteX4" fmla="*/ 3240653 w 3252551"/>
+              <a:gd name="connsiteY4" fmla="*/ 2218635 h 3677057"/>
+              <a:gd name="connsiteX5" fmla="*/ 1624520 w 3252551"/>
+              <a:gd name="connsiteY5" fmla="*/ 3677057 h 3677057"/>
+              <a:gd name="connsiteX6" fmla="*/ 8387 w 3252551"/>
+              <a:gd name="connsiteY6" fmla="*/ 2218635 h 3677057"/>
+              <a:gd name="connsiteX7" fmla="*/ 4544 w 3252551"/>
+              <a:gd name="connsiteY7" fmla="*/ 2142517 h 3677057"/>
+              <a:gd name="connsiteX8" fmla="*/ 0 w 3252551"/>
+              <a:gd name="connsiteY8" fmla="*/ 2142517 h 3677057"/>
+              <a:gd name="connsiteX9" fmla="*/ 0 w 3252551"/>
+              <a:gd name="connsiteY9" fmla="*/ 2052537 h 3677057"/>
+              <a:gd name="connsiteX0" fmla="*/ 21025 w 3252551"/>
+              <a:gd name="connsiteY0" fmla="*/ 0 h 6202391"/>
+              <a:gd name="connsiteX1" fmla="*/ 3252551 w 3252551"/>
+              <a:gd name="connsiteY1" fmla="*/ 2525334 h 6202391"/>
+              <a:gd name="connsiteX2" fmla="*/ 3252551 w 3252551"/>
+              <a:gd name="connsiteY2" fmla="*/ 4667851 h 6202391"/>
+              <a:gd name="connsiteX3" fmla="*/ 3244497 w 3252551"/>
+              <a:gd name="connsiteY3" fmla="*/ 4667851 h 6202391"/>
+              <a:gd name="connsiteX4" fmla="*/ 3240653 w 3252551"/>
+              <a:gd name="connsiteY4" fmla="*/ 4743969 h 6202391"/>
+              <a:gd name="connsiteX5" fmla="*/ 1624520 w 3252551"/>
+              <a:gd name="connsiteY5" fmla="*/ 6202391 h 6202391"/>
+              <a:gd name="connsiteX6" fmla="*/ 8387 w 3252551"/>
+              <a:gd name="connsiteY6" fmla="*/ 4743969 h 6202391"/>
+              <a:gd name="connsiteX7" fmla="*/ 4544 w 3252551"/>
+              <a:gd name="connsiteY7" fmla="*/ 4667851 h 6202391"/>
+              <a:gd name="connsiteX8" fmla="*/ 0 w 3252551"/>
+              <a:gd name="connsiteY8" fmla="*/ 4667851 h 6202391"/>
+              <a:gd name="connsiteX9" fmla="*/ 0 w 3252551"/>
+              <a:gd name="connsiteY9" fmla="*/ 4577871 h 6202391"/>
+              <a:gd name="connsiteX10" fmla="*/ 21025 w 3252551"/>
+              <a:gd name="connsiteY10" fmla="*/ 0 h 6202391"/>
+              <a:gd name="connsiteX0" fmla="*/ 0 w 3252551"/>
+              <a:gd name="connsiteY0" fmla="*/ 0 h 6202391"/>
+              <a:gd name="connsiteX1" fmla="*/ 3252551 w 3252551"/>
+              <a:gd name="connsiteY1" fmla="*/ 2525334 h 6202391"/>
+              <a:gd name="connsiteX2" fmla="*/ 3252551 w 3252551"/>
+              <a:gd name="connsiteY2" fmla="*/ 4667851 h 6202391"/>
+              <a:gd name="connsiteX3" fmla="*/ 3244497 w 3252551"/>
+              <a:gd name="connsiteY3" fmla="*/ 4667851 h 6202391"/>
+              <a:gd name="connsiteX4" fmla="*/ 3240653 w 3252551"/>
+              <a:gd name="connsiteY4" fmla="*/ 4743969 h 6202391"/>
+              <a:gd name="connsiteX5" fmla="*/ 1624520 w 3252551"/>
+              <a:gd name="connsiteY5" fmla="*/ 6202391 h 6202391"/>
+              <a:gd name="connsiteX6" fmla="*/ 8387 w 3252551"/>
+              <a:gd name="connsiteY6" fmla="*/ 4743969 h 6202391"/>
+              <a:gd name="connsiteX7" fmla="*/ 4544 w 3252551"/>
+              <a:gd name="connsiteY7" fmla="*/ 4667851 h 6202391"/>
+              <a:gd name="connsiteX8" fmla="*/ 0 w 3252551"/>
+              <a:gd name="connsiteY8" fmla="*/ 4667851 h 6202391"/>
+              <a:gd name="connsiteX9" fmla="*/ 0 w 3252551"/>
+              <a:gd name="connsiteY9" fmla="*/ 4577871 h 6202391"/>
+              <a:gd name="connsiteX10" fmla="*/ 0 w 3252551"/>
+              <a:gd name="connsiteY10" fmla="*/ 0 h 6202391"/>
+              <a:gd name="connsiteX0" fmla="*/ 0 w 3252551"/>
+              <a:gd name="connsiteY0" fmla="*/ 0 h 6202391"/>
+              <a:gd name="connsiteX1" fmla="*/ 3231524 w 3252551"/>
+              <a:gd name="connsiteY1" fmla="*/ 22548 h 6202391"/>
+              <a:gd name="connsiteX2" fmla="*/ 3252551 w 3252551"/>
+              <a:gd name="connsiteY2" fmla="*/ 4667851 h 6202391"/>
+              <a:gd name="connsiteX3" fmla="*/ 3244497 w 3252551"/>
+              <a:gd name="connsiteY3" fmla="*/ 4667851 h 6202391"/>
+              <a:gd name="connsiteX4" fmla="*/ 3240653 w 3252551"/>
+              <a:gd name="connsiteY4" fmla="*/ 4743969 h 6202391"/>
+              <a:gd name="connsiteX5" fmla="*/ 1624520 w 3252551"/>
+              <a:gd name="connsiteY5" fmla="*/ 6202391 h 6202391"/>
+              <a:gd name="connsiteX6" fmla="*/ 8387 w 3252551"/>
+              <a:gd name="connsiteY6" fmla="*/ 4743969 h 6202391"/>
+              <a:gd name="connsiteX7" fmla="*/ 4544 w 3252551"/>
+              <a:gd name="connsiteY7" fmla="*/ 4667851 h 6202391"/>
+              <a:gd name="connsiteX8" fmla="*/ 0 w 3252551"/>
+              <a:gd name="connsiteY8" fmla="*/ 4667851 h 6202391"/>
+              <a:gd name="connsiteX9" fmla="*/ 0 w 3252551"/>
+              <a:gd name="connsiteY9" fmla="*/ 4577871 h 6202391"/>
+              <a:gd name="connsiteX10" fmla="*/ 0 w 3252551"/>
+              <a:gd name="connsiteY10" fmla="*/ 0 h 6202391"/>
+              <a:gd name="connsiteX0" fmla="*/ 0 w 3252551"/>
+              <a:gd name="connsiteY0" fmla="*/ 15040398 h 21242789"/>
+              <a:gd name="connsiteX1" fmla="*/ 3231518 w 3252551"/>
+              <a:gd name="connsiteY1" fmla="*/ 3 h 21242789"/>
+              <a:gd name="connsiteX2" fmla="*/ 3252551 w 3252551"/>
+              <a:gd name="connsiteY2" fmla="*/ 19708249 h 21242789"/>
+              <a:gd name="connsiteX3" fmla="*/ 3244497 w 3252551"/>
+              <a:gd name="connsiteY3" fmla="*/ 19708249 h 21242789"/>
+              <a:gd name="connsiteX4" fmla="*/ 3240653 w 3252551"/>
+              <a:gd name="connsiteY4" fmla="*/ 19784367 h 21242789"/>
+              <a:gd name="connsiteX5" fmla="*/ 1624520 w 3252551"/>
+              <a:gd name="connsiteY5" fmla="*/ 21242789 h 21242789"/>
+              <a:gd name="connsiteX6" fmla="*/ 8387 w 3252551"/>
+              <a:gd name="connsiteY6" fmla="*/ 19784367 h 21242789"/>
+              <a:gd name="connsiteX7" fmla="*/ 4544 w 3252551"/>
+              <a:gd name="connsiteY7" fmla="*/ 19708249 h 21242789"/>
+              <a:gd name="connsiteX8" fmla="*/ 0 w 3252551"/>
+              <a:gd name="connsiteY8" fmla="*/ 19708249 h 21242789"/>
+              <a:gd name="connsiteX9" fmla="*/ 0 w 3252551"/>
+              <a:gd name="connsiteY9" fmla="*/ 19618269 h 21242789"/>
+              <a:gd name="connsiteX10" fmla="*/ 0 w 3252551"/>
+              <a:gd name="connsiteY10" fmla="*/ 15040398 h 21242789"/>
+              <a:gd name="connsiteX0" fmla="*/ 0 w 3252551"/>
+              <a:gd name="connsiteY0" fmla="*/ 0 h 21265340"/>
+              <a:gd name="connsiteX1" fmla="*/ 3231518 w 3252551"/>
+              <a:gd name="connsiteY1" fmla="*/ 22554 h 21265340"/>
+              <a:gd name="connsiteX2" fmla="*/ 3252551 w 3252551"/>
+              <a:gd name="connsiteY2" fmla="*/ 19730800 h 21265340"/>
+              <a:gd name="connsiteX3" fmla="*/ 3244497 w 3252551"/>
+              <a:gd name="connsiteY3" fmla="*/ 19730800 h 21265340"/>
+              <a:gd name="connsiteX4" fmla="*/ 3240653 w 3252551"/>
+              <a:gd name="connsiteY4" fmla="*/ 19806918 h 21265340"/>
+              <a:gd name="connsiteX5" fmla="*/ 1624520 w 3252551"/>
+              <a:gd name="connsiteY5" fmla="*/ 21265340 h 21265340"/>
+              <a:gd name="connsiteX6" fmla="*/ 8387 w 3252551"/>
+              <a:gd name="connsiteY6" fmla="*/ 19806918 h 21265340"/>
+              <a:gd name="connsiteX7" fmla="*/ 4544 w 3252551"/>
+              <a:gd name="connsiteY7" fmla="*/ 19730800 h 21265340"/>
+              <a:gd name="connsiteX8" fmla="*/ 0 w 3252551"/>
+              <a:gd name="connsiteY8" fmla="*/ 19730800 h 21265340"/>
+              <a:gd name="connsiteX9" fmla="*/ 0 w 3252551"/>
+              <a:gd name="connsiteY9" fmla="*/ 19640820 h 21265340"/>
+              <a:gd name="connsiteX10" fmla="*/ 0 w 3252551"/>
+              <a:gd name="connsiteY10" fmla="*/ 0 h 21265340"/>
+            </a:gdLst>
+            <a:ahLst/>
+            <a:cxnLst>
+              <a:cxn ang="0">
+                <a:pos x="connsiteX0" y="connsiteY0"/>
+              </a:cxn>
+              <a:cxn ang="0">
+                <a:pos x="connsiteX1" y="connsiteY1"/>
+              </a:cxn>
+              <a:cxn ang="0">
+                <a:pos x="connsiteX2" y="connsiteY2"/>
+              </a:cxn>
+              <a:cxn ang="0">
+                <a:pos x="connsiteX3" y="connsiteY3"/>
+              </a:cxn>
+              <a:cxn ang="0">
+                <a:pos x="connsiteX4" y="connsiteY4"/>
+              </a:cxn>
+              <a:cxn ang="0">
+                <a:pos x="connsiteX5" y="connsiteY5"/>
+              </a:cxn>
+              <a:cxn ang="0">
+                <a:pos x="connsiteX6" y="connsiteY6"/>
+              </a:cxn>
+              <a:cxn ang="0">
+                <a:pos x="connsiteX7" y="connsiteY7"/>
+              </a:cxn>
+              <a:cxn ang="0">
+                <a:pos x="connsiteX8" y="connsiteY8"/>
+              </a:cxn>
+              <a:cxn ang="0">
+                <a:pos x="connsiteX9" y="connsiteY9"/>
+              </a:cxn>
+              <a:cxn ang="0">
+                <a:pos x="connsiteX10" y="connsiteY10"/>
+              </a:cxn>
+            </a:cxnLst>
+            <a:rect l="l" t="t" r="r" b="b"/>
+            <a:pathLst>
+              <a:path w="3252551" h="21265340">
+                <a:moveTo>
+                  <a:pt x="0" y="0"/>
+                </a:moveTo>
+                <a:lnTo>
+                  <a:pt x="3231518" y="22554"/>
+                </a:lnTo>
+                <a:lnTo>
+                  <a:pt x="3252551" y="19730800"/>
+                </a:lnTo>
+                <a:lnTo>
+                  <a:pt x="3244497" y="19730800"/>
+                </a:lnTo>
+                <a:lnTo>
+                  <a:pt x="3240653" y="19806918"/>
+                </a:lnTo>
+                <a:cubicBezTo>
+                  <a:pt x="3157461" y="20626092"/>
+                  <a:pt x="2465643" y="21265340"/>
+                  <a:pt x="1624520" y="21265340"/>
+                </a:cubicBezTo>
+                <a:cubicBezTo>
+                  <a:pt x="783397" y="21265340"/>
+                  <a:pt x="91579" y="20626092"/>
+                  <a:pt x="8387" y="19806918"/>
+                </a:cubicBezTo>
+                <a:lnTo>
+                  <a:pt x="4544" y="19730800"/>
+                </a:lnTo>
+                <a:lnTo>
+                  <a:pt x="0" y="19730800"/>
+                </a:lnTo>
+                <a:lnTo>
+                  <a:pt x="0" y="19640820"/>
+                </a:lnTo>
+                <a:lnTo>
+                  <a:pt x="0" y="0"/>
+                </a:lnTo>
+                <a:close/>
+              </a:path>
+            </a:pathLst>
+          </a:custGeom>
+          <a:solidFill>
+            <a:schemeClr val="bg1">
+              <a:lumMod val="75000"/>
+              <a:alpha val="80000"/>
+            </a:schemeClr>
+          </a:solidFill>
+          <a:ln>
+            <a:noFill/>
+          </a:ln>
+        </p:spPr>
+        <p:style>
+          <a:lnRef idx="2">
+            <a:schemeClr val="accent1">
+              <a:shade val="50000"/>
+            </a:schemeClr>
+          </a:lnRef>
+          <a:fillRef idx="1">
+            <a:schemeClr val="accent1"/>
+          </a:fillRef>
+          <a:effectRef idx="0">
+            <a:schemeClr val="accent1"/>
+          </a:effectRef>
+          <a:fontRef idx="minor">
+            <a:schemeClr val="lt1"/>
+          </a:fontRef>
+        </p:style>
+        <p:txBody>
+          <a:bodyPr lIns="68562" tIns="34281" rIns="68562" bIns="34281" rtlCol="0" anchor="ctr"/>
+          <a:lstStyle/>
+          <a:p>
+            <a:pPr algn="ctr"/>
+            <a:endParaRPr lang="zh-CN" altLang="en-US">
+              <a:latin typeface="微软雅黑" panose="020B0503020204020204" pitchFamily="34" charset="-122"/>
+              <a:ea typeface="微软雅黑" panose="020B0503020204020204" pitchFamily="34" charset="-122"/>
+            </a:endParaRPr>
+          </a:p>
+        </p:txBody>
+      </p:sp>
+      <p:sp>
+        <p:nvSpPr>
+          <p:cNvPr id="17" name="矩形 16"/>
+          <p:cNvSpPr/>
+          <p:nvPr/>
+        </p:nvSpPr>
+        <p:spPr bwMode="auto">
+          <a:xfrm>
+            <a:off x="189992" y="129272"/>
+            <a:ext cx="143256" cy="479932"/>
+          </a:xfrm>
+          <a:prstGeom prst="rect">
+            <a:avLst/>
+          </a:prstGeom>
+          <a:solidFill>
+            <a:schemeClr val="bg1">
+              <a:lumMod val="75000"/>
+              <a:alpha val="80000"/>
+            </a:schemeClr>
+          </a:solidFill>
+          <a:ln>
+            <a:noFill/>
+          </a:ln>
+          <a:extLst/>
+        </p:spPr>
+        <p:style>
+          <a:lnRef idx="2">
+            <a:schemeClr val="accent1">
+              <a:shade val="50000"/>
+            </a:schemeClr>
+          </a:lnRef>
+          <a:fillRef idx="1">
+            <a:schemeClr val="accent1"/>
+          </a:fillRef>
+          <a:effectRef idx="0">
+            <a:schemeClr val="accent1"/>
+          </a:effectRef>
+          <a:fontRef idx="minor">
+            <a:schemeClr val="lt1"/>
+          </a:fontRef>
+        </p:style>
+        <p:txBody>
+          <a:bodyPr lIns="68562" tIns="34281" rIns="68562" bIns="34281" rtlCol="0" anchor="ctr"/>
+          <a:lstStyle/>
+          <a:p>
+            <a:pPr algn="ctr"/>
+            <a:endParaRPr lang="zh-CN" altLang="en-US">
+              <a:solidFill>
+                <a:schemeClr val="lt1"/>
+              </a:solidFill>
+              <a:latin typeface="微软雅黑" panose="020B0503020204020204" pitchFamily="34" charset="-122"/>
+              <a:ea typeface="微软雅黑" panose="020B0503020204020204" pitchFamily="34" charset="-122"/>
+            </a:endParaRPr>
+          </a:p>
+        </p:txBody>
+      </p:sp>
+      <p:sp>
+        <p:nvSpPr>
+          <p:cNvPr id="18" name="文本框 28"/>
+          <p:cNvSpPr>
+            <a:spLocks noChangeArrowheads="1"/>
+          </p:cNvSpPr>
+          <p:nvPr/>
+        </p:nvSpPr>
+        <p:spPr bwMode="auto">
+          <a:xfrm>
+            <a:off x="497968" y="165848"/>
+            <a:ext cx="2847975" cy="406778"/>
+          </a:xfrm>
+          <a:prstGeom prst="rect">
+            <a:avLst/>
+          </a:prstGeom>
+          <a:noFill/>
+          <a:ln>
+            <a:noFill/>
+          </a:ln>
+          <a:extLst>
+            <a:ext uri="{909E8E84-426E-40DD-AFC4-6F175D3DCCD1}">
+              <a14:hiddenFill xmlns:a14="http://schemas.microsoft.com/office/drawing/2010/main">
+                <a:solidFill>
+                  <a:srgbClr val="FFFFFF"/>
+                </a:solidFill>
+              </a14:hiddenFill>
+            </a:ext>
+            <a:ext uri="{91240B29-F687-4F45-9708-019B960494DF}">
+              <a14:hiddenLine xmlns:a14="http://schemas.microsoft.com/office/drawing/2010/main" w="9525">
+                <a:solidFill>
+                  <a:srgbClr val="000000"/>
+                </a:solidFill>
+                <a:miter lim="800000"/>
+                <a:headEnd/>
+                <a:tailEnd/>
+              </a14:hiddenLine>
+            </a:ext>
+          </a:extLst>
+        </p:spPr>
+        <p:txBody>
+          <a:bodyPr lIns="68580" tIns="34290" rIns="68580" bIns="34290">
+            <a:spAutoFit/>
+          </a:bodyPr>
+          <a:lstStyle/>
+          <a:p>
+            <a:pPr>
+              <a:lnSpc>
+                <a:spcPct val="120000"/>
+              </a:lnSpc>
+            </a:pPr>
+            <a:r>
+              <a:rPr lang="zh-CN" altLang="en-US" sz="2000" dirty="0">
+                <a:solidFill>
+                  <a:srgbClr val="006AB6"/>
+                </a:solidFill>
+                <a:latin typeface="Arial" panose="020B0604020202020204" pitchFamily="34" charset="0"/>
+                <a:ea typeface="微软雅黑" panose="020B0503020204020204" pitchFamily="34" charset="-122"/>
+                <a:sym typeface="Arial" panose="020B0604020202020204" pitchFamily="34" charset="0"/>
+              </a:rPr>
+              <a:t>一睹为快</a:t>
+            </a:r>
+            <a:endParaRPr lang="en-US" altLang="zh-CN" sz="2000" dirty="0">
+              <a:solidFill>
+                <a:srgbClr val="006AB6"/>
+              </a:solidFill>
+              <a:latin typeface="Arial" panose="020B0604020202020204" pitchFamily="34" charset="0"/>
+              <a:ea typeface="微软雅黑" panose="020B0503020204020204" pitchFamily="34" charset="-122"/>
+              <a:sym typeface="Arial" panose="020B0604020202020204" pitchFamily="34" charset="0"/>
+            </a:endParaRPr>
+          </a:p>
+        </p:txBody>
+      </p:sp>
+      <p:pic>
+        <p:nvPicPr>
+          <p:cNvPr id="7" name="图片 6">
+            <a:extLst>
+              <a:ext uri="{FF2B5EF4-FFF2-40B4-BE49-F238E27FC236}">
+                <a16:creationId xmlns:a16="http://schemas.microsoft.com/office/drawing/2014/main" id="{2765B940-D73F-4B0A-8B39-C6235204FB33}"/>
+              </a:ext>
+            </a:extLst>
+          </p:cNvPr>
+          <p:cNvPicPr>
+            <a:picLocks noChangeAspect="1"/>
+          </p:cNvPicPr>
+          <p:nvPr/>
+        </p:nvPicPr>
+        <p:blipFill>
+          <a:blip r:embed="rId3">
+            <a:extLst>
+              <a:ext uri="{28A0092B-C50C-407E-A947-70E740481C1C}">
+                <a14:useLocalDpi xmlns:a14="http://schemas.microsoft.com/office/drawing/2010/main" val="0"/>
+              </a:ext>
+            </a:extLst>
+          </a:blip>
+          <a:stretch>
+            <a:fillRect/>
+          </a:stretch>
+        </p:blipFill>
+        <p:spPr>
+          <a:xfrm>
+            <a:off x="3981103" y="808013"/>
+            <a:ext cx="4896544" cy="4896544"/>
+          </a:xfrm>
+          <a:prstGeom prst="rect">
+            <a:avLst/>
+          </a:prstGeom>
+        </p:spPr>
+      </p:pic>
+      <p:sp>
+        <p:nvSpPr>
+          <p:cNvPr id="10" name="文本框 9">
+            <a:extLst>
+              <a:ext uri="{FF2B5EF4-FFF2-40B4-BE49-F238E27FC236}">
+                <a16:creationId xmlns:a16="http://schemas.microsoft.com/office/drawing/2014/main" id="{81B445C7-5D62-40BE-869D-9178A6BF0EB3}"/>
+              </a:ext>
+            </a:extLst>
+          </p:cNvPr>
+          <p:cNvSpPr txBox="1"/>
+          <p:nvPr/>
+        </p:nvSpPr>
+        <p:spPr>
+          <a:xfrm>
+            <a:off x="5061223" y="6055305"/>
+            <a:ext cx="2926827" cy="369332"/>
+          </a:xfrm>
+          <a:prstGeom prst="rect">
+            <a:avLst/>
+          </a:prstGeom>
+          <a:noFill/>
+        </p:spPr>
+        <p:txBody>
+          <a:bodyPr wrap="none" rtlCol="0">
+            <a:spAutoFit/>
+          </a:bodyPr>
+          <a:lstStyle/>
+          <a:p>
+            <a:r>
+              <a:rPr lang="en-US" altLang="zh-CN" dirty="0">
+                <a:solidFill>
+                  <a:schemeClr val="bg1">
+                    <a:lumMod val="50000"/>
+                  </a:schemeClr>
+                </a:solidFill>
+              </a:rPr>
+              <a:t>http://104.131.158.122:2017</a:t>
+            </a:r>
+            <a:endParaRPr lang="zh-CN" altLang="en-US" dirty="0">
+              <a:solidFill>
+                <a:schemeClr val="bg1">
+                  <a:lumMod val="50000"/>
+                </a:schemeClr>
+              </a:solidFill>
+            </a:endParaRPr>
+          </a:p>
+        </p:txBody>
+      </p:sp>
+    </p:spTree>
+    <p:extLst>
+      <p:ext uri="{BB962C8B-B14F-4D97-AF65-F5344CB8AC3E}">
+        <p14:creationId xmlns:p14="http://schemas.microsoft.com/office/powerpoint/2010/main" val="1802185111"/>
+      </p:ext>
+    </p:extLst>
+  </p:cSld>
+  <p:clrMapOvr>
+    <a:masterClrMapping/>
+  </p:clrMapOvr>
+  <mc:AlternateContent xmlns:mc="http://schemas.openxmlformats.org/markup-compatibility/2006" xmlns:p14="http://schemas.microsoft.com/office/powerpoint/2010/main">
+    <mc:Choice Requires="p14">
+      <p:transition spd="slow" p14:dur="1200">
+        <p14:prism/>
+      </p:transition>
+    </mc:Choice>
+    <mc:Fallback xmlns="">
+      <p:transition spd="slow">
+        <p:fade/>
+      </p:transition>
+    </mc:Fallback>
+  </mc:AlternateContent>
+</p:sld>
+</file>
+
+<file path=ppt/slides/slide13.xml><?xml version="1.0" encoding="utf-8"?>
+<p:sld xmlns:a="http://schemas.openxmlformats.org/drawingml/2006/main" xmlns:r="http://schemas.openxmlformats.org/officeDocument/2006/relationships" xmlns:p="http://schemas.openxmlformats.org/presentationml/2006/main">
+  <p:cSld>
+    <p:spTree>
+      <p:nvGrpSpPr>
+        <p:cNvPr id="1" name=""/>
+        <p:cNvGrpSpPr/>
+        <p:nvPr/>
+      </p:nvGrpSpPr>
+      <p:grpSpPr>
+        <a:xfrm>
+          <a:off x="0" y="0"/>
+          <a:ext cx="0" cy="0"/>
+          <a:chOff x="0" y="0"/>
+          <a:chExt cx="0" cy="0"/>
+        </a:xfrm>
+      </p:grpSpPr>
+      <p:sp>
+        <p:nvSpPr>
           <p:cNvPr id="5" name="Rectangle 4"/>
           <p:cNvSpPr/>
           <p:nvPr/>
@@ -4768,7 +9608,7 @@
               </a:lnSpc>
             </a:pPr>
             <a:r>
-              <a:rPr lang="en-GB" sz="2800" dirty="0" err="1" smtClean="0">
+              <a:rPr lang="en-GB" sz="2800" dirty="0" err="1">
                 <a:solidFill>
                   <a:schemeClr val="bg1"/>
                 </a:solidFill>
@@ -4819,7 +9659,7 @@
               </a:lnSpc>
             </a:pPr>
             <a:r>
-              <a:rPr lang="en-GB" sz="2800" dirty="0" err="1" smtClean="0">
+              <a:rPr lang="en-GB" sz="2800" dirty="0" err="1">
                 <a:solidFill>
                   <a:schemeClr val="bg1"/>
                 </a:solidFill>
@@ -4870,7 +9710,7 @@
               </a:lnSpc>
             </a:pPr>
             <a:r>
-              <a:rPr lang="en-GB" sz="2800" dirty="0" err="1" smtClean="0">
+              <a:rPr lang="en-GB" sz="2800" dirty="0" err="1">
                 <a:solidFill>
                   <a:schemeClr val="bg1"/>
                 </a:solidFill>
@@ -4979,7 +9819,7 @@
               </a:lnSpc>
             </a:pPr>
             <a:r>
-              <a:rPr lang="en-GB" sz="2800" dirty="0" err="1" smtClean="0">
+              <a:rPr lang="en-GB" sz="2800" dirty="0" err="1">
                 <a:solidFill>
                   <a:schemeClr val="bg1">
                     <a:lumMod val="65000"/>
@@ -5033,7 +9873,7 @@
               </a:lnSpc>
             </a:pPr>
             <a:r>
-              <a:rPr lang="zh-CN" altLang="en-US" sz="800" dirty="0" smtClean="0">
+              <a:rPr lang="zh-CN" altLang="en-US" sz="800" dirty="0">
                 <a:solidFill>
                   <a:schemeClr val="bg1">
                     <a:lumMod val="65000"/>
@@ -5439,18 +10279,7 @@
                 <a:ea typeface="微软雅黑" panose="020B0503020204020204" pitchFamily="34" charset="-122"/>
                 <a:sym typeface="Arial" panose="020B0604020202020204" pitchFamily="34" charset="0"/>
               </a:rPr>
-              <a:t>主要</a:t>
-            </a:r>
-            <a:r>
-              <a:rPr lang="zh-CN" altLang="en-US" sz="2000" dirty="0" smtClean="0">
-                <a:solidFill>
-                  <a:srgbClr val="006AB6"/>
-                </a:solidFill>
-                <a:latin typeface="Arial" panose="020B0604020202020204" pitchFamily="34" charset="0"/>
-                <a:ea typeface="微软雅黑" panose="020B0503020204020204" pitchFamily="34" charset="-122"/>
-                <a:sym typeface="Arial" panose="020B0604020202020204" pitchFamily="34" charset="0"/>
-              </a:rPr>
-              <a:t>组件介绍</a:t>
+              <a:t>主要组件介绍</a:t>
             </a:r>
             <a:endParaRPr lang="en-US" altLang="zh-CN" sz="2000" dirty="0">
               <a:solidFill>
@@ -5488,13 +10317,8 @@
             <a:pPr algn="ctr"/>
             <a:r>
               <a:rPr lang="zh-CN" altLang="en-US" dirty="0"/>
-              <a:t>主</a:t>
+              <a:t>主界面及父组件</a:t>
             </a:r>
-            <a:r>
-              <a:rPr lang="zh-CN" altLang="en-US" dirty="0" smtClean="0"/>
-              <a:t>界面及父组件</a:t>
-            </a:r>
-            <a:endParaRPr lang="zh-CN" altLang="en-US" dirty="0"/>
           </a:p>
         </p:txBody>
       </p:sp>
@@ -5521,18 +10345,13 @@
           <a:lstStyle/>
           <a:p>
             <a:r>
-              <a:rPr lang="zh-CN" altLang="en-US" dirty="0" smtClean="0">
+              <a:rPr lang="zh-CN" altLang="en-US" dirty="0">
                 <a:solidFill>
                   <a:schemeClr val="bg1"/>
                 </a:solidFill>
               </a:rPr>
               <a:t>实现搜索框及其功能的组件</a:t>
             </a:r>
-            <a:endParaRPr lang="zh-CN" altLang="en-US" dirty="0">
-              <a:solidFill>
-                <a:schemeClr val="bg1"/>
-              </a:solidFill>
-            </a:endParaRPr>
           </a:p>
         </p:txBody>
       </p:sp>
@@ -5559,18 +10378,13 @@
           <a:lstStyle/>
           <a:p>
             <a:r>
-              <a:rPr lang="zh-CN" altLang="en-US" dirty="0" smtClean="0">
+              <a:rPr lang="zh-CN" altLang="en-US" dirty="0">
                 <a:solidFill>
                   <a:schemeClr val="bg1"/>
                 </a:solidFill>
               </a:rPr>
               <a:t>实现商品框及其功能的组件</a:t>
             </a:r>
-            <a:endParaRPr lang="zh-CN" altLang="en-US" dirty="0">
-              <a:solidFill>
-                <a:schemeClr val="bg1"/>
-              </a:solidFill>
-            </a:endParaRPr>
           </a:p>
         </p:txBody>
       </p:sp>
@@ -5597,18 +10411,13 @@
           <a:lstStyle/>
           <a:p>
             <a:r>
-              <a:rPr lang="zh-CN" altLang="en-US" dirty="0" smtClean="0">
+              <a:rPr lang="zh-CN" altLang="en-US" dirty="0">
                 <a:solidFill>
                   <a:schemeClr val="bg1"/>
                 </a:solidFill>
               </a:rPr>
               <a:t>实现商品详细信息及其功能的组件</a:t>
             </a:r>
-            <a:endParaRPr lang="zh-CN" altLang="en-US" dirty="0">
-              <a:solidFill>
-                <a:schemeClr val="bg1"/>
-              </a:solidFill>
-            </a:endParaRPr>
           </a:p>
         </p:txBody>
       </p:sp>
@@ -5622,13 +10431,13 @@
   <p:clrMapOvr>
     <a:masterClrMapping/>
   </p:clrMapOvr>
-  <mc:AlternateContent xmlns:mc="http://schemas.openxmlformats.org/markup-compatibility/2006">
-    <mc:Choice xmlns:p14="http://schemas.microsoft.com/office/powerpoint/2010/main" Requires="p14">
+  <mc:AlternateContent xmlns:mc="http://schemas.openxmlformats.org/markup-compatibility/2006" xmlns:p14="http://schemas.microsoft.com/office/powerpoint/2010/main">
+    <mc:Choice Requires="p14">
       <p:transition spd="slow" p14:dur="1200">
         <p14:prism/>
       </p:transition>
     </mc:Choice>
-    <mc:Fallback>
+    <mc:Fallback xmlns="">
       <p:transition spd="slow">
         <p:fade/>
       </p:transition>
@@ -6306,7 +11115,7 @@
 </p:sld>
 </file>
 
-<file path=ppt/slides/slide11.xml><?xml version="1.0" encoding="utf-8"?>
+<file path=ppt/slides/slide14.xml><?xml version="1.0" encoding="utf-8"?>
 <p:sld xmlns:a="http://schemas.openxmlformats.org/drawingml/2006/main" xmlns:r="http://schemas.openxmlformats.org/officeDocument/2006/relationships" xmlns:p="http://schemas.openxmlformats.org/presentationml/2006/main">
   <p:cSld>
     <p:spTree>
@@ -6357,7 +11166,7 @@
               <a:t> </a:t>
             </a:r>
             <a:r>
-              <a:rPr lang="zh-CN" altLang="en-US" sz="2800" b="1" dirty="0" smtClean="0">
+              <a:rPr lang="zh-CN" altLang="en-US" sz="2800" b="1" dirty="0">
                 <a:solidFill>
                   <a:srgbClr val="006AB6"/>
                 </a:solidFill>
@@ -6377,7 +11186,7 @@
           <a:p>
             <a:pPr marL="0" lvl="1" algn="ctr"/>
             <a:r>
-              <a:rPr lang="zh-CN" altLang="en-US" sz="5062" dirty="0" smtClean="0">
+              <a:rPr lang="zh-CN" altLang="en-US" sz="5062" dirty="0">
                 <a:solidFill>
                   <a:srgbClr val="F0D04E"/>
                 </a:solidFill>
@@ -6387,7 +11196,7 @@
               <a:t>   </a:t>
             </a:r>
             <a:r>
-              <a:rPr lang="zh-CN" altLang="en-US" sz="3200" dirty="0" smtClean="0">
+              <a:rPr lang="zh-CN" altLang="en-US" sz="3200" dirty="0">
                 <a:solidFill>
                   <a:srgbClr val="535353"/>
                 </a:solidFill>
@@ -6476,21 +11285,7 @@
                 <a:ea typeface="+mj-ea"/>
                 <a:cs typeface="Arial" panose="020B0604020202020204" pitchFamily="34" charset="0"/>
               </a:rPr>
-              <a:t>PART </a:t>
-            </a:r>
-            <a:r>
-              <a:rPr lang="en-US" altLang="zh-CN" sz="2250" dirty="0" smtClean="0">
-                <a:solidFill>
-                  <a:schemeClr val="tx1">
-                    <a:lumMod val="65000"/>
-                    <a:lumOff val="35000"/>
-                  </a:schemeClr>
-                </a:solidFill>
-                <a:latin typeface="Arial" panose="020B0604020202020204" pitchFamily="34" charset="0"/>
-                <a:ea typeface="+mj-ea"/>
-                <a:cs typeface="Arial" panose="020B0604020202020204" pitchFamily="34" charset="0"/>
-              </a:rPr>
-              <a:t>03</a:t>
+              <a:t>PART 03</a:t>
             </a:r>
             <a:endParaRPr lang="zh-CN" altLang="en-US" sz="2250" dirty="0">
               <a:solidFill>
@@ -6687,7 +11482,7 @@
           <a:lstStyle/>
           <a:p>
             <a:r>
-              <a:rPr lang="en-US" altLang="zh-CN" sz="7031" b="1" dirty="0" smtClean="0">
+              <a:rPr lang="en-US" altLang="zh-CN" sz="7031" b="1" dirty="0">
                 <a:solidFill>
                   <a:srgbClr val="006AB6"/>
                 </a:solidFill>
@@ -6718,13 +11513,13 @@
   <p:clrMapOvr>
     <a:masterClrMapping/>
   </p:clrMapOvr>
-  <mc:AlternateContent xmlns:mc="http://schemas.openxmlformats.org/markup-compatibility/2006">
-    <mc:Choice xmlns:p14="http://schemas.microsoft.com/office/powerpoint/2010/main" Requires="p14">
+  <mc:AlternateContent xmlns:mc="http://schemas.openxmlformats.org/markup-compatibility/2006" xmlns:p14="http://schemas.microsoft.com/office/powerpoint/2010/main">
+    <mc:Choice Requires="p14">
       <p:transition spd="slow" p14:dur="1200">
         <p14:prism/>
       </p:transition>
     </mc:Choice>
-    <mc:Fallback>
+    <mc:Fallback xmlns="">
       <p:transition spd="slow">
         <p:fade/>
       </p:transition>
@@ -7115,7 +11910,7 @@
 </p:sld>
 </file>
 
-<file path=ppt/slides/slide12.xml><?xml version="1.0" encoding="utf-8"?>
+<file path=ppt/slides/slide15.xml><?xml version="1.0" encoding="utf-8"?>
 <p:sld xmlns:a="http://schemas.openxmlformats.org/drawingml/2006/main" xmlns:r="http://schemas.openxmlformats.org/officeDocument/2006/relationships" xmlns:p="http://schemas.openxmlformats.org/presentationml/2006/main">
   <p:cSld>
     <p:spTree>
@@ -8124,23 +12919,8 @@
                 <a:cs typeface="+mn-ea"/>
                 <a:sym typeface="Arial" panose="020B0604020202020204" pitchFamily="34" charset="0"/>
               </a:rPr>
-              <a:t>b</a:t>
+              <a:t>book.name</a:t>
             </a:r>
-            <a:r>
-              <a:rPr lang="en-AU" sz="1200" dirty="0" smtClean="0">
-                <a:latin typeface="微软雅黑" panose="020B0503020204020204" pitchFamily="34" charset="-122"/>
-                <a:ea typeface="微软雅黑" panose="020B0503020204020204" pitchFamily="34" charset="-122"/>
-                <a:cs typeface="+mn-ea"/>
-                <a:sym typeface="Arial" panose="020B0604020202020204" pitchFamily="34" charset="0"/>
-              </a:rPr>
-              <a:t>ook.name</a:t>
-            </a:r>
-            <a:endParaRPr lang="en-AU" sz="1200" dirty="0">
-              <a:latin typeface="微软雅黑" panose="020B0503020204020204" pitchFamily="34" charset="-122"/>
-              <a:ea typeface="微软雅黑" panose="020B0503020204020204" pitchFamily="34" charset="-122"/>
-              <a:cs typeface="+mn-ea"/>
-              <a:sym typeface="Arial" panose="020B0604020202020204" pitchFamily="34" charset="0"/>
-            </a:endParaRPr>
           </a:p>
         </p:txBody>
       </p:sp>
@@ -8179,7 +12959,7 @@
               <a:buNone/>
             </a:pPr>
             <a:r>
-              <a:rPr lang="en-US" altLang="zh-CN" sz="1200" dirty="0" err="1" smtClean="0">
+              <a:rPr lang="en-US" altLang="zh-CN" sz="1200" dirty="0" err="1">
                 <a:latin typeface="微软雅黑" panose="020B0503020204020204" pitchFamily="34" charset="-122"/>
                 <a:ea typeface="微软雅黑" panose="020B0503020204020204" pitchFamily="34" charset="-122"/>
                 <a:cs typeface="+mn-ea"/>
@@ -8231,7 +13011,7 @@
               <a:buNone/>
             </a:pPr>
             <a:r>
-              <a:rPr lang="en-US" altLang="zh-CN" sz="1200" dirty="0" err="1" smtClean="0">
+              <a:rPr lang="en-US" altLang="zh-CN" sz="1200" dirty="0" err="1">
                 <a:latin typeface="微软雅黑" panose="020B0503020204020204" pitchFamily="34" charset="-122"/>
                 <a:ea typeface="微软雅黑" panose="020B0503020204020204" pitchFamily="34" charset="-122"/>
                 <a:cs typeface="+mn-ea"/>
@@ -8283,7 +13063,7 @@
               <a:buNone/>
             </a:pPr>
             <a:r>
-              <a:rPr lang="en-US" altLang="zh-CN" sz="1200" dirty="0" smtClean="0">
+              <a:rPr lang="en-US" altLang="zh-CN" sz="1200" dirty="0">
                 <a:latin typeface="微软雅黑" panose="020B0503020204020204" pitchFamily="34" charset="-122"/>
                 <a:ea typeface="微软雅黑" panose="020B0503020204020204" pitchFamily="34" charset="-122"/>
                 <a:cs typeface="+mn-ea"/>
@@ -8335,7 +13115,7 @@
               <a:buNone/>
             </a:pPr>
             <a:r>
-              <a:rPr lang="en-US" altLang="zh-CN" sz="1200" dirty="0" err="1" smtClean="0">
+              <a:rPr lang="en-US" altLang="zh-CN" sz="1200" dirty="0" err="1">
                 <a:latin typeface="微软雅黑" panose="020B0503020204020204" pitchFamily="34" charset="-122"/>
                 <a:ea typeface="微软雅黑" panose="020B0503020204020204" pitchFamily="34" charset="-122"/>
                 <a:cs typeface="+mn-ea"/>
@@ -8723,7 +13503,7 @@
               </a:lnSpc>
             </a:pPr>
             <a:r>
-              <a:rPr lang="zh-CN" altLang="en-US" sz="2000" dirty="0" smtClean="0">
+              <a:rPr lang="zh-CN" altLang="en-US" sz="2000" dirty="0">
                 <a:solidFill>
                   <a:srgbClr val="006AB6"/>
                 </a:solidFill>
@@ -8734,7 +13514,7 @@
               <a:t>后端</a:t>
             </a:r>
             <a:r>
-              <a:rPr lang="en-US" altLang="zh-CN" sz="2000" dirty="0" smtClean="0">
+              <a:rPr lang="en-US" altLang="zh-CN" sz="2000" dirty="0">
                 <a:solidFill>
                   <a:srgbClr val="006AB6"/>
                 </a:solidFill>
@@ -8745,7 +13525,7 @@
               <a:t>JSON</a:t>
             </a:r>
             <a:r>
-              <a:rPr lang="zh-CN" altLang="en-US" sz="2000" dirty="0" smtClean="0">
+              <a:rPr lang="zh-CN" altLang="en-US" sz="2000" dirty="0">
                 <a:solidFill>
                   <a:srgbClr val="006AB6"/>
                 </a:solidFill>
@@ -8789,18 +13569,17 @@
           <a:lstStyle/>
           <a:p>
             <a:r>
-              <a:rPr lang="zh-CN" altLang="en-US" dirty="0" smtClean="0"/>
+              <a:rPr lang="zh-CN" altLang="en-US" dirty="0"/>
               <a:t>由于技术有限，书本信息并非直接在网上获取，而是自建</a:t>
             </a:r>
             <a:r>
-              <a:rPr lang="en-US" altLang="zh-CN" dirty="0" err="1" smtClean="0"/>
+              <a:rPr lang="en-US" altLang="zh-CN" dirty="0" err="1"/>
               <a:t>data.json</a:t>
             </a:r>
             <a:r>
-              <a:rPr lang="zh-CN" altLang="en-US" dirty="0" smtClean="0"/>
+              <a:rPr lang="zh-CN" altLang="en-US" dirty="0"/>
               <a:t>文件作为数据使用</a:t>
             </a:r>
-            <a:endParaRPr lang="zh-CN" altLang="en-US" dirty="0"/>
           </a:p>
         </p:txBody>
       </p:sp>
@@ -8814,13 +13593,13 @@
   <p:clrMapOvr>
     <a:masterClrMapping/>
   </p:clrMapOvr>
-  <mc:AlternateContent xmlns:mc="http://schemas.openxmlformats.org/markup-compatibility/2006">
-    <mc:Choice xmlns:p14="http://schemas.microsoft.com/office/powerpoint/2010/main" Requires="p14">
+  <mc:AlternateContent xmlns:mc="http://schemas.openxmlformats.org/markup-compatibility/2006" xmlns:p14="http://schemas.microsoft.com/office/powerpoint/2010/main">
+    <mc:Choice Requires="p14">
       <p:transition spd="slow" p14:dur="1200">
         <p14:prism/>
       </p:transition>
     </mc:Choice>
-    <mc:Fallback>
+    <mc:Fallback xmlns="">
       <p:transition spd="slow">
         <p:fade/>
       </p:transition>
@@ -9548,7 +14327,7 @@
 </p:sld>
 </file>
 
-<file path=ppt/slides/slide13.xml><?xml version="1.0" encoding="utf-8"?>
+<file path=ppt/slides/slide16.xml><?xml version="1.0" encoding="utf-8"?>
 <p:sld xmlns:a="http://schemas.openxmlformats.org/drawingml/2006/main" xmlns:r="http://schemas.openxmlformats.org/officeDocument/2006/relationships" xmlns:p="http://schemas.openxmlformats.org/presentationml/2006/main">
   <p:cSld>
     <p:spTree>
@@ -9573,7 +14352,7 @@
         </p:nvCxnSpPr>
         <p:spPr>
           <a:xfrm>
-            <a:off x="4330852" y="5609131"/>
+            <a:off x="4272673" y="5836116"/>
             <a:ext cx="1803014" cy="0"/>
           </a:xfrm>
           <a:prstGeom prst="line">
@@ -10054,7 +14833,7 @@
                 </a:lnSpc>
               </a:pPr>
               <a:r>
-                <a:rPr lang="nb-NO" altLang="id-ID" sz="2779" dirty="0" smtClean="0">
+                <a:rPr lang="nb-NO" altLang="id-ID" sz="2779" dirty="0">
                   <a:solidFill>
                     <a:schemeClr val="bg1"/>
                   </a:solidFill>
@@ -10065,15 +14844,6 @@
                 </a:rPr>
                 <a:t>Description</a:t>
               </a:r>
-              <a:endParaRPr lang="nb-NO" altLang="id-ID" sz="2779" dirty="0">
-                <a:solidFill>
-                  <a:schemeClr val="bg1"/>
-                </a:solidFill>
-                <a:latin typeface="Arial" panose="020B0604020202020204" pitchFamily="34" charset="0"/>
-                <a:ea typeface="微软雅黑" panose="020B0503020204020204" pitchFamily="34" charset="-122"/>
-                <a:cs typeface="+mn-ea"/>
-                <a:sym typeface="Arial" panose="020B0604020202020204" pitchFamily="34" charset="0"/>
-              </a:endParaRPr>
             </a:p>
           </p:txBody>
         </p:sp>
@@ -10407,7 +15177,7 @@
                 </a:lnSpc>
               </a:pPr>
               <a:r>
-                <a:rPr lang="nb-NO" altLang="id-ID" sz="2779" dirty="0" smtClean="0">
+                <a:rPr lang="nb-NO" altLang="id-ID" sz="2779" dirty="0">
                   <a:solidFill>
                     <a:schemeClr val="bg1"/>
                   </a:solidFill>
@@ -10418,15 +15188,6 @@
                 </a:rPr>
                 <a:t>Good</a:t>
               </a:r>
-              <a:endParaRPr lang="nb-NO" altLang="id-ID" sz="2779" dirty="0">
-                <a:solidFill>
-                  <a:schemeClr val="bg1"/>
-                </a:solidFill>
-                <a:latin typeface="Arial" panose="020B0604020202020204" pitchFamily="34" charset="0"/>
-                <a:ea typeface="微软雅黑" panose="020B0503020204020204" pitchFamily="34" charset="-122"/>
-                <a:cs typeface="+mn-ea"/>
-                <a:sym typeface="Arial" panose="020B0604020202020204" pitchFamily="34" charset="0"/>
-              </a:endParaRPr>
             </a:p>
           </p:txBody>
         </p:sp>
@@ -10760,7 +15521,7 @@
                 </a:lnSpc>
               </a:pPr>
               <a:r>
-                <a:rPr lang="nb-NO" altLang="id-ID" sz="2779" dirty="0" smtClean="0">
+                <a:rPr lang="nb-NO" altLang="id-ID" sz="2779" dirty="0">
                   <a:solidFill>
                     <a:schemeClr val="bg1"/>
                   </a:solidFill>
@@ -10771,15 +15532,6 @@
                 </a:rPr>
                 <a:t>Search</a:t>
               </a:r>
-              <a:endParaRPr lang="nb-NO" altLang="id-ID" sz="2779" dirty="0">
-                <a:solidFill>
-                  <a:schemeClr val="bg1"/>
-                </a:solidFill>
-                <a:latin typeface="Arial" panose="020B0604020202020204" pitchFamily="34" charset="0"/>
-                <a:ea typeface="微软雅黑" panose="020B0503020204020204" pitchFamily="34" charset="-122"/>
-                <a:cs typeface="+mn-ea"/>
-                <a:sym typeface="Arial" panose="020B0604020202020204" pitchFamily="34" charset="0"/>
-              </a:endParaRPr>
             </a:p>
           </p:txBody>
         </p:sp>
@@ -11113,7 +15865,7 @@
                 </a:lnSpc>
               </a:pPr>
               <a:r>
-                <a:rPr lang="nb-NO" altLang="id-ID" sz="2779" dirty="0" smtClean="0">
+                <a:rPr lang="nb-NO" altLang="id-ID" sz="2779" dirty="0">
                   <a:solidFill>
                     <a:schemeClr val="bg1"/>
                   </a:solidFill>
@@ -11124,15 +15876,6 @@
                 </a:rPr>
                 <a:t>App</a:t>
               </a:r>
-              <a:endParaRPr lang="nb-NO" altLang="id-ID" sz="2779" dirty="0">
-                <a:solidFill>
-                  <a:schemeClr val="bg1"/>
-                </a:solidFill>
-                <a:latin typeface="Arial" panose="020B0604020202020204" pitchFamily="34" charset="0"/>
-                <a:ea typeface="微软雅黑" panose="020B0503020204020204" pitchFamily="34" charset="-122"/>
-                <a:cs typeface="+mn-ea"/>
-                <a:sym typeface="Arial" panose="020B0604020202020204" pitchFamily="34" charset="0"/>
-              </a:endParaRPr>
             </a:p>
           </p:txBody>
         </p:sp>
@@ -11279,7 +16022,7 @@
         </p:nvGrpSpPr>
         <p:grpSpPr>
           <a:xfrm>
-            <a:off x="6011312" y="5140073"/>
+            <a:off x="5953133" y="5367058"/>
             <a:ext cx="901508" cy="901509"/>
             <a:chOff x="5385173" y="1917525"/>
             <a:chExt cx="1440000" cy="1440000"/>
@@ -12875,7 +17618,7 @@
         </p:nvGrpSpPr>
         <p:grpSpPr>
           <a:xfrm>
-            <a:off x="6242044" y="5422632"/>
+            <a:off x="6183865" y="5649617"/>
             <a:ext cx="433091" cy="331012"/>
             <a:chOff x="5516563" y="84138"/>
             <a:chExt cx="1414463" cy="1081087"/>
@@ -15073,8 +19816,8 @@
         </p:nvSpPr>
         <p:spPr>
           <a:xfrm>
-            <a:off x="5193811" y="4829826"/>
-            <a:ext cx="2038497" cy="738664"/>
+            <a:off x="6857184" y="5218946"/>
+            <a:ext cx="2561556" cy="369332"/>
           </a:xfrm>
           <a:prstGeom prst="rect">
             <a:avLst/>
@@ -15093,7 +19836,7 @@
               </a:lnSpc>
             </a:pPr>
             <a:r>
-              <a:rPr lang="en-US" altLang="zh-CN" sz="2000" dirty="0" smtClean="0">
+              <a:rPr lang="en-US" altLang="zh-CN" sz="2000" dirty="0">
                 <a:solidFill>
                   <a:schemeClr val="accent4"/>
                 </a:solidFill>
@@ -15105,7 +19848,7 @@
               <a:t>Description</a:t>
             </a:r>
             <a:r>
-              <a:rPr lang="zh-CN" altLang="en-US" sz="2000" dirty="0" smtClean="0">
+              <a:rPr lang="zh-CN" altLang="en-US" sz="2000" dirty="0">
                 <a:solidFill>
                   <a:schemeClr val="accent4"/>
                 </a:solidFill>
@@ -15136,8 +19879,8 @@
         </p:nvSpPr>
         <p:spPr>
           <a:xfrm>
-            <a:off x="7568145" y="3386083"/>
-            <a:ext cx="1768355" cy="738664"/>
+            <a:off x="7901336" y="3868540"/>
+            <a:ext cx="2643848" cy="369332"/>
           </a:xfrm>
           <a:prstGeom prst="rect">
             <a:avLst/>
@@ -15156,7 +19899,7 @@
               </a:lnSpc>
             </a:pPr>
             <a:r>
-              <a:rPr lang="en-US" sz="2000" dirty="0" err="1" smtClean="0">
+              <a:rPr lang="en-US" sz="2000" dirty="0" err="1">
                 <a:solidFill>
                   <a:schemeClr val="accent3"/>
                 </a:solidFill>
@@ -15168,7 +19911,7 @@
               <a:t>GoodList</a:t>
             </a:r>
             <a:r>
-              <a:rPr lang="zh-CN" altLang="en-US" sz="2000" dirty="0" smtClean="0">
+              <a:rPr lang="zh-CN" altLang="en-US" sz="2000" dirty="0">
                 <a:solidFill>
                   <a:schemeClr val="accent3"/>
                 </a:solidFill>
@@ -15199,7 +19942,7 @@
         </p:nvSpPr>
         <p:spPr>
           <a:xfrm>
-            <a:off x="5932003" y="2528416"/>
+            <a:off x="6912125" y="2744663"/>
             <a:ext cx="2153556" cy="369332"/>
           </a:xfrm>
           <a:prstGeom prst="rect">
@@ -15219,7 +19962,7 @@
               </a:lnSpc>
             </a:pPr>
             <a:r>
-              <a:rPr lang="en-US" sz="2000" dirty="0" smtClean="0">
+              <a:rPr lang="en-US" sz="2000" dirty="0">
                 <a:solidFill>
                   <a:schemeClr val="accent2"/>
                 </a:solidFill>
@@ -15231,7 +19974,7 @@
               <a:t>Search</a:t>
             </a:r>
             <a:r>
-              <a:rPr lang="zh-CN" altLang="en-US" sz="2000" dirty="0" smtClean="0">
+              <a:rPr lang="zh-CN" altLang="en-US" sz="2000" dirty="0">
                 <a:solidFill>
                   <a:schemeClr val="accent2"/>
                 </a:solidFill>
@@ -15262,7 +20005,7 @@
         </p:nvSpPr>
         <p:spPr>
           <a:xfrm>
-            <a:off x="4809079" y="1419408"/>
+            <a:off x="6029402" y="1521772"/>
             <a:ext cx="1768355" cy="369332"/>
           </a:xfrm>
           <a:prstGeom prst="rect">
@@ -15291,19 +20034,7 @@
                 <a:cs typeface="+mn-ea"/>
                 <a:sym typeface="Arial" panose="020B0604020202020204" pitchFamily="34" charset="0"/>
               </a:rPr>
-              <a:t>父</a:t>
-            </a:r>
-            <a:r>
-              <a:rPr lang="zh-CN" altLang="en-US" sz="2000" dirty="0" smtClean="0">
-                <a:solidFill>
-                  <a:schemeClr val="accent1"/>
-                </a:solidFill>
-                <a:latin typeface="Arial" panose="020B0604020202020204" pitchFamily="34" charset="0"/>
-                <a:ea typeface="微软雅黑" panose="020B0503020204020204" pitchFamily="34" charset="-122"/>
-                <a:cs typeface="+mn-ea"/>
-                <a:sym typeface="Arial" panose="020B0604020202020204" pitchFamily="34" charset="0"/>
-              </a:rPr>
-              <a:t>组件功能</a:t>
+              <a:t>父组件功能</a:t>
             </a:r>
             <a:endParaRPr lang="id-ID" sz="2000" dirty="0">
               <a:solidFill>
@@ -15346,7 +20077,7 @@
               <a:defRPr/>
             </a:pPr>
             <a:r>
-              <a:rPr lang="zh-CN" altLang="en-US" sz="1600" dirty="0" smtClean="0">
+              <a:rPr lang="zh-CN" altLang="en-US" sz="1600" dirty="0">
                 <a:solidFill>
                   <a:schemeClr val="bg1">
                     <a:lumMod val="65000"/>
@@ -15360,7 +20091,7 @@
               <a:t>初始化界面，向</a:t>
             </a:r>
             <a:r>
-              <a:rPr lang="en-US" altLang="zh-CN" sz="1600" dirty="0" err="1" smtClean="0">
+              <a:rPr lang="en-US" altLang="zh-CN" sz="1600" dirty="0" err="1">
                 <a:solidFill>
                   <a:schemeClr val="bg1">
                     <a:lumMod val="65000"/>
@@ -15374,7 +20105,7 @@
               <a:t>GoodList</a:t>
             </a:r>
             <a:r>
-              <a:rPr lang="zh-CN" altLang="en-US" sz="1600" dirty="0" smtClean="0">
+              <a:rPr lang="zh-CN" altLang="en-US" sz="1600" dirty="0">
                 <a:solidFill>
                   <a:schemeClr val="bg1">
                     <a:lumMod val="65000"/>
@@ -15430,7 +20161,7 @@
               <a:defRPr/>
             </a:pPr>
             <a:r>
-              <a:rPr lang="zh-CN" altLang="en-US" sz="1600" dirty="0" smtClean="0">
+              <a:rPr lang="zh-CN" altLang="en-US" sz="1600" dirty="0">
                 <a:solidFill>
                   <a:schemeClr val="bg1">
                     <a:lumMod val="65000"/>
@@ -15444,7 +20175,7 @@
               <a:t>搜索功能，向父组件返回</a:t>
             </a:r>
             <a:r>
-              <a:rPr lang="en-US" altLang="zh-CN" sz="1600" dirty="0" smtClean="0">
+              <a:rPr lang="en-US" altLang="zh-CN" sz="1600" dirty="0">
                 <a:solidFill>
                   <a:schemeClr val="bg1">
                     <a:lumMod val="65000"/>
@@ -15458,7 +20189,7 @@
               <a:t>ID</a:t>
             </a:r>
             <a:r>
-              <a:rPr lang="zh-CN" altLang="en-US" sz="1600" dirty="0" smtClean="0">
+              <a:rPr lang="zh-CN" altLang="en-US" sz="1600" dirty="0">
                 <a:solidFill>
                   <a:schemeClr val="bg1">
                     <a:lumMod val="65000"/>
@@ -15514,7 +20245,7 @@
               <a:defRPr/>
             </a:pPr>
             <a:r>
-              <a:rPr lang="zh-CN" altLang="en-US" sz="1600" dirty="0" smtClean="0">
+              <a:rPr lang="zh-CN" altLang="en-US" sz="1600" dirty="0">
                 <a:solidFill>
                   <a:schemeClr val="bg1">
                     <a:lumMod val="65000"/>
@@ -15542,7 +20273,7 @@
               <a:t>&gt;</a:t>
             </a:r>
             <a:r>
-              <a:rPr lang="zh-CN" altLang="en-US" sz="1600" dirty="0" smtClean="0">
+              <a:rPr lang="zh-CN" altLang="en-US" sz="1600" dirty="0">
                 <a:solidFill>
                   <a:schemeClr val="bg1">
                     <a:lumMod val="65000"/>
@@ -15556,7 +20287,7 @@
               <a:t>销量</a:t>
             </a:r>
             <a:r>
-              <a:rPr lang="en-US" altLang="zh-CN" sz="1600" dirty="0" smtClean="0">
+              <a:rPr lang="en-US" altLang="zh-CN" sz="1600" dirty="0">
                 <a:solidFill>
                   <a:schemeClr val="bg1">
                     <a:lumMod val="65000"/>
@@ -15570,7 +20301,7 @@
               <a:t>&gt;</a:t>
             </a:r>
             <a:r>
-              <a:rPr lang="zh-CN" altLang="en-US" sz="1600" dirty="0" smtClean="0">
+              <a:rPr lang="zh-CN" altLang="en-US" sz="1600" dirty="0">
                 <a:solidFill>
                   <a:schemeClr val="bg1">
                     <a:lumMod val="65000"/>
@@ -15584,7 +20315,7 @@
               <a:t>评分的有限度实现的排序功能，点击事件返回</a:t>
             </a:r>
             <a:r>
-              <a:rPr lang="en-US" altLang="zh-CN" sz="1600" dirty="0" smtClean="0">
+              <a:rPr lang="en-US" altLang="zh-CN" sz="1600" dirty="0">
                 <a:solidFill>
                   <a:schemeClr val="bg1">
                     <a:lumMod val="65000"/>
@@ -15598,7 +20329,7 @@
               <a:t>good</a:t>
             </a:r>
             <a:r>
-              <a:rPr lang="zh-CN" altLang="en-US" sz="1600" dirty="0" smtClean="0">
+              <a:rPr lang="zh-CN" altLang="en-US" sz="1600" dirty="0">
                 <a:solidFill>
                   <a:schemeClr val="bg1">
                     <a:lumMod val="65000"/>
@@ -15633,7 +20364,7 @@
         </p:nvSpPr>
         <p:spPr>
           <a:xfrm>
-            <a:off x="7026648" y="5304303"/>
+            <a:off x="6968469" y="5531288"/>
             <a:ext cx="2707640" cy="590931"/>
           </a:xfrm>
           <a:prstGeom prst="rect">
@@ -15654,7 +20385,7 @@
               <a:defRPr/>
             </a:pPr>
             <a:r>
-              <a:rPr lang="zh-CN" altLang="en-US" sz="1600" dirty="0" smtClean="0">
+              <a:rPr lang="zh-CN" altLang="en-US" sz="1600" dirty="0">
                 <a:solidFill>
                   <a:schemeClr val="bg1">
                     <a:lumMod val="65000"/>
@@ -16052,17 +20783,6 @@
               </a:lnSpc>
             </a:pPr>
             <a:r>
-              <a:rPr lang="zh-CN" altLang="en-US" sz="2000" dirty="0" smtClean="0">
-                <a:solidFill>
-                  <a:srgbClr val="006AB6"/>
-                </a:solidFill>
-                <a:latin typeface="Arial" panose="020B0604020202020204" pitchFamily="34" charset="0"/>
-                <a:ea typeface="微软雅黑" panose="020B0503020204020204" pitchFamily="34" charset="-122"/>
-                <a:sym typeface="Arial" panose="020B0604020202020204" pitchFamily="34" charset="0"/>
-              </a:rPr>
-              <a:t>请替换</a:t>
-            </a:r>
-            <a:r>
               <a:rPr lang="zh-CN" altLang="en-US" sz="2000" dirty="0">
                 <a:solidFill>
                   <a:srgbClr val="006AB6"/>
@@ -16071,7 +20791,7 @@
                 <a:ea typeface="微软雅黑" panose="020B0503020204020204" pitchFamily="34" charset="-122"/>
                 <a:sym typeface="Arial" panose="020B0604020202020204" pitchFamily="34" charset="0"/>
               </a:rPr>
-              <a:t>文字内容</a:t>
+              <a:t>组件功能</a:t>
             </a:r>
             <a:endParaRPr lang="en-US" altLang="zh-CN" sz="2000" dirty="0">
               <a:solidFill>
@@ -17946,7 +22666,7 @@
 </p:sld>
 </file>
 
-<file path=ppt/slides/slide14.xml><?xml version="1.0" encoding="utf-8"?>
+<file path=ppt/slides/slide17.xml><?xml version="1.0" encoding="utf-8"?>
 <p:sld xmlns:a="http://schemas.openxmlformats.org/drawingml/2006/main" xmlns:r="http://schemas.openxmlformats.org/officeDocument/2006/relationships" xmlns:p="http://schemas.openxmlformats.org/presentationml/2006/main">
   <p:cSld>
     <p:spTree>
@@ -18067,7 +22787,7 @@
               </a:lnSpc>
             </a:pPr>
             <a:r>
-              <a:rPr lang="en-US" altLang="zh-CN" dirty="0" err="1" smtClean="0">
+              <a:rPr lang="en-US" altLang="zh-CN" dirty="0" err="1">
                 <a:latin typeface="Arial" panose="020B0604020202020204" pitchFamily="34" charset="0"/>
                 <a:ea typeface="微软雅黑" panose="020B0503020204020204" pitchFamily="34" charset="-122"/>
                 <a:cs typeface="+mn-ea"/>
@@ -18131,7 +22851,7 @@
               </a:lnSpc>
             </a:pPr>
             <a:r>
-              <a:rPr lang="en-US" altLang="zh-CN" sz="2800" dirty="0" err="1" smtClean="0">
+              <a:rPr lang="en-US" altLang="zh-CN" sz="2800" dirty="0" err="1">
                 <a:latin typeface="Arial" panose="020B0604020202020204" pitchFamily="34" charset="0"/>
                 <a:ea typeface="微软雅黑" panose="020B0503020204020204" pitchFamily="34" charset="-122"/>
                 <a:cs typeface="+mn-ea"/>
@@ -18176,7 +22896,7 @@
               </a:lnSpc>
             </a:pPr>
             <a:r>
-              <a:rPr lang="zh-CN" altLang="en-US" sz="1400" dirty="0" smtClean="0">
+              <a:rPr lang="zh-CN" altLang="en-US" sz="1400" dirty="0">
                 <a:solidFill>
                   <a:schemeClr val="bg1"/>
                 </a:solidFill>
@@ -18188,7 +22908,7 @@
               <a:t>获取输入书名，遍历</a:t>
             </a:r>
             <a:r>
-              <a:rPr lang="en-US" altLang="zh-CN" sz="1400" dirty="0" smtClean="0">
+              <a:rPr lang="en-US" altLang="zh-CN" sz="1400" dirty="0">
                 <a:solidFill>
                   <a:schemeClr val="bg1"/>
                 </a:solidFill>
@@ -18200,7 +22920,7 @@
               <a:t>JSON</a:t>
             </a:r>
             <a:r>
-              <a:rPr lang="zh-CN" altLang="en-US" sz="1400" dirty="0" smtClean="0">
+              <a:rPr lang="zh-CN" altLang="en-US" sz="1400" dirty="0">
                 <a:solidFill>
                   <a:schemeClr val="bg1"/>
                 </a:solidFill>
@@ -18212,7 +22932,7 @@
               <a:t>数据文件并将其</a:t>
             </a:r>
             <a:r>
-              <a:rPr lang="en-US" altLang="zh-CN" sz="1400" dirty="0" smtClean="0">
+              <a:rPr lang="en-US" altLang="zh-CN" sz="1400" dirty="0">
                 <a:solidFill>
                   <a:schemeClr val="bg1"/>
                 </a:solidFill>
@@ -18224,7 +22944,7 @@
               <a:t>ID</a:t>
             </a:r>
             <a:r>
-              <a:rPr lang="zh-CN" altLang="en-US" sz="1400" dirty="0" smtClean="0">
+              <a:rPr lang="zh-CN" altLang="en-US" sz="1400" dirty="0">
                 <a:solidFill>
                   <a:schemeClr val="bg1"/>
                 </a:solidFill>
@@ -18351,7 +23071,7 @@
               </a:lnSpc>
             </a:pPr>
             <a:r>
-              <a:rPr lang="en-US" altLang="zh-CN" dirty="0" err="1" smtClean="0">
+              <a:rPr lang="en-US" altLang="zh-CN" dirty="0" err="1">
                 <a:latin typeface="Arial" panose="020B0604020202020204" pitchFamily="34" charset="0"/>
                 <a:ea typeface="微软雅黑" panose="020B0503020204020204" pitchFamily="34" charset="-122"/>
                 <a:cs typeface="+mn-ea"/>
@@ -18396,7 +23116,7 @@
               </a:lnSpc>
             </a:pPr>
             <a:r>
-              <a:rPr lang="zh-CN" altLang="en-US" sz="1400" dirty="0" smtClean="0">
+              <a:rPr lang="zh-CN" altLang="en-US" sz="1400" dirty="0">
                 <a:solidFill>
                   <a:schemeClr val="bg1"/>
                 </a:solidFill>
@@ -18408,7 +23128,7 @@
               <a:t>从父组件获取</a:t>
             </a:r>
             <a:r>
-              <a:rPr lang="en-US" altLang="zh-CN" sz="1400" dirty="0" smtClean="0">
+              <a:rPr lang="en-US" altLang="zh-CN" sz="1400" dirty="0">
                 <a:solidFill>
                   <a:schemeClr val="bg1"/>
                 </a:solidFill>
@@ -18420,7 +23140,7 @@
               <a:t>ID</a:t>
             </a:r>
             <a:r>
-              <a:rPr lang="zh-CN" altLang="en-US" sz="1400" dirty="0" smtClean="0">
+              <a:rPr lang="zh-CN" altLang="en-US" sz="1400" dirty="0">
                 <a:solidFill>
                   <a:schemeClr val="bg1"/>
                 </a:solidFill>
@@ -18432,7 +23152,7 @@
               <a:t>数组，遍历</a:t>
             </a:r>
             <a:r>
-              <a:rPr lang="en-US" altLang="zh-CN" sz="1400" dirty="0" smtClean="0">
+              <a:rPr lang="en-US" altLang="zh-CN" sz="1400" dirty="0">
                 <a:solidFill>
                   <a:schemeClr val="bg1"/>
                 </a:solidFill>
@@ -18444,7 +23164,7 @@
               <a:t>JSON</a:t>
             </a:r>
             <a:r>
-              <a:rPr lang="zh-CN" altLang="en-US" sz="1400" dirty="0" smtClean="0">
+              <a:rPr lang="zh-CN" altLang="en-US" sz="1400" dirty="0">
                 <a:solidFill>
                   <a:schemeClr val="bg1"/>
                 </a:solidFill>
@@ -18571,22 +23291,13 @@
               </a:lnSpc>
             </a:pPr>
             <a:r>
-              <a:rPr lang="en-US" altLang="zh-CN" dirty="0" err="1" smtClean="0">
+              <a:rPr lang="en-US" altLang="zh-CN" dirty="0" err="1">
                 <a:latin typeface="Arial" panose="020B0604020202020204" pitchFamily="34" charset="0"/>
                 <a:ea typeface="微软雅黑" panose="020B0503020204020204" pitchFamily="34" charset="-122"/>
                 <a:cs typeface="+mn-ea"/>
                 <a:sym typeface="Arial" panose="020B0604020202020204" pitchFamily="34" charset="0"/>
               </a:rPr>
-              <a:t>d</a:t>
-            </a:r>
-            <a:r>
-              <a:rPr lang="en-US" altLang="zh-CN" dirty="0" err="1" smtClean="0">
-                <a:latin typeface="Arial" panose="020B0604020202020204" pitchFamily="34" charset="0"/>
-                <a:ea typeface="微软雅黑" panose="020B0503020204020204" pitchFamily="34" charset="-122"/>
-                <a:cs typeface="+mn-ea"/>
-                <a:sym typeface="Arial" panose="020B0604020202020204" pitchFamily="34" charset="0"/>
-              </a:rPr>
-              <a:t>escription.vue</a:t>
+              <a:t>description.vue</a:t>
             </a:r>
             <a:endParaRPr lang="zh-CN" altLang="en-US" dirty="0">
               <a:latin typeface="Arial" panose="020B0604020202020204" pitchFamily="34" charset="0"/>
@@ -18625,7 +23336,7 @@
               </a:lnSpc>
             </a:pPr>
             <a:r>
-              <a:rPr lang="zh-CN" altLang="en-US" sz="1400" dirty="0" smtClean="0">
+              <a:rPr lang="zh-CN" altLang="en-US" sz="1400" dirty="0">
                 <a:solidFill>
                   <a:schemeClr val="bg1"/>
                 </a:solidFill>
@@ -19019,7 +23730,7 @@
               </a:lnSpc>
             </a:pPr>
             <a:r>
-              <a:rPr lang="zh-CN" altLang="en-US" sz="2000" dirty="0" smtClean="0">
+              <a:rPr lang="zh-CN" altLang="en-US" sz="2000" dirty="0">
                 <a:solidFill>
                   <a:srgbClr val="006AB6"/>
                 </a:solidFill>
@@ -19159,20 +23870,20 @@
   <p:clrMapOvr>
     <a:masterClrMapping/>
   </p:clrMapOvr>
-  <mc:AlternateContent xmlns:mc="http://schemas.openxmlformats.org/markup-compatibility/2006">
-    <mc:Choice xmlns:p14="http://schemas.microsoft.com/office/powerpoint/2010/main" Requires="p14">
+  <mc:AlternateContent xmlns:mc="http://schemas.openxmlformats.org/markup-compatibility/2006" xmlns:p14="http://schemas.microsoft.com/office/powerpoint/2010/main">
+    <mc:Choice Requires="p14">
       <p:transition spd="slow" p14:dur="1200">
         <p14:prism/>
       </p:transition>
     </mc:Choice>
-    <mc:Fallback>
+    <mc:Fallback xmlns="">
       <p:transition spd="slow">
         <p:fade/>
       </p:transition>
     </mc:Fallback>
   </mc:AlternateContent>
-  <mc:AlternateContent xmlns:mc="http://schemas.openxmlformats.org/markup-compatibility/2006">
-    <mc:Choice xmlns:p14="http://schemas.microsoft.com/office/powerpoint/2010/main" Requires="p14">
+  <mc:AlternateContent xmlns:mc="http://schemas.openxmlformats.org/markup-compatibility/2006" xmlns:p14="http://schemas.microsoft.com/office/powerpoint/2010/main">
+    <mc:Choice Requires="p14">
       <p:timing>
         <p:tnLst>
           <p:par>
@@ -20004,7 +24715,7 @@
         </p:bldLst>
       </p:timing>
     </mc:Choice>
-    <mc:Fallback>
+    <mc:Fallback xmlns="">
       <p:timing>
         <p:tnLst>
           <p:par>
@@ -20840,7 +25551,692 @@
 </p:sld>
 </file>
 
-<file path=ppt/slides/slide15.xml><?xml version="1.0" encoding="utf-8"?>
+<file path=ppt/slides/slide18.xml><?xml version="1.0" encoding="utf-8"?>
+<p:sld xmlns:a="http://schemas.openxmlformats.org/drawingml/2006/main" xmlns:r="http://schemas.openxmlformats.org/officeDocument/2006/relationships" xmlns:p="http://schemas.openxmlformats.org/presentationml/2006/main">
+  <p:cSld>
+    <p:spTree>
+      <p:nvGrpSpPr>
+        <p:cNvPr id="1" name=""/>
+        <p:cNvGrpSpPr/>
+        <p:nvPr/>
+      </p:nvGrpSpPr>
+      <p:grpSpPr>
+        <a:xfrm>
+          <a:off x="0" y="0"/>
+          <a:ext cx="0" cy="0"/>
+          <a:chOff x="0" y="0"/>
+          <a:chExt cx="0" cy="0"/>
+        </a:xfrm>
+      </p:grpSpPr>
+      <p:sp>
+        <p:nvSpPr>
+          <p:cNvPr id="20" name="任意多边形 19"/>
+          <p:cNvSpPr/>
+          <p:nvPr/>
+        </p:nvSpPr>
+        <p:spPr>
+          <a:xfrm rot="16200000">
+            <a:off x="1592646" y="-1093803"/>
+            <a:ext cx="479931" cy="2926080"/>
+          </a:xfrm>
+          <a:custGeom>
+            <a:avLst/>
+            <a:gdLst>
+              <a:gd name="connsiteX0" fmla="*/ 0 w 3252551"/>
+              <a:gd name="connsiteY0" fmla="*/ 0 h 3677057"/>
+              <a:gd name="connsiteX1" fmla="*/ 3252551 w 3252551"/>
+              <a:gd name="connsiteY1" fmla="*/ 0 h 3677057"/>
+              <a:gd name="connsiteX2" fmla="*/ 3252551 w 3252551"/>
+              <a:gd name="connsiteY2" fmla="*/ 2142517 h 3677057"/>
+              <a:gd name="connsiteX3" fmla="*/ 3244497 w 3252551"/>
+              <a:gd name="connsiteY3" fmla="*/ 2142517 h 3677057"/>
+              <a:gd name="connsiteX4" fmla="*/ 3240653 w 3252551"/>
+              <a:gd name="connsiteY4" fmla="*/ 2218635 h 3677057"/>
+              <a:gd name="connsiteX5" fmla="*/ 1624520 w 3252551"/>
+              <a:gd name="connsiteY5" fmla="*/ 3677057 h 3677057"/>
+              <a:gd name="connsiteX6" fmla="*/ 8387 w 3252551"/>
+              <a:gd name="connsiteY6" fmla="*/ 2218635 h 3677057"/>
+              <a:gd name="connsiteX7" fmla="*/ 4544 w 3252551"/>
+              <a:gd name="connsiteY7" fmla="*/ 2142517 h 3677057"/>
+              <a:gd name="connsiteX8" fmla="*/ 0 w 3252551"/>
+              <a:gd name="connsiteY8" fmla="*/ 2142517 h 3677057"/>
+              <a:gd name="connsiteX9" fmla="*/ 0 w 3252551"/>
+              <a:gd name="connsiteY9" fmla="*/ 2052537 h 3677057"/>
+              <a:gd name="connsiteX0" fmla="*/ 21025 w 3252551"/>
+              <a:gd name="connsiteY0" fmla="*/ 0 h 6202391"/>
+              <a:gd name="connsiteX1" fmla="*/ 3252551 w 3252551"/>
+              <a:gd name="connsiteY1" fmla="*/ 2525334 h 6202391"/>
+              <a:gd name="connsiteX2" fmla="*/ 3252551 w 3252551"/>
+              <a:gd name="connsiteY2" fmla="*/ 4667851 h 6202391"/>
+              <a:gd name="connsiteX3" fmla="*/ 3244497 w 3252551"/>
+              <a:gd name="connsiteY3" fmla="*/ 4667851 h 6202391"/>
+              <a:gd name="connsiteX4" fmla="*/ 3240653 w 3252551"/>
+              <a:gd name="connsiteY4" fmla="*/ 4743969 h 6202391"/>
+              <a:gd name="connsiteX5" fmla="*/ 1624520 w 3252551"/>
+              <a:gd name="connsiteY5" fmla="*/ 6202391 h 6202391"/>
+              <a:gd name="connsiteX6" fmla="*/ 8387 w 3252551"/>
+              <a:gd name="connsiteY6" fmla="*/ 4743969 h 6202391"/>
+              <a:gd name="connsiteX7" fmla="*/ 4544 w 3252551"/>
+              <a:gd name="connsiteY7" fmla="*/ 4667851 h 6202391"/>
+              <a:gd name="connsiteX8" fmla="*/ 0 w 3252551"/>
+              <a:gd name="connsiteY8" fmla="*/ 4667851 h 6202391"/>
+              <a:gd name="connsiteX9" fmla="*/ 0 w 3252551"/>
+              <a:gd name="connsiteY9" fmla="*/ 4577871 h 6202391"/>
+              <a:gd name="connsiteX10" fmla="*/ 21025 w 3252551"/>
+              <a:gd name="connsiteY10" fmla="*/ 0 h 6202391"/>
+              <a:gd name="connsiteX0" fmla="*/ 0 w 3252551"/>
+              <a:gd name="connsiteY0" fmla="*/ 0 h 6202391"/>
+              <a:gd name="connsiteX1" fmla="*/ 3252551 w 3252551"/>
+              <a:gd name="connsiteY1" fmla="*/ 2525334 h 6202391"/>
+              <a:gd name="connsiteX2" fmla="*/ 3252551 w 3252551"/>
+              <a:gd name="connsiteY2" fmla="*/ 4667851 h 6202391"/>
+              <a:gd name="connsiteX3" fmla="*/ 3244497 w 3252551"/>
+              <a:gd name="connsiteY3" fmla="*/ 4667851 h 6202391"/>
+              <a:gd name="connsiteX4" fmla="*/ 3240653 w 3252551"/>
+              <a:gd name="connsiteY4" fmla="*/ 4743969 h 6202391"/>
+              <a:gd name="connsiteX5" fmla="*/ 1624520 w 3252551"/>
+              <a:gd name="connsiteY5" fmla="*/ 6202391 h 6202391"/>
+              <a:gd name="connsiteX6" fmla="*/ 8387 w 3252551"/>
+              <a:gd name="connsiteY6" fmla="*/ 4743969 h 6202391"/>
+              <a:gd name="connsiteX7" fmla="*/ 4544 w 3252551"/>
+              <a:gd name="connsiteY7" fmla="*/ 4667851 h 6202391"/>
+              <a:gd name="connsiteX8" fmla="*/ 0 w 3252551"/>
+              <a:gd name="connsiteY8" fmla="*/ 4667851 h 6202391"/>
+              <a:gd name="connsiteX9" fmla="*/ 0 w 3252551"/>
+              <a:gd name="connsiteY9" fmla="*/ 4577871 h 6202391"/>
+              <a:gd name="connsiteX10" fmla="*/ 0 w 3252551"/>
+              <a:gd name="connsiteY10" fmla="*/ 0 h 6202391"/>
+              <a:gd name="connsiteX0" fmla="*/ 0 w 3252551"/>
+              <a:gd name="connsiteY0" fmla="*/ 0 h 6202391"/>
+              <a:gd name="connsiteX1" fmla="*/ 3231524 w 3252551"/>
+              <a:gd name="connsiteY1" fmla="*/ 22548 h 6202391"/>
+              <a:gd name="connsiteX2" fmla="*/ 3252551 w 3252551"/>
+              <a:gd name="connsiteY2" fmla="*/ 4667851 h 6202391"/>
+              <a:gd name="connsiteX3" fmla="*/ 3244497 w 3252551"/>
+              <a:gd name="connsiteY3" fmla="*/ 4667851 h 6202391"/>
+              <a:gd name="connsiteX4" fmla="*/ 3240653 w 3252551"/>
+              <a:gd name="connsiteY4" fmla="*/ 4743969 h 6202391"/>
+              <a:gd name="connsiteX5" fmla="*/ 1624520 w 3252551"/>
+              <a:gd name="connsiteY5" fmla="*/ 6202391 h 6202391"/>
+              <a:gd name="connsiteX6" fmla="*/ 8387 w 3252551"/>
+              <a:gd name="connsiteY6" fmla="*/ 4743969 h 6202391"/>
+              <a:gd name="connsiteX7" fmla="*/ 4544 w 3252551"/>
+              <a:gd name="connsiteY7" fmla="*/ 4667851 h 6202391"/>
+              <a:gd name="connsiteX8" fmla="*/ 0 w 3252551"/>
+              <a:gd name="connsiteY8" fmla="*/ 4667851 h 6202391"/>
+              <a:gd name="connsiteX9" fmla="*/ 0 w 3252551"/>
+              <a:gd name="connsiteY9" fmla="*/ 4577871 h 6202391"/>
+              <a:gd name="connsiteX10" fmla="*/ 0 w 3252551"/>
+              <a:gd name="connsiteY10" fmla="*/ 0 h 6202391"/>
+              <a:gd name="connsiteX0" fmla="*/ 0 w 3252551"/>
+              <a:gd name="connsiteY0" fmla="*/ 15040398 h 21242789"/>
+              <a:gd name="connsiteX1" fmla="*/ 3231518 w 3252551"/>
+              <a:gd name="connsiteY1" fmla="*/ 3 h 21242789"/>
+              <a:gd name="connsiteX2" fmla="*/ 3252551 w 3252551"/>
+              <a:gd name="connsiteY2" fmla="*/ 19708249 h 21242789"/>
+              <a:gd name="connsiteX3" fmla="*/ 3244497 w 3252551"/>
+              <a:gd name="connsiteY3" fmla="*/ 19708249 h 21242789"/>
+              <a:gd name="connsiteX4" fmla="*/ 3240653 w 3252551"/>
+              <a:gd name="connsiteY4" fmla="*/ 19784367 h 21242789"/>
+              <a:gd name="connsiteX5" fmla="*/ 1624520 w 3252551"/>
+              <a:gd name="connsiteY5" fmla="*/ 21242789 h 21242789"/>
+              <a:gd name="connsiteX6" fmla="*/ 8387 w 3252551"/>
+              <a:gd name="connsiteY6" fmla="*/ 19784367 h 21242789"/>
+              <a:gd name="connsiteX7" fmla="*/ 4544 w 3252551"/>
+              <a:gd name="connsiteY7" fmla="*/ 19708249 h 21242789"/>
+              <a:gd name="connsiteX8" fmla="*/ 0 w 3252551"/>
+              <a:gd name="connsiteY8" fmla="*/ 19708249 h 21242789"/>
+              <a:gd name="connsiteX9" fmla="*/ 0 w 3252551"/>
+              <a:gd name="connsiteY9" fmla="*/ 19618269 h 21242789"/>
+              <a:gd name="connsiteX10" fmla="*/ 0 w 3252551"/>
+              <a:gd name="connsiteY10" fmla="*/ 15040398 h 21242789"/>
+              <a:gd name="connsiteX0" fmla="*/ 0 w 3252551"/>
+              <a:gd name="connsiteY0" fmla="*/ 0 h 21265340"/>
+              <a:gd name="connsiteX1" fmla="*/ 3231518 w 3252551"/>
+              <a:gd name="connsiteY1" fmla="*/ 22554 h 21265340"/>
+              <a:gd name="connsiteX2" fmla="*/ 3252551 w 3252551"/>
+              <a:gd name="connsiteY2" fmla="*/ 19730800 h 21265340"/>
+              <a:gd name="connsiteX3" fmla="*/ 3244497 w 3252551"/>
+              <a:gd name="connsiteY3" fmla="*/ 19730800 h 21265340"/>
+              <a:gd name="connsiteX4" fmla="*/ 3240653 w 3252551"/>
+              <a:gd name="connsiteY4" fmla="*/ 19806918 h 21265340"/>
+              <a:gd name="connsiteX5" fmla="*/ 1624520 w 3252551"/>
+              <a:gd name="connsiteY5" fmla="*/ 21265340 h 21265340"/>
+              <a:gd name="connsiteX6" fmla="*/ 8387 w 3252551"/>
+              <a:gd name="connsiteY6" fmla="*/ 19806918 h 21265340"/>
+              <a:gd name="connsiteX7" fmla="*/ 4544 w 3252551"/>
+              <a:gd name="connsiteY7" fmla="*/ 19730800 h 21265340"/>
+              <a:gd name="connsiteX8" fmla="*/ 0 w 3252551"/>
+              <a:gd name="connsiteY8" fmla="*/ 19730800 h 21265340"/>
+              <a:gd name="connsiteX9" fmla="*/ 0 w 3252551"/>
+              <a:gd name="connsiteY9" fmla="*/ 19640820 h 21265340"/>
+              <a:gd name="connsiteX10" fmla="*/ 0 w 3252551"/>
+              <a:gd name="connsiteY10" fmla="*/ 0 h 21265340"/>
+            </a:gdLst>
+            <a:ahLst/>
+            <a:cxnLst>
+              <a:cxn ang="0">
+                <a:pos x="connsiteX0" y="connsiteY0"/>
+              </a:cxn>
+              <a:cxn ang="0">
+                <a:pos x="connsiteX1" y="connsiteY1"/>
+              </a:cxn>
+              <a:cxn ang="0">
+                <a:pos x="connsiteX2" y="connsiteY2"/>
+              </a:cxn>
+              <a:cxn ang="0">
+                <a:pos x="connsiteX3" y="connsiteY3"/>
+              </a:cxn>
+              <a:cxn ang="0">
+                <a:pos x="connsiteX4" y="connsiteY4"/>
+              </a:cxn>
+              <a:cxn ang="0">
+                <a:pos x="connsiteX5" y="connsiteY5"/>
+              </a:cxn>
+              <a:cxn ang="0">
+                <a:pos x="connsiteX6" y="connsiteY6"/>
+              </a:cxn>
+              <a:cxn ang="0">
+                <a:pos x="connsiteX7" y="connsiteY7"/>
+              </a:cxn>
+              <a:cxn ang="0">
+                <a:pos x="connsiteX8" y="connsiteY8"/>
+              </a:cxn>
+              <a:cxn ang="0">
+                <a:pos x="connsiteX9" y="connsiteY9"/>
+              </a:cxn>
+              <a:cxn ang="0">
+                <a:pos x="connsiteX10" y="connsiteY10"/>
+              </a:cxn>
+            </a:cxnLst>
+            <a:rect l="l" t="t" r="r" b="b"/>
+            <a:pathLst>
+              <a:path w="3252551" h="21265340">
+                <a:moveTo>
+                  <a:pt x="0" y="0"/>
+                </a:moveTo>
+                <a:lnTo>
+                  <a:pt x="3231518" y="22554"/>
+                </a:lnTo>
+                <a:lnTo>
+                  <a:pt x="3252551" y="19730800"/>
+                </a:lnTo>
+                <a:lnTo>
+                  <a:pt x="3244497" y="19730800"/>
+                </a:lnTo>
+                <a:lnTo>
+                  <a:pt x="3240653" y="19806918"/>
+                </a:lnTo>
+                <a:cubicBezTo>
+                  <a:pt x="3157461" y="20626092"/>
+                  <a:pt x="2465643" y="21265340"/>
+                  <a:pt x="1624520" y="21265340"/>
+                </a:cubicBezTo>
+                <a:cubicBezTo>
+                  <a:pt x="783397" y="21265340"/>
+                  <a:pt x="91579" y="20626092"/>
+                  <a:pt x="8387" y="19806918"/>
+                </a:cubicBezTo>
+                <a:lnTo>
+                  <a:pt x="4544" y="19730800"/>
+                </a:lnTo>
+                <a:lnTo>
+                  <a:pt x="0" y="19730800"/>
+                </a:lnTo>
+                <a:lnTo>
+                  <a:pt x="0" y="19640820"/>
+                </a:lnTo>
+                <a:lnTo>
+                  <a:pt x="0" y="0"/>
+                </a:lnTo>
+                <a:close/>
+              </a:path>
+            </a:pathLst>
+          </a:custGeom>
+          <a:solidFill>
+            <a:schemeClr val="bg1">
+              <a:lumMod val="75000"/>
+              <a:alpha val="80000"/>
+            </a:schemeClr>
+          </a:solidFill>
+          <a:ln>
+            <a:noFill/>
+          </a:ln>
+        </p:spPr>
+        <p:style>
+          <a:lnRef idx="2">
+            <a:schemeClr val="accent1">
+              <a:shade val="50000"/>
+            </a:schemeClr>
+          </a:lnRef>
+          <a:fillRef idx="1">
+            <a:schemeClr val="accent1"/>
+          </a:fillRef>
+          <a:effectRef idx="0">
+            <a:schemeClr val="accent1"/>
+          </a:effectRef>
+          <a:fontRef idx="minor">
+            <a:schemeClr val="lt1"/>
+          </a:fontRef>
+        </p:style>
+        <p:txBody>
+          <a:bodyPr lIns="68562" tIns="34281" rIns="68562" bIns="34281" rtlCol="0" anchor="ctr"/>
+          <a:lstStyle/>
+          <a:p>
+            <a:pPr algn="ctr"/>
+            <a:endParaRPr lang="zh-CN" altLang="en-US">
+              <a:latin typeface="微软雅黑" panose="020B0503020204020204" pitchFamily="34" charset="-122"/>
+              <a:ea typeface="微软雅黑" panose="020B0503020204020204" pitchFamily="34" charset="-122"/>
+            </a:endParaRPr>
+          </a:p>
+        </p:txBody>
+      </p:sp>
+      <p:sp>
+        <p:nvSpPr>
+          <p:cNvPr id="21" name="矩形 20"/>
+          <p:cNvSpPr/>
+          <p:nvPr/>
+        </p:nvSpPr>
+        <p:spPr bwMode="auto">
+          <a:xfrm>
+            <a:off x="189992" y="129272"/>
+            <a:ext cx="143256" cy="479932"/>
+          </a:xfrm>
+          <a:prstGeom prst="rect">
+            <a:avLst/>
+          </a:prstGeom>
+          <a:solidFill>
+            <a:schemeClr val="bg1">
+              <a:lumMod val="75000"/>
+              <a:alpha val="80000"/>
+            </a:schemeClr>
+          </a:solidFill>
+          <a:ln>
+            <a:noFill/>
+          </a:ln>
+          <a:extLst/>
+        </p:spPr>
+        <p:style>
+          <a:lnRef idx="2">
+            <a:schemeClr val="accent1">
+              <a:shade val="50000"/>
+            </a:schemeClr>
+          </a:lnRef>
+          <a:fillRef idx="1">
+            <a:schemeClr val="accent1"/>
+          </a:fillRef>
+          <a:effectRef idx="0">
+            <a:schemeClr val="accent1"/>
+          </a:effectRef>
+          <a:fontRef idx="minor">
+            <a:schemeClr val="lt1"/>
+          </a:fontRef>
+        </p:style>
+        <p:txBody>
+          <a:bodyPr lIns="68562" tIns="34281" rIns="68562" bIns="34281" rtlCol="0" anchor="ctr"/>
+          <a:lstStyle/>
+          <a:p>
+            <a:pPr algn="ctr"/>
+            <a:endParaRPr lang="zh-CN" altLang="en-US">
+              <a:solidFill>
+                <a:schemeClr val="lt1"/>
+              </a:solidFill>
+              <a:latin typeface="微软雅黑" panose="020B0503020204020204" pitchFamily="34" charset="-122"/>
+              <a:ea typeface="微软雅黑" panose="020B0503020204020204" pitchFamily="34" charset="-122"/>
+            </a:endParaRPr>
+          </a:p>
+        </p:txBody>
+      </p:sp>
+      <p:sp>
+        <p:nvSpPr>
+          <p:cNvPr id="22" name="文本框 28"/>
+          <p:cNvSpPr>
+            <a:spLocks noChangeArrowheads="1"/>
+          </p:cNvSpPr>
+          <p:nvPr/>
+        </p:nvSpPr>
+        <p:spPr bwMode="auto">
+          <a:xfrm>
+            <a:off x="497968" y="165848"/>
+            <a:ext cx="2847975" cy="406778"/>
+          </a:xfrm>
+          <a:prstGeom prst="rect">
+            <a:avLst/>
+          </a:prstGeom>
+          <a:noFill/>
+          <a:ln>
+            <a:noFill/>
+          </a:ln>
+          <a:extLst>
+            <a:ext uri="{909E8E84-426E-40DD-AFC4-6F175D3DCCD1}">
+              <a14:hiddenFill xmlns:a14="http://schemas.microsoft.com/office/drawing/2010/main">
+                <a:solidFill>
+                  <a:srgbClr val="FFFFFF"/>
+                </a:solidFill>
+              </a14:hiddenFill>
+            </a:ext>
+            <a:ext uri="{91240B29-F687-4F45-9708-019B960494DF}">
+              <a14:hiddenLine xmlns:a14="http://schemas.microsoft.com/office/drawing/2010/main" w="9525">
+                <a:solidFill>
+                  <a:srgbClr val="000000"/>
+                </a:solidFill>
+                <a:miter lim="800000"/>
+                <a:headEnd/>
+                <a:tailEnd/>
+              </a14:hiddenLine>
+            </a:ext>
+          </a:extLst>
+        </p:spPr>
+        <p:txBody>
+          <a:bodyPr lIns="68580" tIns="34290" rIns="68580" bIns="34290">
+            <a:spAutoFit/>
+          </a:bodyPr>
+          <a:lstStyle/>
+          <a:p>
+            <a:pPr>
+              <a:lnSpc>
+                <a:spcPct val="120000"/>
+              </a:lnSpc>
+            </a:pPr>
+            <a:r>
+              <a:rPr lang="zh-CN" altLang="en-US" sz="2000" dirty="0">
+                <a:solidFill>
+                  <a:srgbClr val="006AB6"/>
+                </a:solidFill>
+                <a:latin typeface="Arial" panose="020B0604020202020204" pitchFamily="34" charset="0"/>
+                <a:ea typeface="微软雅黑" panose="020B0503020204020204" pitchFamily="34" charset="-122"/>
+                <a:sym typeface="Arial" panose="020B0604020202020204" pitchFamily="34" charset="0"/>
+              </a:rPr>
+              <a:t>小组分工</a:t>
+            </a:r>
+            <a:endParaRPr lang="en-US" altLang="zh-CN" sz="2000" dirty="0">
+              <a:solidFill>
+                <a:srgbClr val="006AB6"/>
+              </a:solidFill>
+              <a:latin typeface="Arial" panose="020B0604020202020204" pitchFamily="34" charset="0"/>
+              <a:ea typeface="微软雅黑" panose="020B0503020204020204" pitchFamily="34" charset="-122"/>
+              <a:sym typeface="Arial" panose="020B0604020202020204" pitchFamily="34" charset="0"/>
+            </a:endParaRPr>
+          </a:p>
+        </p:txBody>
+      </p:sp>
+      <p:sp>
+        <p:nvSpPr>
+          <p:cNvPr id="3" name="文本框 2">
+            <a:extLst>
+              <a:ext uri="{FF2B5EF4-FFF2-40B4-BE49-F238E27FC236}">
+                <a16:creationId xmlns:a16="http://schemas.microsoft.com/office/drawing/2014/main" id="{8B0F480D-7C96-4030-92C3-929AB3251756}"/>
+              </a:ext>
+            </a:extLst>
+          </p:cNvPr>
+          <p:cNvSpPr txBox="1"/>
+          <p:nvPr/>
+        </p:nvSpPr>
+        <p:spPr>
+          <a:xfrm>
+            <a:off x="3981103" y="2320181"/>
+            <a:ext cx="5131533" cy="369332"/>
+          </a:xfrm>
+          <a:prstGeom prst="rect">
+            <a:avLst/>
+          </a:prstGeom>
+          <a:noFill/>
+        </p:spPr>
+        <p:txBody>
+          <a:bodyPr wrap="none" rtlCol="0">
+            <a:spAutoFit/>
+          </a:bodyPr>
+          <a:lstStyle/>
+          <a:p>
+            <a:r>
+              <a:rPr lang="zh-CN" altLang="en-US" dirty="0">
+                <a:solidFill>
+                  <a:schemeClr val="tx1">
+                    <a:lumMod val="65000"/>
+                    <a:lumOff val="35000"/>
+                  </a:schemeClr>
+                </a:solidFill>
+                <a:latin typeface="微软雅黑" panose="020B0503020204020204" pitchFamily="34" charset="-122"/>
+                <a:ea typeface="微软雅黑" panose="020B0503020204020204" pitchFamily="34" charset="-122"/>
+              </a:rPr>
+              <a:t>李浩：主界面设计，详情页设计，</a:t>
+            </a:r>
+            <a:r>
+              <a:rPr lang="en-US" altLang="zh-CN" dirty="0" err="1">
+                <a:solidFill>
+                  <a:schemeClr val="tx1">
+                    <a:lumMod val="65000"/>
+                    <a:lumOff val="35000"/>
+                  </a:schemeClr>
+                </a:solidFill>
+                <a:latin typeface="微软雅黑" panose="020B0503020204020204" pitchFamily="34" charset="-122"/>
+                <a:ea typeface="微软雅黑" panose="020B0503020204020204" pitchFamily="34" charset="-122"/>
+              </a:rPr>
+              <a:t>css</a:t>
+            </a:r>
+            <a:r>
+              <a:rPr lang="zh-CN" altLang="en-US" dirty="0">
+                <a:solidFill>
+                  <a:schemeClr val="tx1">
+                    <a:lumMod val="65000"/>
+                    <a:lumOff val="35000"/>
+                  </a:schemeClr>
+                </a:solidFill>
+                <a:latin typeface="微软雅黑" panose="020B0503020204020204" pitchFamily="34" charset="-122"/>
+                <a:ea typeface="微软雅黑" panose="020B0503020204020204" pitchFamily="34" charset="-122"/>
+              </a:rPr>
+              <a:t>，单元测试</a:t>
+            </a:r>
+          </a:p>
+        </p:txBody>
+      </p:sp>
+      <p:sp>
+        <p:nvSpPr>
+          <p:cNvPr id="23" name="文本框 22">
+            <a:extLst>
+              <a:ext uri="{FF2B5EF4-FFF2-40B4-BE49-F238E27FC236}">
+                <a16:creationId xmlns:a16="http://schemas.microsoft.com/office/drawing/2014/main" id="{2B571BC5-96B2-4095-98B8-3F6B87D08FC4}"/>
+              </a:ext>
+            </a:extLst>
+          </p:cNvPr>
+          <p:cNvSpPr txBox="1"/>
+          <p:nvPr/>
+        </p:nvSpPr>
+        <p:spPr>
+          <a:xfrm>
+            <a:off x="3981103" y="2991708"/>
+            <a:ext cx="4985660" cy="369332"/>
+          </a:xfrm>
+          <a:prstGeom prst="rect">
+            <a:avLst/>
+          </a:prstGeom>
+          <a:noFill/>
+        </p:spPr>
+        <p:txBody>
+          <a:bodyPr wrap="none" rtlCol="0">
+            <a:spAutoFit/>
+          </a:bodyPr>
+          <a:lstStyle/>
+          <a:p>
+            <a:r>
+              <a:rPr lang="zh-CN" altLang="en-US" dirty="0">
+                <a:solidFill>
+                  <a:schemeClr val="tx1">
+                    <a:lumMod val="65000"/>
+                    <a:lumOff val="35000"/>
+                  </a:schemeClr>
+                </a:solidFill>
+                <a:latin typeface="微软雅黑" panose="020B0503020204020204" pitchFamily="34" charset="-122"/>
+                <a:ea typeface="微软雅黑" panose="020B0503020204020204" pitchFamily="34" charset="-122"/>
+              </a:rPr>
+              <a:t>陈永桦：商品展示页设计，编写数据文件，</a:t>
+            </a:r>
+            <a:r>
+              <a:rPr lang="en-US" altLang="zh-CN" dirty="0">
+                <a:solidFill>
+                  <a:schemeClr val="tx1">
+                    <a:lumMod val="65000"/>
+                    <a:lumOff val="35000"/>
+                  </a:schemeClr>
+                </a:solidFill>
+                <a:latin typeface="微软雅黑" panose="020B0503020204020204" pitchFamily="34" charset="-122"/>
+                <a:ea typeface="微软雅黑" panose="020B0503020204020204" pitchFamily="34" charset="-122"/>
+              </a:rPr>
+              <a:t>PPT</a:t>
+            </a:r>
+            <a:endParaRPr lang="zh-CN" altLang="en-US" dirty="0">
+              <a:solidFill>
+                <a:schemeClr val="tx1">
+                  <a:lumMod val="65000"/>
+                  <a:lumOff val="35000"/>
+                </a:schemeClr>
+              </a:solidFill>
+              <a:latin typeface="微软雅黑" panose="020B0503020204020204" pitchFamily="34" charset="-122"/>
+              <a:ea typeface="微软雅黑" panose="020B0503020204020204" pitchFamily="34" charset="-122"/>
+            </a:endParaRPr>
+          </a:p>
+        </p:txBody>
+      </p:sp>
+      <p:sp>
+        <p:nvSpPr>
+          <p:cNvPr id="24" name="文本框 23">
+            <a:extLst>
+              <a:ext uri="{FF2B5EF4-FFF2-40B4-BE49-F238E27FC236}">
+                <a16:creationId xmlns:a16="http://schemas.microsoft.com/office/drawing/2014/main" id="{2783CC53-71F7-4828-8461-7186F1CC8A0D}"/>
+              </a:ext>
+            </a:extLst>
+          </p:cNvPr>
+          <p:cNvSpPr txBox="1"/>
+          <p:nvPr/>
+        </p:nvSpPr>
+        <p:spPr>
+          <a:xfrm>
+            <a:off x="3981103" y="3663235"/>
+            <a:ext cx="3416320" cy="369332"/>
+          </a:xfrm>
+          <a:prstGeom prst="rect">
+            <a:avLst/>
+          </a:prstGeom>
+          <a:noFill/>
+        </p:spPr>
+        <p:txBody>
+          <a:bodyPr wrap="none" rtlCol="0">
+            <a:spAutoFit/>
+          </a:bodyPr>
+          <a:lstStyle/>
+          <a:p>
+            <a:r>
+              <a:rPr lang="zh-CN" altLang="en-US" dirty="0">
+                <a:solidFill>
+                  <a:schemeClr val="tx1">
+                    <a:lumMod val="65000"/>
+                    <a:lumOff val="35000"/>
+                  </a:schemeClr>
+                </a:solidFill>
+                <a:latin typeface="微软雅黑" panose="020B0503020204020204" pitchFamily="34" charset="-122"/>
+                <a:ea typeface="微软雅黑" panose="020B0503020204020204" pitchFamily="34" charset="-122"/>
+              </a:rPr>
+              <a:t>余心如：搜索页设计，单元测试</a:t>
+            </a:r>
+          </a:p>
+        </p:txBody>
+      </p:sp>
+      <p:sp>
+        <p:nvSpPr>
+          <p:cNvPr id="25" name="文本框 24">
+            <a:extLst>
+              <a:ext uri="{FF2B5EF4-FFF2-40B4-BE49-F238E27FC236}">
+                <a16:creationId xmlns:a16="http://schemas.microsoft.com/office/drawing/2014/main" id="{DDFD223E-0DCD-470E-9182-E337A321EA79}"/>
+              </a:ext>
+            </a:extLst>
+          </p:cNvPr>
+          <p:cNvSpPr txBox="1"/>
+          <p:nvPr/>
+        </p:nvSpPr>
+        <p:spPr>
+          <a:xfrm>
+            <a:off x="3981103" y="4334763"/>
+            <a:ext cx="5052922" cy="369332"/>
+          </a:xfrm>
+          <a:prstGeom prst="rect">
+            <a:avLst/>
+          </a:prstGeom>
+          <a:noFill/>
+        </p:spPr>
+        <p:txBody>
+          <a:bodyPr wrap="none" rtlCol="0">
+            <a:spAutoFit/>
+          </a:bodyPr>
+          <a:lstStyle/>
+          <a:p>
+            <a:r>
+              <a:rPr lang="zh-CN" altLang="en-US" dirty="0">
+                <a:solidFill>
+                  <a:schemeClr val="tx1">
+                    <a:lumMod val="65000"/>
+                    <a:lumOff val="35000"/>
+                  </a:schemeClr>
+                </a:solidFill>
+                <a:latin typeface="微软雅黑" panose="020B0503020204020204" pitchFamily="34" charset="-122"/>
+                <a:ea typeface="微软雅黑" panose="020B0503020204020204" pitchFamily="34" charset="-122"/>
+              </a:rPr>
+              <a:t>会川慧：商品展示页设计，</a:t>
+            </a:r>
+            <a:r>
+              <a:rPr lang="en-US" altLang="zh-CN" dirty="0">
+                <a:solidFill>
+                  <a:schemeClr val="tx1">
+                    <a:lumMod val="65000"/>
+                    <a:lumOff val="35000"/>
+                  </a:schemeClr>
+                </a:solidFill>
+                <a:latin typeface="微软雅黑" panose="020B0503020204020204" pitchFamily="34" charset="-122"/>
+                <a:ea typeface="微软雅黑" panose="020B0503020204020204" pitchFamily="34" charset="-122"/>
+              </a:rPr>
+              <a:t>markdown</a:t>
+            </a:r>
+            <a:r>
+              <a:rPr lang="zh-CN" altLang="en-US" dirty="0">
+                <a:solidFill>
+                  <a:schemeClr val="tx1">
+                    <a:lumMod val="65000"/>
+                    <a:lumOff val="35000"/>
+                  </a:schemeClr>
+                </a:solidFill>
+                <a:latin typeface="微软雅黑" panose="020B0503020204020204" pitchFamily="34" charset="-122"/>
+                <a:ea typeface="微软雅黑" panose="020B0503020204020204" pitchFamily="34" charset="-122"/>
+              </a:rPr>
+              <a:t>文档编写</a:t>
+            </a:r>
+          </a:p>
+        </p:txBody>
+      </p:sp>
+    </p:spTree>
+    <p:extLst>
+      <p:ext uri="{BB962C8B-B14F-4D97-AF65-F5344CB8AC3E}">
+        <p14:creationId xmlns:p14="http://schemas.microsoft.com/office/powerpoint/2010/main" val="1672489257"/>
+      </p:ext>
+    </p:extLst>
+  </p:cSld>
+  <p:clrMapOvr>
+    <a:masterClrMapping/>
+  </p:clrMapOvr>
+  <mc:AlternateContent xmlns:mc="http://schemas.openxmlformats.org/markup-compatibility/2006" xmlns:p14="http://schemas.microsoft.com/office/powerpoint/2010/main">
+    <mc:Choice Requires="p14">
+      <p:transition spd="slow" p14:dur="1200">
+        <p14:prism/>
+      </p:transition>
+    </mc:Choice>
+    <mc:Fallback xmlns="">
+      <p:transition spd="slow">
+        <p:fade/>
+      </p:transition>
+    </mc:Fallback>
+  </mc:AlternateContent>
+</p:sld>
+</file>
+
+<file path=ppt/slides/slide19.xml><?xml version="1.0" encoding="utf-8"?>
 <p:sld xmlns:a="http://schemas.openxmlformats.org/drawingml/2006/main" xmlns:r="http://schemas.openxmlformats.org/officeDocument/2006/relationships" xmlns:p="http://schemas.openxmlformats.org/presentationml/2006/main">
   <p:cSld>
     <p:spTree>
@@ -21572,24 +26968,10 @@
                 <a:uLnTx/>
                 <a:uFillTx/>
               </a:rPr>
-              <a:t>www.1ppt.com/jiaoan/  </a:t>
+              <a:t>www.1ppt.com/jiaoan/        PPT</a:t>
             </a:r>
             <a:r>
-              <a:rPr kumimoji="0" lang="en-US" altLang="zh-CN" sz="100" b="0" i="0" u="none" strike="noStrike" kern="0" cap="none" spc="0" normalizeH="0" baseline="0" noProof="0" dirty="0" smtClean="0">
-                <a:ln>
-                  <a:noFill/>
-                </a:ln>
-                <a:solidFill>
-                  <a:sysClr val="window" lastClr="FFFFFF"/>
-                </a:solidFill>
-                <a:effectLst/>
-                <a:uLnTx/>
-                <a:uFillTx/>
-              </a:rPr>
-              <a:t>      PPT</a:t>
-            </a:r>
-            <a:r>
-              <a:rPr kumimoji="0" lang="zh-CN" altLang="en-US" sz="100" b="0" i="0" u="none" strike="noStrike" kern="0" cap="none" spc="0" normalizeH="0" baseline="0" noProof="0" dirty="0" smtClean="0">
+              <a:rPr kumimoji="0" lang="zh-CN" altLang="en-US" sz="100" b="0" i="0" u="none" strike="noStrike" kern="0" cap="none" spc="0" normalizeH="0" baseline="0" noProof="0" dirty="0">
                 <a:ln>
                   <a:noFill/>
                 </a:ln>
@@ -21603,7 +26985,7 @@
               <a:t>论坛：</a:t>
             </a:r>
             <a:r>
-              <a:rPr kumimoji="0" lang="en-US" altLang="zh-CN" sz="100" b="0" i="0" u="none" strike="noStrike" kern="0" cap="none" spc="0" normalizeH="0" baseline="0" noProof="0" dirty="0" smtClean="0">
+              <a:rPr kumimoji="0" lang="en-US" altLang="zh-CN" sz="100" b="0" i="0" u="none" strike="noStrike" kern="0" cap="none" spc="0" normalizeH="0" baseline="0" noProof="0" dirty="0">
                 <a:ln>
                   <a:noFill/>
                 </a:ln>
@@ -21616,17 +26998,6 @@
               </a:rPr>
               <a:t>www.1ppt.cn</a:t>
             </a:r>
-            <a:endParaRPr kumimoji="0" lang="en-US" altLang="zh-CN" sz="100" b="0" i="0" u="none" strike="noStrike" kern="0" cap="none" spc="0" normalizeH="0" baseline="0" noProof="0" dirty="0">
-              <a:ln>
-                <a:noFill/>
-              </a:ln>
-              <a:solidFill>
-                <a:sysClr val="window" lastClr="FFFFFF"/>
-              </a:solidFill>
-              <a:effectLst/>
-              <a:uLnTx/>
-              <a:uFillTx/>
-            </a:endParaRPr>
           </a:p>
           <a:p>
             <a:pPr marL="0" marR="0" lvl="0" indent="0" defTabSz="914400" eaLnBrk="1" fontAlgn="auto" latinLnBrk="0" hangingPunct="1">
@@ -21791,7 +27162,7 @@
               <a:buNone/>
             </a:pPr>
             <a:r>
-              <a:rPr lang="zh-CN" altLang="en-US" sz="5400" dirty="0" smtClean="0">
+              <a:rPr lang="zh-CN" altLang="en-US" sz="5400" dirty="0">
                 <a:solidFill>
                   <a:srgbClr val="006AB6"/>
                 </a:solidFill>
@@ -21799,27 +27170,8 @@
                 <a:ea typeface="微软雅黑" panose="020B0503020204020204" pitchFamily="34" charset="-122"/>
                 <a:cs typeface="Arial" panose="020B0604020202020204" pitchFamily="34" charset="0"/>
               </a:rPr>
-              <a:t>感谢</a:t>
+              <a:t>感谢聆听</a:t>
             </a:r>
-            <a:r>
-              <a:rPr lang="zh-CN" altLang="en-US" sz="5400" dirty="0" smtClean="0">
-                <a:solidFill>
-                  <a:srgbClr val="006AB6"/>
-                </a:solidFill>
-                <a:latin typeface="微软雅黑" panose="020B0503020204020204" pitchFamily="34" charset="-122"/>
-                <a:ea typeface="微软雅黑" panose="020B0503020204020204" pitchFamily="34" charset="-122"/>
-                <a:cs typeface="Arial" panose="020B0604020202020204" pitchFamily="34" charset="0"/>
-              </a:rPr>
-              <a:t>聆听</a:t>
-            </a:r>
-            <a:endParaRPr lang="zh-CN" altLang="en-US" sz="5400" dirty="0">
-              <a:solidFill>
-                <a:srgbClr val="006AB6"/>
-              </a:solidFill>
-              <a:latin typeface="微软雅黑" panose="020B0503020204020204" pitchFamily="34" charset="-122"/>
-              <a:ea typeface="微软雅黑" panose="020B0503020204020204" pitchFamily="34" charset="-122"/>
-              <a:cs typeface="Arial" panose="020B0604020202020204" pitchFamily="34" charset="0"/>
-            </a:endParaRPr>
           </a:p>
         </p:txBody>
       </p:sp>
@@ -22035,7 +27387,7 @@
                 <a:buNone/>
               </a:pPr>
               <a:r>
-                <a:rPr lang="zh-CN" altLang="en-US" sz="1400" b="1" cap="all" dirty="0" smtClean="0">
+                <a:rPr lang="zh-CN" altLang="en-US" sz="1400" b="1" cap="all" dirty="0">
                   <a:solidFill>
                     <a:schemeClr val="bg1">
                       <a:lumMod val="50000"/>
@@ -22044,19 +27396,7 @@
                   <a:latin typeface="Arial" panose="020B0604020202020204" pitchFamily="34" charset="0"/>
                   <a:cs typeface="Arial" panose="020B0604020202020204" pitchFamily="34" charset="0"/>
                 </a:rPr>
-                <a:t>汇报人</a:t>
-              </a:r>
-              <a:r>
-                <a:rPr lang="zh-CN" altLang="en-US" sz="1400" b="1" cap="all" dirty="0" smtClean="0">
-                  <a:solidFill>
-                    <a:schemeClr val="bg1">
-                      <a:lumMod val="50000"/>
-                    </a:schemeClr>
-                  </a:solidFill>
-                  <a:latin typeface="Arial" panose="020B0604020202020204" pitchFamily="34" charset="0"/>
-                  <a:cs typeface="Arial" panose="020B0604020202020204" pitchFamily="34" charset="0"/>
-                </a:rPr>
-                <a:t>：第二组</a:t>
+                <a:t>汇报人：第二组</a:t>
               </a:r>
               <a:endParaRPr lang="zh-CN" altLang="en-US" sz="1400" cap="all" dirty="0">
                 <a:solidFill>
@@ -22298,8 +27638,8 @@
       <p:transition spd="slow" advTm="0"/>
     </mc:Fallback>
   </mc:AlternateContent>
-  <mc:AlternateContent xmlns:mc="http://schemas.openxmlformats.org/markup-compatibility/2006">
-    <mc:Choice xmlns:p14="http://schemas.microsoft.com/office/powerpoint/2010/main" Requires="p14">
+  <mc:AlternateContent xmlns:mc="http://schemas.openxmlformats.org/markup-compatibility/2006" xmlns:p14="http://schemas.microsoft.com/office/powerpoint/2010/main">
+    <mc:Choice Requires="p14">
       <p:timing>
         <p:tnLst>
           <p:par>
@@ -22666,7 +28006,7 @@
         </p:bldLst>
       </p:timing>
     </mc:Choice>
-    <mc:Fallback>
+    <mc:Fallback xmlns="">
       <p:timing>
         <p:tnLst>
           <p:par>
@@ -23448,7 +28788,7 @@
               <a:buNone/>
             </a:pPr>
             <a:r>
-              <a:rPr lang="en-US" altLang="zh-CN" sz="1600" dirty="0" smtClean="0">
+              <a:rPr lang="en-US" altLang="zh-CN" sz="1600" dirty="0">
                 <a:solidFill>
                   <a:srgbClr val="006AB6"/>
                 </a:solidFill>
@@ -23458,7 +28798,7 @@
               <a:t>Idea</a:t>
             </a:r>
             <a:r>
-              <a:rPr lang="zh-CN" altLang="en-US" sz="1600" dirty="0" smtClean="0">
+              <a:rPr lang="zh-CN" altLang="en-US" sz="1600" dirty="0">
                 <a:solidFill>
                   <a:srgbClr val="006AB6"/>
                 </a:solidFill>
@@ -23467,13 +28807,6 @@
               </a:rPr>
               <a:t>选择及调查</a:t>
             </a:r>
-            <a:endParaRPr lang="zh-CN" altLang="en-US" sz="1600" dirty="0">
-              <a:solidFill>
-                <a:srgbClr val="006AB6"/>
-              </a:solidFill>
-              <a:latin typeface="微软雅黑" panose="020B0503020204020204" pitchFamily="34" charset="-122"/>
-              <a:ea typeface="微软雅黑" panose="020B0503020204020204" pitchFamily="34" charset="-122"/>
-            </a:endParaRPr>
           </a:p>
         </p:txBody>
       </p:sp>
@@ -24160,32 +29493,15 @@
           <a:p>
             <a:pPr algn="ctr"/>
             <a:r>
-              <a:rPr lang="en-US" altLang="zh-CN" sz="1600" dirty="0" smtClean="0">
+              <a:rPr lang="zh-CN" altLang="en-US" sz="1600" dirty="0">
                 <a:solidFill>
                   <a:srgbClr val="006AB6"/>
                 </a:solidFill>
                 <a:latin typeface="微软雅黑" panose="020B0503020204020204" pitchFamily="34" charset="-122"/>
                 <a:ea typeface="微软雅黑" panose="020B0503020204020204" pitchFamily="34" charset="-122"/>
               </a:rPr>
-              <a:t>WEB</a:t>
+              <a:t>项目介绍</a:t>
             </a:r>
-            <a:r>
-              <a:rPr lang="zh-CN" altLang="en-US" sz="1600" dirty="0" smtClean="0">
-                <a:solidFill>
-                  <a:srgbClr val="006AB6"/>
-                </a:solidFill>
-                <a:latin typeface="微软雅黑" panose="020B0503020204020204" pitchFamily="34" charset="-122"/>
-                <a:ea typeface="微软雅黑" panose="020B0503020204020204" pitchFamily="34" charset="-122"/>
-              </a:rPr>
-              <a:t>介绍</a:t>
-            </a:r>
-            <a:endParaRPr lang="zh-CN" altLang="en-US" sz="1600" dirty="0">
-              <a:solidFill>
-                <a:srgbClr val="006AB6"/>
-              </a:solidFill>
-              <a:latin typeface="微软雅黑" panose="020B0503020204020204" pitchFamily="34" charset="-122"/>
-              <a:ea typeface="微软雅黑" panose="020B0503020204020204" pitchFamily="34" charset="-122"/>
-            </a:endParaRPr>
           </a:p>
         </p:txBody>
       </p:sp>
@@ -24604,7 +29920,7 @@
           <a:p>
             <a:pPr algn="ctr"/>
             <a:r>
-              <a:rPr lang="zh-CN" altLang="en-US" sz="1600" dirty="0" smtClean="0">
+              <a:rPr lang="zh-CN" altLang="en-US" sz="1600" dirty="0">
                 <a:solidFill>
                   <a:srgbClr val="006AB6"/>
                 </a:solidFill>
@@ -24613,13 +29929,6 @@
               </a:rPr>
               <a:t>功能及逻辑实现</a:t>
             </a:r>
-            <a:endParaRPr lang="zh-CN" altLang="en-US" sz="1600" dirty="0">
-              <a:solidFill>
-                <a:srgbClr val="006AB6"/>
-              </a:solidFill>
-              <a:latin typeface="微软雅黑" panose="020B0503020204020204" pitchFamily="34" charset="-122"/>
-              <a:ea typeface="微软雅黑" panose="020B0503020204020204" pitchFamily="34" charset="-122"/>
-            </a:endParaRPr>
           </a:p>
         </p:txBody>
       </p:sp>
@@ -24874,18 +30183,13 @@
           <a:p>
             <a:pPr algn="ctr"/>
             <a:r>
-              <a:rPr lang="en-AU" sz="4400" dirty="0" smtClean="0">
+              <a:rPr lang="en-AU" sz="4400" dirty="0">
                 <a:latin typeface="Arial" panose="020B0604020202020204" pitchFamily="34" charset="0"/>
                 <a:cs typeface="Arial" panose="020B0604020202020204" pitchFamily="34" charset="0"/>
                 <a:sym typeface="+mn-lt"/>
               </a:rPr>
               <a:t>01</a:t>
             </a:r>
-            <a:endParaRPr lang="en-AU" sz="4400" dirty="0">
-              <a:latin typeface="Arial" panose="020B0604020202020204" pitchFamily="34" charset="0"/>
-              <a:cs typeface="Arial" panose="020B0604020202020204" pitchFamily="34" charset="0"/>
-              <a:sym typeface="+mn-lt"/>
-            </a:endParaRPr>
           </a:p>
         </p:txBody>
       </p:sp>
@@ -24947,18 +30251,13 @@
             <a:p>
               <a:pPr algn="ctr"/>
               <a:r>
-                <a:rPr lang="en-AU" sz="4400" dirty="0" smtClean="0">
+                <a:rPr lang="en-AU" sz="4400" dirty="0">
                   <a:latin typeface="Arial" panose="020B0604020202020204" pitchFamily="34" charset="0"/>
                   <a:cs typeface="Arial" panose="020B0604020202020204" pitchFamily="34" charset="0"/>
                   <a:sym typeface="+mn-lt"/>
                 </a:rPr>
                 <a:t>02</a:t>
               </a:r>
-              <a:endParaRPr lang="en-AU" sz="4400" dirty="0">
-                <a:latin typeface="Arial" panose="020B0604020202020204" pitchFamily="34" charset="0"/>
-                <a:cs typeface="Arial" panose="020B0604020202020204" pitchFamily="34" charset="0"/>
-                <a:sym typeface="+mn-lt"/>
-              </a:endParaRPr>
             </a:p>
           </p:txBody>
         </p:sp>
@@ -25106,18 +30405,13 @@
           <a:p>
             <a:pPr algn="ctr"/>
             <a:r>
-              <a:rPr lang="en-AU" sz="4400" dirty="0" smtClean="0">
+              <a:rPr lang="en-AU" sz="4400" dirty="0">
                 <a:latin typeface="Arial" panose="020B0604020202020204" pitchFamily="34" charset="0"/>
                 <a:cs typeface="Arial" panose="020B0604020202020204" pitchFamily="34" charset="0"/>
                 <a:sym typeface="+mn-lt"/>
               </a:rPr>
               <a:t>03</a:t>
             </a:r>
-            <a:endParaRPr lang="en-AU" sz="4400" dirty="0">
-              <a:latin typeface="Arial" panose="020B0604020202020204" pitchFamily="34" charset="0"/>
-              <a:cs typeface="Arial" panose="020B0604020202020204" pitchFamily="34" charset="0"/>
-              <a:sym typeface="+mn-lt"/>
-            </a:endParaRPr>
           </a:p>
         </p:txBody>
       </p:sp>
@@ -25131,13 +30425,13 @@
   <p:clrMapOvr>
     <a:masterClrMapping/>
   </p:clrMapOvr>
-  <mc:AlternateContent xmlns:mc="http://schemas.openxmlformats.org/markup-compatibility/2006">
-    <mc:Choice xmlns:p14="http://schemas.microsoft.com/office/powerpoint/2010/main" Requires="p14">
+  <mc:AlternateContent xmlns:mc="http://schemas.openxmlformats.org/markup-compatibility/2006" xmlns:p14="http://schemas.microsoft.com/office/powerpoint/2010/main">
+    <mc:Choice Requires="p14">
       <p:transition p14:dur="100">
         <p:cut/>
       </p:transition>
     </mc:Choice>
-    <mc:Fallback>
+    <mc:Fallback xmlns="">
       <p:transition>
         <p:cut/>
       </p:transition>
@@ -26034,7 +31328,7 @@
           <a:p>
             <a:pPr marL="0" lvl="1" algn="ctr"/>
             <a:r>
-              <a:rPr lang="zh-CN" altLang="en-US" sz="5062" dirty="0" smtClean="0">
+              <a:rPr lang="zh-CN" altLang="en-US" sz="5062" dirty="0">
                 <a:solidFill>
                   <a:srgbClr val="F0D04E"/>
                 </a:solidFill>
@@ -26044,7 +31338,7 @@
               <a:t>   </a:t>
             </a:r>
             <a:r>
-              <a:rPr lang="en-US" altLang="zh-CN" sz="5062" dirty="0" smtClean="0">
+              <a:rPr lang="en-US" altLang="zh-CN" sz="5062" dirty="0">
                 <a:solidFill>
                   <a:srgbClr val="F0D04E"/>
                 </a:solidFill>
@@ -26054,7 +31348,7 @@
               <a:t>idea </a:t>
             </a:r>
             <a:r>
-              <a:rPr lang="zh-CN" altLang="en-US" sz="5062" dirty="0" smtClean="0">
+              <a:rPr lang="zh-CN" altLang="en-US" sz="5062" dirty="0">
                 <a:solidFill>
                   <a:srgbClr val="F0D04E"/>
                 </a:solidFill>
@@ -28356,7 +33650,7 @@
               <a:buNone/>
             </a:pPr>
             <a:r>
-              <a:rPr lang="zh-CN" altLang="en-US" sz="1400" dirty="0" smtClean="0">
+              <a:rPr lang="zh-CN" altLang="en-US" sz="1400" dirty="0">
                 <a:solidFill>
                   <a:schemeClr val="bg1"/>
                 </a:solidFill>
@@ -28411,7 +33705,7 @@
               <a:buNone/>
             </a:pPr>
             <a:r>
-              <a:rPr lang="zh-CN" altLang="en-US" sz="1400" dirty="0" smtClean="0">
+              <a:rPr lang="zh-CN" altLang="en-US" sz="1400" dirty="0">
                 <a:solidFill>
                   <a:schemeClr val="bg1"/>
                 </a:solidFill>
@@ -30591,7 +35885,7 @@
               <a:buNone/>
             </a:pPr>
             <a:r>
-              <a:rPr lang="zh-CN" altLang="en-US" sz="1400" dirty="0" smtClean="0">
+              <a:rPr lang="zh-CN" altLang="en-US" sz="1400" dirty="0">
                 <a:solidFill>
                   <a:schemeClr val="bg1"/>
                 </a:solidFill>
@@ -30603,7 +35897,7 @@
               <a:t>比价软件、</a:t>
             </a:r>
             <a:r>
-              <a:rPr lang="en-US" altLang="zh-CN" sz="1400" dirty="0" smtClean="0">
+              <a:rPr lang="en-US" altLang="zh-CN" sz="1400" dirty="0">
                 <a:solidFill>
                   <a:schemeClr val="bg1"/>
                 </a:solidFill>
@@ -30822,7 +36116,7 @@
               <a:buNone/>
             </a:pPr>
             <a:r>
-              <a:rPr lang="zh-CN" altLang="en-US" sz="1400" dirty="0" smtClean="0">
+              <a:rPr lang="zh-CN" altLang="en-US" sz="1400" dirty="0">
                 <a:solidFill>
                   <a:schemeClr val="bg1"/>
                 </a:solidFill>
@@ -31216,7 +36510,7 @@
               </a:lnSpc>
             </a:pPr>
             <a:r>
-              <a:rPr lang="en-US" altLang="zh-CN" sz="2000" dirty="0" smtClean="0">
+              <a:rPr lang="en-US" altLang="zh-CN" sz="2000" dirty="0">
                 <a:solidFill>
                   <a:srgbClr val="006AB6"/>
                 </a:solidFill>
@@ -31227,7 +36521,7 @@
               <a:t>Idea</a:t>
             </a:r>
             <a:r>
-              <a:rPr lang="zh-CN" altLang="en-US" sz="2000" dirty="0" smtClean="0">
+              <a:rPr lang="zh-CN" altLang="en-US" sz="2000" dirty="0">
                 <a:solidFill>
                   <a:srgbClr val="006AB6"/>
                 </a:solidFill>
@@ -31258,13 +36552,13 @@
   <p:clrMapOvr>
     <a:masterClrMapping/>
   </p:clrMapOvr>
-  <mc:AlternateContent xmlns:mc="http://schemas.openxmlformats.org/markup-compatibility/2006">
-    <mc:Choice xmlns:p14="http://schemas.microsoft.com/office/powerpoint/2010/main" Requires="p14">
+  <mc:AlternateContent xmlns:mc="http://schemas.openxmlformats.org/markup-compatibility/2006" xmlns:p14="http://schemas.microsoft.com/office/powerpoint/2010/main">
+    <mc:Choice Requires="p14">
       <p:transition spd="slow" p14:dur="1200">
         <p14:prism/>
       </p:transition>
     </mc:Choice>
-    <mc:Fallback>
+    <mc:Fallback xmlns="">
       <p:transition spd="slow">
         <p:fade/>
       </p:transition>
@@ -32600,24 +37894,10 @@
                 <a:cs typeface="Arial" panose="020B0604020202020204" pitchFamily="34" charset="0"/>
                 <a:sym typeface="Arial" panose="020B0604020202020204" pitchFamily="34" charset="0"/>
               </a:rPr>
-              <a:t>一</a:t>
+              <a:t>一开始我们并不能搞清楚到底要选择哪一个作为我们的</a:t>
             </a:r>
             <a:r>
-              <a:rPr lang="zh-CN" altLang="en-US" sz="1600" dirty="0" smtClean="0">
-                <a:solidFill>
-                  <a:schemeClr val="bg1">
-                    <a:lumMod val="65000"/>
-                  </a:schemeClr>
-                </a:solidFill>
-                <a:latin typeface="Arial" panose="020B0604020202020204" pitchFamily="34" charset="0"/>
-                <a:ea typeface="微软雅黑" panose="020B0503020204020204" pitchFamily="34" charset="-122"/>
-                <a:cs typeface="Arial" panose="020B0604020202020204" pitchFamily="34" charset="0"/>
-                <a:sym typeface="Arial" panose="020B0604020202020204" pitchFamily="34" charset="0"/>
-              </a:rPr>
-              <a:t>开始我们并不能搞清楚到底要选择哪一个作为我们的</a:t>
-            </a:r>
-            <a:r>
-              <a:rPr lang="en-US" altLang="zh-CN" sz="1600" dirty="0" smtClean="0">
+              <a:rPr lang="en-US" altLang="zh-CN" sz="1600" dirty="0">
                 <a:solidFill>
                   <a:schemeClr val="bg1">
                     <a:lumMod val="65000"/>
@@ -32631,7 +37911,7 @@
               <a:t>idea</a:t>
             </a:r>
             <a:r>
-              <a:rPr lang="zh-CN" altLang="en-US" sz="1600" dirty="0" smtClean="0">
+              <a:rPr lang="zh-CN" altLang="en-US" sz="1600" dirty="0">
                 <a:solidFill>
                   <a:schemeClr val="bg1">
                     <a:lumMod val="65000"/>
@@ -32644,7 +37924,7 @@
               </a:rPr>
               <a:t>，于是就去找任老师探讨哪一个比较好。</a:t>
             </a:r>
-            <a:endParaRPr lang="en-US" altLang="zh-CN" sz="1600" dirty="0" smtClean="0">
+            <a:endParaRPr lang="en-US" altLang="zh-CN" sz="1600" dirty="0">
               <a:solidFill>
                 <a:schemeClr val="bg1">
                   <a:lumMod val="65000"/>
@@ -32669,7 +37949,7 @@
               </a:spcAft>
             </a:pPr>
             <a:r>
-              <a:rPr lang="zh-CN" altLang="en-US" sz="1600" dirty="0" smtClean="0">
+              <a:rPr lang="zh-CN" altLang="en-US" sz="1600" dirty="0">
                 <a:solidFill>
                   <a:schemeClr val="bg1">
                     <a:lumMod val="65000"/>
@@ -32683,7 +37963,7 @@
               <a:t>任老师告诉我们不能犹豫不决，要小组内部讨论到统一意见，专注在一个</a:t>
             </a:r>
             <a:r>
-              <a:rPr lang="en-US" altLang="zh-CN" sz="1600" dirty="0" smtClean="0">
+              <a:rPr lang="en-US" altLang="zh-CN" sz="1600" dirty="0">
                 <a:solidFill>
                   <a:schemeClr val="bg1">
                     <a:lumMod val="65000"/>
@@ -32697,7 +37977,7 @@
               <a:t>idea</a:t>
             </a:r>
             <a:r>
-              <a:rPr lang="zh-CN" altLang="en-US" sz="1600" dirty="0" smtClean="0">
+              <a:rPr lang="zh-CN" altLang="en-US" sz="1600" dirty="0">
                 <a:solidFill>
                   <a:schemeClr val="bg1">
                     <a:lumMod val="65000"/>
@@ -32710,7 +37990,7 @@
               </a:rPr>
               <a:t>上再去找他。</a:t>
             </a:r>
-            <a:endParaRPr lang="en-US" altLang="zh-CN" sz="1600" dirty="0" smtClean="0">
+            <a:endParaRPr lang="en-US" altLang="zh-CN" sz="1600" dirty="0">
               <a:solidFill>
                 <a:schemeClr val="bg1">
                   <a:lumMod val="65000"/>
@@ -32735,7 +38015,7 @@
               </a:spcAft>
             </a:pPr>
             <a:r>
-              <a:rPr lang="zh-CN" altLang="en-US" sz="1600" dirty="0" smtClean="0">
+              <a:rPr lang="zh-CN" altLang="en-US" sz="1600" dirty="0">
                 <a:solidFill>
                   <a:schemeClr val="bg1">
                     <a:lumMod val="65000"/>
@@ -32749,7 +38029,7 @@
               <a:t>同时他也指出我们组现有的</a:t>
             </a:r>
             <a:r>
-              <a:rPr lang="en-US" altLang="zh-CN" sz="1600" dirty="0" smtClean="0">
+              <a:rPr lang="en-US" altLang="zh-CN" sz="1600" dirty="0">
                 <a:solidFill>
                   <a:schemeClr val="bg1">
                     <a:lumMod val="65000"/>
@@ -32763,7 +38043,7 @@
               <a:t>idea</a:t>
             </a:r>
             <a:r>
-              <a:rPr lang="zh-CN" altLang="en-US" sz="1600" dirty="0" smtClean="0">
+              <a:rPr lang="zh-CN" altLang="en-US" sz="1600" dirty="0">
                 <a:solidFill>
                   <a:schemeClr val="bg1">
                     <a:lumMod val="65000"/>
@@ -32776,7 +38056,7 @@
               </a:rPr>
               <a:t>太过宽泛，不符合要求</a:t>
             </a:r>
-            <a:endParaRPr lang="en-US" altLang="zh-CN" sz="1600" dirty="0" smtClean="0">
+            <a:endParaRPr lang="en-US" altLang="zh-CN" sz="1600" dirty="0">
               <a:solidFill>
                 <a:schemeClr val="bg1">
                   <a:lumMod val="65000"/>
@@ -32801,7 +38081,7 @@
               </a:spcAft>
             </a:pPr>
             <a:r>
-              <a:rPr lang="zh-CN" altLang="en-US" sz="1600" dirty="0" smtClean="0">
+              <a:rPr lang="zh-CN" altLang="en-US" sz="1600" dirty="0">
                 <a:solidFill>
                   <a:schemeClr val="bg1">
                     <a:lumMod val="65000"/>
@@ -32815,7 +38095,7 @@
               <a:t>过后的小组会议决定做比价这个</a:t>
             </a:r>
             <a:r>
-              <a:rPr lang="en-US" altLang="zh-CN" sz="1600" dirty="0" smtClean="0">
+              <a:rPr lang="en-US" altLang="zh-CN" sz="1600" dirty="0">
                 <a:solidFill>
                   <a:schemeClr val="bg1">
                     <a:lumMod val="65000"/>
@@ -32829,7 +38109,7 @@
               <a:t>idea</a:t>
             </a:r>
             <a:r>
-              <a:rPr lang="zh-CN" altLang="en-US" sz="1600" dirty="0" smtClean="0">
+              <a:rPr lang="zh-CN" altLang="en-US" sz="1600" dirty="0">
                 <a:solidFill>
                   <a:schemeClr val="bg1">
                     <a:lumMod val="65000"/>
@@ -32842,7 +38122,7 @@
               </a:rPr>
               <a:t>。</a:t>
             </a:r>
-            <a:endParaRPr lang="en-US" altLang="zh-CN" sz="1600" dirty="0" smtClean="0">
+            <a:endParaRPr lang="en-US" altLang="zh-CN" sz="1600" dirty="0">
               <a:solidFill>
                 <a:schemeClr val="bg1">
                   <a:lumMod val="65000"/>
@@ -32866,7 +38146,7 @@
                 <a:spcPts val="0"/>
               </a:spcAft>
             </a:pPr>
-            <a:endParaRPr lang="en-US" altLang="zh-CN" sz="1600" dirty="0" smtClean="0">
+            <a:endParaRPr lang="en-US" altLang="zh-CN" sz="1600" dirty="0">
               <a:solidFill>
                 <a:schemeClr val="bg1">
                   <a:lumMod val="65000"/>
@@ -33275,7 +38555,7 @@
               </a:lnSpc>
             </a:pPr>
             <a:r>
-              <a:rPr lang="zh-CN" altLang="en-US" sz="2000" dirty="0" smtClean="0">
+              <a:rPr lang="zh-CN" altLang="en-US" sz="2000" dirty="0">
                 <a:solidFill>
                   <a:srgbClr val="006AB6"/>
                 </a:solidFill>
@@ -33306,13 +38586,13 @@
   <p:clrMapOvr>
     <a:masterClrMapping/>
   </p:clrMapOvr>
-  <mc:AlternateContent xmlns:mc="http://schemas.openxmlformats.org/markup-compatibility/2006">
-    <mc:Choice xmlns:p14="http://schemas.microsoft.com/office/powerpoint/2010/main" Requires="p14">
+  <mc:AlternateContent xmlns:mc="http://schemas.openxmlformats.org/markup-compatibility/2006" xmlns:p14="http://schemas.microsoft.com/office/powerpoint/2010/main">
+    <mc:Choice Requires="p14">
       <p:transition spd="slow" p14:dur="1200">
         <p14:prism/>
       </p:transition>
     </mc:Choice>
-    <mc:Fallback>
+    <mc:Fallback xmlns="">
       <p:transition spd="slow">
         <p:fade/>
       </p:transition>
@@ -33857,7 +39137,7 @@
               </a:lnSpc>
             </a:pPr>
             <a:r>
-              <a:rPr lang="zh-CN" altLang="en-US" sz="1400" dirty="0" smtClean="0">
+              <a:rPr lang="zh-CN" altLang="en-US" sz="1400" dirty="0">
                 <a:solidFill>
                   <a:schemeClr val="bg1">
                     <a:lumMod val="65000"/>
@@ -33869,7 +39149,7 @@
               </a:rPr>
               <a:t>小组讨论</a:t>
             </a:r>
-            <a:endParaRPr lang="en-US" altLang="zh-CN" sz="1400" dirty="0" smtClean="0">
+            <a:endParaRPr lang="en-US" altLang="zh-CN" sz="1400" dirty="0">
               <a:solidFill>
                 <a:schemeClr val="bg1">
                   <a:lumMod val="65000"/>
@@ -33887,7 +39167,7 @@
               </a:lnSpc>
             </a:pPr>
             <a:r>
-              <a:rPr lang="zh-CN" altLang="en-US" sz="1400" dirty="0" smtClean="0">
+              <a:rPr lang="zh-CN" altLang="en-US" sz="1400" dirty="0">
                 <a:solidFill>
                   <a:schemeClr val="bg1">
                     <a:lumMod val="65000"/>
@@ -33900,7 +39180,7 @@
               <a:t>进一步细化</a:t>
             </a:r>
             <a:r>
-              <a:rPr lang="en-US" altLang="zh-CN" sz="1400" dirty="0" smtClean="0">
+              <a:rPr lang="en-US" altLang="zh-CN" sz="1400" dirty="0">
                 <a:solidFill>
                   <a:schemeClr val="bg1">
                     <a:lumMod val="65000"/>
@@ -33913,7 +39193,7 @@
               <a:t>idea,</a:t>
             </a:r>
             <a:r>
-              <a:rPr lang="zh-CN" altLang="en-US" sz="1400" dirty="0" smtClean="0">
+              <a:rPr lang="zh-CN" altLang="en-US" sz="1400" dirty="0">
                 <a:solidFill>
                   <a:schemeClr val="bg1">
                     <a:lumMod val="65000"/>
@@ -33926,7 +39206,7 @@
               <a:t>确定将以书本作为商品做一个比价</a:t>
             </a:r>
             <a:r>
-              <a:rPr lang="en-US" altLang="zh-CN" sz="1400" dirty="0" smtClean="0">
+              <a:rPr lang="en-US" altLang="zh-CN" sz="1400" dirty="0">
                 <a:solidFill>
                   <a:schemeClr val="bg1">
                     <a:lumMod val="65000"/>
@@ -33938,16 +39218,6 @@
               </a:rPr>
               <a:t>web</a:t>
             </a:r>
-            <a:endParaRPr lang="en-US" altLang="zh-CN" sz="1400" dirty="0" smtClean="0">
-              <a:solidFill>
-                <a:schemeClr val="bg1">
-                  <a:lumMod val="65000"/>
-                </a:schemeClr>
-              </a:solidFill>
-              <a:latin typeface="Arial" panose="020B0604020202020204" pitchFamily="34" charset="0"/>
-              <a:ea typeface="微软雅黑" panose="020B0503020204020204" pitchFamily="34" charset="-122"/>
-              <a:sym typeface="Arial" panose="020B0604020202020204" pitchFamily="34" charset="0"/>
-            </a:endParaRPr>
           </a:p>
         </p:txBody>
       </p:sp>
@@ -34138,7 +39408,7 @@
               </a:lnSpc>
             </a:pPr>
             <a:r>
-              <a:rPr lang="zh-CN" altLang="en-US" sz="1400" dirty="0" smtClean="0">
+              <a:rPr lang="zh-CN" altLang="en-US" sz="1400" dirty="0">
                 <a:solidFill>
                   <a:schemeClr val="bg1">
                     <a:lumMod val="65000"/>
@@ -34150,7 +39420,7 @@
               </a:rPr>
               <a:t>采访同学</a:t>
             </a:r>
-            <a:endParaRPr lang="en-US" altLang="zh-CN" sz="1400" dirty="0" smtClean="0">
+            <a:endParaRPr lang="en-US" altLang="zh-CN" sz="1400" dirty="0">
               <a:solidFill>
                 <a:schemeClr val="bg1">
                   <a:lumMod val="65000"/>
@@ -34168,7 +39438,7 @@
               </a:lnSpc>
             </a:pPr>
             <a:r>
-              <a:rPr lang="zh-CN" altLang="en-US" sz="1400" dirty="0" smtClean="0">
+              <a:rPr lang="zh-CN" altLang="en-US" sz="1400" dirty="0">
                 <a:solidFill>
                   <a:schemeClr val="bg1">
                     <a:lumMod val="65000"/>
@@ -34380,7 +39650,7 @@
               </a:lnSpc>
             </a:pPr>
             <a:r>
-              <a:rPr lang="zh-CN" altLang="en-US" sz="1400" dirty="0" smtClean="0">
+              <a:rPr lang="zh-CN" altLang="en-US" sz="1400" dirty="0">
                 <a:solidFill>
                   <a:schemeClr val="bg1">
                     <a:lumMod val="65000"/>
@@ -34392,16 +39662,6 @@
               </a:rPr>
               <a:t>与老师探讨</a:t>
             </a:r>
-            <a:endParaRPr lang="zh-CN" altLang="en-US" sz="1400" dirty="0">
-              <a:solidFill>
-                <a:schemeClr val="bg1">
-                  <a:lumMod val="65000"/>
-                </a:schemeClr>
-              </a:solidFill>
-              <a:latin typeface="Arial" panose="020B0604020202020204" pitchFamily="34" charset="0"/>
-              <a:ea typeface="微软雅黑" panose="020B0503020204020204" pitchFamily="34" charset="-122"/>
-              <a:sym typeface="Arial" panose="020B0604020202020204" pitchFamily="34" charset="0"/>
-            </a:endParaRPr>
           </a:p>
           <a:p>
             <a:pPr>
@@ -34420,23 +39680,10 @@
                 <a:ea typeface="微软雅黑" panose="020B0503020204020204" pitchFamily="34" charset="-122"/>
                 <a:sym typeface="Arial" panose="020B0604020202020204" pitchFamily="34" charset="0"/>
               </a:rPr>
-              <a:t>汇总</a:t>
+              <a:t>汇总信息，并在此询问老师</a:t>
             </a:r>
             <a:r>
-              <a:rPr lang="zh-CN" altLang="en-US" sz="1400" dirty="0" smtClean="0">
-                <a:solidFill>
-                  <a:schemeClr val="bg1">
-                    <a:lumMod val="65000"/>
-                  </a:schemeClr>
-                </a:solidFill>
-                <a:latin typeface="Arial" panose="020B0604020202020204" pitchFamily="34" charset="0"/>
-                <a:ea typeface="微软雅黑" panose="020B0503020204020204" pitchFamily="34" charset="-122"/>
-                <a:sym typeface="Arial" panose="020B0604020202020204" pitchFamily="34" charset="0"/>
-              </a:rPr>
-              <a:t>信息，并在此询问老师</a:t>
-            </a:r>
-            <a:r>
-              <a:rPr lang="en-US" altLang="zh-CN" sz="1400" dirty="0" smtClean="0">
+              <a:rPr lang="en-US" altLang="zh-CN" sz="1400" dirty="0">
                 <a:solidFill>
                   <a:schemeClr val="bg1">
                     <a:lumMod val="65000"/>
@@ -34449,7 +39696,7 @@
               <a:t>idea</a:t>
             </a:r>
             <a:r>
-              <a:rPr lang="zh-CN" altLang="en-US" sz="1400" dirty="0" smtClean="0">
+              <a:rPr lang="zh-CN" altLang="en-US" sz="1400" dirty="0">
                 <a:solidFill>
                   <a:schemeClr val="bg1">
                     <a:lumMod val="65000"/>
@@ -34461,16 +39708,6 @@
               </a:rPr>
               <a:t>可行性以及一些构想细节</a:t>
             </a:r>
-            <a:endParaRPr lang="zh-CN" altLang="en-US" sz="1400" dirty="0">
-              <a:solidFill>
-                <a:schemeClr val="bg1">
-                  <a:lumMod val="65000"/>
-                </a:schemeClr>
-              </a:solidFill>
-              <a:latin typeface="Arial" panose="020B0604020202020204" pitchFamily="34" charset="0"/>
-              <a:ea typeface="微软雅黑" panose="020B0503020204020204" pitchFamily="34" charset="-122"/>
-              <a:sym typeface="Arial" panose="020B0604020202020204" pitchFamily="34" charset="0"/>
-            </a:endParaRPr>
           </a:p>
         </p:txBody>
       </p:sp>
@@ -34661,7 +39898,7 @@
               </a:lnSpc>
             </a:pPr>
             <a:r>
-              <a:rPr lang="zh-CN" altLang="en-US" sz="1400" dirty="0" smtClean="0">
+              <a:rPr lang="zh-CN" altLang="en-US" sz="1400" dirty="0">
                 <a:solidFill>
                   <a:schemeClr val="bg1">
                     <a:lumMod val="65000"/>
@@ -34673,7 +39910,7 @@
               </a:rPr>
               <a:t>问卷调查</a:t>
             </a:r>
-            <a:endParaRPr lang="en-US" altLang="zh-CN" sz="1400" dirty="0" smtClean="0">
+            <a:endParaRPr lang="en-US" altLang="zh-CN" sz="1400" dirty="0">
               <a:solidFill>
                 <a:schemeClr val="bg1">
                   <a:lumMod val="65000"/>
@@ -34691,7 +39928,7 @@
               </a:lnSpc>
             </a:pPr>
             <a:r>
-              <a:rPr lang="zh-CN" altLang="en-US" sz="1400" dirty="0" smtClean="0">
+              <a:rPr lang="zh-CN" altLang="en-US" sz="1400" dirty="0">
                 <a:solidFill>
                   <a:schemeClr val="bg1">
                     <a:lumMod val="65000"/>
@@ -34703,16 +39940,6 @@
               </a:rPr>
               <a:t>设计问卷，并投放于网站及社交平台，确认用户需求</a:t>
             </a:r>
-            <a:endParaRPr lang="zh-CN" altLang="en-US" sz="1400" dirty="0">
-              <a:solidFill>
-                <a:schemeClr val="bg1">
-                  <a:lumMod val="65000"/>
-                </a:schemeClr>
-              </a:solidFill>
-              <a:latin typeface="Arial" panose="020B0604020202020204" pitchFamily="34" charset="0"/>
-              <a:ea typeface="微软雅黑" panose="020B0503020204020204" pitchFamily="34" charset="-122"/>
-              <a:sym typeface="Arial" panose="020B0604020202020204" pitchFamily="34" charset="0"/>
-            </a:endParaRPr>
           </a:p>
         </p:txBody>
       </p:sp>
@@ -34903,7 +40130,7 @@
               </a:lnSpc>
             </a:pPr>
             <a:r>
-              <a:rPr lang="zh-CN" altLang="en-US" sz="1400" dirty="0" smtClean="0">
+              <a:rPr lang="zh-CN" altLang="en-US" sz="1400" dirty="0">
                 <a:solidFill>
                   <a:schemeClr val="bg1">
                     <a:lumMod val="65000"/>
@@ -34915,7 +40142,7 @@
               </a:rPr>
               <a:t>信息汇总</a:t>
             </a:r>
-            <a:endParaRPr lang="en-US" altLang="zh-CN" sz="1400" dirty="0" smtClean="0">
+            <a:endParaRPr lang="en-US" altLang="zh-CN" sz="1400" dirty="0">
               <a:solidFill>
                 <a:schemeClr val="bg1">
                   <a:lumMod val="65000"/>
@@ -34933,7 +40160,7 @@
               </a:lnSpc>
             </a:pPr>
             <a:r>
-              <a:rPr lang="zh-CN" altLang="en-US" sz="1400" dirty="0" smtClean="0">
+              <a:rPr lang="zh-CN" altLang="en-US" sz="1400" dirty="0">
                 <a:solidFill>
                   <a:schemeClr val="bg1">
                     <a:lumMod val="65000"/>
@@ -35118,7 +40345,7 @@
               </a:lnSpc>
             </a:pPr>
             <a:r>
-              <a:rPr lang="zh-CN" altLang="en-US" sz="4000" dirty="0" smtClean="0">
+              <a:rPr lang="zh-CN" altLang="en-US" sz="4000" dirty="0">
                 <a:solidFill>
                   <a:schemeClr val="bg1">
                     <a:lumMod val="65000"/>
@@ -35130,16 +40357,6 @@
               </a:rPr>
               <a:t>调查流程</a:t>
             </a:r>
-            <a:endParaRPr lang="zh-CN" altLang="en-US" sz="4000" dirty="0">
-              <a:solidFill>
-                <a:schemeClr val="bg1">
-                  <a:lumMod val="65000"/>
-                </a:schemeClr>
-              </a:solidFill>
-              <a:latin typeface="Arial" panose="020B0604020202020204" pitchFamily="34" charset="0"/>
-              <a:ea typeface="微软雅黑" panose="020B0503020204020204" pitchFamily="34" charset="-122"/>
-              <a:sym typeface="Arial" panose="020B0604020202020204" pitchFamily="34" charset="0"/>
-            </a:endParaRPr>
           </a:p>
         </p:txBody>
       </p:sp>
@@ -35514,7 +40731,7 @@
               </a:lnSpc>
             </a:pPr>
             <a:r>
-              <a:rPr lang="zh-CN" altLang="en-US" sz="2000" dirty="0" smtClean="0">
+              <a:rPr lang="zh-CN" altLang="en-US" sz="2000" dirty="0">
                 <a:solidFill>
                   <a:srgbClr val="006AB6"/>
                 </a:solidFill>
@@ -35545,13 +40762,13 @@
   <p:clrMapOvr>
     <a:masterClrMapping/>
   </p:clrMapOvr>
-  <mc:AlternateContent xmlns:mc="http://schemas.openxmlformats.org/markup-compatibility/2006">
-    <mc:Choice xmlns:p14="http://schemas.microsoft.com/office/powerpoint/2010/main" Requires="p14">
+  <mc:AlternateContent xmlns:mc="http://schemas.openxmlformats.org/markup-compatibility/2006" xmlns:p14="http://schemas.microsoft.com/office/powerpoint/2010/main">
+    <mc:Choice Requires="p14">
       <p:transition spd="slow" p14:dur="1200">
         <p14:prism/>
       </p:transition>
     </mc:Choice>
-    <mc:Fallback>
+    <mc:Fallback xmlns="">
       <p:transition spd="slow">
         <p:fade/>
       </p:transition>
@@ -36393,6 +41610,468 @@
       </p:grpSpPr>
       <p:sp>
         <p:nvSpPr>
+          <p:cNvPr id="28" name="任意多边形 27"/>
+          <p:cNvSpPr/>
+          <p:nvPr/>
+        </p:nvSpPr>
+        <p:spPr>
+          <a:xfrm rot="16200000">
+            <a:off x="1592646" y="-1093803"/>
+            <a:ext cx="479931" cy="2926080"/>
+          </a:xfrm>
+          <a:custGeom>
+            <a:avLst/>
+            <a:gdLst>
+              <a:gd name="connsiteX0" fmla="*/ 0 w 3252551"/>
+              <a:gd name="connsiteY0" fmla="*/ 0 h 3677057"/>
+              <a:gd name="connsiteX1" fmla="*/ 3252551 w 3252551"/>
+              <a:gd name="connsiteY1" fmla="*/ 0 h 3677057"/>
+              <a:gd name="connsiteX2" fmla="*/ 3252551 w 3252551"/>
+              <a:gd name="connsiteY2" fmla="*/ 2142517 h 3677057"/>
+              <a:gd name="connsiteX3" fmla="*/ 3244497 w 3252551"/>
+              <a:gd name="connsiteY3" fmla="*/ 2142517 h 3677057"/>
+              <a:gd name="connsiteX4" fmla="*/ 3240653 w 3252551"/>
+              <a:gd name="connsiteY4" fmla="*/ 2218635 h 3677057"/>
+              <a:gd name="connsiteX5" fmla="*/ 1624520 w 3252551"/>
+              <a:gd name="connsiteY5" fmla="*/ 3677057 h 3677057"/>
+              <a:gd name="connsiteX6" fmla="*/ 8387 w 3252551"/>
+              <a:gd name="connsiteY6" fmla="*/ 2218635 h 3677057"/>
+              <a:gd name="connsiteX7" fmla="*/ 4544 w 3252551"/>
+              <a:gd name="connsiteY7" fmla="*/ 2142517 h 3677057"/>
+              <a:gd name="connsiteX8" fmla="*/ 0 w 3252551"/>
+              <a:gd name="connsiteY8" fmla="*/ 2142517 h 3677057"/>
+              <a:gd name="connsiteX9" fmla="*/ 0 w 3252551"/>
+              <a:gd name="connsiteY9" fmla="*/ 2052537 h 3677057"/>
+              <a:gd name="connsiteX0" fmla="*/ 21025 w 3252551"/>
+              <a:gd name="connsiteY0" fmla="*/ 0 h 6202391"/>
+              <a:gd name="connsiteX1" fmla="*/ 3252551 w 3252551"/>
+              <a:gd name="connsiteY1" fmla="*/ 2525334 h 6202391"/>
+              <a:gd name="connsiteX2" fmla="*/ 3252551 w 3252551"/>
+              <a:gd name="connsiteY2" fmla="*/ 4667851 h 6202391"/>
+              <a:gd name="connsiteX3" fmla="*/ 3244497 w 3252551"/>
+              <a:gd name="connsiteY3" fmla="*/ 4667851 h 6202391"/>
+              <a:gd name="connsiteX4" fmla="*/ 3240653 w 3252551"/>
+              <a:gd name="connsiteY4" fmla="*/ 4743969 h 6202391"/>
+              <a:gd name="connsiteX5" fmla="*/ 1624520 w 3252551"/>
+              <a:gd name="connsiteY5" fmla="*/ 6202391 h 6202391"/>
+              <a:gd name="connsiteX6" fmla="*/ 8387 w 3252551"/>
+              <a:gd name="connsiteY6" fmla="*/ 4743969 h 6202391"/>
+              <a:gd name="connsiteX7" fmla="*/ 4544 w 3252551"/>
+              <a:gd name="connsiteY7" fmla="*/ 4667851 h 6202391"/>
+              <a:gd name="connsiteX8" fmla="*/ 0 w 3252551"/>
+              <a:gd name="connsiteY8" fmla="*/ 4667851 h 6202391"/>
+              <a:gd name="connsiteX9" fmla="*/ 0 w 3252551"/>
+              <a:gd name="connsiteY9" fmla="*/ 4577871 h 6202391"/>
+              <a:gd name="connsiteX10" fmla="*/ 21025 w 3252551"/>
+              <a:gd name="connsiteY10" fmla="*/ 0 h 6202391"/>
+              <a:gd name="connsiteX0" fmla="*/ 0 w 3252551"/>
+              <a:gd name="connsiteY0" fmla="*/ 0 h 6202391"/>
+              <a:gd name="connsiteX1" fmla="*/ 3252551 w 3252551"/>
+              <a:gd name="connsiteY1" fmla="*/ 2525334 h 6202391"/>
+              <a:gd name="connsiteX2" fmla="*/ 3252551 w 3252551"/>
+              <a:gd name="connsiteY2" fmla="*/ 4667851 h 6202391"/>
+              <a:gd name="connsiteX3" fmla="*/ 3244497 w 3252551"/>
+              <a:gd name="connsiteY3" fmla="*/ 4667851 h 6202391"/>
+              <a:gd name="connsiteX4" fmla="*/ 3240653 w 3252551"/>
+              <a:gd name="connsiteY4" fmla="*/ 4743969 h 6202391"/>
+              <a:gd name="connsiteX5" fmla="*/ 1624520 w 3252551"/>
+              <a:gd name="connsiteY5" fmla="*/ 6202391 h 6202391"/>
+              <a:gd name="connsiteX6" fmla="*/ 8387 w 3252551"/>
+              <a:gd name="connsiteY6" fmla="*/ 4743969 h 6202391"/>
+              <a:gd name="connsiteX7" fmla="*/ 4544 w 3252551"/>
+              <a:gd name="connsiteY7" fmla="*/ 4667851 h 6202391"/>
+              <a:gd name="connsiteX8" fmla="*/ 0 w 3252551"/>
+              <a:gd name="connsiteY8" fmla="*/ 4667851 h 6202391"/>
+              <a:gd name="connsiteX9" fmla="*/ 0 w 3252551"/>
+              <a:gd name="connsiteY9" fmla="*/ 4577871 h 6202391"/>
+              <a:gd name="connsiteX10" fmla="*/ 0 w 3252551"/>
+              <a:gd name="connsiteY10" fmla="*/ 0 h 6202391"/>
+              <a:gd name="connsiteX0" fmla="*/ 0 w 3252551"/>
+              <a:gd name="connsiteY0" fmla="*/ 0 h 6202391"/>
+              <a:gd name="connsiteX1" fmla="*/ 3231524 w 3252551"/>
+              <a:gd name="connsiteY1" fmla="*/ 22548 h 6202391"/>
+              <a:gd name="connsiteX2" fmla="*/ 3252551 w 3252551"/>
+              <a:gd name="connsiteY2" fmla="*/ 4667851 h 6202391"/>
+              <a:gd name="connsiteX3" fmla="*/ 3244497 w 3252551"/>
+              <a:gd name="connsiteY3" fmla="*/ 4667851 h 6202391"/>
+              <a:gd name="connsiteX4" fmla="*/ 3240653 w 3252551"/>
+              <a:gd name="connsiteY4" fmla="*/ 4743969 h 6202391"/>
+              <a:gd name="connsiteX5" fmla="*/ 1624520 w 3252551"/>
+              <a:gd name="connsiteY5" fmla="*/ 6202391 h 6202391"/>
+              <a:gd name="connsiteX6" fmla="*/ 8387 w 3252551"/>
+              <a:gd name="connsiteY6" fmla="*/ 4743969 h 6202391"/>
+              <a:gd name="connsiteX7" fmla="*/ 4544 w 3252551"/>
+              <a:gd name="connsiteY7" fmla="*/ 4667851 h 6202391"/>
+              <a:gd name="connsiteX8" fmla="*/ 0 w 3252551"/>
+              <a:gd name="connsiteY8" fmla="*/ 4667851 h 6202391"/>
+              <a:gd name="connsiteX9" fmla="*/ 0 w 3252551"/>
+              <a:gd name="connsiteY9" fmla="*/ 4577871 h 6202391"/>
+              <a:gd name="connsiteX10" fmla="*/ 0 w 3252551"/>
+              <a:gd name="connsiteY10" fmla="*/ 0 h 6202391"/>
+              <a:gd name="connsiteX0" fmla="*/ 0 w 3252551"/>
+              <a:gd name="connsiteY0" fmla="*/ 15040398 h 21242789"/>
+              <a:gd name="connsiteX1" fmla="*/ 3231518 w 3252551"/>
+              <a:gd name="connsiteY1" fmla="*/ 3 h 21242789"/>
+              <a:gd name="connsiteX2" fmla="*/ 3252551 w 3252551"/>
+              <a:gd name="connsiteY2" fmla="*/ 19708249 h 21242789"/>
+              <a:gd name="connsiteX3" fmla="*/ 3244497 w 3252551"/>
+              <a:gd name="connsiteY3" fmla="*/ 19708249 h 21242789"/>
+              <a:gd name="connsiteX4" fmla="*/ 3240653 w 3252551"/>
+              <a:gd name="connsiteY4" fmla="*/ 19784367 h 21242789"/>
+              <a:gd name="connsiteX5" fmla="*/ 1624520 w 3252551"/>
+              <a:gd name="connsiteY5" fmla="*/ 21242789 h 21242789"/>
+              <a:gd name="connsiteX6" fmla="*/ 8387 w 3252551"/>
+              <a:gd name="connsiteY6" fmla="*/ 19784367 h 21242789"/>
+              <a:gd name="connsiteX7" fmla="*/ 4544 w 3252551"/>
+              <a:gd name="connsiteY7" fmla="*/ 19708249 h 21242789"/>
+              <a:gd name="connsiteX8" fmla="*/ 0 w 3252551"/>
+              <a:gd name="connsiteY8" fmla="*/ 19708249 h 21242789"/>
+              <a:gd name="connsiteX9" fmla="*/ 0 w 3252551"/>
+              <a:gd name="connsiteY9" fmla="*/ 19618269 h 21242789"/>
+              <a:gd name="connsiteX10" fmla="*/ 0 w 3252551"/>
+              <a:gd name="connsiteY10" fmla="*/ 15040398 h 21242789"/>
+              <a:gd name="connsiteX0" fmla="*/ 0 w 3252551"/>
+              <a:gd name="connsiteY0" fmla="*/ 0 h 21265340"/>
+              <a:gd name="connsiteX1" fmla="*/ 3231518 w 3252551"/>
+              <a:gd name="connsiteY1" fmla="*/ 22554 h 21265340"/>
+              <a:gd name="connsiteX2" fmla="*/ 3252551 w 3252551"/>
+              <a:gd name="connsiteY2" fmla="*/ 19730800 h 21265340"/>
+              <a:gd name="connsiteX3" fmla="*/ 3244497 w 3252551"/>
+              <a:gd name="connsiteY3" fmla="*/ 19730800 h 21265340"/>
+              <a:gd name="connsiteX4" fmla="*/ 3240653 w 3252551"/>
+              <a:gd name="connsiteY4" fmla="*/ 19806918 h 21265340"/>
+              <a:gd name="connsiteX5" fmla="*/ 1624520 w 3252551"/>
+              <a:gd name="connsiteY5" fmla="*/ 21265340 h 21265340"/>
+              <a:gd name="connsiteX6" fmla="*/ 8387 w 3252551"/>
+              <a:gd name="connsiteY6" fmla="*/ 19806918 h 21265340"/>
+              <a:gd name="connsiteX7" fmla="*/ 4544 w 3252551"/>
+              <a:gd name="connsiteY7" fmla="*/ 19730800 h 21265340"/>
+              <a:gd name="connsiteX8" fmla="*/ 0 w 3252551"/>
+              <a:gd name="connsiteY8" fmla="*/ 19730800 h 21265340"/>
+              <a:gd name="connsiteX9" fmla="*/ 0 w 3252551"/>
+              <a:gd name="connsiteY9" fmla="*/ 19640820 h 21265340"/>
+              <a:gd name="connsiteX10" fmla="*/ 0 w 3252551"/>
+              <a:gd name="connsiteY10" fmla="*/ 0 h 21265340"/>
+            </a:gdLst>
+            <a:ahLst/>
+            <a:cxnLst>
+              <a:cxn ang="0">
+                <a:pos x="connsiteX0" y="connsiteY0"/>
+              </a:cxn>
+              <a:cxn ang="0">
+                <a:pos x="connsiteX1" y="connsiteY1"/>
+              </a:cxn>
+              <a:cxn ang="0">
+                <a:pos x="connsiteX2" y="connsiteY2"/>
+              </a:cxn>
+              <a:cxn ang="0">
+                <a:pos x="connsiteX3" y="connsiteY3"/>
+              </a:cxn>
+              <a:cxn ang="0">
+                <a:pos x="connsiteX4" y="connsiteY4"/>
+              </a:cxn>
+              <a:cxn ang="0">
+                <a:pos x="connsiteX5" y="connsiteY5"/>
+              </a:cxn>
+              <a:cxn ang="0">
+                <a:pos x="connsiteX6" y="connsiteY6"/>
+              </a:cxn>
+              <a:cxn ang="0">
+                <a:pos x="connsiteX7" y="connsiteY7"/>
+              </a:cxn>
+              <a:cxn ang="0">
+                <a:pos x="connsiteX8" y="connsiteY8"/>
+              </a:cxn>
+              <a:cxn ang="0">
+                <a:pos x="connsiteX9" y="connsiteY9"/>
+              </a:cxn>
+              <a:cxn ang="0">
+                <a:pos x="connsiteX10" y="connsiteY10"/>
+              </a:cxn>
+            </a:cxnLst>
+            <a:rect l="l" t="t" r="r" b="b"/>
+            <a:pathLst>
+              <a:path w="3252551" h="21265340">
+                <a:moveTo>
+                  <a:pt x="0" y="0"/>
+                </a:moveTo>
+                <a:lnTo>
+                  <a:pt x="3231518" y="22554"/>
+                </a:lnTo>
+                <a:lnTo>
+                  <a:pt x="3252551" y="19730800"/>
+                </a:lnTo>
+                <a:lnTo>
+                  <a:pt x="3244497" y="19730800"/>
+                </a:lnTo>
+                <a:lnTo>
+                  <a:pt x="3240653" y="19806918"/>
+                </a:lnTo>
+                <a:cubicBezTo>
+                  <a:pt x="3157461" y="20626092"/>
+                  <a:pt x="2465643" y="21265340"/>
+                  <a:pt x="1624520" y="21265340"/>
+                </a:cubicBezTo>
+                <a:cubicBezTo>
+                  <a:pt x="783397" y="21265340"/>
+                  <a:pt x="91579" y="20626092"/>
+                  <a:pt x="8387" y="19806918"/>
+                </a:cubicBezTo>
+                <a:lnTo>
+                  <a:pt x="4544" y="19730800"/>
+                </a:lnTo>
+                <a:lnTo>
+                  <a:pt x="0" y="19730800"/>
+                </a:lnTo>
+                <a:lnTo>
+                  <a:pt x="0" y="19640820"/>
+                </a:lnTo>
+                <a:lnTo>
+                  <a:pt x="0" y="0"/>
+                </a:lnTo>
+                <a:close/>
+              </a:path>
+            </a:pathLst>
+          </a:custGeom>
+          <a:solidFill>
+            <a:schemeClr val="bg1">
+              <a:lumMod val="75000"/>
+              <a:alpha val="80000"/>
+            </a:schemeClr>
+          </a:solidFill>
+          <a:ln>
+            <a:noFill/>
+          </a:ln>
+        </p:spPr>
+        <p:style>
+          <a:lnRef idx="2">
+            <a:schemeClr val="accent1">
+              <a:shade val="50000"/>
+            </a:schemeClr>
+          </a:lnRef>
+          <a:fillRef idx="1">
+            <a:schemeClr val="accent1"/>
+          </a:fillRef>
+          <a:effectRef idx="0">
+            <a:schemeClr val="accent1"/>
+          </a:effectRef>
+          <a:fontRef idx="minor">
+            <a:schemeClr val="lt1"/>
+          </a:fontRef>
+        </p:style>
+        <p:txBody>
+          <a:bodyPr lIns="68562" tIns="34281" rIns="68562" bIns="34281" rtlCol="0" anchor="ctr"/>
+          <a:lstStyle/>
+          <a:p>
+            <a:pPr algn="ctr"/>
+            <a:endParaRPr lang="zh-CN" altLang="en-US">
+              <a:latin typeface="微软雅黑" panose="020B0503020204020204" pitchFamily="34" charset="-122"/>
+              <a:ea typeface="微软雅黑" panose="020B0503020204020204" pitchFamily="34" charset="-122"/>
+            </a:endParaRPr>
+          </a:p>
+        </p:txBody>
+      </p:sp>
+      <p:sp>
+        <p:nvSpPr>
+          <p:cNvPr id="29" name="矩形 28"/>
+          <p:cNvSpPr/>
+          <p:nvPr/>
+        </p:nvSpPr>
+        <p:spPr bwMode="auto">
+          <a:xfrm>
+            <a:off x="189992" y="129272"/>
+            <a:ext cx="143256" cy="479932"/>
+          </a:xfrm>
+          <a:prstGeom prst="rect">
+            <a:avLst/>
+          </a:prstGeom>
+          <a:solidFill>
+            <a:schemeClr val="bg1">
+              <a:lumMod val="75000"/>
+              <a:alpha val="80000"/>
+            </a:schemeClr>
+          </a:solidFill>
+          <a:ln>
+            <a:noFill/>
+          </a:ln>
+          <a:extLst/>
+        </p:spPr>
+        <p:style>
+          <a:lnRef idx="2">
+            <a:schemeClr val="accent1">
+              <a:shade val="50000"/>
+            </a:schemeClr>
+          </a:lnRef>
+          <a:fillRef idx="1">
+            <a:schemeClr val="accent1"/>
+          </a:fillRef>
+          <a:effectRef idx="0">
+            <a:schemeClr val="accent1"/>
+          </a:effectRef>
+          <a:fontRef idx="minor">
+            <a:schemeClr val="lt1"/>
+          </a:fontRef>
+        </p:style>
+        <p:txBody>
+          <a:bodyPr lIns="68562" tIns="34281" rIns="68562" bIns="34281" rtlCol="0" anchor="ctr"/>
+          <a:lstStyle/>
+          <a:p>
+            <a:pPr algn="ctr"/>
+            <a:endParaRPr lang="zh-CN" altLang="en-US">
+              <a:solidFill>
+                <a:schemeClr val="lt1"/>
+              </a:solidFill>
+              <a:latin typeface="微软雅黑" panose="020B0503020204020204" pitchFamily="34" charset="-122"/>
+              <a:ea typeface="微软雅黑" panose="020B0503020204020204" pitchFamily="34" charset="-122"/>
+            </a:endParaRPr>
+          </a:p>
+        </p:txBody>
+      </p:sp>
+      <p:sp>
+        <p:nvSpPr>
+          <p:cNvPr id="30" name="文本框 28"/>
+          <p:cNvSpPr>
+            <a:spLocks noChangeArrowheads="1"/>
+          </p:cNvSpPr>
+          <p:nvPr/>
+        </p:nvSpPr>
+        <p:spPr bwMode="auto">
+          <a:xfrm>
+            <a:off x="497968" y="165848"/>
+            <a:ext cx="2847975" cy="438582"/>
+          </a:xfrm>
+          <a:prstGeom prst="rect">
+            <a:avLst/>
+          </a:prstGeom>
+          <a:noFill/>
+          <a:ln>
+            <a:noFill/>
+          </a:ln>
+          <a:extLst>
+            <a:ext uri="{909E8E84-426E-40DD-AFC4-6F175D3DCCD1}">
+              <a14:hiddenFill xmlns:a14="http://schemas.microsoft.com/office/drawing/2010/main">
+                <a:solidFill>
+                  <a:srgbClr val="FFFFFF"/>
+                </a:solidFill>
+              </a14:hiddenFill>
+            </a:ext>
+            <a:ext uri="{91240B29-F687-4F45-9708-019B960494DF}">
+              <a14:hiddenLine xmlns:a14="http://schemas.microsoft.com/office/drawing/2010/main" w="9525">
+                <a:solidFill>
+                  <a:srgbClr val="000000"/>
+                </a:solidFill>
+                <a:miter lim="800000"/>
+                <a:headEnd/>
+                <a:tailEnd/>
+              </a14:hiddenLine>
+            </a:ext>
+          </a:extLst>
+        </p:spPr>
+        <p:txBody>
+          <a:bodyPr lIns="68580" tIns="34290" rIns="68580" bIns="34290">
+            <a:spAutoFit/>
+          </a:bodyPr>
+          <a:lstStyle/>
+          <a:p>
+            <a:pPr>
+              <a:lnSpc>
+                <a:spcPct val="120000"/>
+              </a:lnSpc>
+            </a:pPr>
+            <a:r>
+              <a:rPr lang="zh-CN" altLang="en-US" sz="2000" dirty="0">
+                <a:solidFill>
+                  <a:srgbClr val="006AB6"/>
+                </a:solidFill>
+                <a:latin typeface="Arial" panose="020B0604020202020204" pitchFamily="34" charset="0"/>
+                <a:ea typeface="微软雅黑" panose="020B0503020204020204" pitchFamily="34" charset="-122"/>
+                <a:sym typeface="Arial" panose="020B0604020202020204" pitchFamily="34" charset="0"/>
+              </a:rPr>
+              <a:t>时间安排</a:t>
+            </a:r>
+            <a:endParaRPr lang="en-US" altLang="zh-CN" sz="2000" dirty="0">
+              <a:solidFill>
+                <a:srgbClr val="006AB6"/>
+              </a:solidFill>
+              <a:latin typeface="Arial" panose="020B0604020202020204" pitchFamily="34" charset="0"/>
+              <a:ea typeface="微软雅黑" panose="020B0503020204020204" pitchFamily="34" charset="-122"/>
+              <a:sym typeface="Arial" panose="020B0604020202020204" pitchFamily="34" charset="0"/>
+            </a:endParaRPr>
+          </a:p>
+        </p:txBody>
+      </p:sp>
+      <p:graphicFrame>
+        <p:nvGraphicFramePr>
+          <p:cNvPr id="2" name="图示 1">
+            <a:extLst>
+              <a:ext uri="{FF2B5EF4-FFF2-40B4-BE49-F238E27FC236}">
+                <a16:creationId xmlns:a16="http://schemas.microsoft.com/office/drawing/2014/main" id="{DF766438-3BCB-4AC2-8536-418CDDE021A3}"/>
+              </a:ext>
+            </a:extLst>
+          </p:cNvPr>
+          <p:cNvGraphicFramePr/>
+          <p:nvPr>
+            <p:extLst>
+              <p:ext uri="{D42A27DB-BD31-4B8C-83A1-F6EECF244321}">
+                <p14:modId xmlns:p14="http://schemas.microsoft.com/office/powerpoint/2010/main" val="586914668"/>
+              </p:ext>
+            </p:extLst>
+          </p:nvPr>
+        </p:nvGraphicFramePr>
+        <p:xfrm>
+          <a:off x="1532831" y="2043559"/>
+          <a:ext cx="9686850" cy="3145532"/>
+        </p:xfrm>
+        <a:graphic>
+          <a:graphicData uri="http://schemas.openxmlformats.org/drawingml/2006/diagram">
+            <dgm:relIds xmlns:dgm="http://schemas.openxmlformats.org/drawingml/2006/diagram" xmlns:r="http://schemas.openxmlformats.org/officeDocument/2006/relationships" r:dm="rId3" r:lo="rId4" r:qs="rId5" r:cs="rId6"/>
+          </a:graphicData>
+        </a:graphic>
+      </p:graphicFrame>
+    </p:spTree>
+    <p:extLst>
+      <p:ext uri="{BB962C8B-B14F-4D97-AF65-F5344CB8AC3E}">
+        <p14:creationId xmlns:p14="http://schemas.microsoft.com/office/powerpoint/2010/main" val="337423524"/>
+      </p:ext>
+    </p:extLst>
+  </p:cSld>
+  <p:clrMapOvr>
+    <a:masterClrMapping/>
+  </p:clrMapOvr>
+  <mc:AlternateContent xmlns:mc="http://schemas.openxmlformats.org/markup-compatibility/2006" xmlns:p14="http://schemas.microsoft.com/office/powerpoint/2010/main">
+    <mc:Choice Requires="p14">
+      <p:transition spd="slow" p14:dur="1200">
+        <p14:prism/>
+      </p:transition>
+    </mc:Choice>
+    <mc:Fallback xmlns="">
+      <p:transition spd="slow">
+        <p:fade/>
+      </p:transition>
+    </mc:Fallback>
+  </mc:AlternateContent>
+</p:sld>
+</file>
+
+<file path=ppt/slides/slide8.xml><?xml version="1.0" encoding="utf-8"?>
+<p:sld xmlns:a="http://schemas.openxmlformats.org/drawingml/2006/main" xmlns:r="http://schemas.openxmlformats.org/officeDocument/2006/relationships" xmlns:p="http://schemas.openxmlformats.org/presentationml/2006/main">
+  <p:cSld>
+    <p:spTree>
+      <p:nvGrpSpPr>
+        <p:cNvPr id="1" name=""/>
+        <p:cNvGrpSpPr/>
+        <p:nvPr/>
+      </p:nvGrpSpPr>
+      <p:grpSpPr>
+        <a:xfrm>
+          <a:off x="0" y="0"/>
+          <a:ext cx="0" cy="0"/>
+          <a:chOff x="0" y="0"/>
+          <a:chExt cx="0" cy="0"/>
+        </a:xfrm>
+      </p:grpSpPr>
+      <p:sp>
+        <p:nvSpPr>
           <p:cNvPr id="12" name="TextBox 11"/>
           <p:cNvSpPr txBox="1"/>
           <p:nvPr/>
@@ -36400,7 +42079,7 @@
         <p:spPr>
           <a:xfrm>
             <a:off x="6213351" y="2680221"/>
-            <a:ext cx="3485249" cy="1302216"/>
+            <a:ext cx="3778599" cy="1302216"/>
           </a:xfrm>
           <a:prstGeom prst="rect">
             <a:avLst/>
@@ -36425,7 +42104,7 @@
               <a:t> </a:t>
             </a:r>
             <a:r>
-              <a:rPr lang="zh-CN" altLang="en-US" sz="2800" b="1" dirty="0" smtClean="0">
+              <a:rPr lang="zh-CN" altLang="en-US" sz="2800" b="1" dirty="0">
                 <a:solidFill>
                   <a:srgbClr val="006AB6"/>
                 </a:solidFill>
@@ -36445,34 +42124,14 @@
           <a:p>
             <a:pPr marL="0" lvl="1" algn="ctr"/>
             <a:r>
-              <a:rPr lang="zh-CN" altLang="en-US" sz="5062" dirty="0" smtClean="0">
+              <a:rPr lang="zh-CN" altLang="en-US" sz="5062" dirty="0">
                 <a:solidFill>
                   <a:srgbClr val="F0D04E"/>
                 </a:solidFill>
                 <a:latin typeface="微软雅黑" panose="020B0503020204020204" pitchFamily="34" charset="-122"/>
                 <a:ea typeface="微软雅黑" panose="020B0503020204020204" pitchFamily="34" charset="-122"/>
               </a:rPr>
-              <a:t>   </a:t>
-            </a:r>
-            <a:r>
-              <a:rPr lang="en-US" altLang="zh-CN" sz="5062" dirty="0" smtClean="0">
-                <a:solidFill>
-                  <a:srgbClr val="F0D04E"/>
-                </a:solidFill>
-                <a:latin typeface="微软雅黑" panose="020B0503020204020204" pitchFamily="34" charset="-122"/>
-                <a:ea typeface="微软雅黑" panose="020B0503020204020204" pitchFamily="34" charset="-122"/>
-              </a:rPr>
-              <a:t>WEB</a:t>
-            </a:r>
-            <a:r>
-              <a:rPr lang="zh-CN" altLang="en-US" sz="5062" dirty="0" smtClean="0">
-                <a:solidFill>
-                  <a:srgbClr val="F0D04E"/>
-                </a:solidFill>
-                <a:latin typeface="微软雅黑" panose="020B0503020204020204" pitchFamily="34" charset="-122"/>
-                <a:ea typeface="微软雅黑" panose="020B0503020204020204" pitchFamily="34" charset="-122"/>
-              </a:rPr>
-              <a:t>介绍</a:t>
+              <a:t>   项目介绍</a:t>
             </a:r>
             <a:endParaRPr lang="en-US" altLang="zh-CN" sz="5062" dirty="0">
               <a:solidFill>
@@ -36554,21 +42213,7 @@
                 <a:ea typeface="+mj-ea"/>
                 <a:cs typeface="Arial" panose="020B0604020202020204" pitchFamily="34" charset="0"/>
               </a:rPr>
-              <a:t>PART </a:t>
-            </a:r>
-            <a:r>
-              <a:rPr lang="en-US" altLang="zh-CN" sz="2250" dirty="0" smtClean="0">
-                <a:solidFill>
-                  <a:schemeClr val="tx1">
-                    <a:lumMod val="65000"/>
-                    <a:lumOff val="35000"/>
-                  </a:schemeClr>
-                </a:solidFill>
-                <a:latin typeface="Arial" panose="020B0604020202020204" pitchFamily="34" charset="0"/>
-                <a:ea typeface="+mj-ea"/>
-                <a:cs typeface="Arial" panose="020B0604020202020204" pitchFamily="34" charset="0"/>
-              </a:rPr>
-              <a:t>02</a:t>
+              <a:t>PART 02</a:t>
             </a:r>
             <a:endParaRPr lang="zh-CN" altLang="en-US" sz="2250" dirty="0">
               <a:solidFill>
@@ -36765,7 +42410,7 @@
           <a:lstStyle/>
           <a:p>
             <a:r>
-              <a:rPr lang="en-US" altLang="zh-CN" sz="7031" b="1" dirty="0" smtClean="0">
+              <a:rPr lang="en-US" altLang="zh-CN" sz="7031" b="1" dirty="0">
                 <a:solidFill>
                   <a:srgbClr val="006AB6"/>
                 </a:solidFill>
@@ -36796,13 +42441,13 @@
   <p:clrMapOvr>
     <a:masterClrMapping/>
   </p:clrMapOvr>
-  <mc:AlternateContent xmlns:mc="http://schemas.openxmlformats.org/markup-compatibility/2006">
-    <mc:Choice xmlns:p14="http://schemas.microsoft.com/office/powerpoint/2010/main" Requires="p14">
+  <mc:AlternateContent xmlns:mc="http://schemas.openxmlformats.org/markup-compatibility/2006" xmlns:p14="http://schemas.microsoft.com/office/powerpoint/2010/main">
+    <mc:Choice Requires="p14">
       <p:transition spd="slow" p14:dur="1200">
         <p14:prism/>
       </p:transition>
     </mc:Choice>
-    <mc:Fallback>
+    <mc:Fallback xmlns="">
       <p:transition spd="slow">
         <p:fade/>
       </p:transition>
@@ -37193,7 +42838,7 @@
 </p:sld>
 </file>
 
-<file path=ppt/slides/slide8.xml><?xml version="1.0" encoding="utf-8"?>
+<file path=ppt/slides/slide9.xml><?xml version="1.0" encoding="utf-8"?>
 <p:sld xmlns:a="http://schemas.openxmlformats.org/drawingml/2006/main" xmlns:r="http://schemas.openxmlformats.org/officeDocument/2006/relationships" xmlns:p="http://schemas.openxmlformats.org/presentationml/2006/main">
   <p:cSld>
     <p:spTree>
@@ -37351,7 +42996,7 @@
                 </a:lnSpc>
               </a:pPr>
               <a:r>
-                <a:rPr lang="zh-CN" altLang="en-US" sz="2400" dirty="0" smtClean="0">
+                <a:rPr lang="zh-CN" altLang="en-US" sz="2400" dirty="0">
                   <a:solidFill>
                     <a:schemeClr val="bg1"/>
                   </a:solidFill>
@@ -37478,7 +43123,7 @@
                 </a:lnSpc>
               </a:pPr>
               <a:r>
-                <a:rPr lang="zh-CN" altLang="en-US" sz="2400" dirty="0" smtClean="0">
+                <a:rPr lang="zh-CN" altLang="en-US" sz="2400" dirty="0">
                   <a:solidFill>
                     <a:schemeClr val="bg1"/>
                   </a:solidFill>
@@ -37605,7 +43250,7 @@
                 </a:lnSpc>
               </a:pPr>
               <a:r>
-                <a:rPr lang="zh-CN" altLang="en-US" sz="2400" dirty="0" smtClean="0">
+                <a:rPr lang="zh-CN" altLang="en-US" sz="2400" dirty="0">
                   <a:solidFill>
                     <a:schemeClr val="bg1"/>
                   </a:solidFill>
@@ -38000,7 +43645,7 @@
               </a:lnSpc>
             </a:pPr>
             <a:r>
-              <a:rPr lang="zh-CN" altLang="en-US" sz="2000" dirty="0" smtClean="0">
+              <a:rPr lang="zh-CN" altLang="en-US" sz="2000" dirty="0">
                 <a:solidFill>
                   <a:srgbClr val="006AB6"/>
                 </a:solidFill>
@@ -38044,10 +43689,9 @@
           <a:lstStyle/>
           <a:p>
             <a:r>
-              <a:rPr lang="zh-CN" altLang="en-US" dirty="0" smtClean="0"/>
+              <a:rPr lang="zh-CN" altLang="en-US" dirty="0"/>
               <a:t>一个旨在方便买家比较价格的软件</a:t>
             </a:r>
-            <a:endParaRPr lang="zh-CN" altLang="en-US" dirty="0"/>
           </a:p>
         </p:txBody>
       </p:sp>
@@ -38074,10 +43718,9 @@
           <a:lstStyle/>
           <a:p>
             <a:r>
-              <a:rPr lang="zh-CN" altLang="en-US" dirty="0" smtClean="0"/>
+              <a:rPr lang="zh-CN" altLang="en-US" dirty="0"/>
               <a:t>搜索功能，排序功能，跳转功能</a:t>
             </a:r>
-            <a:endParaRPr lang="zh-CN" altLang="en-US" dirty="0"/>
           </a:p>
         </p:txBody>
       </p:sp>
@@ -38104,20 +43747,19 @@
           <a:lstStyle/>
           <a:p>
             <a:r>
-              <a:rPr lang="en-US" altLang="zh-CN" dirty="0" smtClean="0"/>
+              <a:rPr lang="en-US" altLang="zh-CN" dirty="0"/>
               <a:t>Vue2.js</a:t>
             </a:r>
           </a:p>
           <a:p>
             <a:r>
-              <a:rPr lang="en-US" altLang="zh-CN" dirty="0" err="1" smtClean="0"/>
-              <a:t>Ivew</a:t>
+              <a:rPr lang="en-US" altLang="zh-CN" dirty="0" err="1"/>
+              <a:t>ivew</a:t>
             </a:r>
             <a:r>
-              <a:rPr lang="zh-CN" altLang="en-US" dirty="0" smtClean="0"/>
+              <a:rPr lang="zh-CN" altLang="en-US" dirty="0"/>
               <a:t>组件库</a:t>
             </a:r>
-            <a:endParaRPr lang="zh-CN" altLang="en-US" dirty="0"/>
           </a:p>
         </p:txBody>
       </p:sp>
@@ -38131,13 +43773,13 @@
   <p:clrMapOvr>
     <a:masterClrMapping/>
   </p:clrMapOvr>
-  <mc:AlternateContent xmlns:mc="http://schemas.openxmlformats.org/markup-compatibility/2006">
-    <mc:Choice xmlns:p14="http://schemas.microsoft.com/office/powerpoint/2010/main" Requires="p14">
+  <mc:AlternateContent xmlns:mc="http://schemas.openxmlformats.org/markup-compatibility/2006" xmlns:p14="http://schemas.microsoft.com/office/powerpoint/2010/main">
+    <mc:Choice Requires="p14">
       <p:transition spd="slow" p14:dur="1200">
         <p14:prism/>
       </p:transition>
     </mc:Choice>
-    <mc:Fallback>
+    <mc:Fallback xmlns="">
       <p:transition spd="slow">
         <p:fade/>
       </p:transition>
@@ -38593,840 +44235,6 @@
       <p:bldP spid="21" grpId="0"/>
       <p:bldP spid="22" grpId="0"/>
     </p:bldLst>
-  </p:timing>
-</p:sld>
-</file>
-
-<file path=ppt/slides/slide9.xml><?xml version="1.0" encoding="utf-8"?>
-<p:sld xmlns:a="http://schemas.openxmlformats.org/drawingml/2006/main" xmlns:r="http://schemas.openxmlformats.org/officeDocument/2006/relationships" xmlns:p="http://schemas.openxmlformats.org/presentationml/2006/main">
-  <p:cSld>
-    <p:spTree>
-      <p:nvGrpSpPr>
-        <p:cNvPr id="1" name=""/>
-        <p:cNvGrpSpPr/>
-        <p:nvPr/>
-      </p:nvGrpSpPr>
-      <p:grpSpPr>
-        <a:xfrm>
-          <a:off x="0" y="0"/>
-          <a:ext cx="0" cy="0"/>
-          <a:chOff x="0" y="0"/>
-          <a:chExt cx="0" cy="0"/>
-        </a:xfrm>
-      </p:grpSpPr>
-      <p:sp>
-        <p:nvSpPr>
-          <p:cNvPr id="16" name="任意多边形 15"/>
-          <p:cNvSpPr/>
-          <p:nvPr/>
-        </p:nvSpPr>
-        <p:spPr>
-          <a:xfrm rot="16200000">
-            <a:off x="1592646" y="-1093803"/>
-            <a:ext cx="479931" cy="2926080"/>
-          </a:xfrm>
-          <a:custGeom>
-            <a:avLst/>
-            <a:gdLst>
-              <a:gd name="connsiteX0" fmla="*/ 0 w 3252551"/>
-              <a:gd name="connsiteY0" fmla="*/ 0 h 3677057"/>
-              <a:gd name="connsiteX1" fmla="*/ 3252551 w 3252551"/>
-              <a:gd name="connsiteY1" fmla="*/ 0 h 3677057"/>
-              <a:gd name="connsiteX2" fmla="*/ 3252551 w 3252551"/>
-              <a:gd name="connsiteY2" fmla="*/ 2142517 h 3677057"/>
-              <a:gd name="connsiteX3" fmla="*/ 3244497 w 3252551"/>
-              <a:gd name="connsiteY3" fmla="*/ 2142517 h 3677057"/>
-              <a:gd name="connsiteX4" fmla="*/ 3240653 w 3252551"/>
-              <a:gd name="connsiteY4" fmla="*/ 2218635 h 3677057"/>
-              <a:gd name="connsiteX5" fmla="*/ 1624520 w 3252551"/>
-              <a:gd name="connsiteY5" fmla="*/ 3677057 h 3677057"/>
-              <a:gd name="connsiteX6" fmla="*/ 8387 w 3252551"/>
-              <a:gd name="connsiteY6" fmla="*/ 2218635 h 3677057"/>
-              <a:gd name="connsiteX7" fmla="*/ 4544 w 3252551"/>
-              <a:gd name="connsiteY7" fmla="*/ 2142517 h 3677057"/>
-              <a:gd name="connsiteX8" fmla="*/ 0 w 3252551"/>
-              <a:gd name="connsiteY8" fmla="*/ 2142517 h 3677057"/>
-              <a:gd name="connsiteX9" fmla="*/ 0 w 3252551"/>
-              <a:gd name="connsiteY9" fmla="*/ 2052537 h 3677057"/>
-              <a:gd name="connsiteX0" fmla="*/ 21025 w 3252551"/>
-              <a:gd name="connsiteY0" fmla="*/ 0 h 6202391"/>
-              <a:gd name="connsiteX1" fmla="*/ 3252551 w 3252551"/>
-              <a:gd name="connsiteY1" fmla="*/ 2525334 h 6202391"/>
-              <a:gd name="connsiteX2" fmla="*/ 3252551 w 3252551"/>
-              <a:gd name="connsiteY2" fmla="*/ 4667851 h 6202391"/>
-              <a:gd name="connsiteX3" fmla="*/ 3244497 w 3252551"/>
-              <a:gd name="connsiteY3" fmla="*/ 4667851 h 6202391"/>
-              <a:gd name="connsiteX4" fmla="*/ 3240653 w 3252551"/>
-              <a:gd name="connsiteY4" fmla="*/ 4743969 h 6202391"/>
-              <a:gd name="connsiteX5" fmla="*/ 1624520 w 3252551"/>
-              <a:gd name="connsiteY5" fmla="*/ 6202391 h 6202391"/>
-              <a:gd name="connsiteX6" fmla="*/ 8387 w 3252551"/>
-              <a:gd name="connsiteY6" fmla="*/ 4743969 h 6202391"/>
-              <a:gd name="connsiteX7" fmla="*/ 4544 w 3252551"/>
-              <a:gd name="connsiteY7" fmla="*/ 4667851 h 6202391"/>
-              <a:gd name="connsiteX8" fmla="*/ 0 w 3252551"/>
-              <a:gd name="connsiteY8" fmla="*/ 4667851 h 6202391"/>
-              <a:gd name="connsiteX9" fmla="*/ 0 w 3252551"/>
-              <a:gd name="connsiteY9" fmla="*/ 4577871 h 6202391"/>
-              <a:gd name="connsiteX10" fmla="*/ 21025 w 3252551"/>
-              <a:gd name="connsiteY10" fmla="*/ 0 h 6202391"/>
-              <a:gd name="connsiteX0" fmla="*/ 0 w 3252551"/>
-              <a:gd name="connsiteY0" fmla="*/ 0 h 6202391"/>
-              <a:gd name="connsiteX1" fmla="*/ 3252551 w 3252551"/>
-              <a:gd name="connsiteY1" fmla="*/ 2525334 h 6202391"/>
-              <a:gd name="connsiteX2" fmla="*/ 3252551 w 3252551"/>
-              <a:gd name="connsiteY2" fmla="*/ 4667851 h 6202391"/>
-              <a:gd name="connsiteX3" fmla="*/ 3244497 w 3252551"/>
-              <a:gd name="connsiteY3" fmla="*/ 4667851 h 6202391"/>
-              <a:gd name="connsiteX4" fmla="*/ 3240653 w 3252551"/>
-              <a:gd name="connsiteY4" fmla="*/ 4743969 h 6202391"/>
-              <a:gd name="connsiteX5" fmla="*/ 1624520 w 3252551"/>
-              <a:gd name="connsiteY5" fmla="*/ 6202391 h 6202391"/>
-              <a:gd name="connsiteX6" fmla="*/ 8387 w 3252551"/>
-              <a:gd name="connsiteY6" fmla="*/ 4743969 h 6202391"/>
-              <a:gd name="connsiteX7" fmla="*/ 4544 w 3252551"/>
-              <a:gd name="connsiteY7" fmla="*/ 4667851 h 6202391"/>
-              <a:gd name="connsiteX8" fmla="*/ 0 w 3252551"/>
-              <a:gd name="connsiteY8" fmla="*/ 4667851 h 6202391"/>
-              <a:gd name="connsiteX9" fmla="*/ 0 w 3252551"/>
-              <a:gd name="connsiteY9" fmla="*/ 4577871 h 6202391"/>
-              <a:gd name="connsiteX10" fmla="*/ 0 w 3252551"/>
-              <a:gd name="connsiteY10" fmla="*/ 0 h 6202391"/>
-              <a:gd name="connsiteX0" fmla="*/ 0 w 3252551"/>
-              <a:gd name="connsiteY0" fmla="*/ 0 h 6202391"/>
-              <a:gd name="connsiteX1" fmla="*/ 3231524 w 3252551"/>
-              <a:gd name="connsiteY1" fmla="*/ 22548 h 6202391"/>
-              <a:gd name="connsiteX2" fmla="*/ 3252551 w 3252551"/>
-              <a:gd name="connsiteY2" fmla="*/ 4667851 h 6202391"/>
-              <a:gd name="connsiteX3" fmla="*/ 3244497 w 3252551"/>
-              <a:gd name="connsiteY3" fmla="*/ 4667851 h 6202391"/>
-              <a:gd name="connsiteX4" fmla="*/ 3240653 w 3252551"/>
-              <a:gd name="connsiteY4" fmla="*/ 4743969 h 6202391"/>
-              <a:gd name="connsiteX5" fmla="*/ 1624520 w 3252551"/>
-              <a:gd name="connsiteY5" fmla="*/ 6202391 h 6202391"/>
-              <a:gd name="connsiteX6" fmla="*/ 8387 w 3252551"/>
-              <a:gd name="connsiteY6" fmla="*/ 4743969 h 6202391"/>
-              <a:gd name="connsiteX7" fmla="*/ 4544 w 3252551"/>
-              <a:gd name="connsiteY7" fmla="*/ 4667851 h 6202391"/>
-              <a:gd name="connsiteX8" fmla="*/ 0 w 3252551"/>
-              <a:gd name="connsiteY8" fmla="*/ 4667851 h 6202391"/>
-              <a:gd name="connsiteX9" fmla="*/ 0 w 3252551"/>
-              <a:gd name="connsiteY9" fmla="*/ 4577871 h 6202391"/>
-              <a:gd name="connsiteX10" fmla="*/ 0 w 3252551"/>
-              <a:gd name="connsiteY10" fmla="*/ 0 h 6202391"/>
-              <a:gd name="connsiteX0" fmla="*/ 0 w 3252551"/>
-              <a:gd name="connsiteY0" fmla="*/ 15040398 h 21242789"/>
-              <a:gd name="connsiteX1" fmla="*/ 3231518 w 3252551"/>
-              <a:gd name="connsiteY1" fmla="*/ 3 h 21242789"/>
-              <a:gd name="connsiteX2" fmla="*/ 3252551 w 3252551"/>
-              <a:gd name="connsiteY2" fmla="*/ 19708249 h 21242789"/>
-              <a:gd name="connsiteX3" fmla="*/ 3244497 w 3252551"/>
-              <a:gd name="connsiteY3" fmla="*/ 19708249 h 21242789"/>
-              <a:gd name="connsiteX4" fmla="*/ 3240653 w 3252551"/>
-              <a:gd name="connsiteY4" fmla="*/ 19784367 h 21242789"/>
-              <a:gd name="connsiteX5" fmla="*/ 1624520 w 3252551"/>
-              <a:gd name="connsiteY5" fmla="*/ 21242789 h 21242789"/>
-              <a:gd name="connsiteX6" fmla="*/ 8387 w 3252551"/>
-              <a:gd name="connsiteY6" fmla="*/ 19784367 h 21242789"/>
-              <a:gd name="connsiteX7" fmla="*/ 4544 w 3252551"/>
-              <a:gd name="connsiteY7" fmla="*/ 19708249 h 21242789"/>
-              <a:gd name="connsiteX8" fmla="*/ 0 w 3252551"/>
-              <a:gd name="connsiteY8" fmla="*/ 19708249 h 21242789"/>
-              <a:gd name="connsiteX9" fmla="*/ 0 w 3252551"/>
-              <a:gd name="connsiteY9" fmla="*/ 19618269 h 21242789"/>
-              <a:gd name="connsiteX10" fmla="*/ 0 w 3252551"/>
-              <a:gd name="connsiteY10" fmla="*/ 15040398 h 21242789"/>
-              <a:gd name="connsiteX0" fmla="*/ 0 w 3252551"/>
-              <a:gd name="connsiteY0" fmla="*/ 0 h 21265340"/>
-              <a:gd name="connsiteX1" fmla="*/ 3231518 w 3252551"/>
-              <a:gd name="connsiteY1" fmla="*/ 22554 h 21265340"/>
-              <a:gd name="connsiteX2" fmla="*/ 3252551 w 3252551"/>
-              <a:gd name="connsiteY2" fmla="*/ 19730800 h 21265340"/>
-              <a:gd name="connsiteX3" fmla="*/ 3244497 w 3252551"/>
-              <a:gd name="connsiteY3" fmla="*/ 19730800 h 21265340"/>
-              <a:gd name="connsiteX4" fmla="*/ 3240653 w 3252551"/>
-              <a:gd name="connsiteY4" fmla="*/ 19806918 h 21265340"/>
-              <a:gd name="connsiteX5" fmla="*/ 1624520 w 3252551"/>
-              <a:gd name="connsiteY5" fmla="*/ 21265340 h 21265340"/>
-              <a:gd name="connsiteX6" fmla="*/ 8387 w 3252551"/>
-              <a:gd name="connsiteY6" fmla="*/ 19806918 h 21265340"/>
-              <a:gd name="connsiteX7" fmla="*/ 4544 w 3252551"/>
-              <a:gd name="connsiteY7" fmla="*/ 19730800 h 21265340"/>
-              <a:gd name="connsiteX8" fmla="*/ 0 w 3252551"/>
-              <a:gd name="connsiteY8" fmla="*/ 19730800 h 21265340"/>
-              <a:gd name="connsiteX9" fmla="*/ 0 w 3252551"/>
-              <a:gd name="connsiteY9" fmla="*/ 19640820 h 21265340"/>
-              <a:gd name="connsiteX10" fmla="*/ 0 w 3252551"/>
-              <a:gd name="connsiteY10" fmla="*/ 0 h 21265340"/>
-            </a:gdLst>
-            <a:ahLst/>
-            <a:cxnLst>
-              <a:cxn ang="0">
-                <a:pos x="connsiteX0" y="connsiteY0"/>
-              </a:cxn>
-              <a:cxn ang="0">
-                <a:pos x="connsiteX1" y="connsiteY1"/>
-              </a:cxn>
-              <a:cxn ang="0">
-                <a:pos x="connsiteX2" y="connsiteY2"/>
-              </a:cxn>
-              <a:cxn ang="0">
-                <a:pos x="connsiteX3" y="connsiteY3"/>
-              </a:cxn>
-              <a:cxn ang="0">
-                <a:pos x="connsiteX4" y="connsiteY4"/>
-              </a:cxn>
-              <a:cxn ang="0">
-                <a:pos x="connsiteX5" y="connsiteY5"/>
-              </a:cxn>
-              <a:cxn ang="0">
-                <a:pos x="connsiteX6" y="connsiteY6"/>
-              </a:cxn>
-              <a:cxn ang="0">
-                <a:pos x="connsiteX7" y="connsiteY7"/>
-              </a:cxn>
-              <a:cxn ang="0">
-                <a:pos x="connsiteX8" y="connsiteY8"/>
-              </a:cxn>
-              <a:cxn ang="0">
-                <a:pos x="connsiteX9" y="connsiteY9"/>
-              </a:cxn>
-              <a:cxn ang="0">
-                <a:pos x="connsiteX10" y="connsiteY10"/>
-              </a:cxn>
-            </a:cxnLst>
-            <a:rect l="l" t="t" r="r" b="b"/>
-            <a:pathLst>
-              <a:path w="3252551" h="21265340">
-                <a:moveTo>
-                  <a:pt x="0" y="0"/>
-                </a:moveTo>
-                <a:lnTo>
-                  <a:pt x="3231518" y="22554"/>
-                </a:lnTo>
-                <a:lnTo>
-                  <a:pt x="3252551" y="19730800"/>
-                </a:lnTo>
-                <a:lnTo>
-                  <a:pt x="3244497" y="19730800"/>
-                </a:lnTo>
-                <a:lnTo>
-                  <a:pt x="3240653" y="19806918"/>
-                </a:lnTo>
-                <a:cubicBezTo>
-                  <a:pt x="3157461" y="20626092"/>
-                  <a:pt x="2465643" y="21265340"/>
-                  <a:pt x="1624520" y="21265340"/>
-                </a:cubicBezTo>
-                <a:cubicBezTo>
-                  <a:pt x="783397" y="21265340"/>
-                  <a:pt x="91579" y="20626092"/>
-                  <a:pt x="8387" y="19806918"/>
-                </a:cubicBezTo>
-                <a:lnTo>
-                  <a:pt x="4544" y="19730800"/>
-                </a:lnTo>
-                <a:lnTo>
-                  <a:pt x="0" y="19730800"/>
-                </a:lnTo>
-                <a:lnTo>
-                  <a:pt x="0" y="19640820"/>
-                </a:lnTo>
-                <a:lnTo>
-                  <a:pt x="0" y="0"/>
-                </a:lnTo>
-                <a:close/>
-              </a:path>
-            </a:pathLst>
-          </a:custGeom>
-          <a:solidFill>
-            <a:schemeClr val="bg1">
-              <a:lumMod val="75000"/>
-              <a:alpha val="80000"/>
-            </a:schemeClr>
-          </a:solidFill>
-          <a:ln>
-            <a:noFill/>
-          </a:ln>
-        </p:spPr>
-        <p:style>
-          <a:lnRef idx="2">
-            <a:schemeClr val="accent1">
-              <a:shade val="50000"/>
-            </a:schemeClr>
-          </a:lnRef>
-          <a:fillRef idx="1">
-            <a:schemeClr val="accent1"/>
-          </a:fillRef>
-          <a:effectRef idx="0">
-            <a:schemeClr val="accent1"/>
-          </a:effectRef>
-          <a:fontRef idx="minor">
-            <a:schemeClr val="lt1"/>
-          </a:fontRef>
-        </p:style>
-        <p:txBody>
-          <a:bodyPr lIns="68562" tIns="34281" rIns="68562" bIns="34281" rtlCol="0" anchor="ctr"/>
-          <a:lstStyle/>
-          <a:p>
-            <a:pPr algn="ctr"/>
-            <a:endParaRPr lang="zh-CN" altLang="en-US">
-              <a:latin typeface="微软雅黑" panose="020B0503020204020204" pitchFamily="34" charset="-122"/>
-              <a:ea typeface="微软雅黑" panose="020B0503020204020204" pitchFamily="34" charset="-122"/>
-            </a:endParaRPr>
-          </a:p>
-        </p:txBody>
-      </p:sp>
-      <p:sp>
-        <p:nvSpPr>
-          <p:cNvPr id="17" name="矩形 16"/>
-          <p:cNvSpPr/>
-          <p:nvPr/>
-        </p:nvSpPr>
-        <p:spPr bwMode="auto">
-          <a:xfrm>
-            <a:off x="189992" y="129272"/>
-            <a:ext cx="143256" cy="479932"/>
-          </a:xfrm>
-          <a:prstGeom prst="rect">
-            <a:avLst/>
-          </a:prstGeom>
-          <a:solidFill>
-            <a:schemeClr val="bg1">
-              <a:lumMod val="75000"/>
-              <a:alpha val="80000"/>
-            </a:schemeClr>
-          </a:solidFill>
-          <a:ln>
-            <a:noFill/>
-          </a:ln>
-          <a:extLst/>
-        </p:spPr>
-        <p:style>
-          <a:lnRef idx="2">
-            <a:schemeClr val="accent1">
-              <a:shade val="50000"/>
-            </a:schemeClr>
-          </a:lnRef>
-          <a:fillRef idx="1">
-            <a:schemeClr val="accent1"/>
-          </a:fillRef>
-          <a:effectRef idx="0">
-            <a:schemeClr val="accent1"/>
-          </a:effectRef>
-          <a:fontRef idx="minor">
-            <a:schemeClr val="lt1"/>
-          </a:fontRef>
-        </p:style>
-        <p:txBody>
-          <a:bodyPr lIns="68562" tIns="34281" rIns="68562" bIns="34281" rtlCol="0" anchor="ctr"/>
-          <a:lstStyle/>
-          <a:p>
-            <a:pPr algn="ctr"/>
-            <a:endParaRPr lang="zh-CN" altLang="en-US">
-              <a:solidFill>
-                <a:schemeClr val="lt1"/>
-              </a:solidFill>
-              <a:latin typeface="微软雅黑" panose="020B0503020204020204" pitchFamily="34" charset="-122"/>
-              <a:ea typeface="微软雅黑" panose="020B0503020204020204" pitchFamily="34" charset="-122"/>
-            </a:endParaRPr>
-          </a:p>
-        </p:txBody>
-      </p:sp>
-      <p:sp>
-        <p:nvSpPr>
-          <p:cNvPr id="18" name="文本框 28"/>
-          <p:cNvSpPr>
-            <a:spLocks noChangeArrowheads="1"/>
-          </p:cNvSpPr>
-          <p:nvPr/>
-        </p:nvSpPr>
-        <p:spPr bwMode="auto">
-          <a:xfrm>
-            <a:off x="497968" y="165848"/>
-            <a:ext cx="2847975" cy="406778"/>
-          </a:xfrm>
-          <a:prstGeom prst="rect">
-            <a:avLst/>
-          </a:prstGeom>
-          <a:noFill/>
-          <a:ln>
-            <a:noFill/>
-          </a:ln>
-          <a:extLst>
-            <a:ext uri="{909E8E84-426E-40DD-AFC4-6F175D3DCCD1}">
-              <a14:hiddenFill xmlns:a14="http://schemas.microsoft.com/office/drawing/2010/main">
-                <a:solidFill>
-                  <a:srgbClr val="FFFFFF"/>
-                </a:solidFill>
-              </a14:hiddenFill>
-            </a:ext>
-            <a:ext uri="{91240B29-F687-4F45-9708-019B960494DF}">
-              <a14:hiddenLine xmlns:a14="http://schemas.microsoft.com/office/drawing/2010/main" w="9525">
-                <a:solidFill>
-                  <a:srgbClr val="000000"/>
-                </a:solidFill>
-                <a:miter lim="800000"/>
-                <a:headEnd/>
-                <a:tailEnd/>
-              </a14:hiddenLine>
-            </a:ext>
-          </a:extLst>
-        </p:spPr>
-        <p:txBody>
-          <a:bodyPr lIns="68580" tIns="34290" rIns="68580" bIns="34290">
-            <a:spAutoFit/>
-          </a:bodyPr>
-          <a:lstStyle/>
-          <a:p>
-            <a:pPr>
-              <a:lnSpc>
-                <a:spcPct val="120000"/>
-              </a:lnSpc>
-            </a:pPr>
-            <a:r>
-              <a:rPr lang="zh-CN" altLang="en-US" sz="2000" dirty="0">
-                <a:solidFill>
-                  <a:srgbClr val="006AB6"/>
-                </a:solidFill>
-                <a:latin typeface="Arial" panose="020B0604020202020204" pitchFamily="34" charset="0"/>
-                <a:ea typeface="微软雅黑" panose="020B0503020204020204" pitchFamily="34" charset="-122"/>
-                <a:sym typeface="Arial" panose="020B0604020202020204" pitchFamily="34" charset="0"/>
-              </a:rPr>
-              <a:t>界面设计</a:t>
-            </a:r>
-            <a:endParaRPr lang="en-US" altLang="zh-CN" sz="2000" dirty="0">
-              <a:solidFill>
-                <a:srgbClr val="006AB6"/>
-              </a:solidFill>
-              <a:latin typeface="Arial" panose="020B0604020202020204" pitchFamily="34" charset="0"/>
-              <a:ea typeface="微软雅黑" panose="020B0503020204020204" pitchFamily="34" charset="-122"/>
-              <a:sym typeface="Arial" panose="020B0604020202020204" pitchFamily="34" charset="0"/>
-            </a:endParaRPr>
-          </a:p>
-        </p:txBody>
-      </p:sp>
-      <p:sp>
-        <p:nvSpPr>
-          <p:cNvPr id="3" name="矩形 2"/>
-          <p:cNvSpPr/>
-          <p:nvPr/>
-        </p:nvSpPr>
-        <p:spPr>
-          <a:xfrm>
-            <a:off x="2252911" y="952029"/>
-            <a:ext cx="7848872" cy="576064"/>
-          </a:xfrm>
-          <a:prstGeom prst="rect">
-            <a:avLst/>
-          </a:prstGeom>
-          <a:solidFill>
-            <a:schemeClr val="bg1"/>
-          </a:solidFill>
-        </p:spPr>
-        <p:style>
-          <a:lnRef idx="2">
-            <a:schemeClr val="accent1">
-              <a:shade val="50000"/>
-            </a:schemeClr>
-          </a:lnRef>
-          <a:fillRef idx="1">
-            <a:schemeClr val="accent1"/>
-          </a:fillRef>
-          <a:effectRef idx="0">
-            <a:schemeClr val="accent1"/>
-          </a:effectRef>
-          <a:fontRef idx="minor">
-            <a:schemeClr val="lt1"/>
-          </a:fontRef>
-        </p:style>
-        <p:txBody>
-          <a:bodyPr rtlCol="0" anchor="ctr"/>
-          <a:lstStyle/>
-          <a:p>
-            <a:pPr algn="ctr"/>
-            <a:endParaRPr lang="zh-CN" altLang="en-US" dirty="0"/>
-          </a:p>
-        </p:txBody>
-      </p:sp>
-      <p:sp>
-        <p:nvSpPr>
-          <p:cNvPr id="4" name="矩形 3"/>
-          <p:cNvSpPr/>
-          <p:nvPr/>
-        </p:nvSpPr>
-        <p:spPr>
-          <a:xfrm>
-            <a:off x="1171416" y="2032149"/>
-            <a:ext cx="4248472" cy="4680520"/>
-          </a:xfrm>
-          <a:prstGeom prst="rect">
-            <a:avLst/>
-          </a:prstGeom>
-          <a:solidFill>
-            <a:schemeClr val="accent2">
-              <a:lumMod val="60000"/>
-              <a:lumOff val="40000"/>
-            </a:schemeClr>
-          </a:solidFill>
-        </p:spPr>
-        <p:style>
-          <a:lnRef idx="2">
-            <a:schemeClr val="accent1">
-              <a:shade val="50000"/>
-            </a:schemeClr>
-          </a:lnRef>
-          <a:fillRef idx="1">
-            <a:schemeClr val="accent1"/>
-          </a:fillRef>
-          <a:effectRef idx="0">
-            <a:schemeClr val="accent1"/>
-          </a:effectRef>
-          <a:fontRef idx="minor">
-            <a:schemeClr val="lt1"/>
-          </a:fontRef>
-        </p:style>
-        <p:txBody>
-          <a:bodyPr rtlCol="0" anchor="ctr"/>
-          <a:lstStyle/>
-          <a:p>
-            <a:pPr algn="ctr"/>
-            <a:endParaRPr lang="zh-CN" altLang="en-US"/>
-          </a:p>
-        </p:txBody>
-      </p:sp>
-      <p:sp>
-        <p:nvSpPr>
-          <p:cNvPr id="5" name="矩形 4"/>
-          <p:cNvSpPr/>
-          <p:nvPr/>
-        </p:nvSpPr>
-        <p:spPr>
-          <a:xfrm>
-            <a:off x="5853311" y="2032149"/>
-            <a:ext cx="5760640" cy="4680520"/>
-          </a:xfrm>
-          <a:prstGeom prst="rect">
-            <a:avLst/>
-          </a:prstGeom>
-          <a:solidFill>
-            <a:srgbClr val="F8FB73"/>
-          </a:solidFill>
-        </p:spPr>
-        <p:style>
-          <a:lnRef idx="2">
-            <a:schemeClr val="accent1">
-              <a:shade val="50000"/>
-            </a:schemeClr>
-          </a:lnRef>
-          <a:fillRef idx="1">
-            <a:schemeClr val="accent1"/>
-          </a:fillRef>
-          <a:effectRef idx="0">
-            <a:schemeClr val="accent1"/>
-          </a:effectRef>
-          <a:fontRef idx="minor">
-            <a:schemeClr val="lt1"/>
-          </a:fontRef>
-        </p:style>
-        <p:txBody>
-          <a:bodyPr rtlCol="0" anchor="ctr"/>
-          <a:lstStyle/>
-          <a:p>
-            <a:pPr algn="ctr"/>
-            <a:endParaRPr lang="zh-CN" altLang="en-US" dirty="0"/>
-          </a:p>
-        </p:txBody>
-      </p:sp>
-      <p:sp>
-        <p:nvSpPr>
-          <p:cNvPr id="6" name="矩形 5"/>
-          <p:cNvSpPr/>
-          <p:nvPr/>
-        </p:nvSpPr>
-        <p:spPr>
-          <a:xfrm>
-            <a:off x="1843336" y="2376931"/>
-            <a:ext cx="2808312" cy="576064"/>
-          </a:xfrm>
-          <a:prstGeom prst="rect">
-            <a:avLst/>
-          </a:prstGeom>
-          <a:solidFill>
-            <a:srgbClr val="FF0000"/>
-          </a:solidFill>
-        </p:spPr>
-        <p:style>
-          <a:lnRef idx="2">
-            <a:schemeClr val="accent1">
-              <a:shade val="50000"/>
-            </a:schemeClr>
-          </a:lnRef>
-          <a:fillRef idx="1">
-            <a:schemeClr val="accent1"/>
-          </a:fillRef>
-          <a:effectRef idx="0">
-            <a:schemeClr val="accent1"/>
-          </a:effectRef>
-          <a:fontRef idx="minor">
-            <a:schemeClr val="lt1"/>
-          </a:fontRef>
-        </p:style>
-        <p:txBody>
-          <a:bodyPr rtlCol="0" anchor="ctr"/>
-          <a:lstStyle/>
-          <a:p>
-            <a:pPr algn="ctr"/>
-            <a:r>
-              <a:rPr lang="en-US" altLang="zh-CN" dirty="0" smtClean="0"/>
-              <a:t>Item information</a:t>
-            </a:r>
-            <a:endParaRPr lang="zh-CN" altLang="en-US" dirty="0"/>
-          </a:p>
-        </p:txBody>
-      </p:sp>
-      <p:sp>
-        <p:nvSpPr>
-          <p:cNvPr id="19" name="矩形 18"/>
-          <p:cNvSpPr/>
-          <p:nvPr/>
-        </p:nvSpPr>
-        <p:spPr>
-          <a:xfrm>
-            <a:off x="1839050" y="3414001"/>
-            <a:ext cx="2808312" cy="576064"/>
-          </a:xfrm>
-          <a:prstGeom prst="rect">
-            <a:avLst/>
-          </a:prstGeom>
-          <a:solidFill>
-            <a:srgbClr val="FF0000"/>
-          </a:solidFill>
-        </p:spPr>
-        <p:style>
-          <a:lnRef idx="2">
-            <a:schemeClr val="accent1">
-              <a:shade val="50000"/>
-            </a:schemeClr>
-          </a:lnRef>
-          <a:fillRef idx="1">
-            <a:schemeClr val="accent1"/>
-          </a:fillRef>
-          <a:effectRef idx="0">
-            <a:schemeClr val="accent1"/>
-          </a:effectRef>
-          <a:fontRef idx="minor">
-            <a:schemeClr val="lt1"/>
-          </a:fontRef>
-        </p:style>
-        <p:txBody>
-          <a:bodyPr rtlCol="0" anchor="ctr"/>
-          <a:lstStyle/>
-          <a:p>
-            <a:pPr algn="ctr"/>
-            <a:r>
-              <a:rPr lang="en-US" altLang="zh-CN" dirty="0"/>
-              <a:t>Item </a:t>
-            </a:r>
-            <a:r>
-              <a:rPr lang="en-US" altLang="zh-CN" dirty="0" smtClean="0"/>
-              <a:t>information</a:t>
-            </a:r>
-            <a:endParaRPr lang="zh-CN" altLang="en-US" dirty="0"/>
-          </a:p>
-        </p:txBody>
-      </p:sp>
-      <p:sp>
-        <p:nvSpPr>
-          <p:cNvPr id="20" name="矩形 19"/>
-          <p:cNvSpPr/>
-          <p:nvPr/>
-        </p:nvSpPr>
-        <p:spPr>
-          <a:xfrm>
-            <a:off x="1832611" y="4451071"/>
-            <a:ext cx="2808312" cy="576064"/>
-          </a:xfrm>
-          <a:prstGeom prst="rect">
-            <a:avLst/>
-          </a:prstGeom>
-          <a:solidFill>
-            <a:srgbClr val="FF0000"/>
-          </a:solidFill>
-        </p:spPr>
-        <p:style>
-          <a:lnRef idx="2">
-            <a:schemeClr val="accent1">
-              <a:shade val="50000"/>
-            </a:schemeClr>
-          </a:lnRef>
-          <a:fillRef idx="1">
-            <a:schemeClr val="accent1"/>
-          </a:fillRef>
-          <a:effectRef idx="0">
-            <a:schemeClr val="accent1"/>
-          </a:effectRef>
-          <a:fontRef idx="minor">
-            <a:schemeClr val="lt1"/>
-          </a:fontRef>
-        </p:style>
-        <p:txBody>
-          <a:bodyPr rtlCol="0" anchor="ctr"/>
-          <a:lstStyle/>
-          <a:p>
-            <a:pPr algn="ctr"/>
-            <a:r>
-              <a:rPr lang="en-US" altLang="zh-CN" dirty="0"/>
-              <a:t>Item </a:t>
-            </a:r>
-            <a:r>
-              <a:rPr lang="en-US" altLang="zh-CN" dirty="0" smtClean="0"/>
-              <a:t>information</a:t>
-            </a:r>
-            <a:endParaRPr lang="zh-CN" altLang="en-US" dirty="0"/>
-          </a:p>
-        </p:txBody>
-      </p:sp>
-      <p:sp>
-        <p:nvSpPr>
-          <p:cNvPr id="21" name="矩形 20"/>
-          <p:cNvSpPr/>
-          <p:nvPr/>
-        </p:nvSpPr>
-        <p:spPr>
-          <a:xfrm>
-            <a:off x="1832611" y="5488141"/>
-            <a:ext cx="2808312" cy="576064"/>
-          </a:xfrm>
-          <a:prstGeom prst="rect">
-            <a:avLst/>
-          </a:prstGeom>
-          <a:solidFill>
-            <a:srgbClr val="FF0000"/>
-          </a:solidFill>
-        </p:spPr>
-        <p:style>
-          <a:lnRef idx="2">
-            <a:schemeClr val="accent1">
-              <a:shade val="50000"/>
-            </a:schemeClr>
-          </a:lnRef>
-          <a:fillRef idx="1">
-            <a:schemeClr val="accent1"/>
-          </a:fillRef>
-          <a:effectRef idx="0">
-            <a:schemeClr val="accent1"/>
-          </a:effectRef>
-          <a:fontRef idx="minor">
-            <a:schemeClr val="lt1"/>
-          </a:fontRef>
-        </p:style>
-        <p:txBody>
-          <a:bodyPr rtlCol="0" anchor="ctr"/>
-          <a:lstStyle/>
-          <a:p>
-            <a:pPr algn="ctr"/>
-            <a:r>
-              <a:rPr lang="en-US" altLang="zh-CN" dirty="0"/>
-              <a:t>Item </a:t>
-            </a:r>
-            <a:r>
-              <a:rPr lang="en-US" altLang="zh-CN" dirty="0" smtClean="0"/>
-              <a:t>information</a:t>
-            </a:r>
-            <a:endParaRPr lang="zh-CN" altLang="en-US" dirty="0"/>
-          </a:p>
-        </p:txBody>
-      </p:sp>
-      <p:sp>
-        <p:nvSpPr>
-          <p:cNvPr id="8" name="文本框 7"/>
-          <p:cNvSpPr txBox="1"/>
-          <p:nvPr/>
-        </p:nvSpPr>
-        <p:spPr>
-          <a:xfrm>
-            <a:off x="3873091" y="1055395"/>
-            <a:ext cx="4608512" cy="369332"/>
-          </a:xfrm>
-          <a:prstGeom prst="rect">
-            <a:avLst/>
-          </a:prstGeom>
-          <a:noFill/>
-        </p:spPr>
-        <p:txBody>
-          <a:bodyPr wrap="square" rtlCol="0">
-            <a:spAutoFit/>
-          </a:bodyPr>
-          <a:lstStyle/>
-          <a:p>
-            <a:pPr algn="ctr"/>
-            <a:r>
-              <a:rPr lang="en-US" altLang="zh-CN" dirty="0" smtClean="0"/>
-              <a:t>Search Box</a:t>
-            </a:r>
-            <a:endParaRPr lang="zh-CN" altLang="en-US" dirty="0"/>
-          </a:p>
-        </p:txBody>
-      </p:sp>
-      <p:sp>
-        <p:nvSpPr>
-          <p:cNvPr id="9" name="文本框 8"/>
-          <p:cNvSpPr txBox="1"/>
-          <p:nvPr/>
-        </p:nvSpPr>
-        <p:spPr>
-          <a:xfrm>
-            <a:off x="5853311" y="1907496"/>
-            <a:ext cx="2304256" cy="646331"/>
-          </a:xfrm>
-          <a:prstGeom prst="rect">
-            <a:avLst/>
-          </a:prstGeom>
-          <a:noFill/>
-        </p:spPr>
-        <p:txBody>
-          <a:bodyPr wrap="square" rtlCol="0">
-            <a:spAutoFit/>
-          </a:bodyPr>
-          <a:lstStyle/>
-          <a:p>
-            <a:r>
-              <a:rPr lang="en-US" altLang="zh-CN" sz="3600" dirty="0" smtClean="0"/>
-              <a:t>Item detail</a:t>
-            </a:r>
-            <a:endParaRPr lang="zh-CN" altLang="en-US" sz="3600" dirty="0"/>
-          </a:p>
-        </p:txBody>
-      </p:sp>
-    </p:spTree>
-    <p:extLst>
-      <p:ext uri="{BB962C8B-B14F-4D97-AF65-F5344CB8AC3E}">
-        <p14:creationId xmlns:p14="http://schemas.microsoft.com/office/powerpoint/2010/main" val="4035331477"/>
-      </p:ext>
-    </p:extLst>
-  </p:cSld>
-  <p:clrMapOvr>
-    <a:masterClrMapping/>
-  </p:clrMapOvr>
-  <mc:AlternateContent xmlns:mc="http://schemas.openxmlformats.org/markup-compatibility/2006">
-    <mc:Choice xmlns:p14="http://schemas.microsoft.com/office/powerpoint/2010/main" Requires="p14">
-      <p:transition spd="slow" p14:dur="1200">
-        <p14:prism/>
-      </p:transition>
-    </mc:Choice>
-    <mc:Fallback>
-      <p:transition spd="slow">
-        <p:fade/>
-      </p:transition>
-    </mc:Fallback>
-  </mc:AlternateContent>
-  <p:timing>
-    <p:tnLst>
-      <p:par>
-        <p:cTn id="1" dur="indefinite" restart="never" nodeType="tmRoot"/>
-      </p:par>
-    </p:tnLst>
   </p:timing>
 </p:sld>
 </file>
